--- a/k8s practice.pptx
+++ b/k8s practice.pptx
@@ -2991,7 +2991,7 @@
         <p:spPr>
           <a:xfrm>
             <a:off x="243281" y="181916"/>
-            <a:ext cx="4739780" cy="1347228"/>
+            <a:ext cx="4739780" cy="1210781"/>
           </a:xfrm>
           <a:prstGeom prst="rect">
             <a:avLst/>
@@ -3010,21 +3010,21 @@
               </a:lnSpc>
             </a:pPr>
             <a:r>
-              <a:rPr lang="en-US" altLang="ko-KR" sz="1400" b="1">
+              <a:rPr lang="en-US" altLang="ko-KR" sz="1400" b="1" dirty="0">
                 <a:latin typeface="맑은 고딕" panose="02000403000000020004" pitchFamily="50" charset="-127"/>
                 <a:ea typeface="맑은 고딕" panose="02000403000000020004" pitchFamily="50" charset="-127"/>
               </a:rPr>
               <a:t>K8S </a:t>
             </a:r>
             <a:r>
-              <a:rPr lang="ko-KR" altLang="en-US" sz="1400" b="1">
+              <a:rPr lang="ko-KR" altLang="en-US" sz="1400" b="1" dirty="0">
                 <a:latin typeface="맑은 고딕" panose="02000403000000020004" pitchFamily="50" charset="-127"/>
                 <a:ea typeface="맑은 고딕" panose="02000403000000020004" pitchFamily="50" charset="-127"/>
               </a:rPr>
               <a:t>실습은 왜 하는가</a:t>
             </a:r>
             <a:r>
-              <a:rPr lang="en-US" altLang="ko-KR" sz="1400" b="1">
+              <a:rPr lang="en-US" altLang="ko-KR" sz="1400" b="1" dirty="0">
                 <a:latin typeface="맑은 고딕" panose="02000403000000020004" pitchFamily="50" charset="-127"/>
                 <a:ea typeface="맑은 고딕" panose="02000403000000020004" pitchFamily="50" charset="-127"/>
               </a:rPr>
@@ -3039,14 +3039,14 @@
               <a:buAutoNum type="arabicPeriod"/>
             </a:pPr>
             <a:r>
-              <a:rPr lang="ko-KR" altLang="en-US" sz="1400">
+              <a:rPr lang="ko-KR" altLang="en-US" sz="1200" dirty="0">
                 <a:latin typeface="맑은 고딕" panose="02000403000000020004" pitchFamily="50" charset="-127"/>
                 <a:ea typeface="맑은 고딕" panose="02000403000000020004" pitchFamily="50" charset="-127"/>
               </a:rPr>
               <a:t>알아야 질문하거나 요구할 수 있다</a:t>
             </a:r>
             <a:r>
-              <a:rPr lang="en-US" altLang="ko-KR" sz="1400">
+              <a:rPr lang="en-US" altLang="ko-KR" sz="1200" dirty="0">
                 <a:latin typeface="맑은 고딕" panose="02000403000000020004" pitchFamily="50" charset="-127"/>
                 <a:ea typeface="맑은 고딕" panose="02000403000000020004" pitchFamily="50" charset="-127"/>
               </a:rPr>
@@ -3061,14 +3061,14 @@
               <a:buAutoNum type="arabicPeriod"/>
             </a:pPr>
             <a:r>
-              <a:rPr lang="ko-KR" altLang="en-US" sz="1400">
+              <a:rPr lang="ko-KR" altLang="en-US" sz="1200" dirty="0">
                 <a:latin typeface="맑은 고딕" panose="02000403000000020004" pitchFamily="50" charset="-127"/>
                 <a:ea typeface="맑은 고딕" panose="02000403000000020004" pitchFamily="50" charset="-127"/>
               </a:rPr>
               <a:t>할 수 있다는 도전의식을 높인다</a:t>
             </a:r>
             <a:r>
-              <a:rPr lang="en-US" altLang="ko-KR" sz="1400">
+              <a:rPr lang="en-US" altLang="ko-KR" sz="1200" dirty="0">
                 <a:latin typeface="맑은 고딕" panose="02000403000000020004" pitchFamily="50" charset="-127"/>
                 <a:ea typeface="맑은 고딕" panose="02000403000000020004" pitchFamily="50" charset="-127"/>
               </a:rPr>
@@ -3083,20 +3083,20 @@
               <a:buAutoNum type="arabicPeriod"/>
             </a:pPr>
             <a:r>
-              <a:rPr lang="ko-KR" altLang="en-US" sz="1400">
+              <a:rPr lang="ko-KR" altLang="en-US" sz="1200" dirty="0">
                 <a:latin typeface="맑은 고딕" panose="02000403000000020004" pitchFamily="50" charset="-127"/>
                 <a:ea typeface="맑은 고딕" panose="02000403000000020004" pitchFamily="50" charset="-127"/>
               </a:rPr>
               <a:t>해 봐야만 제대로 알 수 있다</a:t>
             </a:r>
             <a:r>
-              <a:rPr lang="en-US" altLang="ko-KR" sz="1400">
+              <a:rPr lang="en-US" altLang="ko-KR" sz="1200" dirty="0">
                 <a:latin typeface="맑은 고딕" panose="02000403000000020004" pitchFamily="50" charset="-127"/>
                 <a:ea typeface="맑은 고딕" panose="02000403000000020004" pitchFamily="50" charset="-127"/>
               </a:rPr>
               <a:t>.</a:t>
             </a:r>
-            <a:endParaRPr lang="en-US" altLang="ko-KR" sz="1400" b="1">
+            <a:endParaRPr lang="en-US" altLang="ko-KR" sz="1200" b="1" dirty="0">
               <a:latin typeface="맑은 고딕" panose="02000403000000020004" pitchFamily="50" charset="-127"/>
               <a:ea typeface="맑은 고딕" panose="02000403000000020004" pitchFamily="50" charset="-127"/>
             </a:endParaRPr>
@@ -3137,14 +3137,14 @@
               </a:lnSpc>
             </a:pPr>
             <a:r>
-              <a:rPr lang="ko-KR" altLang="en-US" sz="1400" b="1">
+              <a:rPr lang="ko-KR" altLang="en-US" sz="1400" b="1" dirty="0">
                 <a:latin typeface="맑은 고딕" panose="02000403000000020004" pitchFamily="50" charset="-127"/>
                 <a:ea typeface="맑은 고딕" panose="02000403000000020004" pitchFamily="50" charset="-127"/>
               </a:rPr>
               <a:t>무엇을 실습하는가</a:t>
             </a:r>
             <a:r>
-              <a:rPr lang="en-US" altLang="ko-KR" sz="1400" b="1">
+              <a:rPr lang="en-US" altLang="ko-KR" sz="1400" b="1" dirty="0">
                 <a:latin typeface="맑은 고딕" panose="02000403000000020004" pitchFamily="50" charset="-127"/>
                 <a:ea typeface="맑은 고딕" panose="02000403000000020004" pitchFamily="50" charset="-127"/>
               </a:rPr>
@@ -3160,20 +3160,20 @@
               <a:buChar char="•"/>
             </a:pPr>
             <a:r>
-              <a:rPr lang="en-US" altLang="ko-KR" sz="1200">
+              <a:rPr lang="en-US" altLang="ko-KR" sz="1200" dirty="0">
                 <a:latin typeface="맑은 고딕" panose="02000403000000020004" pitchFamily="50" charset="-127"/>
                 <a:ea typeface="맑은 고딕" panose="02000403000000020004" pitchFamily="50" charset="-127"/>
               </a:rPr>
               <a:t>K8S</a:t>
             </a:r>
             <a:r>
-              <a:rPr lang="ko-KR" altLang="en-US" sz="1200">
+              <a:rPr lang="ko-KR" altLang="en-US" sz="1200" dirty="0">
                 <a:latin typeface="맑은 고딕" panose="02000403000000020004" pitchFamily="50" charset="-127"/>
                 <a:ea typeface="맑은 고딕" panose="02000403000000020004" pitchFamily="50" charset="-127"/>
               </a:rPr>
               <a:t> 클러스터 초기 설치와 구성</a:t>
             </a:r>
-            <a:endParaRPr lang="en-US" altLang="ko-KR" sz="1200">
+            <a:endParaRPr lang="en-US" altLang="ko-KR" sz="1200" dirty="0">
               <a:latin typeface="맑은 고딕" panose="02000403000000020004" pitchFamily="50" charset="-127"/>
               <a:ea typeface="맑은 고딕" panose="02000403000000020004" pitchFamily="50" charset="-127"/>
             </a:endParaRPr>
@@ -3187,20 +3187,20 @@
               <a:buChar char="•"/>
             </a:pPr>
             <a:r>
-              <a:rPr lang="en-US" altLang="ko-KR" sz="1200">
+              <a:rPr lang="en-US" altLang="ko-KR" sz="1200" dirty="0">
                 <a:latin typeface="맑은 고딕" panose="02000403000000020004" pitchFamily="50" charset="-127"/>
                 <a:ea typeface="맑은 고딕" panose="02000403000000020004" pitchFamily="50" charset="-127"/>
               </a:rPr>
               <a:t>K8S </a:t>
             </a:r>
             <a:r>
-              <a:rPr lang="ko-KR" altLang="en-US" sz="1200">
+              <a:rPr lang="ko-KR" altLang="en-US" sz="1200" dirty="0">
                 <a:latin typeface="맑은 고딕" panose="02000403000000020004" pitchFamily="50" charset="-127"/>
                 <a:ea typeface="맑은 고딕" panose="02000403000000020004" pitchFamily="50" charset="-127"/>
               </a:rPr>
               <a:t>네트워크 구성</a:t>
             </a:r>
-            <a:endParaRPr lang="en-US" altLang="ko-KR" sz="1200">
+            <a:endParaRPr lang="en-US" altLang="ko-KR" sz="1200" dirty="0">
               <a:latin typeface="맑은 고딕" panose="02000403000000020004" pitchFamily="50" charset="-127"/>
               <a:ea typeface="맑은 고딕" panose="02000403000000020004" pitchFamily="50" charset="-127"/>
             </a:endParaRPr>
@@ -3214,21 +3214,21 @@
               <a:buChar char="•"/>
             </a:pPr>
             <a:r>
-              <a:rPr lang="en-US" altLang="ko-KR" sz="1200">
+              <a:rPr lang="en-US" altLang="ko-KR" sz="1200" dirty="0">
                 <a:latin typeface="맑은 고딕" panose="02000403000000020004" pitchFamily="50" charset="-127"/>
                 <a:ea typeface="맑은 고딕" panose="02000403000000020004" pitchFamily="50" charset="-127"/>
               </a:rPr>
               <a:t>K8S HPA</a:t>
             </a:r>
             <a:r>
-              <a:rPr lang="ko-KR" altLang="en-US" sz="1200">
+              <a:rPr lang="ko-KR" altLang="en-US" sz="1200" dirty="0">
                 <a:latin typeface="맑은 고딕" panose="02000403000000020004" pitchFamily="50" charset="-127"/>
                 <a:ea typeface="맑은 고딕" panose="02000403000000020004" pitchFamily="50" charset="-127"/>
               </a:rPr>
               <a:t>를 이용한 </a:t>
             </a:r>
             <a:r>
-              <a:rPr lang="en-US" altLang="ko-KR" sz="1200">
+              <a:rPr lang="en-US" altLang="ko-KR" sz="1200" dirty="0">
                 <a:latin typeface="맑은 고딕" panose="02000403000000020004" pitchFamily="50" charset="-127"/>
                 <a:ea typeface="맑은 고딕" panose="02000403000000020004" pitchFamily="50" charset="-127"/>
               </a:rPr>
@@ -3244,20 +3244,20 @@
               <a:buChar char="•"/>
             </a:pPr>
             <a:r>
-              <a:rPr lang="en-US" altLang="ko-KR" sz="1200">
+              <a:rPr lang="en-US" altLang="ko-KR" sz="1200" dirty="0">
                 <a:latin typeface="맑은 고딕" panose="02000403000000020004" pitchFamily="50" charset="-127"/>
                 <a:ea typeface="맑은 고딕" panose="02000403000000020004" pitchFamily="50" charset="-127"/>
               </a:rPr>
               <a:t>K8S </a:t>
             </a:r>
             <a:r>
-              <a:rPr lang="ko-KR" altLang="en-US" sz="1200">
+              <a:rPr lang="ko-KR" altLang="en-US" sz="1200" dirty="0">
                 <a:latin typeface="맑은 고딕" panose="02000403000000020004" pitchFamily="50" charset="-127"/>
                 <a:ea typeface="맑은 고딕" panose="02000403000000020004" pitchFamily="50" charset="-127"/>
               </a:rPr>
               <a:t>대시모드 모니터링 구성</a:t>
             </a:r>
-            <a:endParaRPr lang="en-US" altLang="ko-KR" sz="1200">
+            <a:endParaRPr lang="en-US" altLang="ko-KR" sz="1200" dirty="0">
               <a:latin typeface="맑은 고딕" panose="02000403000000020004" pitchFamily="50" charset="-127"/>
               <a:ea typeface="맑은 고딕" panose="02000403000000020004" pitchFamily="50" charset="-127"/>
             </a:endParaRPr>
@@ -3271,34 +3271,34 @@
               <a:buChar char="•"/>
             </a:pPr>
             <a:r>
-              <a:rPr lang="en-US" altLang="ko-KR" sz="1200">
+              <a:rPr lang="en-US" altLang="ko-KR" sz="1200" dirty="0">
                 <a:latin typeface="맑은 고딕" panose="02000403000000020004" pitchFamily="50" charset="-127"/>
                 <a:ea typeface="맑은 고딕" panose="02000403000000020004" pitchFamily="50" charset="-127"/>
               </a:rPr>
               <a:t>Vagrant</a:t>
             </a:r>
             <a:r>
-              <a:rPr lang="ko-KR" altLang="en-US" sz="1200">
+              <a:rPr lang="ko-KR" altLang="en-US" sz="1200" dirty="0">
                 <a:latin typeface="맑은 고딕" panose="02000403000000020004" pitchFamily="50" charset="-127"/>
                 <a:ea typeface="맑은 고딕" panose="02000403000000020004" pitchFamily="50" charset="-127"/>
               </a:rPr>
               <a:t>와 </a:t>
             </a:r>
             <a:r>
-              <a:rPr lang="en-US" altLang="ko-KR" sz="1200">
+              <a:rPr lang="en-US" altLang="ko-KR" sz="1200" dirty="0">
                 <a:latin typeface="맑은 고딕" panose="02000403000000020004" pitchFamily="50" charset="-127"/>
                 <a:ea typeface="맑은 고딕" panose="02000403000000020004" pitchFamily="50" charset="-127"/>
               </a:rPr>
               <a:t>VirtualBox</a:t>
             </a:r>
             <a:r>
-              <a:rPr lang="ko-KR" altLang="en-US" sz="1200">
+              <a:rPr lang="ko-KR" altLang="en-US" sz="1200" dirty="0">
                 <a:latin typeface="맑은 고딕" panose="02000403000000020004" pitchFamily="50" charset="-127"/>
                 <a:ea typeface="맑은 고딕" panose="02000403000000020004" pitchFamily="50" charset="-127"/>
               </a:rPr>
               <a:t>를 이용한 자동화된 실습 환경 구성</a:t>
             </a:r>
-            <a:endParaRPr lang="en-US" altLang="ko-KR" sz="1200">
+            <a:endParaRPr lang="en-US" altLang="ko-KR" sz="1200" dirty="0">
               <a:latin typeface="맑은 고딕" panose="02000403000000020004" pitchFamily="50" charset="-127"/>
               <a:ea typeface="맑은 고딕" panose="02000403000000020004" pitchFamily="50" charset="-127"/>
             </a:endParaRPr>
@@ -3312,41 +3312,41 @@
               <a:buChar char="•"/>
             </a:pPr>
             <a:r>
-              <a:rPr lang="ko-KR" altLang="en-US" sz="1200">
+              <a:rPr lang="ko-KR" altLang="en-US" sz="1200" dirty="0">
                 <a:latin typeface="맑은 고딕" panose="02000403000000020004" pitchFamily="50" charset="-127"/>
                 <a:ea typeface="맑은 고딕" panose="02000403000000020004" pitchFamily="50" charset="-127"/>
               </a:rPr>
               <a:t>이미지 변환 오픈소스 제품 </a:t>
             </a:r>
             <a:r>
-              <a:rPr lang="en-US" altLang="ko-KR" sz="1200">
+              <a:rPr lang="en-US" altLang="ko-KR" sz="1200" dirty="0">
                 <a:latin typeface="맑은 고딕" panose="02000403000000020004" pitchFamily="50" charset="-127"/>
                 <a:ea typeface="맑은 고딕" panose="02000403000000020004" pitchFamily="50" charset="-127"/>
               </a:rPr>
               <a:t>Imaginary</a:t>
             </a:r>
             <a:r>
-              <a:rPr lang="ko-KR" altLang="en-US" sz="1200">
+              <a:rPr lang="ko-KR" altLang="en-US" sz="1200" dirty="0">
                 <a:latin typeface="맑은 고딕" panose="02000403000000020004" pitchFamily="50" charset="-127"/>
                 <a:ea typeface="맑은 고딕" panose="02000403000000020004" pitchFamily="50" charset="-127"/>
               </a:rPr>
               <a:t>를 이용한 다중 </a:t>
             </a:r>
             <a:r>
-              <a:rPr lang="en-US" altLang="ko-KR" sz="1200">
+              <a:rPr lang="en-US" altLang="ko-KR" sz="1200" dirty="0">
                 <a:latin typeface="맑은 고딕" panose="02000403000000020004" pitchFamily="50" charset="-127"/>
                 <a:ea typeface="맑은 고딕" panose="02000403000000020004" pitchFamily="50" charset="-127"/>
               </a:rPr>
               <a:t>POD </a:t>
             </a:r>
             <a:r>
-              <a:rPr lang="ko-KR" altLang="en-US" sz="1200">
+              <a:rPr lang="ko-KR" altLang="en-US" sz="1200" dirty="0">
                 <a:latin typeface="맑은 고딕" panose="02000403000000020004" pitchFamily="50" charset="-127"/>
                 <a:ea typeface="맑은 고딕" panose="02000403000000020004" pitchFamily="50" charset="-127"/>
               </a:rPr>
               <a:t>구성</a:t>
             </a:r>
-            <a:endParaRPr lang="en-US" altLang="ko-KR" sz="1200">
+            <a:endParaRPr lang="en-US" altLang="ko-KR" sz="1200" dirty="0">
               <a:latin typeface="맑은 고딕" panose="02000403000000020004" pitchFamily="50" charset="-127"/>
               <a:ea typeface="맑은 고딕" panose="02000403000000020004" pitchFamily="50" charset="-127"/>
             </a:endParaRPr>
@@ -3360,7 +3360,7 @@
               <a:buChar char="•"/>
             </a:pPr>
             <a:r>
-              <a:rPr lang="ko-KR" altLang="en-US" sz="1200">
+              <a:rPr lang="ko-KR" altLang="en-US" sz="1200" dirty="0">
                 <a:latin typeface="맑은 고딕" panose="02000403000000020004" pitchFamily="50" charset="-127"/>
                 <a:ea typeface="맑은 고딕" panose="02000403000000020004" pitchFamily="50" charset="-127"/>
               </a:rPr>
@@ -11019,12 +11019,197 @@
           </a:p>
         </p:txBody>
       </p:sp>
+      <p:sp>
+        <p:nvSpPr>
+          <p:cNvPr id="48" name="TextBox 47">
+            <a:extLst>
+              <a:ext uri="{FF2B5EF4-FFF2-40B4-BE49-F238E27FC236}">
+                <a16:creationId xmlns:a16="http://schemas.microsoft.com/office/drawing/2014/main" id="{26A6B9C4-9A96-4542-9456-BC0CFE3FEDFC}"/>
+              </a:ext>
+            </a:extLst>
+          </p:cNvPr>
+          <p:cNvSpPr txBox="1"/>
+          <p:nvPr/>
+        </p:nvSpPr>
+        <p:spPr>
+          <a:xfrm>
+            <a:off x="1967962" y="1090677"/>
+            <a:ext cx="4541628" cy="336952"/>
+          </a:xfrm>
+          <a:prstGeom prst="rect">
+            <a:avLst/>
+          </a:prstGeom>
+          <a:noFill/>
+        </p:spPr>
+        <p:txBody>
+          <a:bodyPr wrap="none" rtlCol="0">
+            <a:spAutoFit/>
+          </a:bodyPr>
+          <a:lstStyle/>
+          <a:p>
+            <a:pPr>
+              <a:lnSpc>
+                <a:spcPct val="150000"/>
+              </a:lnSpc>
+            </a:pPr>
+            <a:r>
+              <a:rPr lang="en-US" altLang="ko-KR" sz="1200">
+                <a:latin typeface="맑은 고딕" panose="02000403000000020004" pitchFamily="50" charset="-127"/>
+              </a:rPr>
+              <a:t>(ssh, 3</a:t>
+            </a:r>
+            <a:r>
+              <a:rPr lang="ko-KR" altLang="en-US" sz="1200">
+                <a:latin typeface="맑은 고딕" panose="02000403000000020004" pitchFamily="50" charset="-127"/>
+              </a:rPr>
+              <a:t>개 노드에서 모두 실행</a:t>
+            </a:r>
+            <a:r>
+              <a:rPr lang="en-US" altLang="ko-KR" sz="1200">
+                <a:latin typeface="맑은 고딕" panose="02000403000000020004" pitchFamily="50" charset="-127"/>
+              </a:rPr>
+              <a:t>) </a:t>
+            </a:r>
+            <a:r>
+              <a:rPr lang="en-US" altLang="ko-KR" sz="1200" b="1">
+                <a:latin typeface="맑은 고딕" panose="02000403000000020004" pitchFamily="50" charset="-127"/>
+              </a:rPr>
+              <a:t>p2-k8s-cluster-setup/oneshot-kill.sh</a:t>
+            </a:r>
+            <a:endParaRPr lang="ko-KR" altLang="en-US" sz="1200" b="1">
+              <a:latin typeface="맑은 고딕" panose="02000403000000020004" pitchFamily="50" charset="-127"/>
+              <a:ea typeface="맑은 고딕" panose="02000403000000020004" pitchFamily="50" charset="-127"/>
+            </a:endParaRPr>
+          </a:p>
+        </p:txBody>
+      </p:sp>
+      <p:sp>
+        <p:nvSpPr>
+          <p:cNvPr id="14" name="TextBox 13">
+            <a:extLst>
+              <a:ext uri="{FF2B5EF4-FFF2-40B4-BE49-F238E27FC236}">
+                <a16:creationId xmlns:a16="http://schemas.microsoft.com/office/drawing/2014/main" id="{42CC8CA0-E427-4F05-9EFA-0664CD59B813}"/>
+              </a:ext>
+            </a:extLst>
+          </p:cNvPr>
+          <p:cNvSpPr txBox="1"/>
+          <p:nvPr/>
+        </p:nvSpPr>
+        <p:spPr>
+          <a:xfrm>
+            <a:off x="243281" y="2401391"/>
+            <a:ext cx="7489551" cy="336952"/>
+          </a:xfrm>
+          <a:prstGeom prst="rect">
+            <a:avLst/>
+          </a:prstGeom>
+          <a:noFill/>
+        </p:spPr>
+        <p:txBody>
+          <a:bodyPr wrap="none" rtlCol="0">
+            <a:spAutoFit/>
+          </a:bodyPr>
+          <a:lstStyle/>
+          <a:p>
+            <a:pPr>
+              <a:lnSpc>
+                <a:spcPct val="150000"/>
+              </a:lnSpc>
+            </a:pPr>
+            <a:r>
+              <a:rPr lang="ko-KR" altLang="en-US" sz="1200">
+                <a:latin typeface="맑은 고딕" panose="02000403000000020004" pitchFamily="50" charset="-127"/>
+                <a:ea typeface="맑은 고딕" panose="02000403000000020004" pitchFamily="50" charset="-127"/>
+              </a:rPr>
+              <a:t>마스터 노드에서 실행한 후 거의 마지막에 출력하는 </a:t>
+            </a:r>
+            <a:r>
+              <a:rPr lang="en-US" altLang="ko-KR" sz="1200" b="1">
+                <a:latin typeface="맑은 고딕" panose="02000403000000020004" pitchFamily="50" charset="-127"/>
+                <a:ea typeface="맑은 고딕" panose="02000403000000020004" pitchFamily="50" charset="-127"/>
+              </a:rPr>
+              <a:t>kubeadm join …</a:t>
+            </a:r>
+            <a:r>
+              <a:rPr lang="en-US" altLang="ko-KR" sz="1200">
+                <a:latin typeface="맑은 고딕" panose="02000403000000020004" pitchFamily="50" charset="-127"/>
+                <a:ea typeface="맑은 고딕" panose="02000403000000020004" pitchFamily="50" charset="-127"/>
+              </a:rPr>
+              <a:t> </a:t>
+            </a:r>
+            <a:r>
+              <a:rPr lang="ko-KR" altLang="en-US" sz="1200">
+                <a:latin typeface="맑은 고딕" panose="02000403000000020004" pitchFamily="50" charset="-127"/>
+                <a:ea typeface="맑은 고딕" panose="02000403000000020004" pitchFamily="50" charset="-127"/>
+              </a:rPr>
+              <a:t>명령어를 복사하여 워커노드에서 각각 실행해야 한다</a:t>
+            </a:r>
+            <a:r>
+              <a:rPr lang="en-US" altLang="ko-KR" sz="1200">
+                <a:latin typeface="맑은 고딕" panose="02000403000000020004" pitchFamily="50" charset="-127"/>
+                <a:ea typeface="맑은 고딕" panose="02000403000000020004" pitchFamily="50" charset="-127"/>
+              </a:rPr>
+              <a:t>.</a:t>
+            </a:r>
+            <a:endParaRPr lang="ko-KR" altLang="en-US" sz="1200">
+              <a:latin typeface="맑은 고딕" panose="02000403000000020004" pitchFamily="50" charset="-127"/>
+              <a:ea typeface="맑은 고딕" panose="02000403000000020004" pitchFamily="50" charset="-127"/>
+            </a:endParaRPr>
+          </a:p>
+        </p:txBody>
+      </p:sp>
+      <p:sp>
+        <p:nvSpPr>
+          <p:cNvPr id="16" name="TextBox 15">
+            <a:extLst>
+              <a:ext uri="{FF2B5EF4-FFF2-40B4-BE49-F238E27FC236}">
+                <a16:creationId xmlns:a16="http://schemas.microsoft.com/office/drawing/2014/main" id="{2A10493C-0AD0-4FCF-A36D-C5D52158353E}"/>
+              </a:ext>
+            </a:extLst>
+          </p:cNvPr>
+          <p:cNvSpPr txBox="1"/>
+          <p:nvPr/>
+        </p:nvSpPr>
+        <p:spPr>
+          <a:xfrm>
+            <a:off x="243281" y="2023659"/>
+            <a:ext cx="1156086" cy="377732"/>
+          </a:xfrm>
+          <a:prstGeom prst="rect">
+            <a:avLst/>
+          </a:prstGeom>
+          <a:noFill/>
+        </p:spPr>
+        <p:txBody>
+          <a:bodyPr wrap="none" rtlCol="0">
+            <a:spAutoFit/>
+          </a:bodyPr>
+          <a:lstStyle/>
+          <a:p>
+            <a:pPr>
+              <a:lnSpc>
+                <a:spcPct val="150000"/>
+              </a:lnSpc>
+            </a:pPr>
+            <a:r>
+              <a:rPr lang="ko-KR" altLang="en-US" sz="1400" b="1">
+                <a:latin typeface="맑은 고딕" panose="02000403000000020004" pitchFamily="50" charset="-127"/>
+              </a:rPr>
+              <a:t>📣 유의 사항</a:t>
+            </a:r>
+            <a:endParaRPr lang="ko-KR" altLang="en-US" sz="1200">
+              <a:latin typeface="맑은 고딕" panose="02000403000000020004" pitchFamily="50" charset="-127"/>
+              <a:ea typeface="맑은 고딕" panose="02000403000000020004" pitchFamily="50" charset="-127"/>
+            </a:endParaRPr>
+          </a:p>
+        </p:txBody>
+      </p:sp>
       <p:grpSp>
         <p:nvGrpSpPr>
-          <p:cNvPr id="6" name="그룹 5">
+          <p:cNvPr id="11" name="그룹 10">
             <a:extLst>
               <a:ext uri="{FF2B5EF4-FFF2-40B4-BE49-F238E27FC236}">
-                <a16:creationId xmlns:a16="http://schemas.microsoft.com/office/drawing/2014/main" id="{BD5406EC-6030-43D7-B778-1A938CAF8C42}"/>
+                <a16:creationId xmlns:a16="http://schemas.microsoft.com/office/drawing/2014/main" id="{1B842C84-1BD4-1328-6BC5-25A0226EAA74}"/>
               </a:ext>
             </a:extLst>
           </p:cNvPr>
@@ -11033,7 +11218,7 @@
         </p:nvGrpSpPr>
         <p:grpSpPr>
           <a:xfrm>
-            <a:off x="620785" y="1090677"/>
+            <a:off x="377503" y="1090677"/>
             <a:ext cx="1226527" cy="356712"/>
             <a:chOff x="620785" y="1154075"/>
             <a:chExt cx="1226527" cy="356712"/>
@@ -11041,10 +11226,10 @@
         </p:grpSpPr>
         <p:pic>
           <p:nvPicPr>
-            <p:cNvPr id="5" name="Picture 4" descr="Bulb PNG High Quality Image - Pngroyale">
+            <p:cNvPr id="12" name="Picture 4" descr="Bulb PNG High Quality Image - Pngroyale">
               <a:extLst>
                 <a:ext uri="{FF2B5EF4-FFF2-40B4-BE49-F238E27FC236}">
-                  <a16:creationId xmlns:a16="http://schemas.microsoft.com/office/drawing/2014/main" id="{45EAE360-CDD2-45B7-832F-AB3638620782}"/>
+                  <a16:creationId xmlns:a16="http://schemas.microsoft.com/office/drawing/2014/main" id="{357503D0-09B0-BC81-2BB8-48DEAB2C9E88}"/>
                 </a:ext>
               </a:extLst>
             </p:cNvPr>
@@ -11088,10 +11273,10 @@
         </p:pic>
         <p:sp>
           <p:nvSpPr>
-            <p:cNvPr id="47" name="TextBox 46">
+            <p:cNvPr id="13" name="TextBox 12">
               <a:extLst>
                 <a:ext uri="{FF2B5EF4-FFF2-40B4-BE49-F238E27FC236}">
-                  <a16:creationId xmlns:a16="http://schemas.microsoft.com/office/drawing/2014/main" id="{9276BD78-8606-49B0-B7E7-13EF3E7A4ED9}"/>
+                  <a16:creationId xmlns:a16="http://schemas.microsoft.com/office/drawing/2014/main" id="{FCF05153-6393-6051-DD2C-0B44054A641C}"/>
                 </a:ext>
               </a:extLst>
             </p:cNvPr>
@@ -11130,191 +11315,6 @@
           </p:txBody>
         </p:sp>
       </p:grpSp>
-      <p:sp>
-        <p:nvSpPr>
-          <p:cNvPr id="48" name="TextBox 47">
-            <a:extLst>
-              <a:ext uri="{FF2B5EF4-FFF2-40B4-BE49-F238E27FC236}">
-                <a16:creationId xmlns:a16="http://schemas.microsoft.com/office/drawing/2014/main" id="{26A6B9C4-9A96-4542-9456-BC0CFE3FEDFC}"/>
-              </a:ext>
-            </a:extLst>
-          </p:cNvPr>
-          <p:cNvSpPr txBox="1"/>
-          <p:nvPr/>
-        </p:nvSpPr>
-        <p:spPr>
-          <a:xfrm>
-            <a:off x="1967962" y="1090677"/>
-            <a:ext cx="4541628" cy="336952"/>
-          </a:xfrm>
-          <a:prstGeom prst="rect">
-            <a:avLst/>
-          </a:prstGeom>
-          <a:noFill/>
-        </p:spPr>
-        <p:txBody>
-          <a:bodyPr wrap="none" rtlCol="0">
-            <a:spAutoFit/>
-          </a:bodyPr>
-          <a:lstStyle/>
-          <a:p>
-            <a:pPr>
-              <a:lnSpc>
-                <a:spcPct val="150000"/>
-              </a:lnSpc>
-            </a:pPr>
-            <a:r>
-              <a:rPr lang="en-US" altLang="ko-KR" sz="1200">
-                <a:latin typeface="맑은 고딕" panose="02000403000000020004" pitchFamily="50" charset="-127"/>
-              </a:rPr>
-              <a:t>(ssh, 3</a:t>
-            </a:r>
-            <a:r>
-              <a:rPr lang="ko-KR" altLang="en-US" sz="1200">
-                <a:latin typeface="맑은 고딕" panose="02000403000000020004" pitchFamily="50" charset="-127"/>
-              </a:rPr>
-              <a:t>개 노드에서 모두 실행</a:t>
-            </a:r>
-            <a:r>
-              <a:rPr lang="en-US" altLang="ko-KR" sz="1200">
-                <a:latin typeface="맑은 고딕" panose="02000403000000020004" pitchFamily="50" charset="-127"/>
-              </a:rPr>
-              <a:t>) </a:t>
-            </a:r>
-            <a:r>
-              <a:rPr lang="en-US" altLang="ko-KR" sz="1200" b="1">
-                <a:latin typeface="맑은 고딕" panose="02000403000000020004" pitchFamily="50" charset="-127"/>
-              </a:rPr>
-              <a:t>p2-k8s-cluster-setup/oneshot-kill.sh</a:t>
-            </a:r>
-            <a:endParaRPr lang="ko-KR" altLang="en-US" sz="1200" b="1">
-              <a:latin typeface="맑은 고딕" panose="02000403000000020004" pitchFamily="50" charset="-127"/>
-              <a:ea typeface="맑은 고딕" panose="02000403000000020004" pitchFamily="50" charset="-127"/>
-            </a:endParaRPr>
-          </a:p>
-        </p:txBody>
-      </p:sp>
-      <p:sp>
-        <p:nvSpPr>
-          <p:cNvPr id="14" name="TextBox 13">
-            <a:extLst>
-              <a:ext uri="{FF2B5EF4-FFF2-40B4-BE49-F238E27FC236}">
-                <a16:creationId xmlns:a16="http://schemas.microsoft.com/office/drawing/2014/main" id="{42CC8CA0-E427-4F05-9EFA-0664CD59B813}"/>
-              </a:ext>
-            </a:extLst>
-          </p:cNvPr>
-          <p:cNvSpPr txBox="1"/>
-          <p:nvPr/>
-        </p:nvSpPr>
-        <p:spPr>
-          <a:xfrm>
-            <a:off x="243281" y="2401391"/>
-            <a:ext cx="7489551" cy="336952"/>
-          </a:xfrm>
-          <a:prstGeom prst="rect">
-            <a:avLst/>
-          </a:prstGeom>
-          <a:noFill/>
-        </p:spPr>
-        <p:txBody>
-          <a:bodyPr wrap="none" rtlCol="0">
-            <a:spAutoFit/>
-          </a:bodyPr>
-          <a:lstStyle/>
-          <a:p>
-            <a:pPr>
-              <a:lnSpc>
-                <a:spcPct val="150000"/>
-              </a:lnSpc>
-            </a:pPr>
-            <a:r>
-              <a:rPr lang="ko-KR" altLang="en-US" sz="1200">
-                <a:latin typeface="맑은 고딕" panose="02000403000000020004" pitchFamily="50" charset="-127"/>
-                <a:ea typeface="맑은 고딕" panose="02000403000000020004" pitchFamily="50" charset="-127"/>
-              </a:rPr>
-              <a:t>마스터 노드에서 실행한 후 거의 마지막에 출력하는 </a:t>
-            </a:r>
-            <a:r>
-              <a:rPr lang="en-US" altLang="ko-KR" sz="1200" b="1">
-                <a:latin typeface="맑은 고딕" panose="02000403000000020004" pitchFamily="50" charset="-127"/>
-                <a:ea typeface="맑은 고딕" panose="02000403000000020004" pitchFamily="50" charset="-127"/>
-              </a:rPr>
-              <a:t>kubeadm join …</a:t>
-            </a:r>
-            <a:r>
-              <a:rPr lang="en-US" altLang="ko-KR" sz="1200">
-                <a:latin typeface="맑은 고딕" panose="02000403000000020004" pitchFamily="50" charset="-127"/>
-                <a:ea typeface="맑은 고딕" panose="02000403000000020004" pitchFamily="50" charset="-127"/>
-              </a:rPr>
-              <a:t> </a:t>
-            </a:r>
-            <a:r>
-              <a:rPr lang="ko-KR" altLang="en-US" sz="1200">
-                <a:latin typeface="맑은 고딕" panose="02000403000000020004" pitchFamily="50" charset="-127"/>
-                <a:ea typeface="맑은 고딕" panose="02000403000000020004" pitchFamily="50" charset="-127"/>
-              </a:rPr>
-              <a:t>명령어를 복사하여 워커노드에서 각각 실행해야 한다</a:t>
-            </a:r>
-            <a:r>
-              <a:rPr lang="en-US" altLang="ko-KR" sz="1200">
-                <a:latin typeface="맑은 고딕" panose="02000403000000020004" pitchFamily="50" charset="-127"/>
-                <a:ea typeface="맑은 고딕" panose="02000403000000020004" pitchFamily="50" charset="-127"/>
-              </a:rPr>
-              <a:t>.</a:t>
-            </a:r>
-            <a:endParaRPr lang="ko-KR" altLang="en-US" sz="1200">
-              <a:latin typeface="맑은 고딕" panose="02000403000000020004" pitchFamily="50" charset="-127"/>
-              <a:ea typeface="맑은 고딕" panose="02000403000000020004" pitchFamily="50" charset="-127"/>
-            </a:endParaRPr>
-          </a:p>
-        </p:txBody>
-      </p:sp>
-      <p:sp>
-        <p:nvSpPr>
-          <p:cNvPr id="16" name="TextBox 15">
-            <a:extLst>
-              <a:ext uri="{FF2B5EF4-FFF2-40B4-BE49-F238E27FC236}">
-                <a16:creationId xmlns:a16="http://schemas.microsoft.com/office/drawing/2014/main" id="{2A10493C-0AD0-4FCF-A36D-C5D52158353E}"/>
-              </a:ext>
-            </a:extLst>
-          </p:cNvPr>
-          <p:cNvSpPr txBox="1"/>
-          <p:nvPr/>
-        </p:nvSpPr>
-        <p:spPr>
-          <a:xfrm>
-            <a:off x="243281" y="2023659"/>
-            <a:ext cx="1156086" cy="377732"/>
-          </a:xfrm>
-          <a:prstGeom prst="rect">
-            <a:avLst/>
-          </a:prstGeom>
-          <a:noFill/>
-        </p:spPr>
-        <p:txBody>
-          <a:bodyPr wrap="none" rtlCol="0">
-            <a:spAutoFit/>
-          </a:bodyPr>
-          <a:lstStyle/>
-          <a:p>
-            <a:pPr>
-              <a:lnSpc>
-                <a:spcPct val="150000"/>
-              </a:lnSpc>
-            </a:pPr>
-            <a:r>
-              <a:rPr lang="ko-KR" altLang="en-US" sz="1400" b="1">
-                <a:latin typeface="맑은 고딕" panose="02000403000000020004" pitchFamily="50" charset="-127"/>
-              </a:rPr>
-              <a:t>📣 유의 사항</a:t>
-            </a:r>
-            <a:endParaRPr lang="ko-KR" altLang="en-US" sz="1200">
-              <a:latin typeface="맑은 고딕" panose="02000403000000020004" pitchFamily="50" charset="-127"/>
-              <a:ea typeface="맑은 고딕" panose="02000403000000020004" pitchFamily="50" charset="-127"/>
-            </a:endParaRPr>
-          </a:p>
-        </p:txBody>
-      </p:sp>
     </p:spTree>
     <p:extLst>
       <p:ext uri="{BB962C8B-B14F-4D97-AF65-F5344CB8AC3E}">
@@ -13640,8 +13640,8 @@
         </p:nvSpPr>
         <p:spPr>
           <a:xfrm>
-            <a:off x="5063475" y="5880953"/>
-            <a:ext cx="1495922" cy="415498"/>
+            <a:off x="5063475" y="5798728"/>
+            <a:ext cx="2071401" cy="553998"/>
           </a:xfrm>
           <a:prstGeom prst="rect">
             <a:avLst/>
@@ -13655,39 +13655,39 @@
           <a:lstStyle/>
           <a:p>
             <a:r>
-              <a:rPr lang="en-US" altLang="ko-KR" sz="700">
+              <a:rPr lang="en-US" altLang="ko-KR" sz="1000">
                 <a:latin typeface="맑은 고딕" panose="02000403000000020004" pitchFamily="50" charset="-127"/>
                 <a:ea typeface="맑은 고딕" panose="02000403000000020004" pitchFamily="50" charset="-127"/>
                 <a:hlinkClick r:id="rId6"/>
               </a:rPr>
               <a:t>http://192.168.1.10:30000/health</a:t>
             </a:r>
-            <a:endParaRPr lang="en-US" altLang="ko-KR" sz="700">
+            <a:endParaRPr lang="en-US" altLang="ko-KR" sz="1000">
               <a:latin typeface="맑은 고딕" panose="02000403000000020004" pitchFamily="50" charset="-127"/>
               <a:ea typeface="맑은 고딕" panose="02000403000000020004" pitchFamily="50" charset="-127"/>
             </a:endParaRPr>
           </a:p>
           <a:p>
             <a:r>
-              <a:rPr lang="en-US" altLang="ko-KR" sz="700">
+              <a:rPr lang="en-US" altLang="ko-KR" sz="1000">
                 <a:latin typeface="맑은 고딕" panose="02000403000000020004" pitchFamily="50" charset="-127"/>
                 <a:hlinkClick r:id="rId7"/>
               </a:rPr>
               <a:t>http://192.168.1.20:30000/health</a:t>
             </a:r>
-            <a:endParaRPr lang="en-US" altLang="ko-KR" sz="700">
+            <a:endParaRPr lang="en-US" altLang="ko-KR" sz="1000">
               <a:latin typeface="맑은 고딕" panose="02000403000000020004" pitchFamily="50" charset="-127"/>
             </a:endParaRPr>
           </a:p>
           <a:p>
             <a:r>
-              <a:rPr lang="en-US" altLang="ko-KR" sz="700">
+              <a:rPr lang="en-US" altLang="ko-KR" sz="1000">
                 <a:latin typeface="맑은 고딕" panose="02000403000000020004" pitchFamily="50" charset="-127"/>
                 <a:hlinkClick r:id="rId6"/>
               </a:rPr>
               <a:t>http://192.168.1.30:30000/health</a:t>
             </a:r>
-            <a:endParaRPr lang="en-US" altLang="ko-KR" sz="700">
+            <a:endParaRPr lang="en-US" altLang="ko-KR" sz="1000">
               <a:latin typeface="맑은 고딕" panose="02000403000000020004" pitchFamily="50" charset="-127"/>
             </a:endParaRPr>
           </a:p>

--- a/k8s practice.pptx
+++ b/k8s practice.pptx
@@ -24878,7 +24878,7 @@
         <p:spPr>
           <a:xfrm>
             <a:off x="1967962" y="1090677"/>
-            <a:ext cx="4055919" cy="336952"/>
+            <a:ext cx="3201517" cy="336952"/>
           </a:xfrm>
           <a:prstGeom prst="rect">
             <a:avLst/>
@@ -24918,7 +24918,7 @@
               <a:rPr lang="en-US" altLang="ko-KR" sz="1200" b="1">
                 <a:latin typeface="맑은 고딕" panose="02000403000000020004" pitchFamily="50" charset="-127"/>
               </a:rPr>
-              <a:t>p4-demo-service-deploy/oneshot-kill.sh</a:t>
+              <a:t>p5-load-test/oneshot-kill.sh</a:t>
             </a:r>
             <a:endParaRPr lang="ko-KR" altLang="en-US" sz="1200" b="1">
               <a:latin typeface="맑은 고딕" panose="02000403000000020004" pitchFamily="50" charset="-127"/>

--- a/k8s practice.pptx
+++ b/k8s practice.pptx
@@ -1,9 +1,12 @@
 
 <file path=ppt/presentation.xml><?xml version="1.0" encoding="utf-8"?>
-<p:presentation xmlns:a="http://schemas.openxmlformats.org/drawingml/2006/main" xmlns:r="http://schemas.openxmlformats.org/officeDocument/2006/relationships" xmlns:p="http://schemas.openxmlformats.org/presentationml/2006/main" saveSubsetFonts="1">
+<p:presentation xmlns:a="http://schemas.openxmlformats.org/drawingml/2006/main" xmlns:r="http://schemas.openxmlformats.org/officeDocument/2006/relationships" xmlns:p="http://schemas.openxmlformats.org/presentationml/2006/main" showSpecialPlsOnTitleSld="0" saveSubsetFonts="1">
   <p:sldMasterIdLst>
     <p:sldMasterId id="2147483660" r:id="rId1"/>
   </p:sldMasterIdLst>
+  <p:notesMasterIdLst>
+    <p:notesMasterId r:id="rId15"/>
+  </p:notesMasterIdLst>
   <p:sldIdLst>
     <p:sldId id="256" r:id="rId2"/>
     <p:sldId id="259" r:id="rId3"/>
@@ -124,6 +127,355 @@
 </p:presentation>
 </file>
 
+<file path=ppt/notesMasters/notesMaster1.xml><?xml version="1.0" encoding="utf-8"?>
+<p:notesMaster xmlns:a="http://schemas.openxmlformats.org/drawingml/2006/main" xmlns:r="http://schemas.openxmlformats.org/officeDocument/2006/relationships" xmlns:p="http://schemas.openxmlformats.org/presentationml/2006/main">
+  <p:cSld>
+    <p:bg>
+      <p:bgRef idx="1001">
+        <a:schemeClr val="bg1"/>
+      </p:bgRef>
+    </p:bg>
+    <p:spTree>
+      <p:nvGrpSpPr>
+        <p:cNvPr id="1" name=""/>
+        <p:cNvGrpSpPr/>
+        <p:nvPr/>
+      </p:nvGrpSpPr>
+      <p:grpSpPr>
+        <a:xfrm>
+          <a:off x="0" y="0"/>
+          <a:ext cx="0" cy="0"/>
+          <a:chOff x="0" y="0"/>
+          <a:chExt cx="0" cy="0"/>
+        </a:xfrm>
+      </p:grpSpPr>
+      <p:sp>
+        <p:nvSpPr>
+          <p:cNvPr id="2" name="머리글 개체 틀 1"/>
+          <p:cNvSpPr>
+            <a:spLocks noGrp="1"/>
+          </p:cNvSpPr>
+          <p:nvPr>
+            <p:ph type="hdr" sz="quarter"/>
+          </p:nvPr>
+        </p:nvSpPr>
+        <p:spPr>
+          <a:xfrm>
+            <a:off x="0" y="0"/>
+            <a:ext cx="2971800" cy="458788"/>
+          </a:xfrm>
+          <a:prstGeom prst="rect">
+            <a:avLst/>
+          </a:prstGeom>
+        </p:spPr>
+        <p:txBody>
+          <a:bodyPr vert="horz" lIns="91440" tIns="45720" rIns="91440" bIns="45720" rtlCol="0"/>
+          <a:lstStyle>
+            <a:lvl1pPr algn="l">
+              <a:defRPr sz="1200"/>
+            </a:lvl1pPr>
+          </a:lstStyle>
+          <a:p>
+            <a:endParaRPr lang="ko-KR" altLang="en-US"/>
+          </a:p>
+        </p:txBody>
+      </p:sp>
+      <p:sp>
+        <p:nvSpPr>
+          <p:cNvPr id="3" name="날짜 개체 틀 2"/>
+          <p:cNvSpPr>
+            <a:spLocks noGrp="1"/>
+          </p:cNvSpPr>
+          <p:nvPr>
+            <p:ph type="dt" idx="1"/>
+          </p:nvPr>
+        </p:nvSpPr>
+        <p:spPr>
+          <a:xfrm>
+            <a:off x="3884613" y="0"/>
+            <a:ext cx="2971800" cy="458788"/>
+          </a:xfrm>
+          <a:prstGeom prst="rect">
+            <a:avLst/>
+          </a:prstGeom>
+        </p:spPr>
+        <p:txBody>
+          <a:bodyPr vert="horz" lIns="91440" tIns="45720" rIns="91440" bIns="45720" rtlCol="0"/>
+          <a:lstStyle>
+            <a:lvl1pPr algn="r">
+              <a:defRPr sz="1200"/>
+            </a:lvl1pPr>
+          </a:lstStyle>
+          <a:p>
+            <a:fld id="{AAC35182-80B8-4A55-8227-A83156A249BB}" type="datetimeFigureOut">
+              <a:rPr lang="ko-KR" altLang="en-US" smtClean="0"/>
+              <a:t>2022-08-02</a:t>
+            </a:fld>
+            <a:endParaRPr lang="ko-KR" altLang="en-US"/>
+          </a:p>
+        </p:txBody>
+      </p:sp>
+      <p:sp>
+        <p:nvSpPr>
+          <p:cNvPr id="4" name="슬라이드 이미지 개체 틀 3"/>
+          <p:cNvSpPr>
+            <a:spLocks noGrp="1" noRot="1" noChangeAspect="1"/>
+          </p:cNvSpPr>
+          <p:nvPr>
+            <p:ph type="sldImg" idx="2"/>
+          </p:nvPr>
+        </p:nvSpPr>
+        <p:spPr>
+          <a:xfrm>
+            <a:off x="1371600" y="1143000"/>
+            <a:ext cx="4114800" cy="3086100"/>
+          </a:xfrm>
+          <a:prstGeom prst="rect">
+            <a:avLst/>
+          </a:prstGeom>
+          <a:noFill/>
+          <a:ln w="12700">
+            <a:solidFill>
+              <a:prstClr val="black"/>
+            </a:solidFill>
+          </a:ln>
+        </p:spPr>
+        <p:txBody>
+          <a:bodyPr vert="horz" lIns="91440" tIns="45720" rIns="91440" bIns="45720" rtlCol="0" anchor="ctr"/>
+          <a:lstStyle/>
+          <a:p>
+            <a:endParaRPr lang="ko-KR" altLang="en-US"/>
+          </a:p>
+        </p:txBody>
+      </p:sp>
+      <p:sp>
+        <p:nvSpPr>
+          <p:cNvPr id="5" name="슬라이드 노트 개체 틀 4"/>
+          <p:cNvSpPr>
+            <a:spLocks noGrp="1"/>
+          </p:cNvSpPr>
+          <p:nvPr>
+            <p:ph type="body" sz="quarter" idx="3"/>
+          </p:nvPr>
+        </p:nvSpPr>
+        <p:spPr>
+          <a:xfrm>
+            <a:off x="685800" y="4400550"/>
+            <a:ext cx="5486400" cy="3600450"/>
+          </a:xfrm>
+          <a:prstGeom prst="rect">
+            <a:avLst/>
+          </a:prstGeom>
+        </p:spPr>
+        <p:txBody>
+          <a:bodyPr vert="horz" lIns="91440" tIns="45720" rIns="91440" bIns="45720" rtlCol="0"/>
+          <a:lstStyle/>
+          <a:p>
+            <a:pPr lvl="0"/>
+            <a:r>
+              <a:rPr lang="ko-KR" altLang="en-US"/>
+              <a:t>마스터 텍스트 스타일 편집</a:t>
+            </a:r>
+          </a:p>
+          <a:p>
+            <a:pPr lvl="1"/>
+            <a:r>
+              <a:rPr lang="ko-KR" altLang="en-US"/>
+              <a:t>둘째 수준</a:t>
+            </a:r>
+          </a:p>
+          <a:p>
+            <a:pPr lvl="2"/>
+            <a:r>
+              <a:rPr lang="ko-KR" altLang="en-US"/>
+              <a:t>셋째 수준</a:t>
+            </a:r>
+          </a:p>
+          <a:p>
+            <a:pPr lvl="3"/>
+            <a:r>
+              <a:rPr lang="ko-KR" altLang="en-US"/>
+              <a:t>넷째 수준</a:t>
+            </a:r>
+          </a:p>
+          <a:p>
+            <a:pPr lvl="4"/>
+            <a:r>
+              <a:rPr lang="ko-KR" altLang="en-US"/>
+              <a:t>다섯째 수준</a:t>
+            </a:r>
+          </a:p>
+        </p:txBody>
+      </p:sp>
+      <p:sp>
+        <p:nvSpPr>
+          <p:cNvPr id="6" name="바닥글 개체 틀 5"/>
+          <p:cNvSpPr>
+            <a:spLocks noGrp="1"/>
+          </p:cNvSpPr>
+          <p:nvPr>
+            <p:ph type="ftr" sz="quarter" idx="4"/>
+          </p:nvPr>
+        </p:nvSpPr>
+        <p:spPr>
+          <a:xfrm>
+            <a:off x="0" y="8685213"/>
+            <a:ext cx="2971800" cy="458787"/>
+          </a:xfrm>
+          <a:prstGeom prst="rect">
+            <a:avLst/>
+          </a:prstGeom>
+        </p:spPr>
+        <p:txBody>
+          <a:bodyPr vert="horz" lIns="91440" tIns="45720" rIns="91440" bIns="45720" rtlCol="0" anchor="b"/>
+          <a:lstStyle>
+            <a:lvl1pPr algn="l">
+              <a:defRPr sz="1200"/>
+            </a:lvl1pPr>
+          </a:lstStyle>
+          <a:p>
+            <a:endParaRPr lang="ko-KR" altLang="en-US"/>
+          </a:p>
+        </p:txBody>
+      </p:sp>
+      <p:sp>
+        <p:nvSpPr>
+          <p:cNvPr id="7" name="슬라이드 번호 개체 틀 6"/>
+          <p:cNvSpPr>
+            <a:spLocks noGrp="1"/>
+          </p:cNvSpPr>
+          <p:nvPr>
+            <p:ph type="sldNum" sz="quarter" idx="5"/>
+          </p:nvPr>
+        </p:nvSpPr>
+        <p:spPr>
+          <a:xfrm>
+            <a:off x="3884613" y="8685213"/>
+            <a:ext cx="2971800" cy="458787"/>
+          </a:xfrm>
+          <a:prstGeom prst="rect">
+            <a:avLst/>
+          </a:prstGeom>
+        </p:spPr>
+        <p:txBody>
+          <a:bodyPr vert="horz" lIns="91440" tIns="45720" rIns="91440" bIns="45720" rtlCol="0" anchor="b"/>
+          <a:lstStyle>
+            <a:lvl1pPr algn="r">
+              <a:defRPr sz="1200"/>
+            </a:lvl1pPr>
+          </a:lstStyle>
+          <a:p>
+            <a:fld id="{64E96557-E3D5-4BFC-873F-BEF106FBD46A}" type="slidenum">
+              <a:rPr lang="ko-KR" altLang="en-US" smtClean="0"/>
+              <a:t>‹#›</a:t>
+            </a:fld>
+            <a:endParaRPr lang="ko-KR" altLang="en-US"/>
+          </a:p>
+        </p:txBody>
+      </p:sp>
+    </p:spTree>
+    <p:extLst>
+      <p:ext uri="{BB962C8B-B14F-4D97-AF65-F5344CB8AC3E}">
+        <p14:creationId xmlns:p14="http://schemas.microsoft.com/office/powerpoint/2010/main" val="1019943049"/>
+      </p:ext>
+    </p:extLst>
+  </p:cSld>
+  <p:clrMap bg1="lt1" tx1="dk1" bg2="lt2" tx2="dk2" accent1="accent1" accent2="accent2" accent3="accent3" accent4="accent4" accent5="accent5" accent6="accent6" hlink="hlink" folHlink="folHlink"/>
+  <p:notesStyle>
+    <a:lvl1pPr marL="0" algn="l" defTabSz="914400" rtl="0" eaLnBrk="1" latinLnBrk="1" hangingPunct="1">
+      <a:defRPr sz="1200" kern="1200">
+        <a:solidFill>
+          <a:schemeClr val="tx1"/>
+        </a:solidFill>
+        <a:latin typeface="+mn-lt"/>
+        <a:ea typeface="+mn-ea"/>
+        <a:cs typeface="+mn-cs"/>
+      </a:defRPr>
+    </a:lvl1pPr>
+    <a:lvl2pPr marL="457200" algn="l" defTabSz="914400" rtl="0" eaLnBrk="1" latinLnBrk="1" hangingPunct="1">
+      <a:defRPr sz="1200" kern="1200">
+        <a:solidFill>
+          <a:schemeClr val="tx1"/>
+        </a:solidFill>
+        <a:latin typeface="+mn-lt"/>
+        <a:ea typeface="+mn-ea"/>
+        <a:cs typeface="+mn-cs"/>
+      </a:defRPr>
+    </a:lvl2pPr>
+    <a:lvl3pPr marL="914400" algn="l" defTabSz="914400" rtl="0" eaLnBrk="1" latinLnBrk="1" hangingPunct="1">
+      <a:defRPr sz="1200" kern="1200">
+        <a:solidFill>
+          <a:schemeClr val="tx1"/>
+        </a:solidFill>
+        <a:latin typeface="+mn-lt"/>
+        <a:ea typeface="+mn-ea"/>
+        <a:cs typeface="+mn-cs"/>
+      </a:defRPr>
+    </a:lvl3pPr>
+    <a:lvl4pPr marL="1371600" algn="l" defTabSz="914400" rtl="0" eaLnBrk="1" latinLnBrk="1" hangingPunct="1">
+      <a:defRPr sz="1200" kern="1200">
+        <a:solidFill>
+          <a:schemeClr val="tx1"/>
+        </a:solidFill>
+        <a:latin typeface="+mn-lt"/>
+        <a:ea typeface="+mn-ea"/>
+        <a:cs typeface="+mn-cs"/>
+      </a:defRPr>
+    </a:lvl4pPr>
+    <a:lvl5pPr marL="1828800" algn="l" defTabSz="914400" rtl="0" eaLnBrk="1" latinLnBrk="1" hangingPunct="1">
+      <a:defRPr sz="1200" kern="1200">
+        <a:solidFill>
+          <a:schemeClr val="tx1"/>
+        </a:solidFill>
+        <a:latin typeface="+mn-lt"/>
+        <a:ea typeface="+mn-ea"/>
+        <a:cs typeface="+mn-cs"/>
+      </a:defRPr>
+    </a:lvl5pPr>
+    <a:lvl6pPr marL="2286000" algn="l" defTabSz="914400" rtl="0" eaLnBrk="1" latinLnBrk="1" hangingPunct="1">
+      <a:defRPr sz="1200" kern="1200">
+        <a:solidFill>
+          <a:schemeClr val="tx1"/>
+        </a:solidFill>
+        <a:latin typeface="+mn-lt"/>
+        <a:ea typeface="+mn-ea"/>
+        <a:cs typeface="+mn-cs"/>
+      </a:defRPr>
+    </a:lvl6pPr>
+    <a:lvl7pPr marL="2743200" algn="l" defTabSz="914400" rtl="0" eaLnBrk="1" latinLnBrk="1" hangingPunct="1">
+      <a:defRPr sz="1200" kern="1200">
+        <a:solidFill>
+          <a:schemeClr val="tx1"/>
+        </a:solidFill>
+        <a:latin typeface="+mn-lt"/>
+        <a:ea typeface="+mn-ea"/>
+        <a:cs typeface="+mn-cs"/>
+      </a:defRPr>
+    </a:lvl7pPr>
+    <a:lvl8pPr marL="3200400" algn="l" defTabSz="914400" rtl="0" eaLnBrk="1" latinLnBrk="1" hangingPunct="1">
+      <a:defRPr sz="1200" kern="1200">
+        <a:solidFill>
+          <a:schemeClr val="tx1"/>
+        </a:solidFill>
+        <a:latin typeface="+mn-lt"/>
+        <a:ea typeface="+mn-ea"/>
+        <a:cs typeface="+mn-cs"/>
+      </a:defRPr>
+    </a:lvl8pPr>
+    <a:lvl9pPr marL="3657600" algn="l" defTabSz="914400" rtl="0" eaLnBrk="1" latinLnBrk="1" hangingPunct="1">
+      <a:defRPr sz="1200" kern="1200">
+        <a:solidFill>
+          <a:schemeClr val="tx1"/>
+        </a:solidFill>
+        <a:latin typeface="+mn-lt"/>
+        <a:ea typeface="+mn-ea"/>
+        <a:cs typeface="+mn-cs"/>
+      </a:defRPr>
+    </a:lvl9pPr>
+  </p:notesStyle>
+</p:notesMaster>
+</file>
+
 <file path=ppt/slideLayouts/slideLayout1.xml><?xml version="1.0" encoding="utf-8"?>
 <p:sldLayout xmlns:a="http://schemas.openxmlformats.org/drawingml/2006/main" xmlns:r="http://schemas.openxmlformats.org/officeDocument/2006/relationships" xmlns:p="http://schemas.openxmlformats.org/presentationml/2006/main" type="title" preserve="1">
   <p:cSld name="제목 슬라이드">
@@ -253,9 +605,9 @@
           <a:bodyPr/>
           <a:lstStyle/>
           <a:p>
-            <a:fld id="{8B3171AA-99A6-407D-9B94-7806D5264016}" type="datetimeFigureOut">
+            <a:fld id="{4FB3F101-53C3-4B54-BD28-30F7B7E72CB2}" type="datetime1">
               <a:rPr lang="ko-KR" altLang="en-US" smtClean="0"/>
-              <a:t>2022-07-05</a:t>
+              <a:t>2022-08-02</a:t>
             </a:fld>
             <a:endParaRPr lang="ko-KR" altLang="en-US"/>
           </a:p>
@@ -293,13 +645,27 @@
         <p:spPr/>
         <p:txBody>
           <a:bodyPr/>
-          <a:lstStyle/>
-          <a:p>
+          <a:lstStyle>
+            <a:lvl1pPr>
+              <a:defRPr>
+                <a:solidFill>
+                  <a:schemeClr val="tx1"/>
+                </a:solidFill>
+              </a:defRPr>
+            </a:lvl1pPr>
+          </a:lstStyle>
+          <a:p>
+            <a:fld id="{817F106C-D031-4D27-A190-F4E78031A415}" type="slidenum">
+              <a:rPr lang="ko-KR" altLang="en-US" smtClean="0"/>
+              <a:pPr/>
+              <a:t>‹#›</a:t>
+            </a:fld>
             <a:fld id="{1B38FA25-991E-4795-A789-B2C3CCBD9943}" type="slidenum">
               <a:rPr lang="ko-KR" altLang="en-US" smtClean="0"/>
+              <a:pPr/>
               <a:t>‹#›</a:t>
             </a:fld>
-            <a:endParaRPr lang="ko-KR" altLang="en-US"/>
+            <a:endParaRPr lang="ko-KR" altLang="en-US" dirty="0"/>
           </a:p>
         </p:txBody>
       </p:sp>
@@ -423,9 +789,9 @@
           <a:bodyPr/>
           <a:lstStyle/>
           <a:p>
-            <a:fld id="{8B3171AA-99A6-407D-9B94-7806D5264016}" type="datetimeFigureOut">
+            <a:fld id="{27E8263C-5973-4535-B0CA-9585BFF56192}" type="datetime1">
               <a:rPr lang="ko-KR" altLang="en-US" smtClean="0"/>
-              <a:t>2022-07-05</a:t>
+              <a:t>2022-08-02</a:t>
             </a:fld>
             <a:endParaRPr lang="ko-KR" altLang="en-US"/>
           </a:p>
@@ -603,9 +969,9 @@
           <a:bodyPr/>
           <a:lstStyle/>
           <a:p>
-            <a:fld id="{8B3171AA-99A6-407D-9B94-7806D5264016}" type="datetimeFigureOut">
+            <a:fld id="{AA51E4E3-75D9-4B98-AE41-882A49AFE0F5}" type="datetime1">
               <a:rPr lang="ko-KR" altLang="en-US" smtClean="0"/>
-              <a:t>2022-07-05</a:t>
+              <a:t>2022-08-02</a:t>
             </a:fld>
             <a:endParaRPr lang="ko-KR" altLang="en-US"/>
           </a:p>
@@ -773,9 +1139,9 @@
           <a:bodyPr/>
           <a:lstStyle/>
           <a:p>
-            <a:fld id="{8B3171AA-99A6-407D-9B94-7806D5264016}" type="datetimeFigureOut">
+            <a:fld id="{4049B1A8-07DC-47FB-AE48-657BFD66889D}" type="datetime1">
               <a:rPr lang="ko-KR" altLang="en-US" smtClean="0"/>
-              <a:t>2022-07-05</a:t>
+              <a:t>2022-08-02</a:t>
             </a:fld>
             <a:endParaRPr lang="ko-KR" altLang="en-US"/>
           </a:p>
@@ -1017,9 +1383,9 @@
           <a:bodyPr/>
           <a:lstStyle/>
           <a:p>
-            <a:fld id="{8B3171AA-99A6-407D-9B94-7806D5264016}" type="datetimeFigureOut">
+            <a:fld id="{71D54BA1-A9BA-4F9A-8277-7BFEBA3925B3}" type="datetime1">
               <a:rPr lang="ko-KR" altLang="en-US" smtClean="0"/>
-              <a:t>2022-07-05</a:t>
+              <a:t>2022-08-02</a:t>
             </a:fld>
             <a:endParaRPr lang="ko-KR" altLang="en-US"/>
           </a:p>
@@ -1249,9 +1615,9 @@
           <a:bodyPr/>
           <a:lstStyle/>
           <a:p>
-            <a:fld id="{8B3171AA-99A6-407D-9B94-7806D5264016}" type="datetimeFigureOut">
+            <a:fld id="{476A90ED-5C57-48D8-AA4A-D1D0CF037C43}" type="datetime1">
               <a:rPr lang="ko-KR" altLang="en-US" smtClean="0"/>
-              <a:t>2022-07-05</a:t>
+              <a:t>2022-08-02</a:t>
             </a:fld>
             <a:endParaRPr lang="ko-KR" altLang="en-US"/>
           </a:p>
@@ -1616,9 +1982,9 @@
           <a:bodyPr/>
           <a:lstStyle/>
           <a:p>
-            <a:fld id="{8B3171AA-99A6-407D-9B94-7806D5264016}" type="datetimeFigureOut">
+            <a:fld id="{629BD04B-A934-4F94-ABBE-E9DBCBE4745D}" type="datetime1">
               <a:rPr lang="ko-KR" altLang="en-US" smtClean="0"/>
-              <a:t>2022-07-05</a:t>
+              <a:t>2022-08-02</a:t>
             </a:fld>
             <a:endParaRPr lang="ko-KR" altLang="en-US"/>
           </a:p>
@@ -1734,9 +2100,9 @@
           <a:bodyPr/>
           <a:lstStyle/>
           <a:p>
-            <a:fld id="{8B3171AA-99A6-407D-9B94-7806D5264016}" type="datetimeFigureOut">
+            <a:fld id="{B5376FE3-B12B-4494-9FB0-20B759B39233}" type="datetime1">
               <a:rPr lang="ko-KR" altLang="en-US" smtClean="0"/>
-              <a:t>2022-07-05</a:t>
+              <a:t>2022-08-02</a:t>
             </a:fld>
             <a:endParaRPr lang="ko-KR" altLang="en-US"/>
           </a:p>
@@ -1816,66 +2182,53 @@
       </p:grpSpPr>
       <p:sp>
         <p:nvSpPr>
-          <p:cNvPr id="2" name="Date Placeholder 1"/>
-          <p:cNvSpPr>
-            <a:spLocks noGrp="1"/>
-          </p:cNvSpPr>
-          <p:nvPr>
-            <p:ph type="dt" sz="half" idx="10"/>
-          </p:nvPr>
-        </p:nvSpPr>
-        <p:spPr/>
-        <p:txBody>
-          <a:bodyPr/>
-          <a:lstStyle/>
-          <a:p>
-            <a:fld id="{8B3171AA-99A6-407D-9B94-7806D5264016}" type="datetimeFigureOut">
-              <a:rPr lang="ko-KR" altLang="en-US" smtClean="0"/>
-              <a:t>2022-07-05</a:t>
-            </a:fld>
-            <a:endParaRPr lang="ko-KR" altLang="en-US"/>
-          </a:p>
-        </p:txBody>
-      </p:sp>
-      <p:sp>
-        <p:nvSpPr>
-          <p:cNvPr id="3" name="Footer Placeholder 2"/>
-          <p:cNvSpPr>
-            <a:spLocks noGrp="1"/>
-          </p:cNvSpPr>
-          <p:nvPr>
-            <p:ph type="ftr" sz="quarter" idx="11"/>
-          </p:nvPr>
-        </p:nvSpPr>
-        <p:spPr/>
-        <p:txBody>
-          <a:bodyPr/>
-          <a:lstStyle/>
-          <a:p>
-            <a:endParaRPr lang="ko-KR" altLang="en-US"/>
-          </a:p>
-        </p:txBody>
-      </p:sp>
-      <p:sp>
-        <p:nvSpPr>
-          <p:cNvPr id="4" name="Slide Number Placeholder 3"/>
-          <p:cNvSpPr>
-            <a:spLocks noGrp="1"/>
-          </p:cNvSpPr>
-          <p:nvPr>
-            <p:ph type="sldNum" sz="quarter" idx="12"/>
-          </p:nvPr>
-        </p:nvSpPr>
-        <p:spPr/>
-        <p:txBody>
-          <a:bodyPr/>
-          <a:lstStyle/>
-          <a:p>
-            <a:fld id="{1B38FA25-991E-4795-A789-B2C3CCBD9943}" type="slidenum">
-              <a:rPr lang="ko-KR" altLang="en-US" smtClean="0"/>
+          <p:cNvPr id="6" name="TextBox 5">
+            <a:extLst>
+              <a:ext uri="{FF2B5EF4-FFF2-40B4-BE49-F238E27FC236}">
+                <a16:creationId xmlns:a16="http://schemas.microsoft.com/office/drawing/2014/main" id="{A999F1D3-98CA-479A-AC38-AA02E97C0193}"/>
+              </a:ext>
+            </a:extLst>
+          </p:cNvPr>
+          <p:cNvSpPr txBox="1"/>
+          <p:nvPr userDrawn="1"/>
+        </p:nvSpPr>
+        <p:spPr>
+          <a:xfrm>
+            <a:off x="8802240" y="6611779"/>
+            <a:ext cx="341760" cy="246221"/>
+          </a:xfrm>
+          <a:prstGeom prst="rect">
+            <a:avLst/>
+          </a:prstGeom>
+          <a:noFill/>
+        </p:spPr>
+        <p:txBody>
+          <a:bodyPr wrap="none" rtlCol="0">
+            <a:spAutoFit/>
+          </a:bodyPr>
+          <a:lstStyle/>
+          <a:p>
+            <a:fld id="{15571D02-9261-4983-A6D1-E675247E9DFB}" type="slidenum">
+              <a:rPr lang="en-US" altLang="ko-KR" sz="1000" smtClean="0">
+                <a:solidFill>
+                  <a:schemeClr val="bg1">
+                    <a:lumMod val="50000"/>
+                  </a:schemeClr>
+                </a:solidFill>
+                <a:latin typeface="Arial" panose="020B0604020202020204" pitchFamily="34" charset="0"/>
+                <a:cs typeface="Arial" panose="020B0604020202020204" pitchFamily="34" charset="0"/>
+              </a:rPr>
               <a:t>‹#›</a:t>
             </a:fld>
-            <a:endParaRPr lang="ko-KR" altLang="en-US"/>
+            <a:endParaRPr lang="ko-KR" altLang="en-US" sz="1000" dirty="0">
+              <a:solidFill>
+                <a:schemeClr val="bg1">
+                  <a:lumMod val="50000"/>
+                </a:schemeClr>
+              </a:solidFill>
+              <a:latin typeface="Arial" panose="020B0604020202020204" pitchFamily="34" charset="0"/>
+              <a:cs typeface="Arial" panose="020B0604020202020204" pitchFamily="34" charset="0"/>
+            </a:endParaRPr>
           </a:p>
         </p:txBody>
       </p:sp>
@@ -2106,9 +2459,9 @@
           <a:bodyPr/>
           <a:lstStyle/>
           <a:p>
-            <a:fld id="{8B3171AA-99A6-407D-9B94-7806D5264016}" type="datetimeFigureOut">
+            <a:fld id="{8D3A43ED-BE87-4156-93B6-1AA6F8EE87EA}" type="datetime1">
               <a:rPr lang="ko-KR" altLang="en-US" smtClean="0"/>
-              <a:t>2022-07-05</a:t>
+              <a:t>2022-08-02</a:t>
             </a:fld>
             <a:endParaRPr lang="ko-KR" altLang="en-US"/>
           </a:p>
@@ -2363,9 +2716,9 @@
           <a:bodyPr/>
           <a:lstStyle/>
           <a:p>
-            <a:fld id="{8B3171AA-99A6-407D-9B94-7806D5264016}" type="datetimeFigureOut">
+            <a:fld id="{553E934C-D1CE-402C-B70A-6CDDE585F508}" type="datetime1">
               <a:rPr lang="ko-KR" altLang="en-US" smtClean="0"/>
-              <a:t>2022-07-05</a:t>
+              <a:t>2022-08-02</a:t>
             </a:fld>
             <a:endParaRPr lang="ko-KR" altLang="en-US"/>
           </a:p>
@@ -2576,9 +2929,9 @@
             </a:lvl1pPr>
           </a:lstStyle>
           <a:p>
-            <a:fld id="{8B3171AA-99A6-407D-9B94-7806D5264016}" type="datetimeFigureOut">
+            <a:fld id="{09E5A2A5-F2A5-43D6-9171-C9945D8C3B6F}" type="datetime1">
               <a:rPr lang="ko-KR" altLang="en-US" smtClean="0"/>
-              <a:t>2022-07-05</a:t>
+              <a:t>2022-08-02</a:t>
             </a:fld>
             <a:endParaRPr lang="ko-KR" altLang="en-US"/>
           </a:p>
@@ -2683,6 +3036,7 @@
     <p:sldLayoutId id="2147483670" r:id="rId10"/>
     <p:sldLayoutId id="2147483671" r:id="rId11"/>
   </p:sldLayoutIdLst>
+  <p:hf hdr="0" ftr="0" dt="0"/>
   <p:txStyles>
     <p:titleStyle>
       <a:lvl1pPr algn="l" defTabSz="914400" rtl="0" eaLnBrk="1" latinLnBrk="1" hangingPunct="1">
@@ -4408,7 +4762,7 @@
           <a:p>
             <a:pPr algn="ctr"/>
             <a:r>
-              <a:rPr lang="en-US" altLang="ko-KR" sz="1000">
+              <a:rPr lang="en-US" altLang="ko-KR" sz="1000" dirty="0">
                 <a:latin typeface="맑은 고딕" panose="02000403000000020004" pitchFamily="50" charset="-127"/>
                 <a:ea typeface="맑은 고딕" panose="02000403000000020004" pitchFamily="50" charset="-127"/>
               </a:rPr>
@@ -4417,7 +4771,7 @@
           </a:p>
           <a:p>
             <a:pPr algn="ctr"/>
-            <a:endParaRPr lang="en-US" altLang="ko-KR" sz="1000">
+            <a:endParaRPr lang="en-US" altLang="ko-KR" sz="1000" dirty="0">
               <a:latin typeface="맑은 고딕" panose="02000403000000020004" pitchFamily="50" charset="-127"/>
               <a:ea typeface="맑은 고딕" panose="02000403000000020004" pitchFamily="50" charset="-127"/>
             </a:endParaRPr>
@@ -4425,13 +4779,13 @@
           <a:p>
             <a:pPr algn="ctr"/>
             <a:r>
-              <a:rPr lang="en-US" altLang="ko-KR" sz="1000">
-                <a:latin typeface="맑은 고딕" panose="02000403000000020004" pitchFamily="50" charset="-127"/>
-                <a:ea typeface="맑은 고딕" panose="02000403000000020004" pitchFamily="50" charset="-127"/>
-              </a:rPr>
-              <a:t>192.168.1.20</a:t>
-            </a:r>
-            <a:endParaRPr lang="ko-KR" altLang="en-US" sz="1000">
+              <a:rPr lang="en-US" altLang="ko-KR" sz="1000" dirty="0">
+                <a:latin typeface="맑은 고딕" panose="02000403000000020004" pitchFamily="50" charset="-127"/>
+                <a:ea typeface="맑은 고딕" panose="02000403000000020004" pitchFamily="50" charset="-127"/>
+              </a:rPr>
+              <a:t>192.168.0.20</a:t>
+            </a:r>
+            <a:endParaRPr lang="ko-KR" altLang="en-US" sz="1000" dirty="0">
               <a:latin typeface="맑은 고딕" panose="02000403000000020004" pitchFamily="50" charset="-127"/>
               <a:ea typeface="맑은 고딕" panose="02000403000000020004" pitchFamily="50" charset="-127"/>
             </a:endParaRPr>
@@ -4552,7 +4906,7 @@
           <a:p>
             <a:pPr algn="ctr"/>
             <a:r>
-              <a:rPr lang="en-US" altLang="ko-KR" sz="1000">
+              <a:rPr lang="en-US" altLang="ko-KR" sz="1000" dirty="0">
                 <a:latin typeface="맑은 고딕" panose="02000403000000020004" pitchFamily="50" charset="-127"/>
                 <a:ea typeface="맑은 고딕" panose="02000403000000020004" pitchFamily="50" charset="-127"/>
               </a:rPr>
@@ -4561,7 +4915,7 @@
           </a:p>
           <a:p>
             <a:pPr algn="ctr"/>
-            <a:endParaRPr lang="en-US" altLang="ko-KR" sz="1000">
+            <a:endParaRPr lang="en-US" altLang="ko-KR" sz="1000" dirty="0">
               <a:latin typeface="맑은 고딕" panose="02000403000000020004" pitchFamily="50" charset="-127"/>
               <a:ea typeface="맑은 고딕" panose="02000403000000020004" pitchFamily="50" charset="-127"/>
             </a:endParaRPr>
@@ -4569,23 +4923,23 @@
           <a:p>
             <a:pPr algn="ctr"/>
             <a:r>
-              <a:rPr lang="en-US" altLang="ko-KR" sz="1000">
-                <a:latin typeface="맑은 고딕" panose="02000403000000020004" pitchFamily="50" charset="-127"/>
-                <a:ea typeface="맑은 고딕" panose="02000403000000020004" pitchFamily="50" charset="-127"/>
-              </a:rPr>
-              <a:t>192.168.1.10</a:t>
+              <a:rPr lang="en-US" altLang="ko-KR" sz="1000" dirty="0">
+                <a:latin typeface="맑은 고딕" panose="02000403000000020004" pitchFamily="50" charset="-127"/>
+                <a:ea typeface="맑은 고딕" panose="02000403000000020004" pitchFamily="50" charset="-127"/>
+              </a:rPr>
+              <a:t>192.168.0.10</a:t>
             </a:r>
           </a:p>
           <a:p>
             <a:pPr algn="ctr"/>
             <a:r>
-              <a:rPr lang="en-US" altLang="ko-KR" sz="1000">
-                <a:latin typeface="맑은 고딕" panose="02000403000000020004" pitchFamily="50" charset="-127"/>
-                <a:ea typeface="맑은 고딕" panose="02000403000000020004" pitchFamily="50" charset="-127"/>
-              </a:rPr>
-              <a:t>192.168.1.100</a:t>
-            </a:r>
-            <a:endParaRPr lang="ko-KR" altLang="en-US" sz="1000">
+              <a:rPr lang="en-US" altLang="ko-KR" sz="1000" dirty="0">
+                <a:latin typeface="맑은 고딕" panose="02000403000000020004" pitchFamily="50" charset="-127"/>
+                <a:ea typeface="맑은 고딕" panose="02000403000000020004" pitchFamily="50" charset="-127"/>
+              </a:rPr>
+              <a:t>192.168.0.100</a:t>
+            </a:r>
+            <a:endParaRPr lang="ko-KR" altLang="en-US" sz="1000" dirty="0">
               <a:latin typeface="맑은 고딕" panose="02000403000000020004" pitchFamily="50" charset="-127"/>
               <a:ea typeface="맑은 고딕" panose="02000403000000020004" pitchFamily="50" charset="-127"/>
             </a:endParaRPr>
@@ -5112,7 +5466,7 @@
         <p:spPr>
           <a:xfrm>
             <a:off x="1333401" y="6501510"/>
-            <a:ext cx="2299027" cy="246221"/>
+            <a:ext cx="2366353" cy="246221"/>
           </a:xfrm>
           <a:prstGeom prst="rect">
             <a:avLst/>
@@ -5126,10 +5480,10 @@
           <a:lstStyle/>
           <a:p>
             <a:r>
-              <a:rPr lang="en-US" altLang="ko-KR" sz="1000">
-                <a:latin typeface="맑은 고딕" panose="02000403000000020004" pitchFamily="50" charset="-127"/>
-              </a:rPr>
-              <a:t>http://imaginary.192.168.1.100.sslip.io</a:t>
+              <a:rPr lang="en-US" altLang="ko-KR" sz="1000" dirty="0">
+                <a:latin typeface="맑은 고딕" panose="02000403000000020004" pitchFamily="50" charset="-127"/>
+              </a:rPr>
+              <a:t>http://imaginary.192.168.0.100.sslip.io</a:t>
             </a:r>
           </a:p>
         </p:txBody>
@@ -5377,7 +5731,7 @@
           <a:p>
             <a:pPr algn="ctr"/>
             <a:r>
-              <a:rPr lang="en-US" altLang="ko-KR" sz="1000">
+              <a:rPr lang="en-US" altLang="ko-KR" sz="1000" dirty="0">
                 <a:solidFill>
                   <a:schemeClr val="tx1">
                     <a:lumMod val="75000"/>
@@ -5390,7 +5744,7 @@
               <a:t>Ingress  </a:t>
             </a:r>
             <a:r>
-              <a:rPr lang="en-US" altLang="ko-KR" sz="800">
+              <a:rPr lang="en-US" altLang="ko-KR" sz="800" dirty="0">
                 <a:solidFill>
                   <a:schemeClr val="tx1">
                     <a:lumMod val="75000"/>
@@ -5400,9 +5754,9 @@
                 <a:latin typeface="맑은 고딕" panose="02000403000000020004" pitchFamily="50" charset="-127"/>
                 <a:ea typeface="맑은 고딕" panose="02000403000000020004" pitchFamily="50" charset="-127"/>
               </a:rPr>
-              <a:t>EXTERNAL-IP 192.168.1.100</a:t>
-            </a:r>
-            <a:endParaRPr lang="ko-KR" altLang="en-US" sz="800">
+              <a:t>EXTERNAL-IP 192.168.0.100</a:t>
+            </a:r>
+            <a:endParaRPr lang="ko-KR" altLang="en-US" sz="800" dirty="0">
               <a:solidFill>
                 <a:schemeClr val="tx1">
                   <a:lumMod val="75000"/>
@@ -5462,7 +5816,7 @@
           <a:p>
             <a:pPr algn="ctr"/>
             <a:r>
-              <a:rPr lang="en-US" altLang="ko-KR" sz="1000">
+              <a:rPr lang="en-US" altLang="ko-KR" sz="1000" dirty="0" err="1">
                 <a:solidFill>
                   <a:schemeClr val="tx1">
                     <a:lumMod val="75000"/>
@@ -5472,10 +5826,10 @@
                 <a:latin typeface="맑은 고딕" panose="02000403000000020004" pitchFamily="50" charset="-127"/>
                 <a:ea typeface="맑은 고딕" panose="02000403000000020004" pitchFamily="50" charset="-127"/>
               </a:rPr>
-              <a:t>MetalLB </a:t>
-            </a:r>
-            <a:r>
-              <a:rPr lang="en-US" altLang="ko-KR" sz="800">
+              <a:t>MetalLB</a:t>
+            </a:r>
+            <a:r>
+              <a:rPr lang="en-US" altLang="ko-KR" sz="1000" dirty="0">
                 <a:solidFill>
                   <a:schemeClr val="tx1">
                     <a:lumMod val="75000"/>
@@ -5485,10 +5839,10 @@
                 <a:latin typeface="맑은 고딕" panose="02000403000000020004" pitchFamily="50" charset="-127"/>
                 <a:ea typeface="맑은 고딕" panose="02000403000000020004" pitchFamily="50" charset="-127"/>
               </a:rPr>
-              <a:t>layer2 </a:t>
-            </a:r>
-            <a:r>
-              <a:rPr lang="en-US" altLang="ko-KR" sz="800">
+              <a:t> </a:t>
+            </a:r>
+            <a:r>
+              <a:rPr lang="en-US" altLang="ko-KR" sz="800" dirty="0">
                 <a:solidFill>
                   <a:schemeClr val="tx1">
                     <a:lumMod val="75000"/>
@@ -5496,10 +5850,23 @@
                   </a:schemeClr>
                 </a:solidFill>
                 <a:latin typeface="맑은 고딕" panose="02000403000000020004" pitchFamily="50" charset="-127"/>
-              </a:rPr>
-              <a:t>192.168.1.100</a:t>
-            </a:r>
-            <a:endParaRPr lang="ko-KR" altLang="en-US" sz="800">
+                <a:ea typeface="맑은 고딕" panose="02000403000000020004" pitchFamily="50" charset="-127"/>
+              </a:rPr>
+              <a:t>layer2 </a:t>
+            </a:r>
+            <a:r>
+              <a:rPr lang="en-US" altLang="ko-KR" sz="800" dirty="0">
+                <a:solidFill>
+                  <a:schemeClr val="tx1">
+                    <a:lumMod val="75000"/>
+                    <a:lumOff val="25000"/>
+                  </a:schemeClr>
+                </a:solidFill>
+                <a:latin typeface="맑은 고딕" panose="02000403000000020004" pitchFamily="50" charset="-127"/>
+              </a:rPr>
+              <a:t>192.168.0.100</a:t>
+            </a:r>
+            <a:endParaRPr lang="ko-KR" altLang="en-US" sz="800" dirty="0">
               <a:solidFill>
                 <a:schemeClr val="tx1">
                   <a:lumMod val="75000"/>
@@ -6278,7 +6645,7 @@
           <a:p>
             <a:pPr algn="ctr"/>
             <a:r>
-              <a:rPr lang="en-US" altLang="ko-KR" sz="1000">
+              <a:rPr lang="en-US" altLang="ko-KR" sz="1000" dirty="0">
                 <a:latin typeface="맑은 고딕" panose="02000403000000020004" pitchFamily="50" charset="-127"/>
                 <a:ea typeface="맑은 고딕" panose="02000403000000020004" pitchFamily="50" charset="-127"/>
               </a:rPr>
@@ -6287,7 +6654,7 @@
           </a:p>
           <a:p>
             <a:pPr algn="ctr"/>
-            <a:endParaRPr lang="en-US" altLang="ko-KR" sz="1000">
+            <a:endParaRPr lang="en-US" altLang="ko-KR" sz="1000" dirty="0">
               <a:latin typeface="맑은 고딕" panose="02000403000000020004" pitchFamily="50" charset="-127"/>
               <a:ea typeface="맑은 고딕" panose="02000403000000020004" pitchFamily="50" charset="-127"/>
             </a:endParaRPr>
@@ -6295,13 +6662,13 @@
           <a:p>
             <a:pPr algn="ctr"/>
             <a:r>
-              <a:rPr lang="en-US" altLang="ko-KR" sz="1000">
-                <a:latin typeface="맑은 고딕" panose="02000403000000020004" pitchFamily="50" charset="-127"/>
-                <a:ea typeface="맑은 고딕" panose="02000403000000020004" pitchFamily="50" charset="-127"/>
-              </a:rPr>
-              <a:t>192.168.1.20</a:t>
-            </a:r>
-            <a:endParaRPr lang="ko-KR" altLang="en-US" sz="1000">
+              <a:rPr lang="en-US" altLang="ko-KR" sz="1000" dirty="0">
+                <a:latin typeface="맑은 고딕" panose="02000403000000020004" pitchFamily="50" charset="-127"/>
+                <a:ea typeface="맑은 고딕" panose="02000403000000020004" pitchFamily="50" charset="-127"/>
+              </a:rPr>
+              <a:t>192.168.0.20</a:t>
+            </a:r>
+            <a:endParaRPr lang="ko-KR" altLang="en-US" sz="1000" dirty="0">
               <a:latin typeface="맑은 고딕" panose="02000403000000020004" pitchFamily="50" charset="-127"/>
               <a:ea typeface="맑은 고딕" panose="02000403000000020004" pitchFamily="50" charset="-127"/>
             </a:endParaRPr>
@@ -6422,7 +6789,7 @@
           <a:p>
             <a:pPr algn="ctr"/>
             <a:r>
-              <a:rPr lang="en-US" altLang="ko-KR" sz="1000">
+              <a:rPr lang="en-US" altLang="ko-KR" sz="1000" dirty="0">
                 <a:latin typeface="맑은 고딕" panose="02000403000000020004" pitchFamily="50" charset="-127"/>
                 <a:ea typeface="맑은 고딕" panose="02000403000000020004" pitchFamily="50" charset="-127"/>
               </a:rPr>
@@ -6431,7 +6798,7 @@
           </a:p>
           <a:p>
             <a:pPr algn="ctr"/>
-            <a:endParaRPr lang="en-US" altLang="ko-KR" sz="1000">
+            <a:endParaRPr lang="en-US" altLang="ko-KR" sz="1000" dirty="0">
               <a:latin typeface="맑은 고딕" panose="02000403000000020004" pitchFamily="50" charset="-127"/>
               <a:ea typeface="맑은 고딕" panose="02000403000000020004" pitchFamily="50" charset="-127"/>
             </a:endParaRPr>
@@ -6439,23 +6806,23 @@
           <a:p>
             <a:pPr algn="ctr"/>
             <a:r>
-              <a:rPr lang="en-US" altLang="ko-KR" sz="1000">
-                <a:latin typeface="맑은 고딕" panose="02000403000000020004" pitchFamily="50" charset="-127"/>
-                <a:ea typeface="맑은 고딕" panose="02000403000000020004" pitchFamily="50" charset="-127"/>
-              </a:rPr>
-              <a:t>192.168.1.10</a:t>
+              <a:rPr lang="en-US" altLang="ko-KR" sz="1000" dirty="0">
+                <a:latin typeface="맑은 고딕" panose="02000403000000020004" pitchFamily="50" charset="-127"/>
+                <a:ea typeface="맑은 고딕" panose="02000403000000020004" pitchFamily="50" charset="-127"/>
+              </a:rPr>
+              <a:t>192.168.0.10</a:t>
             </a:r>
           </a:p>
           <a:p>
             <a:pPr algn="ctr"/>
             <a:r>
-              <a:rPr lang="en-US" altLang="ko-KR" sz="1000">
-                <a:latin typeface="맑은 고딕" panose="02000403000000020004" pitchFamily="50" charset="-127"/>
-                <a:ea typeface="맑은 고딕" panose="02000403000000020004" pitchFamily="50" charset="-127"/>
-              </a:rPr>
-              <a:t>192.168.1.100</a:t>
-            </a:r>
-            <a:endParaRPr lang="ko-KR" altLang="en-US" sz="1000">
+              <a:rPr lang="en-US" altLang="ko-KR" sz="1000" dirty="0">
+                <a:latin typeface="맑은 고딕" panose="02000403000000020004" pitchFamily="50" charset="-127"/>
+                <a:ea typeface="맑은 고딕" panose="02000403000000020004" pitchFamily="50" charset="-127"/>
+              </a:rPr>
+              <a:t>192.168.0.100</a:t>
+            </a:r>
+            <a:endParaRPr lang="ko-KR" altLang="en-US" sz="1000" dirty="0">
               <a:latin typeface="맑은 고딕" panose="02000403000000020004" pitchFamily="50" charset="-127"/>
               <a:ea typeface="맑은 고딕" panose="02000403000000020004" pitchFamily="50" charset="-127"/>
             </a:endParaRPr>
@@ -6576,7 +6943,7 @@
           <a:p>
             <a:pPr algn="ctr"/>
             <a:r>
-              <a:rPr lang="en-US" altLang="ko-KR" sz="1000">
+              <a:rPr lang="en-US" altLang="ko-KR" sz="1000" dirty="0">
                 <a:latin typeface="맑은 고딕" panose="02000403000000020004" pitchFamily="50" charset="-127"/>
                 <a:ea typeface="맑은 고딕" panose="02000403000000020004" pitchFamily="50" charset="-127"/>
               </a:rPr>
@@ -6585,7 +6952,7 @@
           </a:p>
           <a:p>
             <a:pPr algn="ctr"/>
-            <a:endParaRPr lang="en-US" altLang="ko-KR" sz="1000">
+            <a:endParaRPr lang="en-US" altLang="ko-KR" sz="1000" dirty="0">
               <a:latin typeface="맑은 고딕" panose="02000403000000020004" pitchFamily="50" charset="-127"/>
               <a:ea typeface="맑은 고딕" panose="02000403000000020004" pitchFamily="50" charset="-127"/>
             </a:endParaRPr>
@@ -6593,13 +6960,13 @@
           <a:p>
             <a:pPr algn="ctr"/>
             <a:r>
-              <a:rPr lang="en-US" altLang="ko-KR" sz="1000">
-                <a:latin typeface="맑은 고딕" panose="02000403000000020004" pitchFamily="50" charset="-127"/>
-                <a:ea typeface="맑은 고딕" panose="02000403000000020004" pitchFamily="50" charset="-127"/>
-              </a:rPr>
-              <a:t>192.168.1.30</a:t>
-            </a:r>
-            <a:endParaRPr lang="ko-KR" altLang="en-US" sz="1000">
+              <a:rPr lang="en-US" altLang="ko-KR" sz="1000" dirty="0">
+                <a:latin typeface="맑은 고딕" panose="02000403000000020004" pitchFamily="50" charset="-127"/>
+                <a:ea typeface="맑은 고딕" panose="02000403000000020004" pitchFamily="50" charset="-127"/>
+              </a:rPr>
+              <a:t>192.168.0.30</a:t>
+            </a:r>
+            <a:endParaRPr lang="ko-KR" altLang="en-US" sz="1000" dirty="0">
               <a:latin typeface="맑은 고딕" panose="02000403000000020004" pitchFamily="50" charset="-127"/>
               <a:ea typeface="맑은 고딕" panose="02000403000000020004" pitchFamily="50" charset="-127"/>
             </a:endParaRPr>
@@ -6844,7 +7211,7 @@
         <p:spPr>
           <a:xfrm>
             <a:off x="1333401" y="6478027"/>
-            <a:ext cx="2013693" cy="246221"/>
+            <a:ext cx="2073003" cy="246221"/>
           </a:xfrm>
           <a:prstGeom prst="rect">
             <a:avLst/>
@@ -6858,10 +7225,10 @@
           <a:lstStyle/>
           <a:p>
             <a:r>
-              <a:rPr lang="en-US" altLang="ko-KR" sz="1000">
-                <a:latin typeface="맑은 고딕" panose="02000403000000020004" pitchFamily="50" charset="-127"/>
-              </a:rPr>
-              <a:t>http://todo.192.168.1.100.sslip.io</a:t>
+              <a:rPr lang="en-US" altLang="ko-KR" sz="1000" dirty="0">
+                <a:latin typeface="맑은 고딕" panose="02000403000000020004" pitchFamily="50" charset="-127"/>
+              </a:rPr>
+              <a:t>http://todo.192.168.0.100.sslip.io</a:t>
             </a:r>
           </a:p>
         </p:txBody>
@@ -7366,7 +7733,7 @@
           <a:p>
             <a:pPr algn="ctr"/>
             <a:r>
-              <a:rPr lang="en-US" altLang="ko-KR" sz="1000">
+              <a:rPr lang="en-US" altLang="ko-KR" sz="1000" dirty="0">
                 <a:solidFill>
                   <a:schemeClr val="tx1">
                     <a:lumMod val="75000"/>
@@ -7379,7 +7746,7 @@
               <a:t>Ingress  </a:t>
             </a:r>
             <a:r>
-              <a:rPr lang="en-US" altLang="ko-KR" sz="800">
+              <a:rPr lang="en-US" altLang="ko-KR" sz="800" dirty="0">
                 <a:solidFill>
                   <a:schemeClr val="tx1">
                     <a:lumMod val="75000"/>
@@ -7388,9 +7755,9 @@
                 </a:solidFill>
                 <a:latin typeface="맑은 고딕" panose="02000403000000020004" pitchFamily="50" charset="-127"/>
               </a:rPr>
-              <a:t>http://todo.192.168.1.100.sslip.io</a:t>
-            </a:r>
-            <a:endParaRPr lang="ko-KR" altLang="en-US" sz="800">
+              <a:t>http://todo.192.168.0.100.sslip.io</a:t>
+            </a:r>
+            <a:endParaRPr lang="ko-KR" altLang="en-US" sz="800" dirty="0">
               <a:solidFill>
                 <a:schemeClr val="tx1">
                   <a:lumMod val="75000"/>
@@ -8616,7 +8983,7 @@
           <a:p>
             <a:pPr algn="ctr"/>
             <a:r>
-              <a:rPr lang="en-US" altLang="ko-KR" sz="1000">
+              <a:rPr lang="en-US" altLang="ko-KR" sz="1000" dirty="0">
                 <a:latin typeface="맑은 고딕" panose="02000403000000020004" pitchFamily="50" charset="-127"/>
                 <a:ea typeface="맑은 고딕" panose="02000403000000020004" pitchFamily="50" charset="-127"/>
               </a:rPr>
@@ -8625,7 +8992,7 @@
           </a:p>
           <a:p>
             <a:pPr algn="ctr"/>
-            <a:endParaRPr lang="en-US" altLang="ko-KR" sz="1000">
+            <a:endParaRPr lang="en-US" altLang="ko-KR" sz="1000" dirty="0">
               <a:latin typeface="맑은 고딕" panose="02000403000000020004" pitchFamily="50" charset="-127"/>
               <a:ea typeface="맑은 고딕" panose="02000403000000020004" pitchFamily="50" charset="-127"/>
             </a:endParaRPr>
@@ -8633,13 +9000,13 @@
           <a:p>
             <a:pPr algn="ctr"/>
             <a:r>
-              <a:rPr lang="en-US" altLang="ko-KR" sz="1000">
-                <a:latin typeface="맑은 고딕" panose="02000403000000020004" pitchFamily="50" charset="-127"/>
-                <a:ea typeface="맑은 고딕" panose="02000403000000020004" pitchFamily="50" charset="-127"/>
-              </a:rPr>
-              <a:t>192.168.1.20</a:t>
-            </a:r>
-            <a:endParaRPr lang="ko-KR" altLang="en-US" sz="1000">
+              <a:rPr lang="en-US" altLang="ko-KR" sz="1000" dirty="0">
+                <a:latin typeface="맑은 고딕" panose="02000403000000020004" pitchFamily="50" charset="-127"/>
+                <a:ea typeface="맑은 고딕" panose="02000403000000020004" pitchFamily="50" charset="-127"/>
+              </a:rPr>
+              <a:t>192.168.0.20</a:t>
+            </a:r>
+            <a:endParaRPr lang="ko-KR" altLang="en-US" sz="1000" dirty="0">
               <a:latin typeface="맑은 고딕" panose="02000403000000020004" pitchFamily="50" charset="-127"/>
               <a:ea typeface="맑은 고딕" panose="02000403000000020004" pitchFamily="50" charset="-127"/>
             </a:endParaRPr>
@@ -8760,7 +9127,7 @@
           <a:p>
             <a:pPr algn="ctr"/>
             <a:r>
-              <a:rPr lang="en-US" altLang="ko-KR" sz="1000">
+              <a:rPr lang="en-US" altLang="ko-KR" sz="1000" dirty="0">
                 <a:latin typeface="맑은 고딕" panose="02000403000000020004" pitchFamily="50" charset="-127"/>
                 <a:ea typeface="맑은 고딕" panose="02000403000000020004" pitchFamily="50" charset="-127"/>
               </a:rPr>
@@ -8769,7 +9136,7 @@
           </a:p>
           <a:p>
             <a:pPr algn="ctr"/>
-            <a:endParaRPr lang="en-US" altLang="ko-KR" sz="1000">
+            <a:endParaRPr lang="en-US" altLang="ko-KR" sz="1000" dirty="0">
               <a:latin typeface="맑은 고딕" panose="02000403000000020004" pitchFamily="50" charset="-127"/>
               <a:ea typeface="맑은 고딕" panose="02000403000000020004" pitchFamily="50" charset="-127"/>
             </a:endParaRPr>
@@ -8777,23 +9144,23 @@
           <a:p>
             <a:pPr algn="ctr"/>
             <a:r>
-              <a:rPr lang="en-US" altLang="ko-KR" sz="1000">
-                <a:latin typeface="맑은 고딕" panose="02000403000000020004" pitchFamily="50" charset="-127"/>
-                <a:ea typeface="맑은 고딕" panose="02000403000000020004" pitchFamily="50" charset="-127"/>
-              </a:rPr>
-              <a:t>192.168.1.10</a:t>
+              <a:rPr lang="en-US" altLang="ko-KR" sz="1000" dirty="0">
+                <a:latin typeface="맑은 고딕" panose="02000403000000020004" pitchFamily="50" charset="-127"/>
+                <a:ea typeface="맑은 고딕" panose="02000403000000020004" pitchFamily="50" charset="-127"/>
+              </a:rPr>
+              <a:t>192.168.0.10</a:t>
             </a:r>
           </a:p>
           <a:p>
             <a:pPr algn="ctr"/>
             <a:r>
-              <a:rPr lang="en-US" altLang="ko-KR" sz="1000">
-                <a:latin typeface="맑은 고딕" panose="02000403000000020004" pitchFamily="50" charset="-127"/>
-                <a:ea typeface="맑은 고딕" panose="02000403000000020004" pitchFamily="50" charset="-127"/>
-              </a:rPr>
-              <a:t>192.168.1.100</a:t>
-            </a:r>
-            <a:endParaRPr lang="ko-KR" altLang="en-US" sz="1000">
+              <a:rPr lang="en-US" altLang="ko-KR" sz="1000" dirty="0">
+                <a:latin typeface="맑은 고딕" panose="02000403000000020004" pitchFamily="50" charset="-127"/>
+                <a:ea typeface="맑은 고딕" panose="02000403000000020004" pitchFamily="50" charset="-127"/>
+              </a:rPr>
+              <a:t>192.168.0.100</a:t>
+            </a:r>
+            <a:endParaRPr lang="ko-KR" altLang="en-US" sz="1000" dirty="0">
               <a:latin typeface="맑은 고딕" panose="02000403000000020004" pitchFamily="50" charset="-127"/>
               <a:ea typeface="맑은 고딕" panose="02000403000000020004" pitchFamily="50" charset="-127"/>
             </a:endParaRPr>
@@ -8914,7 +9281,7 @@
           <a:p>
             <a:pPr algn="ctr"/>
             <a:r>
-              <a:rPr lang="en-US" altLang="ko-KR" sz="1000">
+              <a:rPr lang="en-US" altLang="ko-KR" sz="1000" dirty="0">
                 <a:latin typeface="맑은 고딕" panose="02000403000000020004" pitchFamily="50" charset="-127"/>
                 <a:ea typeface="맑은 고딕" panose="02000403000000020004" pitchFamily="50" charset="-127"/>
               </a:rPr>
@@ -8923,7 +9290,7 @@
           </a:p>
           <a:p>
             <a:pPr algn="ctr"/>
-            <a:endParaRPr lang="en-US" altLang="ko-KR" sz="1000">
+            <a:endParaRPr lang="en-US" altLang="ko-KR" sz="1000" dirty="0">
               <a:latin typeface="맑은 고딕" panose="02000403000000020004" pitchFamily="50" charset="-127"/>
               <a:ea typeface="맑은 고딕" panose="02000403000000020004" pitchFamily="50" charset="-127"/>
             </a:endParaRPr>
@@ -8931,13 +9298,13 @@
           <a:p>
             <a:pPr algn="ctr"/>
             <a:r>
-              <a:rPr lang="en-US" altLang="ko-KR" sz="1000">
-                <a:latin typeface="맑은 고딕" panose="02000403000000020004" pitchFamily="50" charset="-127"/>
-                <a:ea typeface="맑은 고딕" panose="02000403000000020004" pitchFamily="50" charset="-127"/>
-              </a:rPr>
-              <a:t>192.168.1.30</a:t>
-            </a:r>
-            <a:endParaRPr lang="ko-KR" altLang="en-US" sz="1000">
+              <a:rPr lang="en-US" altLang="ko-KR" sz="1000" dirty="0">
+                <a:latin typeface="맑은 고딕" panose="02000403000000020004" pitchFamily="50" charset="-127"/>
+                <a:ea typeface="맑은 고딕" panose="02000403000000020004" pitchFamily="50" charset="-127"/>
+              </a:rPr>
+              <a:t>192.168.0.30</a:t>
+            </a:r>
+            <a:endParaRPr lang="ko-KR" altLang="en-US" sz="1000" dirty="0">
               <a:latin typeface="맑은 고딕" panose="02000403000000020004" pitchFamily="50" charset="-127"/>
               <a:ea typeface="맑은 고딕" panose="02000403000000020004" pitchFamily="50" charset="-127"/>
             </a:endParaRPr>
@@ -9550,7 +9917,7 @@
           <a:p>
             <a:pPr algn="ctr"/>
             <a:r>
-              <a:rPr lang="en-US" altLang="ko-KR" sz="1000">
+              <a:rPr lang="en-US" altLang="ko-KR" sz="1000" dirty="0">
                 <a:latin typeface="맑은 고딕" panose="02000403000000020004" pitchFamily="50" charset="-127"/>
                 <a:ea typeface="맑은 고딕" panose="02000403000000020004" pitchFamily="50" charset="-127"/>
               </a:rPr>
@@ -9559,7 +9926,7 @@
           </a:p>
           <a:p>
             <a:pPr algn="ctr"/>
-            <a:endParaRPr lang="en-US" altLang="ko-KR" sz="1000">
+            <a:endParaRPr lang="en-US" altLang="ko-KR" sz="1000" dirty="0">
               <a:latin typeface="맑은 고딕" panose="02000403000000020004" pitchFamily="50" charset="-127"/>
               <a:ea typeface="맑은 고딕" panose="02000403000000020004" pitchFamily="50" charset="-127"/>
             </a:endParaRPr>
@@ -9567,13 +9934,13 @@
           <a:p>
             <a:pPr algn="ctr"/>
             <a:r>
-              <a:rPr lang="en-US" altLang="ko-KR" sz="1000">
-                <a:latin typeface="맑은 고딕" panose="02000403000000020004" pitchFamily="50" charset="-127"/>
-                <a:ea typeface="맑은 고딕" panose="02000403000000020004" pitchFamily="50" charset="-127"/>
-              </a:rPr>
-              <a:t>192.168.1.40</a:t>
-            </a:r>
-            <a:endParaRPr lang="ko-KR" altLang="en-US" sz="1000">
+              <a:rPr lang="en-US" altLang="ko-KR" sz="1000" dirty="0">
+                <a:latin typeface="맑은 고딕" panose="02000403000000020004" pitchFamily="50" charset="-127"/>
+                <a:ea typeface="맑은 고딕" panose="02000403000000020004" pitchFamily="50" charset="-127"/>
+              </a:rPr>
+              <a:t>192.168.0.40</a:t>
+            </a:r>
+            <a:endParaRPr lang="ko-KR" altLang="en-US" sz="1000" dirty="0">
               <a:latin typeface="맑은 고딕" panose="02000403000000020004" pitchFamily="50" charset="-127"/>
               <a:ea typeface="맑은 고딕" panose="02000403000000020004" pitchFamily="50" charset="-127"/>
             </a:endParaRPr>
@@ -10181,7 +10548,7 @@
           <a:p>
             <a:pPr algn="ctr"/>
             <a:r>
-              <a:rPr lang="en-US" altLang="ko-KR" sz="1000">
+              <a:rPr lang="en-US" altLang="ko-KR" sz="1000" dirty="0" err="1">
                 <a:solidFill>
                   <a:schemeClr val="tx1">
                     <a:lumMod val="75000"/>
@@ -10191,10 +10558,10 @@
                 <a:latin typeface="맑은 고딕" panose="02000403000000020004" pitchFamily="50" charset="-127"/>
                 <a:ea typeface="맑은 고딕" panose="02000403000000020004" pitchFamily="50" charset="-127"/>
               </a:rPr>
-              <a:t>PersistentVolume  </a:t>
-            </a:r>
-            <a:r>
-              <a:rPr lang="en-US" altLang="ko-KR" sz="800">
+              <a:t>PersistentVolume</a:t>
+            </a:r>
+            <a:r>
+              <a:rPr lang="en-US" altLang="ko-KR" sz="1000" dirty="0">
                 <a:solidFill>
                   <a:schemeClr val="tx1">
                     <a:lumMod val="75000"/>
@@ -10202,10 +10569,35 @@
                   </a:schemeClr>
                 </a:solidFill>
                 <a:latin typeface="맑은 고딕" panose="02000403000000020004" pitchFamily="50" charset="-127"/>
-              </a:rPr>
-              <a:t>nfs: 192.168.1.40</a:t>
-            </a:r>
-            <a:endParaRPr lang="ko-KR" altLang="en-US" sz="800">
+                <a:ea typeface="맑은 고딕" panose="02000403000000020004" pitchFamily="50" charset="-127"/>
+              </a:rPr>
+              <a:t>  </a:t>
+            </a:r>
+            <a:r>
+              <a:rPr lang="en-US" altLang="ko-KR" sz="800" dirty="0" err="1">
+                <a:solidFill>
+                  <a:schemeClr val="tx1">
+                    <a:lumMod val="75000"/>
+                    <a:lumOff val="25000"/>
+                  </a:schemeClr>
+                </a:solidFill>
+                <a:latin typeface="맑은 고딕" panose="02000403000000020004" pitchFamily="50" charset="-127"/>
+              </a:rPr>
+              <a:t>nfs</a:t>
+            </a:r>
+            <a:r>
+              <a:rPr lang="en-US" altLang="ko-KR" sz="800" dirty="0">
+                <a:solidFill>
+                  <a:schemeClr val="tx1">
+                    <a:lumMod val="75000"/>
+                    <a:lumOff val="25000"/>
+                  </a:schemeClr>
+                </a:solidFill>
+                <a:latin typeface="맑은 고딕" panose="02000403000000020004" pitchFamily="50" charset="-127"/>
+              </a:rPr>
+              <a:t>: 192.168.0.40</a:t>
+            </a:r>
+            <a:endParaRPr lang="ko-KR" altLang="en-US" sz="800" dirty="0">
               <a:solidFill>
                 <a:schemeClr val="tx1">
                   <a:lumMod val="75000"/>
@@ -10540,30 +10932,30 @@
           <a:lstStyle/>
           <a:p>
             <a:r>
-              <a:rPr lang="en-US" altLang="ko-KR" sz="1400" b="1">
+              <a:rPr lang="en-US" altLang="ko-KR" sz="1400" b="1" dirty="0">
                 <a:latin typeface="맑은 고딕" panose="02000403000000020004" pitchFamily="50" charset="-127"/>
               </a:rPr>
               <a:t>P10. </a:t>
             </a:r>
             <a:r>
-              <a:rPr lang="ko-KR" altLang="en-US" sz="1400" b="1">
+              <a:rPr lang="ko-KR" altLang="en-US" sz="1400" b="1" dirty="0">
                 <a:latin typeface="맑은 고딕" panose="02000403000000020004" pitchFamily="50" charset="-127"/>
               </a:rPr>
               <a:t>종합 마무리</a:t>
             </a:r>
             <a:r>
-              <a:rPr lang="en-US" altLang="ko-KR" sz="1400" b="1">
+              <a:rPr lang="en-US" altLang="ko-KR" sz="1400" b="1" dirty="0">
                 <a:latin typeface="맑은 고딕" panose="02000403000000020004" pitchFamily="50" charset="-127"/>
               </a:rPr>
               <a:t>: wiki.js </a:t>
             </a:r>
             <a:r>
-              <a:rPr lang="ko-KR" altLang="en-US" sz="1400" b="1">
+              <a:rPr lang="ko-KR" altLang="en-US" sz="1400" b="1" dirty="0">
                 <a:latin typeface="맑은 고딕" panose="02000403000000020004" pitchFamily="50" charset="-127"/>
               </a:rPr>
               <a:t>서비스 구성해보기</a:t>
             </a:r>
-            <a:endParaRPr lang="ko-KR" altLang="en-US" sz="1400" b="1">
+            <a:endParaRPr lang="ko-KR" altLang="en-US" sz="1400" b="1" dirty="0">
               <a:latin typeface="맑은 고딕" panose="02000403000000020004" pitchFamily="50" charset="-127"/>
               <a:ea typeface="맑은 고딕" panose="02000403000000020004" pitchFamily="50" charset="-127"/>
             </a:endParaRPr>
@@ -10866,7 +11258,7 @@
               </a:lnSpc>
             </a:pPr>
             <a:r>
-              <a:rPr lang="ko-KR" altLang="en-US" sz="1400" b="1">
+              <a:rPr lang="ko-KR" altLang="en-US" sz="1400" b="1" dirty="0">
                 <a:solidFill>
                   <a:srgbClr val="000000"/>
                 </a:solidFill>
@@ -10875,7 +11267,7 @@
               </a:rPr>
               <a:t>설치 후 구성도</a:t>
             </a:r>
-            <a:endParaRPr lang="ko-KR" altLang="en-US" sz="1400">
+            <a:endParaRPr lang="ko-KR" altLang="en-US" sz="1400" dirty="0">
               <a:solidFill>
                 <a:srgbClr val="000000"/>
               </a:solidFill>
@@ -11054,7 +11446,7 @@
           <a:p>
             <a:pPr algn="ctr"/>
             <a:r>
-              <a:rPr lang="en-US" altLang="ko-KR" sz="1000">
+              <a:rPr lang="en-US" altLang="ko-KR" sz="1000" dirty="0">
                 <a:latin typeface="맑은 고딕" panose="02000403000000020004" pitchFamily="50" charset="-127"/>
                 <a:ea typeface="맑은 고딕" panose="02000403000000020004" pitchFamily="50" charset="-127"/>
               </a:rPr>
@@ -11063,7 +11455,7 @@
           </a:p>
           <a:p>
             <a:pPr algn="ctr"/>
-            <a:endParaRPr lang="en-US" altLang="ko-KR" sz="1000">
+            <a:endParaRPr lang="en-US" altLang="ko-KR" sz="1000" dirty="0">
               <a:latin typeface="맑은 고딕" panose="02000403000000020004" pitchFamily="50" charset="-127"/>
               <a:ea typeface="맑은 고딕" panose="02000403000000020004" pitchFamily="50" charset="-127"/>
             </a:endParaRPr>
@@ -11071,13 +11463,13 @@
           <a:p>
             <a:pPr algn="ctr"/>
             <a:r>
-              <a:rPr lang="en-US" altLang="ko-KR" sz="1000">
-                <a:latin typeface="맑은 고딕" panose="02000403000000020004" pitchFamily="50" charset="-127"/>
-                <a:ea typeface="맑은 고딕" panose="02000403000000020004" pitchFamily="50" charset="-127"/>
-              </a:rPr>
-              <a:t>192.168.1.20</a:t>
-            </a:r>
-            <a:endParaRPr lang="ko-KR" altLang="en-US" sz="1000">
+              <a:rPr lang="en-US" altLang="ko-KR" sz="1000" dirty="0">
+                <a:latin typeface="맑은 고딕" panose="02000403000000020004" pitchFamily="50" charset="-127"/>
+                <a:ea typeface="맑은 고딕" panose="02000403000000020004" pitchFamily="50" charset="-127"/>
+              </a:rPr>
+              <a:t>192.168.0.20</a:t>
+            </a:r>
+            <a:endParaRPr lang="ko-KR" altLang="en-US" sz="1000" dirty="0">
               <a:latin typeface="맑은 고딕" panose="02000403000000020004" pitchFamily="50" charset="-127"/>
               <a:ea typeface="맑은 고딕" panose="02000403000000020004" pitchFamily="50" charset="-127"/>
             </a:endParaRPr>
@@ -11198,7 +11590,7 @@
           <a:p>
             <a:pPr algn="ctr"/>
             <a:r>
-              <a:rPr lang="en-US" altLang="ko-KR" sz="1000">
+              <a:rPr lang="en-US" altLang="ko-KR" sz="1000" dirty="0">
                 <a:latin typeface="맑은 고딕" panose="02000403000000020004" pitchFamily="50" charset="-127"/>
                 <a:ea typeface="맑은 고딕" panose="02000403000000020004" pitchFamily="50" charset="-127"/>
               </a:rPr>
@@ -11207,7 +11599,7 @@
           </a:p>
           <a:p>
             <a:pPr algn="ctr"/>
-            <a:endParaRPr lang="en-US" altLang="ko-KR" sz="1000">
+            <a:endParaRPr lang="en-US" altLang="ko-KR" sz="1000" dirty="0">
               <a:latin typeface="맑은 고딕" panose="02000403000000020004" pitchFamily="50" charset="-127"/>
               <a:ea typeface="맑은 고딕" panose="02000403000000020004" pitchFamily="50" charset="-127"/>
             </a:endParaRPr>
@@ -11215,23 +11607,23 @@
           <a:p>
             <a:pPr algn="ctr"/>
             <a:r>
-              <a:rPr lang="en-US" altLang="ko-KR" sz="1000">
-                <a:latin typeface="맑은 고딕" panose="02000403000000020004" pitchFamily="50" charset="-127"/>
-                <a:ea typeface="맑은 고딕" panose="02000403000000020004" pitchFamily="50" charset="-127"/>
-              </a:rPr>
-              <a:t>192.168.1.10</a:t>
+              <a:rPr lang="en-US" altLang="ko-KR" sz="1000" dirty="0">
+                <a:latin typeface="맑은 고딕" panose="02000403000000020004" pitchFamily="50" charset="-127"/>
+                <a:ea typeface="맑은 고딕" panose="02000403000000020004" pitchFamily="50" charset="-127"/>
+              </a:rPr>
+              <a:t>192.168.0.10</a:t>
             </a:r>
           </a:p>
           <a:p>
             <a:pPr algn="ctr"/>
             <a:r>
-              <a:rPr lang="en-US" altLang="ko-KR" sz="1000">
-                <a:latin typeface="맑은 고딕" panose="02000403000000020004" pitchFamily="50" charset="-127"/>
-                <a:ea typeface="맑은 고딕" panose="02000403000000020004" pitchFamily="50" charset="-127"/>
-              </a:rPr>
-              <a:t>192.168.1.100</a:t>
-            </a:r>
-            <a:endParaRPr lang="ko-KR" altLang="en-US" sz="1000">
+              <a:rPr lang="en-US" altLang="ko-KR" sz="1000" dirty="0">
+                <a:latin typeface="맑은 고딕" panose="02000403000000020004" pitchFamily="50" charset="-127"/>
+                <a:ea typeface="맑은 고딕" panose="02000403000000020004" pitchFamily="50" charset="-127"/>
+              </a:rPr>
+              <a:t>192.168.0.100</a:t>
+            </a:r>
+            <a:endParaRPr lang="ko-KR" altLang="en-US" sz="1000" dirty="0">
               <a:latin typeface="맑은 고딕" panose="02000403000000020004" pitchFamily="50" charset="-127"/>
               <a:ea typeface="맑은 고딕" panose="02000403000000020004" pitchFamily="50" charset="-127"/>
             </a:endParaRPr>
@@ -11352,7 +11744,7 @@
           <a:p>
             <a:pPr algn="ctr"/>
             <a:r>
-              <a:rPr lang="en-US" altLang="ko-KR" sz="1000">
+              <a:rPr lang="en-US" altLang="ko-KR" sz="1000" dirty="0">
                 <a:latin typeface="맑은 고딕" panose="02000403000000020004" pitchFamily="50" charset="-127"/>
                 <a:ea typeface="맑은 고딕" panose="02000403000000020004" pitchFamily="50" charset="-127"/>
               </a:rPr>
@@ -11361,7 +11753,7 @@
           </a:p>
           <a:p>
             <a:pPr algn="ctr"/>
-            <a:endParaRPr lang="en-US" altLang="ko-KR" sz="1000">
+            <a:endParaRPr lang="en-US" altLang="ko-KR" sz="1000" dirty="0">
               <a:latin typeface="맑은 고딕" panose="02000403000000020004" pitchFamily="50" charset="-127"/>
               <a:ea typeface="맑은 고딕" panose="02000403000000020004" pitchFamily="50" charset="-127"/>
             </a:endParaRPr>
@@ -11369,13 +11761,13 @@
           <a:p>
             <a:pPr algn="ctr"/>
             <a:r>
-              <a:rPr lang="en-US" altLang="ko-KR" sz="1000">
-                <a:latin typeface="맑은 고딕" panose="02000403000000020004" pitchFamily="50" charset="-127"/>
-                <a:ea typeface="맑은 고딕" panose="02000403000000020004" pitchFamily="50" charset="-127"/>
-              </a:rPr>
-              <a:t>192.168.1.30</a:t>
-            </a:r>
-            <a:endParaRPr lang="ko-KR" altLang="en-US" sz="1000">
+              <a:rPr lang="en-US" altLang="ko-KR" sz="1000" dirty="0">
+                <a:latin typeface="맑은 고딕" panose="02000403000000020004" pitchFamily="50" charset="-127"/>
+                <a:ea typeface="맑은 고딕" panose="02000403000000020004" pitchFamily="50" charset="-127"/>
+              </a:rPr>
+              <a:t>192.168.0.30</a:t>
+            </a:r>
+            <a:endParaRPr lang="ko-KR" altLang="en-US" sz="1000" dirty="0">
               <a:latin typeface="맑은 고딕" panose="02000403000000020004" pitchFamily="50" charset="-127"/>
               <a:ea typeface="맑은 고딕" panose="02000403000000020004" pitchFamily="50" charset="-127"/>
             </a:endParaRPr>
@@ -11988,7 +12380,7 @@
           <a:p>
             <a:pPr algn="ctr"/>
             <a:r>
-              <a:rPr lang="en-US" altLang="ko-KR" sz="1000">
+              <a:rPr lang="en-US" altLang="ko-KR" sz="1000" dirty="0">
                 <a:latin typeface="맑은 고딕" panose="02000403000000020004" pitchFamily="50" charset="-127"/>
                 <a:ea typeface="맑은 고딕" panose="02000403000000020004" pitchFamily="50" charset="-127"/>
               </a:rPr>
@@ -11997,7 +12389,7 @@
           </a:p>
           <a:p>
             <a:pPr algn="ctr"/>
-            <a:endParaRPr lang="en-US" altLang="ko-KR" sz="1000">
+            <a:endParaRPr lang="en-US" altLang="ko-KR" sz="1000" dirty="0">
               <a:latin typeface="맑은 고딕" panose="02000403000000020004" pitchFamily="50" charset="-127"/>
               <a:ea typeface="맑은 고딕" panose="02000403000000020004" pitchFamily="50" charset="-127"/>
             </a:endParaRPr>
@@ -12005,13 +12397,13 @@
           <a:p>
             <a:pPr algn="ctr"/>
             <a:r>
-              <a:rPr lang="en-US" altLang="ko-KR" sz="1000">
-                <a:latin typeface="맑은 고딕" panose="02000403000000020004" pitchFamily="50" charset="-127"/>
-                <a:ea typeface="맑은 고딕" panose="02000403000000020004" pitchFamily="50" charset="-127"/>
-              </a:rPr>
-              <a:t>192.168.1.40</a:t>
-            </a:r>
-            <a:endParaRPr lang="ko-KR" altLang="en-US" sz="1000">
+              <a:rPr lang="en-US" altLang="ko-KR" sz="1000" dirty="0">
+                <a:latin typeface="맑은 고딕" panose="02000403000000020004" pitchFamily="50" charset="-127"/>
+                <a:ea typeface="맑은 고딕" panose="02000403000000020004" pitchFamily="50" charset="-127"/>
+              </a:rPr>
+              <a:t>192.168.0.40</a:t>
+            </a:r>
+            <a:endParaRPr lang="ko-KR" altLang="en-US" sz="1000" dirty="0">
               <a:latin typeface="맑은 고딕" panose="02000403000000020004" pitchFamily="50" charset="-127"/>
               <a:ea typeface="맑은 고딕" panose="02000403000000020004" pitchFamily="50" charset="-127"/>
             </a:endParaRPr>
@@ -12428,7 +12820,7 @@
           <a:p>
             <a:pPr algn="ctr"/>
             <a:r>
-              <a:rPr lang="en-US" altLang="ko-KR" sz="1000">
+              <a:rPr lang="en-US" altLang="ko-KR" sz="1000" dirty="0" err="1">
                 <a:solidFill>
                   <a:schemeClr val="tx1">
                     <a:lumMod val="75000"/>
@@ -12438,10 +12830,10 @@
                 <a:latin typeface="맑은 고딕" panose="02000403000000020004" pitchFamily="50" charset="-127"/>
                 <a:ea typeface="맑은 고딕" panose="02000403000000020004" pitchFamily="50" charset="-127"/>
               </a:rPr>
-              <a:t>PersistentVolume  </a:t>
-            </a:r>
-            <a:r>
-              <a:rPr lang="en-US" altLang="ko-KR" sz="800">
+              <a:t>PersistentVolume</a:t>
+            </a:r>
+            <a:r>
+              <a:rPr lang="en-US" altLang="ko-KR" sz="1000" dirty="0">
                 <a:solidFill>
                   <a:schemeClr val="tx1">
                     <a:lumMod val="75000"/>
@@ -12449,10 +12841,35 @@
                   </a:schemeClr>
                 </a:solidFill>
                 <a:latin typeface="맑은 고딕" panose="02000403000000020004" pitchFamily="50" charset="-127"/>
-              </a:rPr>
-              <a:t>nfs: 192.168.1.40</a:t>
-            </a:r>
-            <a:endParaRPr lang="ko-KR" altLang="en-US" sz="800">
+                <a:ea typeface="맑은 고딕" panose="02000403000000020004" pitchFamily="50" charset="-127"/>
+              </a:rPr>
+              <a:t>  </a:t>
+            </a:r>
+            <a:r>
+              <a:rPr lang="en-US" altLang="ko-KR" sz="800" dirty="0" err="1">
+                <a:solidFill>
+                  <a:schemeClr val="tx1">
+                    <a:lumMod val="75000"/>
+                    <a:lumOff val="25000"/>
+                  </a:schemeClr>
+                </a:solidFill>
+                <a:latin typeface="맑은 고딕" panose="02000403000000020004" pitchFamily="50" charset="-127"/>
+              </a:rPr>
+              <a:t>nfs</a:t>
+            </a:r>
+            <a:r>
+              <a:rPr lang="en-US" altLang="ko-KR" sz="800" dirty="0">
+                <a:solidFill>
+                  <a:schemeClr val="tx1">
+                    <a:lumMod val="75000"/>
+                    <a:lumOff val="25000"/>
+                  </a:schemeClr>
+                </a:solidFill>
+                <a:latin typeface="맑은 고딕" panose="02000403000000020004" pitchFamily="50" charset="-127"/>
+              </a:rPr>
+              <a:t>: 192.168.0.40</a:t>
+            </a:r>
+            <a:endParaRPr lang="ko-KR" altLang="en-US" sz="800" dirty="0">
               <a:solidFill>
                 <a:schemeClr val="tx1">
                   <a:lumMod val="75000"/>
@@ -12779,7 +13196,7 @@
           <a:p>
             <a:pPr algn="ctr"/>
             <a:r>
-              <a:rPr lang="en-US" altLang="ko-KR" sz="1000">
+              <a:rPr lang="en-US" altLang="ko-KR" sz="1000" dirty="0">
                 <a:solidFill>
                   <a:schemeClr val="tx1">
                     <a:lumMod val="75000"/>
@@ -12792,7 +13209,7 @@
               <a:t>Ingress  </a:t>
             </a:r>
             <a:r>
-              <a:rPr lang="en-US" altLang="ko-KR" sz="800">
+              <a:rPr lang="en-US" altLang="ko-KR" sz="800" dirty="0">
                 <a:solidFill>
                   <a:schemeClr val="tx1">
                     <a:lumMod val="75000"/>
@@ -12801,9 +13218,9 @@
                 </a:solidFill>
                 <a:latin typeface="맑은 고딕" panose="02000403000000020004" pitchFamily="50" charset="-127"/>
               </a:rPr>
-              <a:t>http://wikijs.192.168.1.100.sslip.io</a:t>
-            </a:r>
-            <a:endParaRPr lang="ko-KR" altLang="en-US" sz="800">
+              <a:t>http://wikijs.192.168.0.100.sslip.io</a:t>
+            </a:r>
+            <a:endParaRPr lang="ko-KR" altLang="en-US" sz="800" dirty="0">
               <a:solidFill>
                 <a:schemeClr val="tx1">
                   <a:lumMod val="75000"/>
@@ -12831,7 +13248,7 @@
         <p:spPr>
           <a:xfrm>
             <a:off x="243281" y="2106619"/>
-            <a:ext cx="5356308" cy="336952"/>
+            <a:ext cx="6518246" cy="333617"/>
           </a:xfrm>
           <a:prstGeom prst="rect">
             <a:avLst/>
@@ -12850,26 +13267,56 @@
               </a:lnSpc>
             </a:pPr>
             <a:r>
-              <a:rPr lang="en-US" altLang="ko-KR" sz="1200">
+              <a:rPr lang="en-US" altLang="ko-KR" sz="1200" dirty="0">
                 <a:latin typeface="맑은 고딕" panose="02000403000000020004" pitchFamily="50" charset="-127"/>
                 <a:ea typeface="맑은 고딕" panose="02000403000000020004" pitchFamily="50" charset="-127"/>
               </a:rPr>
               <a:t>File Server</a:t>
             </a:r>
             <a:r>
-              <a:rPr lang="ko-KR" altLang="en-US" sz="1200">
-                <a:latin typeface="맑은 고딕" panose="02000403000000020004" pitchFamily="50" charset="-127"/>
-                <a:ea typeface="맑은 고딕" panose="02000403000000020004" pitchFamily="50" charset="-127"/>
-              </a:rPr>
-              <a:t>에 공유 폴더를 미리 새성해둬야 한다</a:t>
-            </a:r>
-            <a:r>
-              <a:rPr lang="en-US" altLang="ko-KR" sz="1200">
-                <a:latin typeface="맑은 고딕" panose="02000403000000020004" pitchFamily="50" charset="-127"/>
-              </a:rPr>
-              <a:t>. /var/nfs_storage/wikijs/postgres</a:t>
-            </a:r>
-            <a:endParaRPr lang="ko-KR" altLang="en-US" sz="1200">
+              <a:rPr lang="ko-KR" altLang="en-US" sz="1200" dirty="0">
+                <a:latin typeface="맑은 고딕" panose="02000403000000020004" pitchFamily="50" charset="-127"/>
+                <a:ea typeface="맑은 고딕" panose="02000403000000020004" pitchFamily="50" charset="-127"/>
+              </a:rPr>
+              <a:t>에 공유 폴더를 미리 생성해야 한다</a:t>
+            </a:r>
+            <a:r>
+              <a:rPr lang="en-US" altLang="ko-KR" sz="1200" dirty="0">
+                <a:latin typeface="맑은 고딕" panose="02000403000000020004" pitchFamily="50" charset="-127"/>
+              </a:rPr>
+              <a:t>. /var/</a:t>
+            </a:r>
+            <a:r>
+              <a:rPr lang="en-US" altLang="ko-KR" sz="1200" dirty="0" err="1">
+                <a:latin typeface="맑은 고딕" panose="02000403000000020004" pitchFamily="50" charset="-127"/>
+              </a:rPr>
+              <a:t>nfs_storage</a:t>
+            </a:r>
+            <a:r>
+              <a:rPr lang="en-US" altLang="ko-KR" sz="1200" dirty="0">
+                <a:latin typeface="맑은 고딕" panose="02000403000000020004" pitchFamily="50" charset="-127"/>
+              </a:rPr>
+              <a:t>/</a:t>
+            </a:r>
+            <a:r>
+              <a:rPr lang="en-US" altLang="ko-KR" sz="1200" dirty="0" err="1">
+                <a:latin typeface="맑은 고딕" panose="02000403000000020004" pitchFamily="50" charset="-127"/>
+              </a:rPr>
+              <a:t>wikijs</a:t>
+            </a:r>
+            <a:r>
+              <a:rPr lang="en-US" altLang="ko-KR" sz="1200" dirty="0">
+                <a:latin typeface="맑은 고딕" panose="02000403000000020004" pitchFamily="50" charset="-127"/>
+              </a:rPr>
+              <a:t>/</a:t>
+            </a:r>
+            <a:r>
+              <a:rPr lang="en-US" altLang="ko-KR" sz="1200" dirty="0" err="1">
+                <a:latin typeface="맑은 고딕" panose="02000403000000020004" pitchFamily="50" charset="-127"/>
+              </a:rPr>
+              <a:t>postgres</a:t>
+            </a:r>
+            <a:endParaRPr lang="ko-KR" altLang="en-US" sz="1200" dirty="0">
               <a:latin typeface="맑은 고딕" panose="02000403000000020004" pitchFamily="50" charset="-127"/>
               <a:ea typeface="맑은 고딕" panose="02000403000000020004" pitchFamily="50" charset="-127"/>
             </a:endParaRPr>
@@ -16047,14 +16494,14 @@
           <p:nvPr>
             <p:extLst>
               <p:ext uri="{D42A27DB-BD31-4B8C-83A1-F6EECF244321}">
-                <p14:modId xmlns:p14="http://schemas.microsoft.com/office/powerpoint/2010/main" val="3828555290"/>
+                <p14:modId xmlns:p14="http://schemas.microsoft.com/office/powerpoint/2010/main" val="2693671771"/>
               </p:ext>
             </p:extLst>
           </p:nvPr>
         </p:nvGraphicFramePr>
         <p:xfrm>
-          <a:off x="377503" y="2396529"/>
-          <a:ext cx="8061822" cy="2676144"/>
+          <a:off x="377503" y="2396528"/>
+          <a:ext cx="8061822" cy="3608832"/>
         </p:xfrm>
         <a:graphic>
           <a:graphicData uri="http://schemas.openxmlformats.org/drawingml/2006/table">
@@ -16085,7 +16532,7 @@
                   </a:extLst>
                 </a:gridCol>
               </a:tblGrid>
-              <a:tr h="370840">
+              <a:tr h="451104">
                 <a:tc>
                   <a:txBody>
                     <a:bodyPr/>
@@ -16103,7 +16550,7 @@
                         </a:spcAft>
                       </a:pPr>
                       <a:r>
-                        <a:rPr lang="ko-KR" altLang="en-US" sz="1000" b="0" i="0" u="none">
+                        <a:rPr lang="ko-KR" altLang="en-US" sz="1000" b="0" i="0" u="none" dirty="0">
                           <a:solidFill>
                             <a:srgbClr val="000000"/>
                           </a:solidFill>
@@ -16266,7 +16713,7 @@
                   </a:ext>
                 </a:extLst>
               </a:tr>
-              <a:tr h="370840">
+              <a:tr h="451104">
                 <a:tc>
                   <a:txBody>
                     <a:bodyPr/>
@@ -16284,7 +16731,7 @@
                         </a:spcAft>
                       </a:pPr>
                       <a:r>
-                        <a:rPr lang="en-US" altLang="ko-KR" sz="1000" b="0" i="0" u="none">
+                        <a:rPr lang="en-US" altLang="ko-KR" sz="1000" b="0" i="0" u="none" dirty="0">
                           <a:solidFill>
                             <a:srgbClr val="000000"/>
                           </a:solidFill>
@@ -16293,7 +16740,7 @@
                         </a:rPr>
                         <a:t>Choco</a:t>
                       </a:r>
-                      <a:endParaRPr lang="ko-KR" altLang="en-US" sz="1000" b="0" i="0" u="none">
+                      <a:endParaRPr lang="ko-KR" altLang="en-US" sz="1000" b="0" i="0" u="none" dirty="0">
                         <a:solidFill>
                           <a:srgbClr val="000000"/>
                         </a:solidFill>
@@ -16352,7 +16799,7 @@
                         </a:spcAft>
                       </a:pPr>
                       <a:r>
-                        <a:rPr lang="ko-KR" altLang="en-US" sz="1000" b="0" i="0" u="none">
+                        <a:rPr lang="ko-KR" altLang="en-US" sz="1000" b="0" i="0" u="none" dirty="0">
                           <a:solidFill>
                             <a:srgbClr val="000000"/>
                           </a:solidFill>
@@ -16362,7 +16809,7 @@
                         <a:t>윈도우용 </a:t>
                       </a:r>
                       <a:r>
-                        <a:rPr lang="en-US" altLang="ko-KR" sz="1000" b="0" i="0" u="none">
+                        <a:rPr lang="en-US" altLang="ko-KR" sz="1000" b="0" i="0" u="none" dirty="0">
                           <a:solidFill>
                             <a:srgbClr val="000000"/>
                           </a:solidFill>
@@ -16372,7 +16819,7 @@
                         <a:t>CLI </a:t>
                       </a:r>
                       <a:r>
-                        <a:rPr lang="ko-KR" altLang="en-US" sz="1000" b="0" i="0" u="none">
+                        <a:rPr lang="ko-KR" altLang="en-US" sz="1000" b="0" i="0" u="none" dirty="0">
                           <a:solidFill>
                             <a:srgbClr val="000000"/>
                           </a:solidFill>
@@ -16480,7 +16927,7 @@
                   </a:ext>
                 </a:extLst>
               </a:tr>
-              <a:tr h="370840">
+              <a:tr h="451104">
                 <a:tc>
                   <a:txBody>
                     <a:bodyPr/>
@@ -16566,7 +17013,7 @@
                         </a:spcAft>
                       </a:pPr>
                       <a:r>
-                        <a:rPr lang="ko-KR" altLang="en-US" sz="1000" b="0" i="0" u="none">
+                        <a:rPr lang="ko-KR" altLang="en-US" sz="1000" b="0" i="0" u="none" dirty="0">
                           <a:solidFill>
                             <a:srgbClr val="000000"/>
                           </a:solidFill>
@@ -16576,7 +17023,7 @@
                         <a:t>가상화 </a:t>
                       </a:r>
                       <a:r>
-                        <a:rPr lang="en-US" altLang="ko-KR" sz="1000" b="0" i="0" u="none">
+                        <a:rPr lang="en-US" altLang="ko-KR" sz="1000" b="0" i="0" u="none" dirty="0">
                           <a:solidFill>
                             <a:srgbClr val="000000"/>
                           </a:solidFill>
@@ -16586,7 +17033,7 @@
                         <a:t>VM </a:t>
                       </a:r>
                       <a:r>
-                        <a:rPr lang="ko-KR" altLang="en-US" sz="1000" b="0" i="0" u="none">
+                        <a:rPr lang="ko-KR" altLang="en-US" sz="1000" b="0" i="0" u="none" dirty="0">
                           <a:solidFill>
                             <a:srgbClr val="000000"/>
                           </a:solidFill>
@@ -16717,7 +17164,7 @@
                   </a:ext>
                 </a:extLst>
               </a:tr>
-              <a:tr h="370840">
+              <a:tr h="451104">
                 <a:tc>
                   <a:txBody>
                     <a:bodyPr/>
@@ -16735,7 +17182,7 @@
                         </a:spcAft>
                       </a:pPr>
                       <a:r>
-                        <a:rPr lang="en-US" altLang="ko-KR" sz="1000" b="0" i="0" u="none">
+                        <a:rPr lang="en-US" altLang="ko-KR" sz="1000" b="0" i="0" u="none" dirty="0">
                           <a:solidFill>
                             <a:srgbClr val="000000"/>
                           </a:solidFill>
@@ -16744,7 +17191,7 @@
                         </a:rPr>
                         <a:t>Vagrant</a:t>
                       </a:r>
-                      <a:endParaRPr lang="ko-KR" altLang="en-US" sz="1000" b="0" i="0" u="none">
+                      <a:endParaRPr lang="ko-KR" altLang="en-US" sz="1000" b="0" i="0" u="none" dirty="0">
                         <a:solidFill>
                           <a:srgbClr val="000000"/>
                         </a:solidFill>
@@ -16806,7 +17253,7 @@
                         </a:spcAft>
                       </a:pPr>
                       <a:r>
-                        <a:rPr lang="en-US" altLang="ko-KR" sz="1000" b="0" i="0" u="none">
+                        <a:rPr lang="en-US" altLang="ko-KR" sz="1000" b="0" i="0" u="none" dirty="0">
                           <a:solidFill>
                             <a:srgbClr val="000000"/>
                           </a:solidFill>
@@ -16816,7 +17263,7 @@
                         <a:t>VirtualBox</a:t>
                       </a:r>
                       <a:r>
-                        <a:rPr lang="ko-KR" altLang="en-US" sz="1000" b="0" i="0" u="none">
+                        <a:rPr lang="ko-KR" altLang="en-US" sz="1000" b="0" i="0" u="none" dirty="0">
                           <a:solidFill>
                             <a:srgbClr val="000000"/>
                           </a:solidFill>
@@ -16826,7 +17273,7 @@
                         <a:t>용 </a:t>
                       </a:r>
                       <a:r>
-                        <a:rPr lang="en-US" altLang="ko-KR" sz="1000" b="0" i="0" u="none">
+                        <a:rPr lang="en-US" altLang="ko-KR" sz="1000" b="0" i="0" u="none" dirty="0">
                           <a:solidFill>
                             <a:srgbClr val="000000"/>
                           </a:solidFill>
@@ -16836,7 +17283,7 @@
                         <a:t>VM </a:t>
                       </a:r>
                       <a:r>
-                        <a:rPr lang="ko-KR" altLang="en-US" sz="1000" b="0" i="0" u="none">
+                        <a:rPr lang="ko-KR" altLang="en-US" sz="1000" b="0" i="0" u="none" dirty="0">
                           <a:solidFill>
                             <a:srgbClr val="000000"/>
                           </a:solidFill>
@@ -16845,7 +17292,7 @@
                         </a:rPr>
                         <a:t>생성 자동화 도구</a:t>
                       </a:r>
-                      <a:endParaRPr lang="en-US" altLang="ko-KR" sz="1000" b="0" i="0" u="none">
+                      <a:endParaRPr lang="en-US" altLang="ko-KR" sz="1000" b="0" i="0" u="none" dirty="0">
                         <a:solidFill>
                           <a:srgbClr val="000000"/>
                         </a:solidFill>
@@ -16866,7 +17313,7 @@
                         </a:spcAft>
                       </a:pPr>
                       <a:r>
-                        <a:rPr lang="en-US" altLang="ko-KR" sz="1000" b="0" i="0" u="none">
+                        <a:rPr lang="en-US" altLang="ko-KR" sz="1000" b="0" i="0" u="none" dirty="0">
                           <a:solidFill>
                             <a:srgbClr val="000000"/>
                           </a:solidFill>
@@ -16876,7 +17323,7 @@
                         <a:t>Vagrant </a:t>
                       </a:r>
                       <a:r>
-                        <a:rPr lang="ko-KR" altLang="en-US" sz="1000" b="0" i="0" u="none">
+                        <a:rPr lang="ko-KR" altLang="en-US" sz="1000" b="0" i="0" u="none" dirty="0">
                           <a:solidFill>
                             <a:srgbClr val="000000"/>
                           </a:solidFill>
@@ -16886,7 +17333,7 @@
                         <a:t>파일에 정의된 내용대로 </a:t>
                       </a:r>
                       <a:r>
-                        <a:rPr lang="en-US" altLang="ko-KR" sz="1000" b="0" i="0" u="none">
+                        <a:rPr lang="en-US" altLang="ko-KR" sz="1000" b="0" i="0" u="none" dirty="0">
                           <a:solidFill>
                             <a:srgbClr val="000000"/>
                           </a:solidFill>
@@ -16896,7 +17343,7 @@
                         <a:t>VM</a:t>
                       </a:r>
                       <a:r>
-                        <a:rPr lang="ko-KR" altLang="en-US" sz="1000" b="0" i="0" u="none">
+                        <a:rPr lang="ko-KR" altLang="en-US" sz="1000" b="0" i="0" u="none" dirty="0">
                           <a:solidFill>
                             <a:srgbClr val="000000"/>
                           </a:solidFill>
@@ -17013,7 +17460,232 @@
                   </a:ext>
                 </a:extLst>
               </a:tr>
-              <a:tr h="370840">
+              <a:tr h="451104">
+                <a:tc>
+                  <a:txBody>
+                    <a:bodyPr/>
+                    <a:lstStyle/>
+                    <a:p>
+                      <a:pPr algn="ctr" latinLnBrk="1">
+                        <a:lnSpc>
+                          <a:spcPct val="100000"/>
+                        </a:lnSpc>
+                        <a:spcBef>
+                          <a:spcPts val="0"/>
+                        </a:spcBef>
+                        <a:spcAft>
+                          <a:spcPts val="0"/>
+                        </a:spcAft>
+                      </a:pPr>
+                      <a:r>
+                        <a:rPr lang="en-US" altLang="ko-KR" sz="1000" b="0" i="0" u="none" dirty="0">
+                          <a:solidFill>
+                            <a:srgbClr val="000000"/>
+                          </a:solidFill>
+                          <a:latin typeface="맑은 고딕" panose="02000403000000020004" pitchFamily="50" charset="-127"/>
+                          <a:ea typeface="맑은 고딕" panose="02000403000000020004" pitchFamily="50" charset="-127"/>
+                        </a:rPr>
+                        <a:t>Tabby</a:t>
+                      </a:r>
+                      <a:endParaRPr lang="ko-KR" altLang="en-US" sz="1000" b="0" i="0" u="none" dirty="0">
+                        <a:solidFill>
+                          <a:srgbClr val="000000"/>
+                        </a:solidFill>
+                        <a:latin typeface="맑은 고딕" panose="02000403000000020004" pitchFamily="50" charset="-127"/>
+                        <a:ea typeface="맑은 고딕" panose="02000403000000020004" pitchFamily="50" charset="-127"/>
+                      </a:endParaRPr>
+                    </a:p>
+                  </a:txBody>
+                  <a:tcPr marL="73152" marR="73152" marT="73152" marB="73152" anchor="ctr">
+                    <a:lnL w="6350" cmpd="sng">
+                      <a:solidFill>
+                        <a:srgbClr val="7F7F7F"/>
+                      </a:solidFill>
+                      <a:prstDash val="solid"/>
+                    </a:lnL>
+                    <a:lnR w="6350" cap="flat" cmpd="sng" algn="ctr">
+                      <a:solidFill>
+                        <a:srgbClr val="7F7F7F"/>
+                      </a:solidFill>
+                      <a:prstDash val="solid"/>
+                      <a:round/>
+                      <a:headEnd type="none" w="med" len="med"/>
+                      <a:tailEnd type="none" w="med" len="med"/>
+                    </a:lnR>
+                    <a:lnT w="6350" cap="flat" cmpd="sng" algn="ctr">
+                      <a:solidFill>
+                        <a:srgbClr val="7F7F7F"/>
+                      </a:solidFill>
+                      <a:prstDash val="solid"/>
+                      <a:round/>
+                      <a:headEnd type="none" w="med" len="med"/>
+                      <a:tailEnd type="none" w="med" len="med"/>
+                    </a:lnT>
+                    <a:lnB w="6350" cap="flat" cmpd="sng" algn="ctr">
+                      <a:solidFill>
+                        <a:srgbClr val="7F7F7F"/>
+                      </a:solidFill>
+                      <a:prstDash val="solid"/>
+                      <a:round/>
+                      <a:headEnd type="none" w="med" len="med"/>
+                      <a:tailEnd type="none" w="med" len="med"/>
+                    </a:lnB>
+                    <a:solidFill>
+                      <a:srgbClr val="FFFFFF"/>
+                    </a:solidFill>
+                  </a:tcPr>
+                </a:tc>
+                <a:tc>
+                  <a:txBody>
+                    <a:bodyPr/>
+                    <a:lstStyle/>
+                    <a:p>
+                      <a:pPr algn="l" latinLnBrk="1">
+                        <a:lnSpc>
+                          <a:spcPct val="100000"/>
+                        </a:lnSpc>
+                        <a:spcBef>
+                          <a:spcPts val="0"/>
+                        </a:spcBef>
+                        <a:spcAft>
+                          <a:spcPts val="0"/>
+                        </a:spcAft>
+                      </a:pPr>
+                      <a:r>
+                        <a:rPr lang="en-US" altLang="ko-KR" sz="1000" b="0" i="0" u="none" dirty="0">
+                          <a:solidFill>
+                            <a:srgbClr val="000000"/>
+                          </a:solidFill>
+                          <a:latin typeface="맑은 고딕" panose="02000403000000020004" pitchFamily="50" charset="-127"/>
+                          <a:ea typeface="맑은 고딕" panose="02000403000000020004" pitchFamily="50" charset="-127"/>
+                        </a:rPr>
+                        <a:t>SSH </a:t>
+                      </a:r>
+                      <a:r>
+                        <a:rPr lang="ko-KR" altLang="en-US" sz="1000" b="0" i="0" u="none" dirty="0">
+                          <a:solidFill>
+                            <a:srgbClr val="000000"/>
+                          </a:solidFill>
+                          <a:latin typeface="맑은 고딕" panose="02000403000000020004" pitchFamily="50" charset="-127"/>
+                          <a:ea typeface="맑은 고딕" panose="02000403000000020004" pitchFamily="50" charset="-127"/>
+                        </a:rPr>
+                        <a:t>터미널 접속 도구</a:t>
+                      </a:r>
+                    </a:p>
+                  </a:txBody>
+                  <a:tcPr marL="73152" marR="73152" marT="73152" marB="73152" anchor="ctr">
+                    <a:lnL w="6350" cap="flat" cmpd="sng" algn="ctr">
+                      <a:solidFill>
+                        <a:srgbClr val="7F7F7F"/>
+                      </a:solidFill>
+                      <a:prstDash val="solid"/>
+                      <a:round/>
+                      <a:headEnd type="none" w="med" len="med"/>
+                      <a:tailEnd type="none" w="med" len="med"/>
+                    </a:lnL>
+                    <a:lnR w="6350" cap="flat" cmpd="sng" algn="ctr">
+                      <a:solidFill>
+                        <a:srgbClr val="7F7F7F"/>
+                      </a:solidFill>
+                      <a:prstDash val="solid"/>
+                      <a:round/>
+                      <a:headEnd type="none" w="med" len="med"/>
+                      <a:tailEnd type="none" w="med" len="med"/>
+                    </a:lnR>
+                    <a:lnT w="6350" cap="flat" cmpd="sng" algn="ctr">
+                      <a:solidFill>
+                        <a:srgbClr val="7F7F7F"/>
+                      </a:solidFill>
+                      <a:prstDash val="solid"/>
+                      <a:round/>
+                      <a:headEnd type="none" w="med" len="med"/>
+                      <a:tailEnd type="none" w="med" len="med"/>
+                    </a:lnT>
+                    <a:lnB w="6350" cap="flat" cmpd="sng" algn="ctr">
+                      <a:solidFill>
+                        <a:srgbClr val="7F7F7F"/>
+                      </a:solidFill>
+                      <a:prstDash val="solid"/>
+                      <a:round/>
+                      <a:headEnd type="none" w="med" len="med"/>
+                      <a:tailEnd type="none" w="med" len="med"/>
+                    </a:lnB>
+                    <a:solidFill>
+                      <a:srgbClr val="FFFFFF"/>
+                    </a:solidFill>
+                  </a:tcPr>
+                </a:tc>
+                <a:tc>
+                  <a:txBody>
+                    <a:bodyPr/>
+                    <a:lstStyle/>
+                    <a:p>
+                      <a:pPr algn="l" latinLnBrk="1">
+                        <a:lnSpc>
+                          <a:spcPct val="100000"/>
+                        </a:lnSpc>
+                        <a:spcBef>
+                          <a:spcPts val="0"/>
+                        </a:spcBef>
+                        <a:spcAft>
+                          <a:spcPts val="0"/>
+                        </a:spcAft>
+                      </a:pPr>
+                      <a:endParaRPr lang="ko-KR" altLang="en-US" sz="1000" b="0" i="0" u="none" dirty="0">
+                        <a:solidFill>
+                          <a:srgbClr val="000000"/>
+                        </a:solidFill>
+                        <a:latin typeface="맑은 고딕" panose="02000403000000020004" pitchFamily="50" charset="-127"/>
+                        <a:ea typeface="맑은 고딕" panose="02000403000000020004" pitchFamily="50" charset="-127"/>
+                      </a:endParaRPr>
+                    </a:p>
+                  </a:txBody>
+                  <a:tcPr marL="73152" marR="73152" marT="73152" marB="73152" anchor="ctr">
+                    <a:lnL w="6350" cap="flat" cmpd="sng" algn="ctr">
+                      <a:solidFill>
+                        <a:srgbClr val="7F7F7F"/>
+                      </a:solidFill>
+                      <a:prstDash val="solid"/>
+                      <a:round/>
+                      <a:headEnd type="none" w="med" len="med"/>
+                      <a:tailEnd type="none" w="med" len="med"/>
+                    </a:lnL>
+                    <a:lnR w="6350" cmpd="sng">
+                      <a:solidFill>
+                        <a:srgbClr val="7F7F7F"/>
+                      </a:solidFill>
+                      <a:prstDash val="solid"/>
+                    </a:lnR>
+                    <a:lnT w="6350" cap="flat" cmpd="sng" algn="ctr">
+                      <a:solidFill>
+                        <a:srgbClr val="7F7F7F"/>
+                      </a:solidFill>
+                      <a:prstDash val="solid"/>
+                      <a:round/>
+                      <a:headEnd type="none" w="med" len="med"/>
+                      <a:tailEnd type="none" w="med" len="med"/>
+                    </a:lnT>
+                    <a:lnB w="6350" cap="flat" cmpd="sng" algn="ctr">
+                      <a:solidFill>
+                        <a:srgbClr val="7F7F7F"/>
+                      </a:solidFill>
+                      <a:prstDash val="solid"/>
+                      <a:round/>
+                      <a:headEnd type="none" w="med" len="med"/>
+                      <a:tailEnd type="none" w="med" len="med"/>
+                    </a:lnB>
+                    <a:solidFill>
+                      <a:srgbClr val="FFFFFF"/>
+                    </a:solidFill>
+                  </a:tcPr>
+                </a:tc>
+                <a:extLst>
+                  <a:ext uri="{0D108BD9-81ED-4DB2-BD59-A6C34878D82A}">
+                    <a16:rowId xmlns:a16="http://schemas.microsoft.com/office/drawing/2014/main" val="1889640092"/>
+                  </a:ext>
+                </a:extLst>
+              </a:tr>
+              <a:tr h="451104">
                 <a:tc>
                   <a:txBody>
                     <a:bodyPr/>
@@ -17102,7 +17774,7 @@
                         </a:spcAft>
                       </a:pPr>
                       <a:r>
-                        <a:rPr lang="en-US" altLang="ko-KR" sz="1000" b="0" i="0" u="none">
+                        <a:rPr lang="en-US" altLang="ko-KR" sz="1000" b="0" i="0" u="none" dirty="0">
                           <a:solidFill>
                             <a:srgbClr val="000000"/>
                           </a:solidFill>
@@ -17112,7 +17784,7 @@
                         <a:t>Http </a:t>
                       </a:r>
                       <a:r>
-                        <a:rPr lang="ko-KR" altLang="en-US" sz="1000" b="0" i="0" u="none">
+                        <a:rPr lang="ko-KR" altLang="en-US" sz="1000" b="0" i="0" u="none" dirty="0">
                           <a:solidFill>
                             <a:srgbClr val="000000"/>
                           </a:solidFill>
@@ -17122,7 +17794,7 @@
                         <a:t>프로토콜 기반의 </a:t>
                       </a:r>
                       <a:r>
-                        <a:rPr lang="en-US" altLang="ko-KR" sz="1000" b="0" i="0" u="none">
+                        <a:rPr lang="en-US" altLang="ko-KR" sz="1000" b="0" i="0" u="none" dirty="0">
                           <a:solidFill>
                             <a:srgbClr val="000000"/>
                           </a:solidFill>
@@ -17132,7 +17804,7 @@
                         <a:t>API </a:t>
                       </a:r>
                       <a:r>
-                        <a:rPr lang="ko-KR" altLang="en-US" sz="1000" b="0" i="0" u="none">
+                        <a:rPr lang="ko-KR" altLang="en-US" sz="1000" b="0" i="0" u="none" dirty="0">
                           <a:solidFill>
                             <a:srgbClr val="000000"/>
                           </a:solidFill>
@@ -17249,7 +17921,7 @@
                   </a:ext>
                 </a:extLst>
               </a:tr>
-              <a:tr h="370840">
+              <a:tr h="451104">
                 <a:tc>
                   <a:txBody>
                     <a:bodyPr/>
@@ -17338,7 +18010,7 @@
                         </a:spcAft>
                       </a:pPr>
                       <a:r>
-                        <a:rPr lang="en-US" altLang="ko-KR" sz="1000" b="0" i="0" u="none">
+                        <a:rPr lang="en-US" altLang="ko-KR" sz="1000" b="0" i="0" u="none" dirty="0">
                           <a:solidFill>
                             <a:srgbClr val="000000"/>
                           </a:solidFill>
@@ -17348,7 +18020,7 @@
                         <a:t>Markdown(.md) </a:t>
                       </a:r>
                       <a:r>
-                        <a:rPr lang="ko-KR" altLang="en-US" sz="1000" b="0" i="0" u="none">
+                        <a:rPr lang="ko-KR" altLang="en-US" sz="1000" b="0" i="0" u="none" dirty="0">
                           <a:solidFill>
                             <a:srgbClr val="000000"/>
                           </a:solidFill>
@@ -17414,7 +18086,7 @@
                           <a:spcPts val="0"/>
                         </a:spcAft>
                       </a:pPr>
-                      <a:endParaRPr lang="ko-KR" altLang="en-US" sz="1000" b="0" i="0" u="none">
+                      <a:endParaRPr lang="ko-KR" altLang="en-US" sz="1000" b="0" i="0" u="none" dirty="0">
                         <a:solidFill>
                           <a:srgbClr val="000000"/>
                         </a:solidFill>
@@ -17465,7 +18137,7 @@
                   </a:ext>
                 </a:extLst>
               </a:tr>
-              <a:tr h="370840">
+              <a:tr h="451104">
                 <a:tc>
                   <a:txBody>
                     <a:bodyPr/>
@@ -17551,14 +18223,24 @@
                         </a:spcAft>
                       </a:pPr>
                       <a:r>
-                        <a:rPr lang="ko-KR" altLang="en-US" sz="1000" b="0" i="0" u="none">
+                        <a:rPr lang="ko-KR" altLang="en-US" sz="1000" b="0" i="0" u="none" dirty="0" err="1">
                           <a:solidFill>
                             <a:srgbClr val="000000"/>
                           </a:solidFill>
                           <a:latin typeface="맑은 고딕" panose="02000403000000020004" pitchFamily="50" charset="-127"/>
                           <a:ea typeface="맑은 고딕" panose="02000403000000020004" pitchFamily="50" charset="-127"/>
                         </a:rPr>
-                        <a:t>쿠버네티스 관리자용 대시보드 프로그램</a:t>
+                        <a:t>쿠버네티스</a:t>
+                      </a:r>
+                      <a:r>
+                        <a:rPr lang="ko-KR" altLang="en-US" sz="1000" b="0" i="0" u="none" dirty="0">
+                          <a:solidFill>
+                            <a:srgbClr val="000000"/>
+                          </a:solidFill>
+                          <a:latin typeface="맑은 고딕" panose="02000403000000020004" pitchFamily="50" charset="-127"/>
+                          <a:ea typeface="맑은 고딕" panose="02000403000000020004" pitchFamily="50" charset="-127"/>
+                        </a:rPr>
+                        <a:t> 관리자용 대시보드 프로그램</a:t>
                       </a:r>
                     </a:p>
                   </a:txBody>
@@ -17614,7 +18296,7 @@
                           <a:spcPts val="0"/>
                         </a:spcAft>
                       </a:pPr>
-                      <a:endParaRPr lang="ko-KR" altLang="en-US" sz="1000" b="0" i="0" u="none">
+                      <a:endParaRPr lang="ko-KR" altLang="en-US" sz="1000" b="0" i="0" u="none" dirty="0">
                         <a:solidFill>
                           <a:srgbClr val="000000"/>
                         </a:solidFill>
@@ -18124,14 +18806,14 @@
           <p:nvPr>
             <p:extLst>
               <p:ext uri="{D42A27DB-BD31-4B8C-83A1-F6EECF244321}">
-                <p14:modId xmlns:p14="http://schemas.microsoft.com/office/powerpoint/2010/main" val="1431244597"/>
+                <p14:modId xmlns:p14="http://schemas.microsoft.com/office/powerpoint/2010/main" val="193784525"/>
               </p:ext>
             </p:extLst>
           </p:nvPr>
         </p:nvGraphicFramePr>
         <p:xfrm>
           <a:off x="377503" y="2406963"/>
-          <a:ext cx="8061825" cy="2618232"/>
+          <a:ext cx="8061825" cy="2167128"/>
         </p:xfrm>
         <a:graphic>
           <a:graphicData uri="http://schemas.openxmlformats.org/drawingml/2006/table">
@@ -19457,17 +20139,37 @@
                         </a:spcAft>
                       </a:pPr>
                       <a:r>
-                        <a:rPr lang="en-US" altLang="ko-KR" sz="1000" b="0" i="0" u="none">
+                        <a:rPr lang="en-US" altLang="ko-KR" sz="1000" b="0" i="0" u="none" dirty="0">
                           <a:solidFill>
                             <a:srgbClr val="000000"/>
                           </a:solidFill>
                           <a:latin typeface="맑은 고딕" panose="02000403000000020004" pitchFamily="50" charset="-127"/>
                           <a:ea typeface="맑은 고딕" panose="02000403000000020004" pitchFamily="50" charset="-127"/>
                         </a:rPr>
-                        <a:t>IP (NatNetwork)</a:t>
+                        <a:t>IP (</a:t>
+                      </a:r>
+                      <a:r>
+                        <a:rPr lang="en-US" altLang="ko-KR" sz="1000" b="0" i="0" u="none" dirty="0" err="1">
+                          <a:solidFill>
+                            <a:srgbClr val="000000"/>
+                          </a:solidFill>
+                          <a:latin typeface="맑은 고딕" panose="02000403000000020004" pitchFamily="50" charset="-127"/>
+                          <a:ea typeface="맑은 고딕" panose="02000403000000020004" pitchFamily="50" charset="-127"/>
+                        </a:rPr>
+                        <a:t>HostOnly</a:t>
+                      </a:r>
+                      <a:r>
+                        <a:rPr lang="en-US" altLang="ko-KR" sz="1000" b="0" i="0" u="none" dirty="0">
+                          <a:solidFill>
+                            <a:srgbClr val="000000"/>
+                          </a:solidFill>
+                          <a:latin typeface="맑은 고딕" panose="02000403000000020004" pitchFamily="50" charset="-127"/>
+                          <a:ea typeface="맑은 고딕" panose="02000403000000020004" pitchFamily="50" charset="-127"/>
+                        </a:rPr>
+                        <a:t>)</a:t>
                       </a:r>
                       <a:br>
-                        <a:rPr lang="en-US" altLang="ko-KR" sz="1000" b="0" i="0" u="none">
+                        <a:rPr lang="en-US" altLang="ko-KR" sz="1000" b="0" i="0" u="none" dirty="0">
                           <a:solidFill>
                             <a:srgbClr val="000000"/>
                           </a:solidFill>
@@ -19476,7 +20178,7 @@
                         </a:rPr>
                       </a:br>
                       <a:r>
-                        <a:rPr lang="en-US" altLang="ko-KR" sz="1000" b="0" i="0" u="none">
+                        <a:rPr lang="en-US" altLang="ko-KR" sz="1000" b="0" i="0" u="none" dirty="0">
                           <a:solidFill>
                             <a:srgbClr val="000000"/>
                           </a:solidFill>
@@ -19486,34 +20188,54 @@
                         <a:t>- VM</a:t>
                       </a:r>
                       <a:r>
-                        <a:rPr lang="ko-KR" altLang="en-US" sz="1000" b="0" i="0" u="none">
+                        <a:rPr lang="ko-KR" altLang="en-US" sz="1000" b="0" i="0" u="none" dirty="0">
                           <a:solidFill>
                             <a:srgbClr val="000000"/>
                           </a:solidFill>
                           <a:latin typeface="맑은 고딕" panose="02000403000000020004" pitchFamily="50" charset="-127"/>
                           <a:ea typeface="맑은 고딕" panose="02000403000000020004" pitchFamily="50" charset="-127"/>
                         </a:rPr>
-                        <a:t>간 통신 용도</a:t>
+                        <a:t>간 상호통신</a:t>
                       </a:r>
                       <a:r>
-                        <a:rPr lang="en-US" altLang="ko-KR" sz="1000" b="0" i="0" u="none">
+                        <a:rPr lang="en-US" altLang="ko-KR" sz="1000" b="0" i="0" u="none" dirty="0">
                           <a:solidFill>
                             <a:srgbClr val="000000"/>
                           </a:solidFill>
                           <a:latin typeface="맑은 고딕" panose="02000403000000020004" pitchFamily="50" charset="-127"/>
                           <a:ea typeface="맑은 고딕" panose="02000403000000020004" pitchFamily="50" charset="-127"/>
                         </a:rPr>
-                        <a:t>, k8s </a:t>
+                        <a:t>, </a:t>
                       </a:r>
                       <a:r>
-                        <a:rPr lang="ko-KR" altLang="en-US" sz="1000" b="0" i="0" u="none">
+                        <a:rPr lang="en-US" altLang="ko-KR" sz="1000" b="0" i="0" u="none" dirty="0" err="1">
                           <a:solidFill>
                             <a:srgbClr val="000000"/>
                           </a:solidFill>
                           <a:latin typeface="맑은 고딕" panose="02000403000000020004" pitchFamily="50" charset="-127"/>
                           <a:ea typeface="맑은 고딕" panose="02000403000000020004" pitchFamily="50" charset="-127"/>
                         </a:rPr>
-                        <a:t>네트워크에 사용</a:t>
+                        <a:t>HostPC</a:t>
+                      </a:r>
+                      <a:r>
+                        <a:rPr lang="en-US" altLang="ko-KR" sz="1000" b="0" i="0" u="none" dirty="0">
+                          <a:solidFill>
+                            <a:srgbClr val="000000"/>
+                          </a:solidFill>
+                          <a:latin typeface="맑은 고딕" panose="02000403000000020004" pitchFamily="50" charset="-127"/>
+                          <a:ea typeface="맑은 고딕" panose="02000403000000020004" pitchFamily="50" charset="-127"/>
+                        </a:rPr>
+                        <a:t> </a:t>
+                      </a:r>
+                      <a:r>
+                        <a:rPr lang="ko-KR" altLang="en-US" sz="1000" b="0" i="0" u="none" dirty="0">
+                          <a:solidFill>
+                            <a:srgbClr val="000000"/>
+                          </a:solidFill>
+                          <a:latin typeface="맑은 고딕" panose="02000403000000020004" pitchFamily="50" charset="-127"/>
+                          <a:ea typeface="맑은 고딕" panose="02000403000000020004" pitchFamily="50" charset="-127"/>
+                        </a:rPr>
+                        <a:t>통신에 사용</a:t>
                       </a:r>
                     </a:p>
                   </a:txBody>
@@ -19721,7 +20443,7 @@
                         </a:spcAft>
                       </a:pPr>
                       <a:r>
-                        <a:rPr lang="en-US" altLang="ko-KR" sz="1000" b="0" i="0" u="none">
+                        <a:rPr lang="en-US" altLang="ko-KR" sz="1000" b="0" i="0" u="none" dirty="0">
                           <a:solidFill>
                             <a:srgbClr val="000000"/>
                           </a:solidFill>
@@ -19730,7 +20452,7 @@
                         </a:rPr>
                         <a:t>192.168.0.30</a:t>
                       </a:r>
-                      <a:endParaRPr lang="ko-KR" altLang="en-US" sz="1000" b="0" i="0" u="none">
+                      <a:endParaRPr lang="ko-KR" altLang="en-US" sz="1000" b="0" i="0" u="none" dirty="0">
                         <a:solidFill>
                           <a:srgbClr val="000000"/>
                         </a:solidFill>
@@ -19781,590 +20503,10 @@
                   </a:ext>
                 </a:extLst>
               </a:tr>
-              <a:tr h="370840">
-                <a:tc>
-                  <a:txBody>
-                    <a:bodyPr/>
-                    <a:lstStyle/>
-                    <a:p>
-                      <a:pPr algn="ctr" latinLnBrk="1">
-                        <a:lnSpc>
-                          <a:spcPct val="100000"/>
-                        </a:lnSpc>
-                        <a:spcBef>
-                          <a:spcPts val="0"/>
-                        </a:spcBef>
-                        <a:spcAft>
-                          <a:spcPts val="0"/>
-                        </a:spcAft>
-                      </a:pPr>
-                      <a:r>
-                        <a:rPr lang="en-US" altLang="ko-KR" sz="1000" b="0" i="0" u="none">
-                          <a:solidFill>
-                            <a:srgbClr val="000000"/>
-                          </a:solidFill>
-                          <a:latin typeface="맑은 고딕" panose="02000403000000020004" pitchFamily="50" charset="-127"/>
-                          <a:ea typeface="맑은 고딕" panose="02000403000000020004" pitchFamily="50" charset="-127"/>
-                        </a:rPr>
-                        <a:t>IP (HostOnly)</a:t>
-                      </a:r>
-                    </a:p>
-                    <a:p>
-                      <a:pPr marL="171450" indent="-171450" algn="ctr" latinLnBrk="1">
-                        <a:lnSpc>
-                          <a:spcPct val="100000"/>
-                        </a:lnSpc>
-                        <a:spcBef>
-                          <a:spcPts val="0"/>
-                        </a:spcBef>
-                        <a:spcAft>
-                          <a:spcPts val="0"/>
-                        </a:spcAft>
-                        <a:buFontTx/>
-                        <a:buChar char="-"/>
-                      </a:pPr>
-                      <a:r>
-                        <a:rPr lang="en-US" altLang="ko-KR" sz="1000" b="0" i="0" u="none">
-                          <a:solidFill>
-                            <a:srgbClr val="000000"/>
-                          </a:solidFill>
-                          <a:latin typeface="맑은 고딕" panose="02000403000000020004" pitchFamily="50" charset="-127"/>
-                          <a:ea typeface="맑은 고딕" panose="02000403000000020004" pitchFamily="50" charset="-127"/>
-                        </a:rPr>
-                        <a:t>HostPC(Windows)</a:t>
-                      </a:r>
-                      <a:r>
-                        <a:rPr lang="ko-KR" altLang="en-US" sz="1000" b="0" i="0" u="none">
-                          <a:solidFill>
-                            <a:srgbClr val="000000"/>
-                          </a:solidFill>
-                          <a:latin typeface="맑은 고딕" panose="02000403000000020004" pitchFamily="50" charset="-127"/>
-                          <a:ea typeface="맑은 고딕" panose="02000403000000020004" pitchFamily="50" charset="-127"/>
-                        </a:rPr>
-                        <a:t>에서 </a:t>
-                      </a:r>
-                      <a:r>
-                        <a:rPr lang="en-US" altLang="ko-KR" sz="1000" b="0" i="0" u="none">
-                          <a:solidFill>
-                            <a:srgbClr val="000000"/>
-                          </a:solidFill>
-                          <a:latin typeface="맑은 고딕" panose="02000403000000020004" pitchFamily="50" charset="-127"/>
-                          <a:ea typeface="맑은 고딕" panose="02000403000000020004" pitchFamily="50" charset="-127"/>
-                        </a:rPr>
-                        <a:t>VM </a:t>
-                      </a:r>
-                      <a:r>
-                        <a:rPr lang="ko-KR" altLang="en-US" sz="1000" b="0" i="0" u="none">
-                          <a:solidFill>
-                            <a:srgbClr val="000000"/>
-                          </a:solidFill>
-                          <a:latin typeface="맑은 고딕" panose="02000403000000020004" pitchFamily="50" charset="-127"/>
-                          <a:ea typeface="맑은 고딕" panose="02000403000000020004" pitchFamily="50" charset="-127"/>
-                        </a:rPr>
-                        <a:t>접속시 사용</a:t>
-                      </a:r>
-                    </a:p>
-                  </a:txBody>
-                  <a:tcPr marL="73152" marR="73152" marT="73152" marB="73152" anchor="ctr">
-                    <a:lnL w="6350" cmpd="sng">
-                      <a:solidFill>
-                        <a:srgbClr val="7F7F7F"/>
-                      </a:solidFill>
-                      <a:prstDash val="solid"/>
-                    </a:lnL>
-                    <a:lnR w="6350" cap="flat" cmpd="sng" algn="ctr">
-                      <a:solidFill>
-                        <a:srgbClr val="7F7F7F"/>
-                      </a:solidFill>
-                      <a:prstDash val="solid"/>
-                      <a:round/>
-                      <a:headEnd type="none" w="med" len="med"/>
-                      <a:tailEnd type="none" w="med" len="med"/>
-                    </a:lnR>
-                    <a:lnT w="6350" cmpd="sng">
-                      <a:solidFill>
-                        <a:srgbClr val="7F7F7F"/>
-                      </a:solidFill>
-                      <a:prstDash val="solid"/>
-                    </a:lnT>
-                    <a:lnB w="6350" cap="flat" cmpd="sng" algn="ctr">
-                      <a:solidFill>
-                        <a:srgbClr val="7F7F7F"/>
-                      </a:solidFill>
-                      <a:prstDash val="solid"/>
-                      <a:round/>
-                      <a:headEnd type="none" w="med" len="med"/>
-                      <a:tailEnd type="none" w="med" len="med"/>
-                    </a:lnB>
-                    <a:solidFill>
-                      <a:srgbClr val="FFFFFF"/>
-                    </a:solidFill>
-                  </a:tcPr>
-                </a:tc>
-                <a:tc>
-                  <a:txBody>
-                    <a:bodyPr/>
-                    <a:lstStyle/>
-                    <a:p>
-                      <a:pPr algn="ctr" latinLnBrk="1">
-                        <a:lnSpc>
-                          <a:spcPct val="100000"/>
-                        </a:lnSpc>
-                        <a:spcBef>
-                          <a:spcPts val="0"/>
-                        </a:spcBef>
-                        <a:spcAft>
-                          <a:spcPts val="0"/>
-                        </a:spcAft>
-                      </a:pPr>
-                      <a:r>
-                        <a:rPr lang="en-US" altLang="ko-KR" sz="1000" b="0" i="0" u="none">
-                          <a:solidFill>
-                            <a:srgbClr val="000000"/>
-                          </a:solidFill>
-                          <a:latin typeface="맑은 고딕" panose="02000403000000020004" pitchFamily="50" charset="-127"/>
-                          <a:ea typeface="맑은 고딕" panose="02000403000000020004" pitchFamily="50" charset="-127"/>
-                        </a:rPr>
-                        <a:t>192.168.1.10</a:t>
-                      </a:r>
-                      <a:endParaRPr lang="ko-KR" altLang="en-US" sz="1000" b="0" i="0" u="none">
-                        <a:solidFill>
-                          <a:srgbClr val="000000"/>
-                        </a:solidFill>
-                        <a:latin typeface="맑은 고딕" panose="02000403000000020004" pitchFamily="50" charset="-127"/>
-                        <a:ea typeface="맑은 고딕" panose="02000403000000020004" pitchFamily="50" charset="-127"/>
-                      </a:endParaRPr>
-                    </a:p>
-                  </a:txBody>
-                  <a:tcPr marL="73152" marR="73152" marT="73152" marB="73152" anchor="ctr">
-                    <a:lnL w="6350" cap="flat" cmpd="sng" algn="ctr">
-                      <a:solidFill>
-                        <a:srgbClr val="7F7F7F"/>
-                      </a:solidFill>
-                      <a:prstDash val="solid"/>
-                      <a:round/>
-                      <a:headEnd type="none" w="med" len="med"/>
-                      <a:tailEnd type="none" w="med" len="med"/>
-                    </a:lnL>
-                    <a:lnR w="6350" cap="flat" cmpd="sng" algn="ctr">
-                      <a:solidFill>
-                        <a:srgbClr val="7F7F7F"/>
-                      </a:solidFill>
-                      <a:prstDash val="solid"/>
-                      <a:round/>
-                      <a:headEnd type="none" w="med" len="med"/>
-                      <a:tailEnd type="none" w="med" len="med"/>
-                    </a:lnR>
-                    <a:lnT w="6350" cmpd="sng">
-                      <a:solidFill>
-                        <a:srgbClr val="7F7F7F"/>
-                      </a:solidFill>
-                      <a:prstDash val="solid"/>
-                    </a:lnT>
-                    <a:lnB w="6350" cap="flat" cmpd="sng" algn="ctr">
-                      <a:solidFill>
-                        <a:srgbClr val="7F7F7F"/>
-                      </a:solidFill>
-                      <a:prstDash val="solid"/>
-                      <a:round/>
-                      <a:headEnd type="none" w="med" len="med"/>
-                      <a:tailEnd type="none" w="med" len="med"/>
-                    </a:lnB>
-                    <a:solidFill>
-                      <a:srgbClr val="FFFFFF"/>
-                    </a:solidFill>
-                  </a:tcPr>
-                </a:tc>
-                <a:tc>
-                  <a:txBody>
-                    <a:bodyPr/>
-                    <a:lstStyle/>
-                    <a:p>
-                      <a:pPr algn="ctr" latinLnBrk="1">
-                        <a:lnSpc>
-                          <a:spcPct val="100000"/>
-                        </a:lnSpc>
-                        <a:spcBef>
-                          <a:spcPts val="0"/>
-                        </a:spcBef>
-                        <a:spcAft>
-                          <a:spcPts val="0"/>
-                        </a:spcAft>
-                      </a:pPr>
-                      <a:r>
-                        <a:rPr lang="en-US" altLang="ko-KR" sz="1000" b="0" i="0" u="none">
-                          <a:solidFill>
-                            <a:srgbClr val="000000"/>
-                          </a:solidFill>
-                          <a:latin typeface="맑은 고딕" panose="02000403000000020004" pitchFamily="50" charset="-127"/>
-                          <a:ea typeface="맑은 고딕" panose="02000403000000020004" pitchFamily="50" charset="-127"/>
-                        </a:rPr>
-                        <a:t>192.168.1.20</a:t>
-                      </a:r>
-                      <a:endParaRPr lang="ko-KR" altLang="en-US" sz="1000" b="0" i="0" u="none">
-                        <a:solidFill>
-                          <a:srgbClr val="000000"/>
-                        </a:solidFill>
-                        <a:latin typeface="맑은 고딕" panose="02000403000000020004" pitchFamily="50" charset="-127"/>
-                        <a:ea typeface="맑은 고딕" panose="02000403000000020004" pitchFamily="50" charset="-127"/>
-                      </a:endParaRPr>
-                    </a:p>
-                  </a:txBody>
-                  <a:tcPr marL="73152" marR="73152" marT="73152" marB="73152" anchor="ctr">
-                    <a:lnL w="6350" cap="flat" cmpd="sng" algn="ctr">
-                      <a:solidFill>
-                        <a:srgbClr val="7F7F7F"/>
-                      </a:solidFill>
-                      <a:prstDash val="solid"/>
-                      <a:round/>
-                      <a:headEnd type="none" w="med" len="med"/>
-                      <a:tailEnd type="none" w="med" len="med"/>
-                    </a:lnL>
-                    <a:lnR w="6350" cap="flat" cmpd="sng" algn="ctr">
-                      <a:solidFill>
-                        <a:srgbClr val="7F7F7F"/>
-                      </a:solidFill>
-                      <a:prstDash val="solid"/>
-                      <a:round/>
-                      <a:headEnd type="none" w="med" len="med"/>
-                      <a:tailEnd type="none" w="med" len="med"/>
-                    </a:lnR>
-                    <a:lnT w="6350" cap="flat" cmpd="sng" algn="ctr">
-                      <a:solidFill>
-                        <a:srgbClr val="7F7F7F"/>
-                      </a:solidFill>
-                      <a:prstDash val="solid"/>
-                      <a:round/>
-                      <a:headEnd type="none" w="med" len="med"/>
-                      <a:tailEnd type="none" w="med" len="med"/>
-                    </a:lnT>
-                    <a:lnB w="6350" cap="flat" cmpd="sng" algn="ctr">
-                      <a:solidFill>
-                        <a:srgbClr val="7F7F7F"/>
-                      </a:solidFill>
-                      <a:prstDash val="solid"/>
-                      <a:round/>
-                      <a:headEnd type="none" w="med" len="med"/>
-                      <a:tailEnd type="none" w="med" len="med"/>
-                    </a:lnB>
-                    <a:solidFill>
-                      <a:srgbClr val="FFFFFF"/>
-                    </a:solidFill>
-                  </a:tcPr>
-                </a:tc>
-                <a:tc>
-                  <a:txBody>
-                    <a:bodyPr/>
-                    <a:lstStyle/>
-                    <a:p>
-                      <a:pPr algn="ctr" latinLnBrk="1">
-                        <a:lnSpc>
-                          <a:spcPct val="100000"/>
-                        </a:lnSpc>
-                        <a:spcBef>
-                          <a:spcPts val="0"/>
-                        </a:spcBef>
-                        <a:spcAft>
-                          <a:spcPts val="0"/>
-                        </a:spcAft>
-                      </a:pPr>
-                      <a:r>
-                        <a:rPr lang="en-US" altLang="ko-KR" sz="1000" b="0" i="0" u="none">
-                          <a:solidFill>
-                            <a:srgbClr val="000000"/>
-                          </a:solidFill>
-                          <a:latin typeface="맑은 고딕" panose="02000403000000020004" pitchFamily="50" charset="-127"/>
-                          <a:ea typeface="맑은 고딕" panose="02000403000000020004" pitchFamily="50" charset="-127"/>
-                        </a:rPr>
-                        <a:t>192.168.1.30</a:t>
-                      </a:r>
-                      <a:endParaRPr lang="ko-KR" altLang="en-US" sz="1000" b="0" i="0" u="none">
-                        <a:solidFill>
-                          <a:srgbClr val="000000"/>
-                        </a:solidFill>
-                        <a:latin typeface="맑은 고딕" panose="02000403000000020004" pitchFamily="50" charset="-127"/>
-                        <a:ea typeface="맑은 고딕" panose="02000403000000020004" pitchFamily="50" charset="-127"/>
-                      </a:endParaRPr>
-                    </a:p>
-                  </a:txBody>
-                  <a:tcPr marL="73152" marR="73152" marT="73152" marB="73152" anchor="ctr">
-                    <a:lnL w="6350" cap="flat" cmpd="sng" algn="ctr">
-                      <a:solidFill>
-                        <a:srgbClr val="7F7F7F"/>
-                      </a:solidFill>
-                      <a:prstDash val="solid"/>
-                      <a:round/>
-                      <a:headEnd type="none" w="med" len="med"/>
-                      <a:tailEnd type="none" w="med" len="med"/>
-                    </a:lnL>
-                    <a:lnR w="6350" cmpd="sng">
-                      <a:solidFill>
-                        <a:srgbClr val="7F7F7F"/>
-                      </a:solidFill>
-                      <a:prstDash val="solid"/>
-                    </a:lnR>
-                    <a:lnT w="6350" cmpd="sng">
-                      <a:solidFill>
-                        <a:srgbClr val="7F7F7F"/>
-                      </a:solidFill>
-                      <a:prstDash val="solid"/>
-                    </a:lnT>
-                    <a:lnB w="6350" cap="flat" cmpd="sng" algn="ctr">
-                      <a:solidFill>
-                        <a:srgbClr val="7F7F7F"/>
-                      </a:solidFill>
-                      <a:prstDash val="solid"/>
-                      <a:round/>
-                      <a:headEnd type="none" w="med" len="med"/>
-                      <a:tailEnd type="none" w="med" len="med"/>
-                    </a:lnB>
-                    <a:solidFill>
-                      <a:srgbClr val="FFFFFF"/>
-                    </a:solidFill>
-                  </a:tcPr>
-                </a:tc>
-                <a:extLst>
-                  <a:ext uri="{0D108BD9-81ED-4DB2-BD59-A6C34878D82A}">
-                    <a16:rowId xmlns:a16="http://schemas.microsoft.com/office/drawing/2014/main" val="2282169464"/>
-                  </a:ext>
-                </a:extLst>
-              </a:tr>
             </a:tbl>
           </a:graphicData>
         </a:graphic>
       </p:graphicFrame>
-      <p:sp>
-        <p:nvSpPr>
-          <p:cNvPr id="11" name="TextBox 10">
-            <a:extLst>
-              <a:ext uri="{FF2B5EF4-FFF2-40B4-BE49-F238E27FC236}">
-                <a16:creationId xmlns:a16="http://schemas.microsoft.com/office/drawing/2014/main" id="{D7BDAA17-C2A8-480B-975F-55C7FCA439C8}"/>
-              </a:ext>
-            </a:extLst>
-          </p:cNvPr>
-          <p:cNvSpPr txBox="1"/>
-          <p:nvPr/>
-        </p:nvSpPr>
-        <p:spPr>
-          <a:xfrm>
-            <a:off x="243281" y="5270199"/>
-            <a:ext cx="1135247" cy="377283"/>
-          </a:xfrm>
-          <a:prstGeom prst="rect">
-            <a:avLst/>
-          </a:prstGeom>
-          <a:noFill/>
-        </p:spPr>
-        <p:txBody>
-          <a:bodyPr wrap="none" rtlCol="0">
-            <a:spAutoFit/>
-          </a:bodyPr>
-          <a:lstStyle/>
-          <a:p>
-            <a:pPr>
-              <a:lnSpc>
-                <a:spcPct val="150000"/>
-              </a:lnSpc>
-            </a:pPr>
-            <a:r>
-              <a:rPr lang="ko-KR" altLang="en-US" sz="1400" b="1">
-                <a:latin typeface="맑은 고딕" panose="02000403000000020004" pitchFamily="50" charset="-127"/>
-                <a:ea typeface="맑은 고딕" panose="02000403000000020004" pitchFamily="50" charset="-127"/>
-              </a:rPr>
-              <a:t>📣 유의 사항</a:t>
-            </a:r>
-            <a:endParaRPr lang="ko-KR" altLang="en-US" sz="1200">
-              <a:latin typeface="맑은 고딕" panose="02000403000000020004" pitchFamily="50" charset="-127"/>
-              <a:ea typeface="맑은 고딕" panose="02000403000000020004" pitchFamily="50" charset="-127"/>
-            </a:endParaRPr>
-          </a:p>
-        </p:txBody>
-      </p:sp>
-      <p:sp>
-        <p:nvSpPr>
-          <p:cNvPr id="12" name="TextBox 11">
-            <a:extLst>
-              <a:ext uri="{FF2B5EF4-FFF2-40B4-BE49-F238E27FC236}">
-                <a16:creationId xmlns:a16="http://schemas.microsoft.com/office/drawing/2014/main" id="{D7B15C8B-08F4-4F60-9338-AF72481875D3}"/>
-              </a:ext>
-            </a:extLst>
-          </p:cNvPr>
-          <p:cNvSpPr txBox="1"/>
-          <p:nvPr/>
-        </p:nvSpPr>
-        <p:spPr>
-          <a:xfrm>
-            <a:off x="243281" y="5646210"/>
-            <a:ext cx="7965642" cy="613951"/>
-          </a:xfrm>
-          <a:prstGeom prst="rect">
-            <a:avLst/>
-          </a:prstGeom>
-          <a:noFill/>
-        </p:spPr>
-        <p:txBody>
-          <a:bodyPr wrap="none" rtlCol="0">
-            <a:spAutoFit/>
-          </a:bodyPr>
-          <a:lstStyle/>
-          <a:p>
-            <a:pPr>
-              <a:lnSpc>
-                <a:spcPct val="150000"/>
-              </a:lnSpc>
-            </a:pPr>
-            <a:r>
-              <a:rPr lang="en-US" altLang="ko-KR" sz="1200">
-                <a:latin typeface="맑은 고딕" panose="02000403000000020004" pitchFamily="50" charset="-127"/>
-              </a:rPr>
-              <a:t>NatNetwork</a:t>
-            </a:r>
-            <a:r>
-              <a:rPr lang="ko-KR" altLang="en-US" sz="1200">
-                <a:latin typeface="맑은 고딕" panose="02000403000000020004" pitchFamily="50" charset="-127"/>
-              </a:rPr>
-              <a:t>를 사용하려면 </a:t>
-            </a:r>
-            <a:r>
-              <a:rPr lang="en-US" altLang="ko-KR" sz="1200">
-                <a:latin typeface="맑은 고딕" panose="02000403000000020004" pitchFamily="50" charset="-127"/>
-              </a:rPr>
-              <a:t>Virtualbox </a:t>
-            </a:r>
-            <a:r>
-              <a:rPr lang="ko-KR" altLang="en-US" sz="1200">
-                <a:latin typeface="맑은 고딕" panose="02000403000000020004" pitchFamily="50" charset="-127"/>
-              </a:rPr>
-              <a:t>전역 환경에 </a:t>
-            </a:r>
-            <a:r>
-              <a:rPr lang="en-US" altLang="ko-KR" sz="1200">
-                <a:latin typeface="맑은 고딕" panose="02000403000000020004" pitchFamily="50" charset="-127"/>
-              </a:rPr>
-              <a:t>NAT Network</a:t>
-            </a:r>
-            <a:r>
-              <a:rPr lang="ko-KR" altLang="en-US" sz="1200">
-                <a:latin typeface="맑은 고딕" panose="02000403000000020004" pitchFamily="50" charset="-127"/>
-              </a:rPr>
-              <a:t>를 먼저 구성해야 한다</a:t>
-            </a:r>
-            <a:r>
-              <a:rPr lang="en-US" altLang="ko-KR" sz="1200">
-                <a:latin typeface="맑은 고딕" panose="02000403000000020004" pitchFamily="50" charset="-127"/>
-              </a:rPr>
-              <a:t>.</a:t>
-            </a:r>
-          </a:p>
-          <a:p>
-            <a:pPr>
-              <a:lnSpc>
-                <a:spcPct val="150000"/>
-              </a:lnSpc>
-            </a:pPr>
-            <a:r>
-              <a:rPr lang="ko-KR" altLang="en-US" sz="1200" b="1">
-                <a:latin typeface="맑은 고딕" panose="02000403000000020004" pitchFamily="50" charset="-127"/>
-              </a:rPr>
-              <a:t>파일 </a:t>
-            </a:r>
-            <a:r>
-              <a:rPr lang="en-US" altLang="ko-KR" sz="1200" b="1">
-                <a:latin typeface="맑은 고딕" panose="02000403000000020004" pitchFamily="50" charset="-127"/>
-              </a:rPr>
-              <a:t>&gt; </a:t>
-            </a:r>
-            <a:r>
-              <a:rPr lang="ko-KR" altLang="en-US" sz="1200" b="1">
-                <a:latin typeface="맑은 고딕" panose="02000403000000020004" pitchFamily="50" charset="-127"/>
-              </a:rPr>
-              <a:t>환경설정 </a:t>
-            </a:r>
-            <a:r>
-              <a:rPr lang="en-US" altLang="ko-KR" sz="1200" b="1">
-                <a:latin typeface="맑은 고딕" panose="02000403000000020004" pitchFamily="50" charset="-127"/>
-              </a:rPr>
-              <a:t>&gt; </a:t>
-            </a:r>
-            <a:r>
-              <a:rPr lang="ko-KR" altLang="en-US" sz="1200" b="1">
-                <a:latin typeface="맑은 고딕" panose="02000403000000020004" pitchFamily="50" charset="-127"/>
-              </a:rPr>
-              <a:t>네트워크 </a:t>
-            </a:r>
-            <a:r>
-              <a:rPr lang="en-US" altLang="ko-KR" sz="1200" b="1">
-                <a:latin typeface="맑은 고딕" panose="02000403000000020004" pitchFamily="50" charset="-127"/>
-              </a:rPr>
-              <a:t>&gt; NAT </a:t>
-            </a:r>
-            <a:r>
-              <a:rPr lang="ko-KR" altLang="en-US" sz="1200" b="1">
-                <a:latin typeface="맑은 고딕" panose="02000403000000020004" pitchFamily="50" charset="-127"/>
-              </a:rPr>
-              <a:t>네트워크 추가</a:t>
-            </a:r>
-            <a:r>
-              <a:rPr lang="en-US" altLang="ko-KR" sz="1200">
-                <a:latin typeface="맑은 고딕" panose="02000403000000020004" pitchFamily="50" charset="-127"/>
-              </a:rPr>
-              <a:t> </a:t>
-            </a:r>
-            <a:r>
-              <a:rPr lang="ko-KR" altLang="en-US" sz="1200">
-                <a:latin typeface="맑은 고딕" panose="02000403000000020004" pitchFamily="50" charset="-127"/>
-              </a:rPr>
-              <a:t>메뉴에서 </a:t>
-            </a:r>
-            <a:r>
-              <a:rPr lang="en-US" altLang="ko-KR" sz="1200">
-                <a:latin typeface="맑은 고딕" panose="02000403000000020004" pitchFamily="50" charset="-127"/>
-              </a:rPr>
-              <a:t>NatNetwork</a:t>
-            </a:r>
-            <a:r>
-              <a:rPr lang="ko-KR" altLang="en-US" sz="1200">
-                <a:latin typeface="맑은 고딕" panose="02000403000000020004" pitchFamily="50" charset="-127"/>
-              </a:rPr>
-              <a:t>를 신규한다</a:t>
-            </a:r>
-            <a:r>
-              <a:rPr lang="en-US" altLang="ko-KR" sz="1200">
-                <a:latin typeface="맑은 고딕" panose="02000403000000020004" pitchFamily="50" charset="-127"/>
-              </a:rPr>
-              <a:t>. CIDR</a:t>
-            </a:r>
-            <a:r>
-              <a:rPr lang="ko-KR" altLang="en-US" sz="1200">
-                <a:latin typeface="맑은 고딕" panose="02000403000000020004" pitchFamily="50" charset="-127"/>
-              </a:rPr>
-              <a:t>은 </a:t>
-            </a:r>
-            <a:r>
-              <a:rPr lang="en-US" altLang="ko-KR" sz="1200" b="1">
-                <a:latin typeface="맑은 고딕" panose="02000403000000020004" pitchFamily="50" charset="-127"/>
-              </a:rPr>
-              <a:t>192.168.0.0/24</a:t>
-            </a:r>
-            <a:r>
-              <a:rPr lang="ko-KR" altLang="en-US" sz="1200">
-                <a:latin typeface="맑은 고딕" panose="02000403000000020004" pitchFamily="50" charset="-127"/>
-              </a:rPr>
-              <a:t>로 설정한다</a:t>
-            </a:r>
-            <a:r>
-              <a:rPr lang="en-US" altLang="ko-KR" sz="1200">
-                <a:latin typeface="맑은 고딕" panose="02000403000000020004" pitchFamily="50" charset="-127"/>
-              </a:rPr>
-              <a:t>.</a:t>
-            </a:r>
-            <a:endParaRPr lang="ko-KR" altLang="en-US" sz="1200">
-              <a:latin typeface="맑은 고딕" panose="02000403000000020004" pitchFamily="50" charset="-127"/>
-              <a:ea typeface="맑은 고딕" panose="02000403000000020004" pitchFamily="50" charset="-127"/>
-            </a:endParaRPr>
-          </a:p>
-        </p:txBody>
-      </p:sp>
     </p:spTree>
     <p:extLst>
       <p:ext uri="{BB962C8B-B14F-4D97-AF65-F5344CB8AC3E}">
@@ -20929,7 +21071,7 @@
         <p:spPr>
           <a:xfrm>
             <a:off x="5333255" y="3429329"/>
-            <a:ext cx="3262432" cy="613951"/>
+            <a:ext cx="3587842" cy="333617"/>
           </a:xfrm>
           <a:prstGeom prst="rect">
             <a:avLst/>
@@ -20950,81 +21092,30 @@
               <a:buChar char="•"/>
             </a:pPr>
             <a:r>
-              <a:rPr lang="ko-KR" altLang="en-US" sz="1200">
+              <a:rPr lang="ko-KR" altLang="en-US" sz="1200" dirty="0">
                 <a:latin typeface="맑은 고딕" panose="02000403000000020004" pitchFamily="50" charset="-127"/>
                 <a:ea typeface="맑은 고딕" panose="02000403000000020004" pitchFamily="50" charset="-127"/>
               </a:rPr>
               <a:t>클러스터 내부 네트워크는 </a:t>
             </a:r>
             <a:r>
-              <a:rPr lang="en-US" altLang="ko-KR" sz="1200">
+              <a:rPr lang="en-US" altLang="ko-KR" sz="1200" dirty="0">
                 <a:latin typeface="맑은 고딕" panose="02000403000000020004" pitchFamily="50" charset="-127"/>
                 <a:ea typeface="맑은 고딕" panose="02000403000000020004" pitchFamily="50" charset="-127"/>
               </a:rPr>
               <a:t>192.168.0.0/24 </a:t>
             </a:r>
             <a:r>
-              <a:rPr lang="ko-KR" altLang="en-US" sz="1200">
+              <a:rPr lang="ko-KR" altLang="en-US" sz="1200" dirty="0">
                 <a:latin typeface="맑은 고딕" panose="02000403000000020004" pitchFamily="50" charset="-127"/>
                 <a:ea typeface="맑은 고딕" panose="02000403000000020004" pitchFamily="50" charset="-127"/>
               </a:rPr>
               <a:t>사용</a:t>
             </a:r>
-            <a:endParaRPr lang="en-US" altLang="ko-KR" sz="1200">
+            <a:endParaRPr lang="en-US" altLang="ko-KR" sz="1200" dirty="0">
               <a:latin typeface="맑은 고딕" panose="02000403000000020004" pitchFamily="50" charset="-127"/>
               <a:ea typeface="맑은 고딕" panose="02000403000000020004" pitchFamily="50" charset="-127"/>
             </a:endParaRPr>
-          </a:p>
-          <a:p>
-            <a:pPr marL="171450" indent="-171450">
-              <a:lnSpc>
-                <a:spcPct val="150000"/>
-              </a:lnSpc>
-              <a:buFont typeface="Arial" panose="020B0604020202020204" pitchFamily="34" charset="0"/>
-              <a:buChar char="•"/>
-            </a:pPr>
-            <a:r>
-              <a:rPr lang="en-US" altLang="ko-KR" sz="1200">
-                <a:latin typeface="맑은 고딕" panose="02000403000000020004" pitchFamily="50" charset="-127"/>
-                <a:ea typeface="맑은 고딕" panose="02000403000000020004" pitchFamily="50" charset="-127"/>
-              </a:rPr>
-              <a:t>HostPC</a:t>
-            </a:r>
-            <a:r>
-              <a:rPr lang="ko-KR" altLang="en-US" sz="1200">
-                <a:latin typeface="맑은 고딕" panose="02000403000000020004" pitchFamily="50" charset="-127"/>
-                <a:ea typeface="맑은 고딕" panose="02000403000000020004" pitchFamily="50" charset="-127"/>
-              </a:rPr>
-              <a:t>에서 </a:t>
-            </a:r>
-            <a:r>
-              <a:rPr lang="en-US" altLang="ko-KR" sz="1200">
-                <a:latin typeface="맑은 고딕" panose="02000403000000020004" pitchFamily="50" charset="-127"/>
-                <a:ea typeface="맑은 고딕" panose="02000403000000020004" pitchFamily="50" charset="-127"/>
-              </a:rPr>
-              <a:t>VM </a:t>
-            </a:r>
-            <a:r>
-              <a:rPr lang="ko-KR" altLang="en-US" sz="1200">
-                <a:latin typeface="맑은 고딕" panose="02000403000000020004" pitchFamily="50" charset="-127"/>
-                <a:ea typeface="맑은 고딕" panose="02000403000000020004" pitchFamily="50" charset="-127"/>
-              </a:rPr>
-              <a:t>접근은 </a:t>
-            </a:r>
-            <a:r>
-              <a:rPr lang="en-US" altLang="ko-KR" sz="1200">
-                <a:latin typeface="맑은 고딕" panose="02000403000000020004" pitchFamily="50" charset="-127"/>
-                <a:ea typeface="맑은 고딕" panose="02000403000000020004" pitchFamily="50" charset="-127"/>
-              </a:rPr>
-              <a:t>192.168.1.0/24 </a:t>
-            </a:r>
-            <a:r>
-              <a:rPr lang="ko-KR" altLang="en-US" sz="1200">
-                <a:latin typeface="맑은 고딕" panose="02000403000000020004" pitchFamily="50" charset="-127"/>
-                <a:ea typeface="맑은 고딕" panose="02000403000000020004" pitchFamily="50" charset="-127"/>
-              </a:rPr>
-              <a:t>사용</a:t>
-            </a:r>
           </a:p>
         </p:txBody>
       </p:sp>
@@ -21287,7 +21378,7 @@
           <a:p>
             <a:pPr algn="ctr"/>
             <a:r>
-              <a:rPr lang="en-US" altLang="ko-KR" sz="1000">
+              <a:rPr lang="en-US" altLang="ko-KR" sz="1000" dirty="0">
                 <a:latin typeface="맑은 고딕" panose="02000403000000020004" pitchFamily="50" charset="-127"/>
                 <a:ea typeface="맑은 고딕" panose="02000403000000020004" pitchFamily="50" charset="-127"/>
               </a:rPr>
@@ -21296,7 +21387,7 @@
           </a:p>
           <a:p>
             <a:pPr algn="ctr"/>
-            <a:endParaRPr lang="en-US" altLang="ko-KR" sz="1000">
+            <a:endParaRPr lang="en-US" altLang="ko-KR" sz="1000" dirty="0">
               <a:latin typeface="맑은 고딕" panose="02000403000000020004" pitchFamily="50" charset="-127"/>
               <a:ea typeface="맑은 고딕" panose="02000403000000020004" pitchFamily="50" charset="-127"/>
             </a:endParaRPr>
@@ -21304,13 +21395,13 @@
           <a:p>
             <a:pPr algn="ctr"/>
             <a:r>
-              <a:rPr lang="en-US" altLang="ko-KR" sz="1000">
-                <a:latin typeface="맑은 고딕" panose="02000403000000020004" pitchFamily="50" charset="-127"/>
-                <a:ea typeface="맑은 고딕" panose="02000403000000020004" pitchFamily="50" charset="-127"/>
-              </a:rPr>
-              <a:t>192.168.1.20</a:t>
-            </a:r>
-            <a:endParaRPr lang="ko-KR" altLang="en-US" sz="1000">
+              <a:rPr lang="en-US" altLang="ko-KR" sz="1000" dirty="0">
+                <a:latin typeface="맑은 고딕" panose="02000403000000020004" pitchFamily="50" charset="-127"/>
+                <a:ea typeface="맑은 고딕" panose="02000403000000020004" pitchFamily="50" charset="-127"/>
+              </a:rPr>
+              <a:t>192.168.0.20</a:t>
+            </a:r>
+            <a:endParaRPr lang="ko-KR" altLang="en-US" sz="1000" dirty="0">
               <a:latin typeface="맑은 고딕" panose="02000403000000020004" pitchFamily="50" charset="-127"/>
               <a:ea typeface="맑은 고딕" panose="02000403000000020004" pitchFamily="50" charset="-127"/>
             </a:endParaRPr>
@@ -21431,7 +21522,7 @@
           <a:p>
             <a:pPr algn="ctr"/>
             <a:r>
-              <a:rPr lang="en-US" altLang="ko-KR" sz="1000">
+              <a:rPr lang="en-US" altLang="ko-KR" sz="1000" dirty="0">
                 <a:latin typeface="맑은 고딕" panose="02000403000000020004" pitchFamily="50" charset="-127"/>
                 <a:ea typeface="맑은 고딕" panose="02000403000000020004" pitchFamily="50" charset="-127"/>
               </a:rPr>
@@ -21440,7 +21531,7 @@
           </a:p>
           <a:p>
             <a:pPr algn="ctr"/>
-            <a:endParaRPr lang="en-US" altLang="ko-KR" sz="1000">
+            <a:endParaRPr lang="en-US" altLang="ko-KR" sz="1000" dirty="0">
               <a:latin typeface="맑은 고딕" panose="02000403000000020004" pitchFamily="50" charset="-127"/>
               <a:ea typeface="맑은 고딕" panose="02000403000000020004" pitchFamily="50" charset="-127"/>
             </a:endParaRPr>
@@ -21448,13 +21539,13 @@
           <a:p>
             <a:pPr algn="ctr"/>
             <a:r>
-              <a:rPr lang="en-US" altLang="ko-KR" sz="1000">
-                <a:latin typeface="맑은 고딕" panose="02000403000000020004" pitchFamily="50" charset="-127"/>
-                <a:ea typeface="맑은 고딕" panose="02000403000000020004" pitchFamily="50" charset="-127"/>
-              </a:rPr>
-              <a:t>192.168.1.10</a:t>
-            </a:r>
-            <a:endParaRPr lang="ko-KR" altLang="en-US" sz="1000">
+              <a:rPr lang="en-US" altLang="ko-KR" sz="1000" dirty="0">
+                <a:latin typeface="맑은 고딕" panose="02000403000000020004" pitchFamily="50" charset="-127"/>
+                <a:ea typeface="맑은 고딕" panose="02000403000000020004" pitchFamily="50" charset="-127"/>
+              </a:rPr>
+              <a:t>192.168.0.10</a:t>
+            </a:r>
+            <a:endParaRPr lang="ko-KR" altLang="en-US" sz="1000" dirty="0">
               <a:latin typeface="맑은 고딕" panose="02000403000000020004" pitchFamily="50" charset="-127"/>
               <a:ea typeface="맑은 고딕" panose="02000403000000020004" pitchFamily="50" charset="-127"/>
             </a:endParaRPr>
@@ -21575,7 +21666,7 @@
           <a:p>
             <a:pPr algn="ctr"/>
             <a:r>
-              <a:rPr lang="en-US" altLang="ko-KR" sz="1000">
+              <a:rPr lang="en-US" altLang="ko-KR" sz="1000" dirty="0">
                 <a:latin typeface="맑은 고딕" panose="02000403000000020004" pitchFamily="50" charset="-127"/>
                 <a:ea typeface="맑은 고딕" panose="02000403000000020004" pitchFamily="50" charset="-127"/>
               </a:rPr>
@@ -21584,7 +21675,7 @@
           </a:p>
           <a:p>
             <a:pPr algn="ctr"/>
-            <a:endParaRPr lang="en-US" altLang="ko-KR" sz="1000">
+            <a:endParaRPr lang="en-US" altLang="ko-KR" sz="1000" dirty="0">
               <a:latin typeface="맑은 고딕" panose="02000403000000020004" pitchFamily="50" charset="-127"/>
               <a:ea typeface="맑은 고딕" panose="02000403000000020004" pitchFamily="50" charset="-127"/>
             </a:endParaRPr>
@@ -21592,13 +21683,13 @@
           <a:p>
             <a:pPr algn="ctr"/>
             <a:r>
-              <a:rPr lang="en-US" altLang="ko-KR" sz="1000">
-                <a:latin typeface="맑은 고딕" panose="02000403000000020004" pitchFamily="50" charset="-127"/>
-                <a:ea typeface="맑은 고딕" panose="02000403000000020004" pitchFamily="50" charset="-127"/>
-              </a:rPr>
-              <a:t>192.168.2.30</a:t>
-            </a:r>
-            <a:endParaRPr lang="ko-KR" altLang="en-US" sz="1000">
+              <a:rPr lang="en-US" altLang="ko-KR" sz="1000" dirty="0">
+                <a:latin typeface="맑은 고딕" panose="02000403000000020004" pitchFamily="50" charset="-127"/>
+                <a:ea typeface="맑은 고딕" panose="02000403000000020004" pitchFamily="50" charset="-127"/>
+              </a:rPr>
+              <a:t>192.168.0.30</a:t>
+            </a:r>
+            <a:endParaRPr lang="ko-KR" altLang="en-US" sz="1000" dirty="0">
               <a:latin typeface="맑은 고딕" panose="02000403000000020004" pitchFamily="50" charset="-127"/>
               <a:ea typeface="맑은 고딕" panose="02000403000000020004" pitchFamily="50" charset="-127"/>
             </a:endParaRPr>
@@ -21826,7 +21917,7 @@
         <p:spPr>
           <a:xfrm>
             <a:off x="652044" y="4665940"/>
-            <a:ext cx="1180131" cy="553998"/>
+            <a:ext cx="998991" cy="400110"/>
           </a:xfrm>
           <a:prstGeom prst="rect">
             <a:avLst/>
@@ -21844,11 +21935,11 @@
               <a:buChar char="•"/>
             </a:pPr>
             <a:r>
-              <a:rPr lang="en-US" altLang="ko-KR" sz="1000">
-                <a:latin typeface="맑은 고딕" panose="02000403000000020004" pitchFamily="50" charset="-127"/>
-                <a:ea typeface="맑은 고딕" panose="02000403000000020004" pitchFamily="50" charset="-127"/>
-              </a:rPr>
-              <a:t>IP: 192.168.0.10</a:t>
+              <a:rPr lang="en-US" altLang="ko-KR" sz="1000" dirty="0">
+                <a:latin typeface="맑은 고딕" panose="02000403000000020004" pitchFamily="50" charset="-127"/>
+                <a:ea typeface="맑은 고딕" panose="02000403000000020004" pitchFamily="50" charset="-127"/>
+              </a:rPr>
+              <a:t>Docker</a:t>
             </a:r>
           </a:p>
           <a:p>
@@ -21857,26 +21948,59 @@
               <a:buChar char="•"/>
             </a:pPr>
             <a:r>
-              <a:rPr lang="en-US" altLang="ko-KR" sz="1000">
-                <a:latin typeface="맑은 고딕" panose="02000403000000020004" pitchFamily="50" charset="-127"/>
-                <a:ea typeface="맑은 고딕" panose="02000403000000020004" pitchFamily="50" charset="-127"/>
-              </a:rPr>
-              <a:t>Docker</a:t>
-            </a:r>
-          </a:p>
+              <a:rPr lang="en-US" altLang="ko-KR" sz="1000" dirty="0">
+                <a:latin typeface="맑은 고딕" panose="02000403000000020004" pitchFamily="50" charset="-127"/>
+                <a:ea typeface="맑은 고딕" panose="02000403000000020004" pitchFamily="50" charset="-127"/>
+              </a:rPr>
+              <a:t>Weave N/W</a:t>
+            </a:r>
+            <a:endParaRPr lang="ko-KR" altLang="en-US" sz="1000" dirty="0">
+              <a:latin typeface="맑은 고딕" panose="02000403000000020004" pitchFamily="50" charset="-127"/>
+              <a:ea typeface="맑은 고딕" panose="02000403000000020004" pitchFamily="50" charset="-127"/>
+            </a:endParaRPr>
+          </a:p>
+        </p:txBody>
+      </p:sp>
+      <p:sp>
+        <p:nvSpPr>
+          <p:cNvPr id="65" name="TextBox 64">
+            <a:extLst>
+              <a:ext uri="{FF2B5EF4-FFF2-40B4-BE49-F238E27FC236}">
+                <a16:creationId xmlns:a16="http://schemas.microsoft.com/office/drawing/2014/main" id="{813EFB23-865E-4EF6-90DB-0086407C8344}"/>
+              </a:ext>
+            </a:extLst>
+          </p:cNvPr>
+          <p:cNvSpPr txBox="1"/>
+          <p:nvPr/>
+        </p:nvSpPr>
+        <p:spPr>
+          <a:xfrm>
+            <a:off x="2150046" y="4665940"/>
+            <a:ext cx="700833" cy="246221"/>
+          </a:xfrm>
+          <a:prstGeom prst="rect">
+            <a:avLst/>
+          </a:prstGeom>
+          <a:noFill/>
+        </p:spPr>
+        <p:txBody>
+          <a:bodyPr wrap="none" rtlCol="0">
+            <a:spAutoFit/>
+          </a:bodyPr>
+          <a:lstStyle/>
           <a:p>
             <a:pPr marL="108000" indent="-108000">
               <a:buFont typeface="Arial" panose="020B0604020202020204" pitchFamily="34" charset="0"/>
               <a:buChar char="•"/>
             </a:pPr>
             <a:r>
-              <a:rPr lang="en-US" altLang="ko-KR" sz="1000">
-                <a:latin typeface="맑은 고딕" panose="02000403000000020004" pitchFamily="50" charset="-127"/>
-                <a:ea typeface="맑은 고딕" panose="02000403000000020004" pitchFamily="50" charset="-127"/>
-              </a:rPr>
-              <a:t>Weave N/W</a:t>
-            </a:r>
-            <a:endParaRPr lang="ko-KR" altLang="en-US" sz="1000">
+              <a:rPr lang="en-US" altLang="ko-KR" sz="1000" dirty="0">
+                <a:latin typeface="맑은 고딕" panose="02000403000000020004" pitchFamily="50" charset="-127"/>
+                <a:ea typeface="맑은 고딕" panose="02000403000000020004" pitchFamily="50" charset="-127"/>
+              </a:rPr>
+              <a:t>Docker</a:t>
+            </a:r>
+            <a:endParaRPr lang="ko-KR" altLang="en-US" sz="1000" dirty="0">
               <a:latin typeface="맑은 고딕" panose="02000403000000020004" pitchFamily="50" charset="-127"/>
               <a:ea typeface="맑은 고딕" panose="02000403000000020004" pitchFamily="50" charset="-127"/>
             </a:endParaRPr>
@@ -21885,10 +22009,10 @@
       </p:sp>
       <p:sp>
         <p:nvSpPr>
-          <p:cNvPr id="65" name="TextBox 64">
-            <a:extLst>
-              <a:ext uri="{FF2B5EF4-FFF2-40B4-BE49-F238E27FC236}">
-                <a16:creationId xmlns:a16="http://schemas.microsoft.com/office/drawing/2014/main" id="{813EFB23-865E-4EF6-90DB-0086407C8344}"/>
+          <p:cNvPr id="66" name="TextBox 65">
+            <a:extLst>
+              <a:ext uri="{FF2B5EF4-FFF2-40B4-BE49-F238E27FC236}">
+                <a16:creationId xmlns:a16="http://schemas.microsoft.com/office/drawing/2014/main" id="{BD3C8DC8-D1BB-4039-A7B2-72E179589C00}"/>
               </a:ext>
             </a:extLst>
           </p:cNvPr>
@@ -21897,8 +22021,8 @@
         </p:nvSpPr>
         <p:spPr>
           <a:xfrm>
-            <a:off x="2150046" y="4665940"/>
-            <a:ext cx="1200970" cy="246221"/>
+            <a:off x="3655159" y="4665940"/>
+            <a:ext cx="700833" cy="246221"/>
           </a:xfrm>
           <a:prstGeom prst="rect">
             <a:avLst/>
@@ -21916,59 +22040,13 @@
               <a:buChar char="•"/>
             </a:pPr>
             <a:r>
-              <a:rPr lang="en-US" altLang="ko-KR" sz="1000">
-                <a:latin typeface="맑은 고딕" panose="02000403000000020004" pitchFamily="50" charset="-127"/>
-                <a:ea typeface="맑은 고딕" panose="02000403000000020004" pitchFamily="50" charset="-127"/>
-              </a:rPr>
-              <a:t>IP: 192.168.0.20</a:t>
-            </a:r>
-            <a:endParaRPr lang="ko-KR" altLang="en-US" sz="1000">
-              <a:latin typeface="맑은 고딕" panose="02000403000000020004" pitchFamily="50" charset="-127"/>
-              <a:ea typeface="맑은 고딕" panose="02000403000000020004" pitchFamily="50" charset="-127"/>
-            </a:endParaRPr>
-          </a:p>
-        </p:txBody>
-      </p:sp>
-      <p:sp>
-        <p:nvSpPr>
-          <p:cNvPr id="66" name="TextBox 65">
-            <a:extLst>
-              <a:ext uri="{FF2B5EF4-FFF2-40B4-BE49-F238E27FC236}">
-                <a16:creationId xmlns:a16="http://schemas.microsoft.com/office/drawing/2014/main" id="{BD3C8DC8-D1BB-4039-A7B2-72E179589C00}"/>
-              </a:ext>
-            </a:extLst>
-          </p:cNvPr>
-          <p:cNvSpPr txBox="1"/>
-          <p:nvPr/>
-        </p:nvSpPr>
-        <p:spPr>
-          <a:xfrm>
-            <a:off x="3655159" y="4665940"/>
-            <a:ext cx="1204176" cy="246221"/>
-          </a:xfrm>
-          <a:prstGeom prst="rect">
-            <a:avLst/>
-          </a:prstGeom>
-          <a:noFill/>
-        </p:spPr>
-        <p:txBody>
-          <a:bodyPr wrap="none" rtlCol="0">
-            <a:spAutoFit/>
-          </a:bodyPr>
-          <a:lstStyle/>
-          <a:p>
-            <a:pPr marL="108000" indent="-108000">
-              <a:buFont typeface="Arial" panose="020B0604020202020204" pitchFamily="34" charset="0"/>
-              <a:buChar char="•"/>
-            </a:pPr>
-            <a:r>
-              <a:rPr lang="en-US" altLang="ko-KR" sz="1000">
-                <a:latin typeface="맑은 고딕" panose="02000403000000020004" pitchFamily="50" charset="-127"/>
-                <a:ea typeface="맑은 고딕" panose="02000403000000020004" pitchFamily="50" charset="-127"/>
-              </a:rPr>
-              <a:t>IP: 192.168.0.30</a:t>
-            </a:r>
-            <a:endParaRPr lang="ko-KR" altLang="en-US" sz="1000">
+              <a:rPr lang="en-US" altLang="ko-KR" sz="1000" dirty="0">
+                <a:latin typeface="맑은 고딕" panose="02000403000000020004" pitchFamily="50" charset="-127"/>
+                <a:ea typeface="맑은 고딕" panose="02000403000000020004" pitchFamily="50" charset="-127"/>
+              </a:rPr>
+              <a:t>Docker</a:t>
+            </a:r>
+            <a:endParaRPr lang="ko-KR" altLang="en-US" sz="1000" dirty="0">
               <a:latin typeface="맑은 고딕" panose="02000403000000020004" pitchFamily="50" charset="-127"/>
               <a:ea typeface="맑은 고딕" panose="02000403000000020004" pitchFamily="50" charset="-127"/>
             </a:endParaRPr>
@@ -22411,7 +22489,7 @@
         <p:spPr>
           <a:xfrm>
             <a:off x="243281" y="2231837"/>
-            <a:ext cx="2055371" cy="336952"/>
+            <a:ext cx="2081019" cy="333617"/>
           </a:xfrm>
           <a:prstGeom prst="rect">
             <a:avLst/>
@@ -22430,12 +22508,12 @@
               </a:lnSpc>
             </a:pPr>
             <a:r>
-              <a:rPr lang="en-US" altLang="ko-KR" sz="1200">
-                <a:latin typeface="맑은 고딕" panose="02000403000000020004" pitchFamily="50" charset="-127"/>
-              </a:rPr>
-              <a:t>https://192.168.1.10:30443/</a:t>
-            </a:r>
-            <a:endParaRPr lang="ko-KR" altLang="en-US" sz="1200">
+              <a:rPr lang="en-US" altLang="ko-KR" sz="1200" dirty="0">
+                <a:latin typeface="맑은 고딕" panose="02000403000000020004" pitchFamily="50" charset="-127"/>
+              </a:rPr>
+              <a:t>https://192.168.0.10:30443/</a:t>
+            </a:r>
+            <a:endParaRPr lang="ko-KR" altLang="en-US" sz="1200" dirty="0">
               <a:latin typeface="맑은 고딕" panose="02000403000000020004" pitchFamily="50" charset="-127"/>
               <a:ea typeface="맑은 고딕" panose="02000403000000020004" pitchFamily="50" charset="-127"/>
             </a:endParaRPr>
@@ -22508,7 +22586,7 @@
         <p:spPr>
           <a:xfrm>
             <a:off x="243281" y="3142606"/>
-            <a:ext cx="7063152" cy="336952"/>
+            <a:ext cx="3273653" cy="333617"/>
           </a:xfrm>
           <a:prstGeom prst="rect">
             <a:avLst/>
@@ -22527,84 +22605,54 @@
               </a:lnSpc>
             </a:pPr>
             <a:r>
-              <a:rPr lang="en-US" altLang="ko-KR" sz="1200">
-                <a:latin typeface="맑은 고딕" panose="02000403000000020004" pitchFamily="50" charset="-127"/>
-              </a:rPr>
-              <a:t>~/.kube/config</a:t>
-            </a:r>
-            <a:r>
-              <a:rPr lang="ko-KR" altLang="en-US" sz="1200">
+              <a:rPr lang="en-US" altLang="ko-KR" sz="1200" dirty="0">
+                <a:latin typeface="맑은 고딕" panose="02000403000000020004" pitchFamily="50" charset="-127"/>
+              </a:rPr>
+              <a:t>~/.</a:t>
+            </a:r>
+            <a:r>
+              <a:rPr lang="en-US" altLang="ko-KR" sz="1200" dirty="0" err="1">
+                <a:latin typeface="맑은 고딕" panose="02000403000000020004" pitchFamily="50" charset="-127"/>
+              </a:rPr>
+              <a:t>kube</a:t>
+            </a:r>
+            <a:r>
+              <a:rPr lang="en-US" altLang="ko-KR" sz="1200" dirty="0">
+                <a:latin typeface="맑은 고딕" panose="02000403000000020004" pitchFamily="50" charset="-127"/>
+              </a:rPr>
+              <a:t>/config</a:t>
+            </a:r>
+            <a:r>
+              <a:rPr lang="ko-KR" altLang="en-US" sz="1200" dirty="0">
                 <a:latin typeface="맑은 고딕" panose="02000403000000020004" pitchFamily="50" charset="-127"/>
               </a:rPr>
               <a:t>의 내용을 </a:t>
             </a:r>
             <a:r>
-              <a:rPr lang="en-US" altLang="ko-KR" sz="1200">
+              <a:rPr lang="en-US" altLang="ko-KR" sz="1200" dirty="0">
                 <a:latin typeface="맑은 고딕" panose="02000403000000020004" pitchFamily="50" charset="-127"/>
               </a:rPr>
               <a:t>Lens</a:t>
             </a:r>
             <a:r>
-              <a:rPr lang="ko-KR" altLang="en-US" sz="1200">
-                <a:latin typeface="맑은 고딕" panose="02000403000000020004" pitchFamily="50" charset="-127"/>
-              </a:rPr>
-              <a:t>에 붙여넣는다</a:t>
-            </a:r>
-            <a:r>
-              <a:rPr lang="en-US" altLang="ko-KR" sz="1200">
-                <a:latin typeface="맑은 고딕" panose="02000403000000020004" pitchFamily="50" charset="-127"/>
-              </a:rPr>
-              <a:t>. </a:t>
-            </a:r>
-            <a:r>
-              <a:rPr lang="ko-KR" altLang="en-US" sz="1200">
-                <a:latin typeface="맑은 고딕" panose="02000403000000020004" pitchFamily="50" charset="-127"/>
-              </a:rPr>
-              <a:t>단</a:t>
-            </a:r>
-            <a:r>
-              <a:rPr lang="en-US" altLang="ko-KR" sz="1200">
-                <a:latin typeface="맑은 고딕" panose="02000403000000020004" pitchFamily="50" charset="-127"/>
-              </a:rPr>
-              <a:t>, IP</a:t>
-            </a:r>
-            <a:r>
-              <a:rPr lang="ko-KR" altLang="en-US" sz="1200">
-                <a:latin typeface="맑은 고딕" panose="02000403000000020004" pitchFamily="50" charset="-127"/>
-              </a:rPr>
-              <a:t>는 외부에서 접근가능한 </a:t>
-            </a:r>
-            <a:r>
-              <a:rPr lang="en-US" altLang="ko-KR" sz="1200">
-                <a:latin typeface="맑은 고딕" panose="02000403000000020004" pitchFamily="50" charset="-127"/>
-              </a:rPr>
-              <a:t>IP</a:t>
-            </a:r>
-            <a:r>
-              <a:rPr lang="ko-KR" altLang="en-US" sz="1200">
-                <a:latin typeface="맑은 고딕" panose="02000403000000020004" pitchFamily="50" charset="-127"/>
-              </a:rPr>
-              <a:t>인 </a:t>
-            </a:r>
-            <a:r>
-              <a:rPr lang="en-US" altLang="ko-KR" sz="1200">
-                <a:latin typeface="맑은 고딕" panose="02000403000000020004" pitchFamily="50" charset="-127"/>
-              </a:rPr>
-              <a:t>192.168.1.10</a:t>
-            </a:r>
-            <a:r>
-              <a:rPr lang="ko-KR" altLang="en-US" sz="1200">
-                <a:latin typeface="맑은 고딕" panose="02000403000000020004" pitchFamily="50" charset="-127"/>
-              </a:rPr>
-              <a:t>으로 변경해야 한다</a:t>
-            </a:r>
-            <a:r>
-              <a:rPr lang="en-US" altLang="ko-KR" sz="1200">
+              <a:rPr lang="ko-KR" altLang="en-US" sz="1200" dirty="0">
+                <a:latin typeface="맑은 고딕" panose="02000403000000020004" pitchFamily="50" charset="-127"/>
+              </a:rPr>
+              <a:t>에 </a:t>
+            </a:r>
+            <a:r>
+              <a:rPr lang="ko-KR" altLang="en-US" sz="1200" dirty="0" err="1">
+                <a:latin typeface="맑은 고딕" panose="02000403000000020004" pitchFamily="50" charset="-127"/>
+              </a:rPr>
+              <a:t>붙여넣는다</a:t>
+            </a:r>
+            <a:r>
+              <a:rPr lang="en-US" altLang="ko-KR" sz="1200" dirty="0">
                 <a:latin typeface="맑은 고딕" panose="02000403000000020004" pitchFamily="50" charset="-127"/>
               </a:rPr>
               <a:t>.</a:t>
             </a:r>
-            <a:endParaRPr lang="ko-KR" altLang="en-US" sz="1200">
+            <a:endParaRPr lang="ko-KR" altLang="en-US" sz="1200" dirty="0">
               <a:latin typeface="맑은 고딕" panose="02000403000000020004" pitchFamily="50" charset="-127"/>
               <a:ea typeface="맑은 고딕" panose="02000403000000020004" pitchFamily="50" charset="-127"/>
             </a:endParaRPr>
@@ -22892,30 +22940,42 @@
               </a:lnSpc>
             </a:pPr>
             <a:r>
-              <a:rPr lang="en-US" altLang="ko-KR" sz="1200">
-                <a:latin typeface="맑은 고딕" panose="02000403000000020004" pitchFamily="50" charset="-127"/>
-              </a:rPr>
-              <a:t>(ssh, </a:t>
-            </a:r>
-            <a:r>
-              <a:rPr lang="ko-KR" altLang="en-US" sz="1200">
+              <a:rPr lang="en-US" altLang="ko-KR" sz="1200" dirty="0">
+                <a:latin typeface="맑은 고딕" panose="02000403000000020004" pitchFamily="50" charset="-127"/>
+              </a:rPr>
+              <a:t>(</a:t>
+            </a:r>
+            <a:r>
+              <a:rPr lang="en-US" altLang="ko-KR" sz="1200" dirty="0" err="1">
+                <a:latin typeface="맑은 고딕" panose="02000403000000020004" pitchFamily="50" charset="-127"/>
+              </a:rPr>
+              <a:t>ssh</a:t>
+            </a:r>
+            <a:r>
+              <a:rPr lang="en-US" altLang="ko-KR" sz="1200" dirty="0">
+                <a:latin typeface="맑은 고딕" panose="02000403000000020004" pitchFamily="50" charset="-127"/>
+              </a:rPr>
+              <a:t>, </a:t>
+            </a:r>
+            <a:r>
+              <a:rPr lang="ko-KR" altLang="en-US" sz="1200" dirty="0" err="1">
                 <a:latin typeface="맑은 고딕" panose="02000403000000020004" pitchFamily="50" charset="-127"/>
               </a:rPr>
               <a:t>마스터노드</a:t>
             </a:r>
             <a:r>
-              <a:rPr lang="en-US" altLang="ko-KR" sz="1200">
+              <a:rPr lang="en-US" altLang="ko-KR" sz="1200" dirty="0">
                 <a:latin typeface="맑은 고딕" panose="02000403000000020004" pitchFamily="50" charset="-127"/>
               </a:rPr>
               <a:t>) </a:t>
             </a:r>
             <a:r>
-              <a:rPr lang="en-US" altLang="ko-KR" sz="1200" b="1">
+              <a:rPr lang="en-US" altLang="ko-KR" sz="1200" b="1" dirty="0">
                 <a:latin typeface="맑은 고딕" panose="02000403000000020004" pitchFamily="50" charset="-127"/>
               </a:rPr>
               <a:t>p4-demo-service-deploy/oneshot-kill.sh</a:t>
             </a:r>
-            <a:endParaRPr lang="ko-KR" altLang="en-US" sz="1200" b="1">
+            <a:endParaRPr lang="ko-KR" altLang="en-US" sz="1200" b="1" dirty="0">
               <a:latin typeface="맑은 고딕" panose="02000403000000020004" pitchFamily="50" charset="-127"/>
               <a:ea typeface="맑은 고딕" panose="02000403000000020004" pitchFamily="50" charset="-127"/>
             </a:endParaRPr>
@@ -23100,7 +23160,7 @@
         <p:spPr>
           <a:xfrm>
             <a:off x="243281" y="2231837"/>
-            <a:ext cx="4209807" cy="336952"/>
+            <a:ext cx="4290149" cy="333617"/>
           </a:xfrm>
           <a:prstGeom prst="rect">
             <a:avLst/>
@@ -23119,12 +23179,12 @@
               </a:lnSpc>
             </a:pPr>
             <a:r>
-              <a:rPr lang="en-US" altLang="ko-KR" sz="1200">
-                <a:latin typeface="맑은 고딕" panose="02000403000000020004" pitchFamily="50" charset="-127"/>
-              </a:rPr>
-              <a:t>curl -H "API-Key: awesome-k8s" 192.168.1.10:30000/health</a:t>
-            </a:r>
-            <a:endParaRPr lang="ko-KR" altLang="en-US" sz="1200">
+              <a:rPr lang="en-US" altLang="ko-KR" sz="1200" dirty="0">
+                <a:latin typeface="맑은 고딕" panose="02000403000000020004" pitchFamily="50" charset="-127"/>
+              </a:rPr>
+              <a:t>curl -H "API-Key: awesome-k8s" 192.168.0.10:30000/health</a:t>
+            </a:r>
+            <a:endParaRPr lang="ko-KR" altLang="en-US" sz="1200" dirty="0">
               <a:latin typeface="맑은 고딕" panose="02000403000000020004" pitchFamily="50" charset="-127"/>
               <a:ea typeface="맑은 고딕" panose="02000403000000020004" pitchFamily="50" charset="-127"/>
             </a:endParaRPr>
@@ -23436,7 +23496,7 @@
           <a:p>
             <a:pPr algn="ctr"/>
             <a:r>
-              <a:rPr lang="en-US" altLang="ko-KR" sz="1000">
+              <a:rPr lang="en-US" altLang="ko-KR" sz="1000" dirty="0">
                 <a:latin typeface="맑은 고딕" panose="02000403000000020004" pitchFamily="50" charset="-127"/>
                 <a:ea typeface="맑은 고딕" panose="02000403000000020004" pitchFamily="50" charset="-127"/>
               </a:rPr>
@@ -23445,7 +23505,7 @@
           </a:p>
           <a:p>
             <a:pPr algn="ctr"/>
-            <a:endParaRPr lang="en-US" altLang="ko-KR" sz="1000">
+            <a:endParaRPr lang="en-US" altLang="ko-KR" sz="1000" dirty="0">
               <a:latin typeface="맑은 고딕" panose="02000403000000020004" pitchFamily="50" charset="-127"/>
               <a:ea typeface="맑은 고딕" panose="02000403000000020004" pitchFamily="50" charset="-127"/>
             </a:endParaRPr>
@@ -23453,13 +23513,13 @@
           <a:p>
             <a:pPr algn="ctr"/>
             <a:r>
-              <a:rPr lang="en-US" altLang="ko-KR" sz="1000">
-                <a:latin typeface="맑은 고딕" panose="02000403000000020004" pitchFamily="50" charset="-127"/>
-                <a:ea typeface="맑은 고딕" panose="02000403000000020004" pitchFamily="50" charset="-127"/>
-              </a:rPr>
-              <a:t>192.168.1.20</a:t>
-            </a:r>
-            <a:endParaRPr lang="ko-KR" altLang="en-US" sz="1000">
+              <a:rPr lang="en-US" altLang="ko-KR" sz="1000" dirty="0">
+                <a:latin typeface="맑은 고딕" panose="02000403000000020004" pitchFamily="50" charset="-127"/>
+                <a:ea typeface="맑은 고딕" panose="02000403000000020004" pitchFamily="50" charset="-127"/>
+              </a:rPr>
+              <a:t>192.168.0.20</a:t>
+            </a:r>
+            <a:endParaRPr lang="ko-KR" altLang="en-US" sz="1000" dirty="0">
               <a:latin typeface="맑은 고딕" panose="02000403000000020004" pitchFamily="50" charset="-127"/>
               <a:ea typeface="맑은 고딕" panose="02000403000000020004" pitchFamily="50" charset="-127"/>
             </a:endParaRPr>
@@ -23580,7 +23640,7 @@
           <a:p>
             <a:pPr algn="ctr"/>
             <a:r>
-              <a:rPr lang="en-US" altLang="ko-KR" sz="1000">
+              <a:rPr lang="en-US" altLang="ko-KR" sz="1000" dirty="0">
                 <a:latin typeface="맑은 고딕" panose="02000403000000020004" pitchFamily="50" charset="-127"/>
                 <a:ea typeface="맑은 고딕" panose="02000403000000020004" pitchFamily="50" charset="-127"/>
               </a:rPr>
@@ -23589,7 +23649,7 @@
           </a:p>
           <a:p>
             <a:pPr algn="ctr"/>
-            <a:endParaRPr lang="en-US" altLang="ko-KR" sz="1000">
+            <a:endParaRPr lang="en-US" altLang="ko-KR" sz="1000" dirty="0">
               <a:latin typeface="맑은 고딕" panose="02000403000000020004" pitchFamily="50" charset="-127"/>
               <a:ea typeface="맑은 고딕" panose="02000403000000020004" pitchFamily="50" charset="-127"/>
             </a:endParaRPr>
@@ -23597,13 +23657,13 @@
           <a:p>
             <a:pPr algn="ctr"/>
             <a:r>
-              <a:rPr lang="en-US" altLang="ko-KR" sz="1000">
-                <a:latin typeface="맑은 고딕" panose="02000403000000020004" pitchFamily="50" charset="-127"/>
-                <a:ea typeface="맑은 고딕" panose="02000403000000020004" pitchFamily="50" charset="-127"/>
-              </a:rPr>
-              <a:t>192.168.1.10</a:t>
-            </a:r>
-            <a:endParaRPr lang="ko-KR" altLang="en-US" sz="1000">
+              <a:rPr lang="en-US" altLang="ko-KR" sz="1000" dirty="0">
+                <a:latin typeface="맑은 고딕" panose="02000403000000020004" pitchFamily="50" charset="-127"/>
+                <a:ea typeface="맑은 고딕" panose="02000403000000020004" pitchFamily="50" charset="-127"/>
+              </a:rPr>
+              <a:t>192.168.0.10</a:t>
+            </a:r>
+            <a:endParaRPr lang="ko-KR" altLang="en-US" sz="1000" dirty="0">
               <a:latin typeface="맑은 고딕" panose="02000403000000020004" pitchFamily="50" charset="-127"/>
               <a:ea typeface="맑은 고딕" panose="02000403000000020004" pitchFamily="50" charset="-127"/>
             </a:endParaRPr>
@@ -23724,7 +23784,7 @@
           <a:p>
             <a:pPr algn="ctr"/>
             <a:r>
-              <a:rPr lang="en-US" altLang="ko-KR" sz="1000">
+              <a:rPr lang="en-US" altLang="ko-KR" sz="1000" dirty="0">
                 <a:latin typeface="맑은 고딕" panose="02000403000000020004" pitchFamily="50" charset="-127"/>
                 <a:ea typeface="맑은 고딕" panose="02000403000000020004" pitchFamily="50" charset="-127"/>
               </a:rPr>
@@ -23733,7 +23793,7 @@
           </a:p>
           <a:p>
             <a:pPr algn="ctr"/>
-            <a:endParaRPr lang="en-US" altLang="ko-KR" sz="1000">
+            <a:endParaRPr lang="en-US" altLang="ko-KR" sz="1000" dirty="0">
               <a:latin typeface="맑은 고딕" panose="02000403000000020004" pitchFamily="50" charset="-127"/>
               <a:ea typeface="맑은 고딕" panose="02000403000000020004" pitchFamily="50" charset="-127"/>
             </a:endParaRPr>
@@ -23741,13 +23801,13 @@
           <a:p>
             <a:pPr algn="ctr"/>
             <a:r>
-              <a:rPr lang="en-US" altLang="ko-KR" sz="1000">
-                <a:latin typeface="맑은 고딕" panose="02000403000000020004" pitchFamily="50" charset="-127"/>
-                <a:ea typeface="맑은 고딕" panose="02000403000000020004" pitchFamily="50" charset="-127"/>
-              </a:rPr>
-              <a:t>192.168.1.30</a:t>
-            </a:r>
-            <a:endParaRPr lang="ko-KR" altLang="en-US" sz="1000">
+              <a:rPr lang="en-US" altLang="ko-KR" sz="1000" dirty="0">
+                <a:latin typeface="맑은 고딕" panose="02000403000000020004" pitchFamily="50" charset="-127"/>
+                <a:ea typeface="맑은 고딕" panose="02000403000000020004" pitchFamily="50" charset="-127"/>
+              </a:rPr>
+              <a:t>192.168.0.30</a:t>
+            </a:r>
+            <a:endParaRPr lang="ko-KR" altLang="en-US" sz="1000" dirty="0">
               <a:latin typeface="맑은 고딕" panose="02000403000000020004" pitchFamily="50" charset="-127"/>
               <a:ea typeface="맑은 고딕" panose="02000403000000020004" pitchFamily="50" charset="-127"/>
             </a:endParaRPr>
@@ -23975,7 +24035,7 @@
         <p:spPr>
           <a:xfrm>
             <a:off x="652044" y="4400543"/>
-            <a:ext cx="4161256" cy="167968"/>
+            <a:ext cx="4161256" cy="271902"/>
           </a:xfrm>
           <a:prstGeom prst="rect">
             <a:avLst/>
@@ -24007,12 +24067,9 @@
           <a:p>
             <a:pPr algn="ctr"/>
             <a:r>
-              <a:rPr lang="en-US" altLang="ko-KR" sz="1000">
+              <a:rPr lang="en-US" altLang="ko-KR" sz="1000" dirty="0">
                 <a:solidFill>
-                  <a:schemeClr val="tx1">
-                    <a:lumMod val="75000"/>
-                    <a:lumOff val="25000"/>
-                  </a:schemeClr>
+                  <a:schemeClr val="bg1"/>
                 </a:solidFill>
                 <a:latin typeface="맑은 고딕" panose="02000403000000020004" pitchFamily="50" charset="-127"/>
                 <a:ea typeface="맑은 고딕" panose="02000403000000020004" pitchFamily="50" charset="-127"/>
@@ -24020,47 +24077,62 @@
               <a:t>Service  </a:t>
             </a:r>
             <a:r>
-              <a:rPr lang="en-US" altLang="ko-KR" sz="800">
+              <a:rPr lang="en-US" altLang="ko-KR" sz="800" dirty="0">
                 <a:solidFill>
-                  <a:schemeClr val="tx1">
-                    <a:lumMod val="75000"/>
-                    <a:lumOff val="25000"/>
-                  </a:schemeClr>
+                  <a:schemeClr val="bg1"/>
                 </a:solidFill>
                 <a:latin typeface="맑은 고딕" panose="02000403000000020004" pitchFamily="50" charset="-127"/>
               </a:rPr>
-              <a:t>service/imaginary-np   NodePort   x.x.x.x</a:t>
-            </a:r>
-            <a:r>
-              <a:rPr lang="ko-KR" altLang="en-US" sz="800">
+              <a:t>service/imaginary-np   </a:t>
+            </a:r>
+            <a:r>
+              <a:rPr lang="en-US" altLang="ko-KR" sz="800" dirty="0" err="1">
                 <a:solidFill>
-                  <a:schemeClr val="tx1">
-                    <a:lumMod val="75000"/>
-                    <a:lumOff val="25000"/>
-                  </a:schemeClr>
+                  <a:schemeClr val="bg1"/>
                 </a:solidFill>
                 <a:latin typeface="맑은 고딕" panose="02000403000000020004" pitchFamily="50" charset="-127"/>
               </a:rPr>
+              <a:t>NodePort</a:t>
+            </a:r>
+            <a:r>
+              <a:rPr lang="en-US" altLang="ko-KR" sz="800" dirty="0">
+                <a:solidFill>
+                  <a:schemeClr val="bg1"/>
+                </a:solidFill>
+                <a:latin typeface="맑은 고딕" panose="02000403000000020004" pitchFamily="50" charset="-127"/>
+              </a:rPr>
+              <a:t>   </a:t>
+            </a:r>
+            <a:r>
+              <a:rPr lang="en-US" altLang="ko-KR" sz="800" dirty="0" err="1">
+                <a:solidFill>
+                  <a:schemeClr val="bg1"/>
+                </a:solidFill>
+                <a:latin typeface="맑은 고딕" panose="02000403000000020004" pitchFamily="50" charset="-127"/>
+              </a:rPr>
+              <a:t>x.x.x.x</a:t>
+            </a:r>
+            <a:r>
+              <a:rPr lang="ko-KR" altLang="en-US" sz="800" dirty="0">
+                <a:solidFill>
+                  <a:schemeClr val="bg1"/>
+                </a:solidFill>
+                <a:latin typeface="맑은 고딕" panose="02000403000000020004" pitchFamily="50" charset="-127"/>
+              </a:rPr>
               <a:t> </a:t>
             </a:r>
             <a:r>
-              <a:rPr lang="en-US" altLang="ko-KR" sz="800">
+              <a:rPr lang="en-US" altLang="ko-KR" sz="800" dirty="0">
                 <a:solidFill>
-                  <a:schemeClr val="tx1">
-                    <a:lumMod val="75000"/>
-                    <a:lumOff val="25000"/>
-                  </a:schemeClr>
+                  <a:schemeClr val="bg1"/>
                 </a:solidFill>
                 <a:latin typeface="맑은 고딕" panose="02000403000000020004" pitchFamily="50" charset="-127"/>
               </a:rPr>
               <a:t>  9000:30000/TC</a:t>
             </a:r>
-            <a:endParaRPr lang="ko-KR" altLang="en-US" sz="1000">
+            <a:endParaRPr lang="ko-KR" altLang="en-US" sz="1000" dirty="0">
               <a:solidFill>
-                <a:schemeClr val="tx1">
-                  <a:lumMod val="75000"/>
-                  <a:lumOff val="25000"/>
-                </a:schemeClr>
+                <a:schemeClr val="bg1"/>
               </a:solidFill>
               <a:latin typeface="맑은 고딕" panose="02000403000000020004" pitchFamily="50" charset="-127"/>
               <a:ea typeface="맑은 고딕" panose="02000403000000020004" pitchFamily="50" charset="-127"/>
@@ -24144,39 +24216,39 @@
           <a:lstStyle/>
           <a:p>
             <a:r>
-              <a:rPr lang="en-US" altLang="ko-KR" sz="1000">
+              <a:rPr lang="en-US" altLang="ko-KR" sz="1000" dirty="0">
                 <a:latin typeface="맑은 고딕" panose="02000403000000020004" pitchFamily="50" charset="-127"/>
                 <a:ea typeface="맑은 고딕" panose="02000403000000020004" pitchFamily="50" charset="-127"/>
                 <a:hlinkClick r:id="rId6"/>
               </a:rPr>
-              <a:t>http://192.168.1.10:30000/health</a:t>
-            </a:r>
-            <a:endParaRPr lang="en-US" altLang="ko-KR" sz="1000">
+              <a:t>http://192.168.0.10:30000/health</a:t>
+            </a:r>
+            <a:endParaRPr lang="en-US" altLang="ko-KR" sz="1000" dirty="0">
               <a:latin typeface="맑은 고딕" panose="02000403000000020004" pitchFamily="50" charset="-127"/>
               <a:ea typeface="맑은 고딕" panose="02000403000000020004" pitchFamily="50" charset="-127"/>
             </a:endParaRPr>
           </a:p>
           <a:p>
             <a:r>
-              <a:rPr lang="en-US" altLang="ko-KR" sz="1000">
+              <a:rPr lang="en-US" altLang="ko-KR" sz="1000" dirty="0">
                 <a:latin typeface="맑은 고딕" panose="02000403000000020004" pitchFamily="50" charset="-127"/>
                 <a:hlinkClick r:id="rId7"/>
               </a:rPr>
-              <a:t>http://192.168.1.20:30000/health</a:t>
-            </a:r>
-            <a:endParaRPr lang="en-US" altLang="ko-KR" sz="1000">
+              <a:t>http://192.168.0.20:30000/health</a:t>
+            </a:r>
+            <a:endParaRPr lang="en-US" altLang="ko-KR" sz="1000" dirty="0">
               <a:latin typeface="맑은 고딕" panose="02000403000000020004" pitchFamily="50" charset="-127"/>
             </a:endParaRPr>
           </a:p>
           <a:p>
             <a:r>
-              <a:rPr lang="en-US" altLang="ko-KR" sz="1000">
+              <a:rPr lang="en-US" altLang="ko-KR" sz="1000" dirty="0">
                 <a:latin typeface="맑은 고딕" panose="02000403000000020004" pitchFamily="50" charset="-127"/>
                 <a:hlinkClick r:id="rId8"/>
               </a:rPr>
-              <a:t>http://192.168.1.30:30000/health</a:t>
-            </a:r>
-            <a:endParaRPr lang="en-US" altLang="ko-KR" sz="1000">
+              <a:t>http://192.168.0.30:30000/health</a:t>
+            </a:r>
+            <a:endParaRPr lang="en-US" altLang="ko-KR" sz="1000" dirty="0">
               <a:latin typeface="맑은 고딕" panose="02000403000000020004" pitchFamily="50" charset="-127"/>
             </a:endParaRPr>
           </a:p>
@@ -24320,8 +24392,8 @@
         </p:nvCxnSpPr>
         <p:spPr>
           <a:xfrm flipV="1">
-            <a:off x="2718413" y="4568511"/>
-            <a:ext cx="14259" cy="471021"/>
+            <a:off x="2718413" y="4672445"/>
+            <a:ext cx="14259" cy="367087"/>
           </a:xfrm>
           <a:prstGeom prst="line">
             <a:avLst/>
@@ -24536,144 +24608,6 @@
           </a:fontRef>
         </p:style>
       </p:cxnSp>
-      <p:sp>
-        <p:nvSpPr>
-          <p:cNvPr id="82" name="TextBox 81">
-            <a:extLst>
-              <a:ext uri="{FF2B5EF4-FFF2-40B4-BE49-F238E27FC236}">
-                <a16:creationId xmlns:a16="http://schemas.microsoft.com/office/drawing/2014/main" id="{B00252EE-82ED-4E3A-AC7B-E8668CAB4B64}"/>
-              </a:ext>
-            </a:extLst>
-          </p:cNvPr>
-          <p:cNvSpPr txBox="1"/>
-          <p:nvPr/>
-        </p:nvSpPr>
-        <p:spPr>
-          <a:xfrm>
-            <a:off x="652044" y="4776334"/>
-            <a:ext cx="1180131" cy="246221"/>
-          </a:xfrm>
-          <a:prstGeom prst="rect">
-            <a:avLst/>
-          </a:prstGeom>
-          <a:noFill/>
-        </p:spPr>
-        <p:txBody>
-          <a:bodyPr wrap="none" rtlCol="0">
-            <a:spAutoFit/>
-          </a:bodyPr>
-          <a:lstStyle/>
-          <a:p>
-            <a:pPr marL="108000" indent="-108000">
-              <a:buFont typeface="Arial" panose="020B0604020202020204" pitchFamily="34" charset="0"/>
-              <a:buChar char="•"/>
-            </a:pPr>
-            <a:r>
-              <a:rPr lang="en-US" altLang="ko-KR" sz="1000">
-                <a:latin typeface="맑은 고딕" panose="02000403000000020004" pitchFamily="50" charset="-127"/>
-                <a:ea typeface="맑은 고딕" panose="02000403000000020004" pitchFamily="50" charset="-127"/>
-              </a:rPr>
-              <a:t>IP: 192.168.0.10</a:t>
-            </a:r>
-            <a:endParaRPr lang="ko-KR" altLang="en-US" sz="1000">
-              <a:latin typeface="맑은 고딕" panose="02000403000000020004" pitchFamily="50" charset="-127"/>
-              <a:ea typeface="맑은 고딕" panose="02000403000000020004" pitchFamily="50" charset="-127"/>
-            </a:endParaRPr>
-          </a:p>
-        </p:txBody>
-      </p:sp>
-      <p:sp>
-        <p:nvSpPr>
-          <p:cNvPr id="83" name="TextBox 82">
-            <a:extLst>
-              <a:ext uri="{FF2B5EF4-FFF2-40B4-BE49-F238E27FC236}">
-                <a16:creationId xmlns:a16="http://schemas.microsoft.com/office/drawing/2014/main" id="{99A656CD-D847-4C90-9589-7539DB06405F}"/>
-              </a:ext>
-            </a:extLst>
-          </p:cNvPr>
-          <p:cNvSpPr txBox="1"/>
-          <p:nvPr/>
-        </p:nvSpPr>
-        <p:spPr>
-          <a:xfrm>
-            <a:off x="2150046" y="4776334"/>
-            <a:ext cx="1200970" cy="246221"/>
-          </a:xfrm>
-          <a:prstGeom prst="rect">
-            <a:avLst/>
-          </a:prstGeom>
-          <a:noFill/>
-        </p:spPr>
-        <p:txBody>
-          <a:bodyPr wrap="none" rtlCol="0">
-            <a:spAutoFit/>
-          </a:bodyPr>
-          <a:lstStyle/>
-          <a:p>
-            <a:pPr marL="108000" indent="-108000">
-              <a:buFont typeface="Arial" panose="020B0604020202020204" pitchFamily="34" charset="0"/>
-              <a:buChar char="•"/>
-            </a:pPr>
-            <a:r>
-              <a:rPr lang="en-US" altLang="ko-KR" sz="1000">
-                <a:latin typeface="맑은 고딕" panose="02000403000000020004" pitchFamily="50" charset="-127"/>
-                <a:ea typeface="맑은 고딕" panose="02000403000000020004" pitchFamily="50" charset="-127"/>
-              </a:rPr>
-              <a:t>IP: 192.168.0.20</a:t>
-            </a:r>
-            <a:endParaRPr lang="ko-KR" altLang="en-US" sz="1000">
-              <a:latin typeface="맑은 고딕" panose="02000403000000020004" pitchFamily="50" charset="-127"/>
-              <a:ea typeface="맑은 고딕" panose="02000403000000020004" pitchFamily="50" charset="-127"/>
-            </a:endParaRPr>
-          </a:p>
-        </p:txBody>
-      </p:sp>
-      <p:sp>
-        <p:nvSpPr>
-          <p:cNvPr id="84" name="TextBox 83">
-            <a:extLst>
-              <a:ext uri="{FF2B5EF4-FFF2-40B4-BE49-F238E27FC236}">
-                <a16:creationId xmlns:a16="http://schemas.microsoft.com/office/drawing/2014/main" id="{9D2F4F0B-95DF-416A-8544-DB3E784FA4BA}"/>
-              </a:ext>
-            </a:extLst>
-          </p:cNvPr>
-          <p:cNvSpPr txBox="1"/>
-          <p:nvPr/>
-        </p:nvSpPr>
-        <p:spPr>
-          <a:xfrm>
-            <a:off x="3609124" y="4776334"/>
-            <a:ext cx="1204176" cy="246221"/>
-          </a:xfrm>
-          <a:prstGeom prst="rect">
-            <a:avLst/>
-          </a:prstGeom>
-          <a:noFill/>
-        </p:spPr>
-        <p:txBody>
-          <a:bodyPr wrap="none" rtlCol="0">
-            <a:spAutoFit/>
-          </a:bodyPr>
-          <a:lstStyle/>
-          <a:p>
-            <a:pPr marL="108000" indent="-108000">
-              <a:buFont typeface="Arial" panose="020B0604020202020204" pitchFamily="34" charset="0"/>
-              <a:buChar char="•"/>
-            </a:pPr>
-            <a:r>
-              <a:rPr lang="en-US" altLang="ko-KR" sz="1000">
-                <a:latin typeface="맑은 고딕" panose="02000403000000020004" pitchFamily="50" charset="-127"/>
-                <a:ea typeface="맑은 고딕" panose="02000403000000020004" pitchFamily="50" charset="-127"/>
-              </a:rPr>
-              <a:t>IP: 192.168.0.30</a:t>
-            </a:r>
-            <a:endParaRPr lang="ko-KR" altLang="en-US" sz="1000">
-              <a:latin typeface="맑은 고딕" panose="02000403000000020004" pitchFamily="50" charset="-127"/>
-              <a:ea typeface="맑은 고딕" panose="02000403000000020004" pitchFamily="50" charset="-127"/>
-            </a:endParaRPr>
-          </a:p>
-        </p:txBody>
-      </p:sp>
     </p:spTree>
     <p:extLst>
       <p:ext uri="{BB962C8B-B14F-4D97-AF65-F5344CB8AC3E}">
@@ -25272,7 +25206,7 @@
           <a:p>
             <a:pPr algn="ctr"/>
             <a:r>
-              <a:rPr lang="en-US" altLang="ko-KR" sz="1000">
+              <a:rPr lang="en-US" altLang="ko-KR" sz="1000" dirty="0">
                 <a:latin typeface="맑은 고딕" panose="02000403000000020004" pitchFamily="50" charset="-127"/>
                 <a:ea typeface="맑은 고딕" panose="02000403000000020004" pitchFamily="50" charset="-127"/>
               </a:rPr>
@@ -25281,7 +25215,7 @@
           </a:p>
           <a:p>
             <a:pPr algn="ctr"/>
-            <a:endParaRPr lang="en-US" altLang="ko-KR" sz="1000">
+            <a:endParaRPr lang="en-US" altLang="ko-KR" sz="1000" dirty="0">
               <a:latin typeface="맑은 고딕" panose="02000403000000020004" pitchFamily="50" charset="-127"/>
               <a:ea typeface="맑은 고딕" panose="02000403000000020004" pitchFamily="50" charset="-127"/>
             </a:endParaRPr>
@@ -25289,13 +25223,13 @@
           <a:p>
             <a:pPr algn="ctr"/>
             <a:r>
-              <a:rPr lang="en-US" altLang="ko-KR" sz="1000">
-                <a:latin typeface="맑은 고딕" panose="02000403000000020004" pitchFamily="50" charset="-127"/>
-                <a:ea typeface="맑은 고딕" panose="02000403000000020004" pitchFamily="50" charset="-127"/>
-              </a:rPr>
-              <a:t>192.168.1.20</a:t>
-            </a:r>
-            <a:endParaRPr lang="ko-KR" altLang="en-US" sz="1000">
+              <a:rPr lang="en-US" altLang="ko-KR" sz="1000" dirty="0">
+                <a:latin typeface="맑은 고딕" panose="02000403000000020004" pitchFamily="50" charset="-127"/>
+                <a:ea typeface="맑은 고딕" panose="02000403000000020004" pitchFamily="50" charset="-127"/>
+              </a:rPr>
+              <a:t>192.168.0.20</a:t>
+            </a:r>
+            <a:endParaRPr lang="ko-KR" altLang="en-US" sz="1000" dirty="0">
               <a:latin typeface="맑은 고딕" panose="02000403000000020004" pitchFamily="50" charset="-127"/>
               <a:ea typeface="맑은 고딕" panose="02000403000000020004" pitchFamily="50" charset="-127"/>
             </a:endParaRPr>
@@ -25416,7 +25350,7 @@
           <a:p>
             <a:pPr algn="ctr"/>
             <a:r>
-              <a:rPr lang="en-US" altLang="ko-KR" sz="1000">
+              <a:rPr lang="en-US" altLang="ko-KR" sz="1000" dirty="0">
                 <a:latin typeface="맑은 고딕" panose="02000403000000020004" pitchFamily="50" charset="-127"/>
                 <a:ea typeface="맑은 고딕" panose="02000403000000020004" pitchFamily="50" charset="-127"/>
               </a:rPr>
@@ -25425,7 +25359,7 @@
           </a:p>
           <a:p>
             <a:pPr algn="ctr"/>
-            <a:endParaRPr lang="en-US" altLang="ko-KR" sz="1000">
+            <a:endParaRPr lang="en-US" altLang="ko-KR" sz="1000" dirty="0">
               <a:latin typeface="맑은 고딕" panose="02000403000000020004" pitchFamily="50" charset="-127"/>
               <a:ea typeface="맑은 고딕" panose="02000403000000020004" pitchFamily="50" charset="-127"/>
             </a:endParaRPr>
@@ -25433,13 +25367,13 @@
           <a:p>
             <a:pPr algn="ctr"/>
             <a:r>
-              <a:rPr lang="en-US" altLang="ko-KR" sz="1000">
-                <a:latin typeface="맑은 고딕" panose="02000403000000020004" pitchFamily="50" charset="-127"/>
-                <a:ea typeface="맑은 고딕" panose="02000403000000020004" pitchFamily="50" charset="-127"/>
-              </a:rPr>
-              <a:t>192.168.1.10</a:t>
-            </a:r>
-            <a:endParaRPr lang="ko-KR" altLang="en-US" sz="1000">
+              <a:rPr lang="en-US" altLang="ko-KR" sz="1000" dirty="0">
+                <a:latin typeface="맑은 고딕" panose="02000403000000020004" pitchFamily="50" charset="-127"/>
+                <a:ea typeface="맑은 고딕" panose="02000403000000020004" pitchFamily="50" charset="-127"/>
+              </a:rPr>
+              <a:t>192.168.0.10</a:t>
+            </a:r>
+            <a:endParaRPr lang="ko-KR" altLang="en-US" sz="1000" dirty="0">
               <a:latin typeface="맑은 고딕" panose="02000403000000020004" pitchFamily="50" charset="-127"/>
               <a:ea typeface="맑은 고딕" panose="02000403000000020004" pitchFamily="50" charset="-127"/>
             </a:endParaRPr>
@@ -25560,7 +25494,7 @@
           <a:p>
             <a:pPr algn="ctr"/>
             <a:r>
-              <a:rPr lang="en-US" altLang="ko-KR" sz="1000">
+              <a:rPr lang="en-US" altLang="ko-KR" sz="1000" dirty="0">
                 <a:latin typeface="맑은 고딕" panose="02000403000000020004" pitchFamily="50" charset="-127"/>
                 <a:ea typeface="맑은 고딕" panose="02000403000000020004" pitchFamily="50" charset="-127"/>
               </a:rPr>
@@ -25569,7 +25503,7 @@
           </a:p>
           <a:p>
             <a:pPr algn="ctr"/>
-            <a:endParaRPr lang="en-US" altLang="ko-KR" sz="1000">
+            <a:endParaRPr lang="en-US" altLang="ko-KR" sz="1000" dirty="0">
               <a:latin typeface="맑은 고딕" panose="02000403000000020004" pitchFamily="50" charset="-127"/>
               <a:ea typeface="맑은 고딕" panose="02000403000000020004" pitchFamily="50" charset="-127"/>
             </a:endParaRPr>
@@ -25577,13 +25511,13 @@
           <a:p>
             <a:pPr algn="ctr"/>
             <a:r>
-              <a:rPr lang="en-US" altLang="ko-KR" sz="1000">
-                <a:latin typeface="맑은 고딕" panose="02000403000000020004" pitchFamily="50" charset="-127"/>
-                <a:ea typeface="맑은 고딕" panose="02000403000000020004" pitchFamily="50" charset="-127"/>
-              </a:rPr>
-              <a:t>192.168.1.30</a:t>
-            </a:r>
-            <a:endParaRPr lang="ko-KR" altLang="en-US" sz="1000">
+              <a:rPr lang="en-US" altLang="ko-KR" sz="1000" dirty="0">
+                <a:latin typeface="맑은 고딕" panose="02000403000000020004" pitchFamily="50" charset="-127"/>
+                <a:ea typeface="맑은 고딕" panose="02000403000000020004" pitchFamily="50" charset="-127"/>
+              </a:rPr>
+              <a:t>192.168.0.30</a:t>
+            </a:r>
+            <a:endParaRPr lang="ko-KR" altLang="en-US" sz="1000" dirty="0">
               <a:latin typeface="맑은 고딕" panose="02000403000000020004" pitchFamily="50" charset="-127"/>
               <a:ea typeface="맑은 고딕" panose="02000403000000020004" pitchFamily="50" charset="-127"/>
             </a:endParaRPr>
@@ -25778,7 +25712,7 @@
         </p:blipFill>
         <p:spPr bwMode="auto">
           <a:xfrm>
-            <a:off x="2482915" y="2904029"/>
+            <a:off x="2498960" y="2904029"/>
             <a:ext cx="470996" cy="458117"/>
           </a:xfrm>
           <a:prstGeom prst="rect">
@@ -25810,8 +25744,8 @@
         </p:nvSpPr>
         <p:spPr>
           <a:xfrm>
-            <a:off x="687367" y="3490527"/>
-            <a:ext cx="4094183" cy="167968"/>
+            <a:off x="687367" y="3490526"/>
+            <a:ext cx="4094183" cy="317165"/>
           </a:xfrm>
           <a:prstGeom prst="rect">
             <a:avLst/>
@@ -25843,12 +25777,9 @@
           <a:p>
             <a:pPr algn="ctr"/>
             <a:r>
-              <a:rPr lang="en-US" altLang="ko-KR" sz="1000">
+              <a:rPr lang="en-US" altLang="ko-KR" sz="1000" dirty="0">
                 <a:solidFill>
-                  <a:schemeClr val="tx1">
-                    <a:lumMod val="75000"/>
-                    <a:lumOff val="25000"/>
-                  </a:schemeClr>
+                  <a:schemeClr val="bg1"/>
                 </a:solidFill>
                 <a:latin typeface="맑은 고딕" panose="02000403000000020004" pitchFamily="50" charset="-127"/>
                 <a:ea typeface="맑은 고딕" panose="02000403000000020004" pitchFamily="50" charset="-127"/>
@@ -25856,47 +25787,62 @@
               <a:t>Service  </a:t>
             </a:r>
             <a:r>
-              <a:rPr lang="en-US" altLang="ko-KR" sz="800">
+              <a:rPr lang="en-US" altLang="ko-KR" sz="800" dirty="0">
                 <a:solidFill>
-                  <a:schemeClr val="tx1">
-                    <a:lumMod val="75000"/>
-                    <a:lumOff val="25000"/>
-                  </a:schemeClr>
+                  <a:schemeClr val="bg1"/>
                 </a:solidFill>
                 <a:latin typeface="맑은 고딕" panose="02000403000000020004" pitchFamily="50" charset="-127"/>
               </a:rPr>
-              <a:t>service/imaginary-np   NodePort   x.x.x.x</a:t>
-            </a:r>
-            <a:r>
-              <a:rPr lang="ko-KR" altLang="en-US" sz="800">
+              <a:t>service/imaginary-np   </a:t>
+            </a:r>
+            <a:r>
+              <a:rPr lang="en-US" altLang="ko-KR" sz="800" dirty="0" err="1">
                 <a:solidFill>
-                  <a:schemeClr val="tx1">
-                    <a:lumMod val="75000"/>
-                    <a:lumOff val="25000"/>
-                  </a:schemeClr>
+                  <a:schemeClr val="bg1"/>
                 </a:solidFill>
                 <a:latin typeface="맑은 고딕" panose="02000403000000020004" pitchFamily="50" charset="-127"/>
               </a:rPr>
+              <a:t>NodePort</a:t>
+            </a:r>
+            <a:r>
+              <a:rPr lang="en-US" altLang="ko-KR" sz="800" dirty="0">
+                <a:solidFill>
+                  <a:schemeClr val="bg1"/>
+                </a:solidFill>
+                <a:latin typeface="맑은 고딕" panose="02000403000000020004" pitchFamily="50" charset="-127"/>
+              </a:rPr>
+              <a:t>   </a:t>
+            </a:r>
+            <a:r>
+              <a:rPr lang="en-US" altLang="ko-KR" sz="800" dirty="0" err="1">
+                <a:solidFill>
+                  <a:schemeClr val="bg1"/>
+                </a:solidFill>
+                <a:latin typeface="맑은 고딕" panose="02000403000000020004" pitchFamily="50" charset="-127"/>
+              </a:rPr>
+              <a:t>x.x.x.x</a:t>
+            </a:r>
+            <a:r>
+              <a:rPr lang="ko-KR" altLang="en-US" sz="800" dirty="0">
+                <a:solidFill>
+                  <a:schemeClr val="bg1"/>
+                </a:solidFill>
+                <a:latin typeface="맑은 고딕" panose="02000403000000020004" pitchFamily="50" charset="-127"/>
+              </a:rPr>
               <a:t> </a:t>
             </a:r>
             <a:r>
-              <a:rPr lang="en-US" altLang="ko-KR" sz="800">
+              <a:rPr lang="en-US" altLang="ko-KR" sz="800" dirty="0">
                 <a:solidFill>
-                  <a:schemeClr val="tx1">
-                    <a:lumMod val="75000"/>
-                    <a:lumOff val="25000"/>
-                  </a:schemeClr>
+                  <a:schemeClr val="bg1"/>
                 </a:solidFill>
                 <a:latin typeface="맑은 고딕" panose="02000403000000020004" pitchFamily="50" charset="-127"/>
               </a:rPr>
               <a:t>  9000:30000/TCP</a:t>
             </a:r>
-            <a:endParaRPr lang="ko-KR" altLang="en-US" sz="1000">
+            <a:endParaRPr lang="ko-KR" altLang="en-US" sz="1000" dirty="0">
               <a:solidFill>
-                <a:schemeClr val="tx1">
-                  <a:lumMod val="75000"/>
-                  <a:lumOff val="25000"/>
-                </a:schemeClr>
+                <a:schemeClr val="bg1"/>
               </a:solidFill>
               <a:latin typeface="맑은 고딕" panose="02000403000000020004" pitchFamily="50" charset="-127"/>
               <a:ea typeface="맑은 고딕" panose="02000403000000020004" pitchFamily="50" charset="-127"/>
@@ -25953,14 +25899,15 @@
           </p:cNvPr>
           <p:cNvCxnSpPr>
             <a:cxnSpLocks/>
+            <a:stCxn id="54" idx="0"/>
             <a:endCxn id="53" idx="2"/>
           </p:cNvCxnSpPr>
           <p:nvPr/>
         </p:nvCxnSpPr>
         <p:spPr>
-          <a:xfrm flipV="1">
-            <a:off x="1239169" y="3362146"/>
-            <a:ext cx="1479244" cy="445546"/>
+          <a:xfrm flipH="1" flipV="1">
+            <a:off x="2734458" y="3362146"/>
+            <a:ext cx="1" cy="128380"/>
           </a:xfrm>
           <a:prstGeom prst="line">
             <a:avLst/>
@@ -26364,144 +26311,6 @@
               <a:solidFill>
                 <a:srgbClr val="FFC000"/>
               </a:solidFill>
-              <a:latin typeface="맑은 고딕" panose="02000403000000020004" pitchFamily="50" charset="-127"/>
-              <a:ea typeface="맑은 고딕" panose="02000403000000020004" pitchFamily="50" charset="-127"/>
-            </a:endParaRPr>
-          </a:p>
-        </p:txBody>
-      </p:sp>
-      <p:sp>
-        <p:nvSpPr>
-          <p:cNvPr id="66" name="TextBox 65">
-            <a:extLst>
-              <a:ext uri="{FF2B5EF4-FFF2-40B4-BE49-F238E27FC236}">
-                <a16:creationId xmlns:a16="http://schemas.microsoft.com/office/drawing/2014/main" id="{616B43B3-A76D-4BE9-B514-4F55320FA32C}"/>
-              </a:ext>
-            </a:extLst>
-          </p:cNvPr>
-          <p:cNvSpPr txBox="1"/>
-          <p:nvPr/>
-        </p:nvSpPr>
-        <p:spPr>
-          <a:xfrm>
-            <a:off x="652044" y="3792633"/>
-            <a:ext cx="1180131" cy="246221"/>
-          </a:xfrm>
-          <a:prstGeom prst="rect">
-            <a:avLst/>
-          </a:prstGeom>
-          <a:noFill/>
-        </p:spPr>
-        <p:txBody>
-          <a:bodyPr wrap="none" rtlCol="0">
-            <a:spAutoFit/>
-          </a:bodyPr>
-          <a:lstStyle/>
-          <a:p>
-            <a:pPr marL="108000" indent="-108000">
-              <a:buFont typeface="Arial" panose="020B0604020202020204" pitchFamily="34" charset="0"/>
-              <a:buChar char="•"/>
-            </a:pPr>
-            <a:r>
-              <a:rPr lang="en-US" altLang="ko-KR" sz="1000">
-                <a:latin typeface="맑은 고딕" panose="02000403000000020004" pitchFamily="50" charset="-127"/>
-                <a:ea typeface="맑은 고딕" panose="02000403000000020004" pitchFamily="50" charset="-127"/>
-              </a:rPr>
-              <a:t>IP: 192.168.0.10</a:t>
-            </a:r>
-            <a:endParaRPr lang="ko-KR" altLang="en-US" sz="1000">
-              <a:latin typeface="맑은 고딕" panose="02000403000000020004" pitchFamily="50" charset="-127"/>
-              <a:ea typeface="맑은 고딕" panose="02000403000000020004" pitchFamily="50" charset="-127"/>
-            </a:endParaRPr>
-          </a:p>
-        </p:txBody>
-      </p:sp>
-      <p:sp>
-        <p:nvSpPr>
-          <p:cNvPr id="67" name="TextBox 66">
-            <a:extLst>
-              <a:ext uri="{FF2B5EF4-FFF2-40B4-BE49-F238E27FC236}">
-                <a16:creationId xmlns:a16="http://schemas.microsoft.com/office/drawing/2014/main" id="{937BB52F-C783-421C-82B1-C83D78A64444}"/>
-              </a:ext>
-            </a:extLst>
-          </p:cNvPr>
-          <p:cNvSpPr txBox="1"/>
-          <p:nvPr/>
-        </p:nvSpPr>
-        <p:spPr>
-          <a:xfrm>
-            <a:off x="2150046" y="3792633"/>
-            <a:ext cx="1200970" cy="246221"/>
-          </a:xfrm>
-          <a:prstGeom prst="rect">
-            <a:avLst/>
-          </a:prstGeom>
-          <a:noFill/>
-        </p:spPr>
-        <p:txBody>
-          <a:bodyPr wrap="none" rtlCol="0">
-            <a:spAutoFit/>
-          </a:bodyPr>
-          <a:lstStyle/>
-          <a:p>
-            <a:pPr marL="108000" indent="-108000">
-              <a:buFont typeface="Arial" panose="020B0604020202020204" pitchFamily="34" charset="0"/>
-              <a:buChar char="•"/>
-            </a:pPr>
-            <a:r>
-              <a:rPr lang="en-US" altLang="ko-KR" sz="1000">
-                <a:latin typeface="맑은 고딕" panose="02000403000000020004" pitchFamily="50" charset="-127"/>
-                <a:ea typeface="맑은 고딕" panose="02000403000000020004" pitchFamily="50" charset="-127"/>
-              </a:rPr>
-              <a:t>IP: 192.168.0.20</a:t>
-            </a:r>
-            <a:endParaRPr lang="ko-KR" altLang="en-US" sz="1000">
-              <a:latin typeface="맑은 고딕" panose="02000403000000020004" pitchFamily="50" charset="-127"/>
-              <a:ea typeface="맑은 고딕" panose="02000403000000020004" pitchFamily="50" charset="-127"/>
-            </a:endParaRPr>
-          </a:p>
-        </p:txBody>
-      </p:sp>
-      <p:sp>
-        <p:nvSpPr>
-          <p:cNvPr id="70" name="TextBox 69">
-            <a:extLst>
-              <a:ext uri="{FF2B5EF4-FFF2-40B4-BE49-F238E27FC236}">
-                <a16:creationId xmlns:a16="http://schemas.microsoft.com/office/drawing/2014/main" id="{68010AFE-5476-4E4C-BEBE-79477A59C2B5}"/>
-              </a:ext>
-            </a:extLst>
-          </p:cNvPr>
-          <p:cNvSpPr txBox="1"/>
-          <p:nvPr/>
-        </p:nvSpPr>
-        <p:spPr>
-          <a:xfrm>
-            <a:off x="3609124" y="3792633"/>
-            <a:ext cx="1204176" cy="246221"/>
-          </a:xfrm>
-          <a:prstGeom prst="rect">
-            <a:avLst/>
-          </a:prstGeom>
-          <a:noFill/>
-        </p:spPr>
-        <p:txBody>
-          <a:bodyPr wrap="none" rtlCol="0">
-            <a:spAutoFit/>
-          </a:bodyPr>
-          <a:lstStyle/>
-          <a:p>
-            <a:pPr marL="108000" indent="-108000">
-              <a:buFont typeface="Arial" panose="020B0604020202020204" pitchFamily="34" charset="0"/>
-              <a:buChar char="•"/>
-            </a:pPr>
-            <a:r>
-              <a:rPr lang="en-US" altLang="ko-KR" sz="1000">
-                <a:latin typeface="맑은 고딕" panose="02000403000000020004" pitchFamily="50" charset="-127"/>
-                <a:ea typeface="맑은 고딕" panose="02000403000000020004" pitchFamily="50" charset="-127"/>
-              </a:rPr>
-              <a:t>IP: 192.168.0.30</a:t>
-            </a:r>
-            <a:endParaRPr lang="ko-KR" altLang="en-US" sz="1000">
               <a:latin typeface="맑은 고딕" panose="02000403000000020004" pitchFamily="50" charset="-127"/>
               <a:ea typeface="맑은 고딕" panose="02000403000000020004" pitchFamily="50" charset="-127"/>
             </a:endParaRPr>
@@ -27152,7 +26961,7 @@
           <a:p>
             <a:pPr algn="ctr"/>
             <a:r>
-              <a:rPr lang="en-US" altLang="ko-KR" sz="1000">
+              <a:rPr lang="en-US" altLang="ko-KR" sz="1000" dirty="0">
                 <a:latin typeface="맑은 고딕" panose="02000403000000020004" pitchFamily="50" charset="-127"/>
                 <a:ea typeface="맑은 고딕" panose="02000403000000020004" pitchFamily="50" charset="-127"/>
               </a:rPr>
@@ -27161,7 +26970,7 @@
           </a:p>
           <a:p>
             <a:pPr algn="ctr"/>
-            <a:endParaRPr lang="en-US" altLang="ko-KR" sz="1000">
+            <a:endParaRPr lang="en-US" altLang="ko-KR" sz="1000" dirty="0">
               <a:latin typeface="맑은 고딕" panose="02000403000000020004" pitchFamily="50" charset="-127"/>
               <a:ea typeface="맑은 고딕" panose="02000403000000020004" pitchFamily="50" charset="-127"/>
             </a:endParaRPr>
@@ -27169,13 +26978,13 @@
           <a:p>
             <a:pPr algn="ctr"/>
             <a:r>
-              <a:rPr lang="en-US" altLang="ko-KR" sz="1000">
-                <a:latin typeface="맑은 고딕" panose="02000403000000020004" pitchFamily="50" charset="-127"/>
-                <a:ea typeface="맑은 고딕" panose="02000403000000020004" pitchFamily="50" charset="-127"/>
-              </a:rPr>
-              <a:t>192.168.1.20</a:t>
-            </a:r>
-            <a:endParaRPr lang="ko-KR" altLang="en-US" sz="1000">
+              <a:rPr lang="en-US" altLang="ko-KR" sz="1000" dirty="0">
+                <a:latin typeface="맑은 고딕" panose="02000403000000020004" pitchFamily="50" charset="-127"/>
+                <a:ea typeface="맑은 고딕" panose="02000403000000020004" pitchFamily="50" charset="-127"/>
+              </a:rPr>
+              <a:t>192.168.0.20</a:t>
+            </a:r>
+            <a:endParaRPr lang="ko-KR" altLang="en-US" sz="1000" dirty="0">
               <a:latin typeface="맑은 고딕" panose="02000403000000020004" pitchFamily="50" charset="-127"/>
               <a:ea typeface="맑은 고딕" panose="02000403000000020004" pitchFamily="50" charset="-127"/>
             </a:endParaRPr>
@@ -27296,7 +27105,7 @@
           <a:p>
             <a:pPr algn="ctr"/>
             <a:r>
-              <a:rPr lang="en-US" altLang="ko-KR" sz="1000">
+              <a:rPr lang="en-US" altLang="ko-KR" sz="1000" dirty="0">
                 <a:latin typeface="맑은 고딕" panose="02000403000000020004" pitchFamily="50" charset="-127"/>
                 <a:ea typeface="맑은 고딕" panose="02000403000000020004" pitchFamily="50" charset="-127"/>
               </a:rPr>
@@ -27305,7 +27114,7 @@
           </a:p>
           <a:p>
             <a:pPr algn="ctr"/>
-            <a:endParaRPr lang="en-US" altLang="ko-KR" sz="1000">
+            <a:endParaRPr lang="en-US" altLang="ko-KR" sz="1000" dirty="0">
               <a:latin typeface="맑은 고딕" panose="02000403000000020004" pitchFamily="50" charset="-127"/>
               <a:ea typeface="맑은 고딕" panose="02000403000000020004" pitchFamily="50" charset="-127"/>
             </a:endParaRPr>
@@ -27313,13 +27122,13 @@
           <a:p>
             <a:pPr algn="ctr"/>
             <a:r>
-              <a:rPr lang="en-US" altLang="ko-KR" sz="1000">
-                <a:latin typeface="맑은 고딕" panose="02000403000000020004" pitchFamily="50" charset="-127"/>
-                <a:ea typeface="맑은 고딕" panose="02000403000000020004" pitchFamily="50" charset="-127"/>
-              </a:rPr>
-              <a:t>192.168.1.10</a:t>
-            </a:r>
-            <a:endParaRPr lang="ko-KR" altLang="en-US" sz="1000">
+              <a:rPr lang="en-US" altLang="ko-KR" sz="1000" dirty="0">
+                <a:latin typeface="맑은 고딕" panose="02000403000000020004" pitchFamily="50" charset="-127"/>
+                <a:ea typeface="맑은 고딕" panose="02000403000000020004" pitchFamily="50" charset="-127"/>
+              </a:rPr>
+              <a:t>192.168.0.10</a:t>
+            </a:r>
+            <a:endParaRPr lang="ko-KR" altLang="en-US" sz="1000" dirty="0">
               <a:latin typeface="맑은 고딕" panose="02000403000000020004" pitchFamily="50" charset="-127"/>
               <a:ea typeface="맑은 고딕" panose="02000403000000020004" pitchFamily="50" charset="-127"/>
             </a:endParaRPr>
@@ -28726,7 +28535,7 @@
 <file path=ppt/theme/theme1.xml><?xml version="1.0" encoding="utf-8"?>
 <a:theme xmlns:a="http://schemas.openxmlformats.org/drawingml/2006/main" name="Office 테마">
   <a:themeElements>
-    <a:clrScheme name="Office 테마">
+    <a:clrScheme name="Office 2007-2010">
       <a:dk1>
         <a:sysClr val="windowText" lastClr="000000"/>
       </a:dk1>
@@ -28734,34 +28543,34 @@
         <a:sysClr val="window" lastClr="FFFFFF"/>
       </a:lt1>
       <a:dk2>
-        <a:srgbClr val="44546A"/>
+        <a:srgbClr val="1F497D"/>
       </a:dk2>
       <a:lt2>
-        <a:srgbClr val="E7E6E6"/>
+        <a:srgbClr val="EEECE1"/>
       </a:lt2>
       <a:accent1>
-        <a:srgbClr val="4472C4"/>
+        <a:srgbClr val="4F81BD"/>
       </a:accent1>
       <a:accent2>
-        <a:srgbClr val="ED7D31"/>
+        <a:srgbClr val="C0504D"/>
       </a:accent2>
       <a:accent3>
-        <a:srgbClr val="A5A5A5"/>
+        <a:srgbClr val="9BBB59"/>
       </a:accent3>
       <a:accent4>
-        <a:srgbClr val="FFC000"/>
+        <a:srgbClr val="8064A2"/>
       </a:accent4>
       <a:accent5>
-        <a:srgbClr val="5B9BD5"/>
+        <a:srgbClr val="4BACC6"/>
       </a:accent5>
       <a:accent6>
-        <a:srgbClr val="70AD47"/>
+        <a:srgbClr val="F79646"/>
       </a:accent6>
       <a:hlink>
-        <a:srgbClr val="0563C1"/>
+        <a:srgbClr val="0000FF"/>
       </a:hlink>
       <a:folHlink>
-        <a:srgbClr val="954F72"/>
+        <a:srgbClr val="800080"/>
       </a:folHlink>
     </a:clrScheme>
     <a:fontScheme name="Office 테마">
@@ -28982,4 +28791,299 @@
     </a:ext>
   </a:extLst>
 </a:theme>
+</file>
+
+<file path=ppt/theme/theme2.xml><?xml version="1.0" encoding="utf-8"?>
+<a:theme xmlns:a="http://schemas.openxmlformats.org/drawingml/2006/main" name="Office 테마">
+  <a:themeElements>
+    <a:clrScheme name="Office">
+      <a:dk1>
+        <a:sysClr val="windowText" lastClr="000000"/>
+      </a:dk1>
+      <a:lt1>
+        <a:sysClr val="window" lastClr="FFFFFF"/>
+      </a:lt1>
+      <a:dk2>
+        <a:srgbClr val="44546A"/>
+      </a:dk2>
+      <a:lt2>
+        <a:srgbClr val="E7E6E6"/>
+      </a:lt2>
+      <a:accent1>
+        <a:srgbClr val="4472C4"/>
+      </a:accent1>
+      <a:accent2>
+        <a:srgbClr val="ED7D31"/>
+      </a:accent2>
+      <a:accent3>
+        <a:srgbClr val="A5A5A5"/>
+      </a:accent3>
+      <a:accent4>
+        <a:srgbClr val="FFC000"/>
+      </a:accent4>
+      <a:accent5>
+        <a:srgbClr val="5B9BD5"/>
+      </a:accent5>
+      <a:accent6>
+        <a:srgbClr val="70AD47"/>
+      </a:accent6>
+      <a:hlink>
+        <a:srgbClr val="0563C1"/>
+      </a:hlink>
+      <a:folHlink>
+        <a:srgbClr val="954F72"/>
+      </a:folHlink>
+    </a:clrScheme>
+    <a:fontScheme name="Office">
+      <a:majorFont>
+        <a:latin typeface="맑은 고딕" panose="020F0302020204030204"/>
+        <a:ea typeface=""/>
+        <a:cs typeface=""/>
+        <a:font script="Jpan" typeface="游ゴシック Light"/>
+        <a:font script="Hang" typeface="맑은 고딕"/>
+        <a:font script="Hans" typeface="等线 Light"/>
+        <a:font script="Hant" typeface="新細明體"/>
+        <a:font script="Arab" typeface="Times New Roman"/>
+        <a:font script="Hebr" typeface="Times New Roman"/>
+        <a:font script="Thai" typeface="Angsana New"/>
+        <a:font script="Ethi" typeface="Nyala"/>
+        <a:font script="Beng" typeface="Vrinda"/>
+        <a:font script="Gujr" typeface="Shruti"/>
+        <a:font script="Khmr" typeface="MoolBoran"/>
+        <a:font script="Knda" typeface="Tunga"/>
+        <a:font script="Guru" typeface="Raavi"/>
+        <a:font script="Cans" typeface="Euphemia"/>
+        <a:font script="Cher" typeface="Plantagenet Cherokee"/>
+        <a:font script="Yiii" typeface="Microsoft Yi Baiti"/>
+        <a:font script="Tibt" typeface="Microsoft Himalaya"/>
+        <a:font script="Thaa" typeface="MV Boli"/>
+        <a:font script="Deva" typeface="Mangal"/>
+        <a:font script="Telu" typeface="Gautami"/>
+        <a:font script="Taml" typeface="Latha"/>
+        <a:font script="Syrc" typeface="Estrangelo Edessa"/>
+        <a:font script="Orya" typeface="Kalinga"/>
+        <a:font script="Mlym" typeface="Kartika"/>
+        <a:font script="Laoo" typeface="DokChampa"/>
+        <a:font script="Sinh" typeface="Iskoola Pota"/>
+        <a:font script="Mong" typeface="Mongolian Baiti"/>
+        <a:font script="Viet" typeface="Times New Roman"/>
+        <a:font script="Uigh" typeface="Microsoft Uighur"/>
+        <a:font script="Geor" typeface="Sylfaen"/>
+        <a:font script="Armn" typeface="Arial"/>
+        <a:font script="Bugi" typeface="Leelawadee UI"/>
+        <a:font script="Bopo" typeface="Microsoft JhengHei"/>
+        <a:font script="Java" typeface="Javanese Text"/>
+        <a:font script="Lisu" typeface="Segoe UI"/>
+        <a:font script="Mymr" typeface="Myanmar Text"/>
+        <a:font script="Nkoo" typeface="Ebrima"/>
+        <a:font script="Olck" typeface="Nirmala UI"/>
+        <a:font script="Osma" typeface="Ebrima"/>
+        <a:font script="Phag" typeface="Phagspa"/>
+        <a:font script="Syrn" typeface="Estrangelo Edessa"/>
+        <a:font script="Syrj" typeface="Estrangelo Edessa"/>
+        <a:font script="Syre" typeface="Estrangelo Edessa"/>
+        <a:font script="Sora" typeface="Nirmala UI"/>
+        <a:font script="Tale" typeface="Microsoft Tai Le"/>
+        <a:font script="Talu" typeface="Microsoft New Tai Lue"/>
+        <a:font script="Tfng" typeface="Ebrima"/>
+      </a:majorFont>
+      <a:minorFont>
+        <a:latin typeface="맑은 고딕" panose="020F0502020204030204"/>
+        <a:ea typeface=""/>
+        <a:cs typeface=""/>
+        <a:font script="Jpan" typeface="游ゴシック"/>
+        <a:font script="Hang" typeface="맑은 고딕"/>
+        <a:font script="Hans" typeface="等线"/>
+        <a:font script="Hant" typeface="新細明體"/>
+        <a:font script="Arab" typeface="Arial"/>
+        <a:font script="Hebr" typeface="Arial"/>
+        <a:font script="Thai" typeface="Cordia New"/>
+        <a:font script="Ethi" typeface="Nyala"/>
+        <a:font script="Beng" typeface="Vrinda"/>
+        <a:font script="Gujr" typeface="Shruti"/>
+        <a:font script="Khmr" typeface="DaunPenh"/>
+        <a:font script="Knda" typeface="Tunga"/>
+        <a:font script="Guru" typeface="Raavi"/>
+        <a:font script="Cans" typeface="Euphemia"/>
+        <a:font script="Cher" typeface="Plantagenet Cherokee"/>
+        <a:font script="Yiii" typeface="Microsoft Yi Baiti"/>
+        <a:font script="Tibt" typeface="Microsoft Himalaya"/>
+        <a:font script="Thaa" typeface="MV Boli"/>
+        <a:font script="Deva" typeface="Mangal"/>
+        <a:font script="Telu" typeface="Gautami"/>
+        <a:font script="Taml" typeface="Latha"/>
+        <a:font script="Syrc" typeface="Estrangelo Edessa"/>
+        <a:font script="Orya" typeface="Kalinga"/>
+        <a:font script="Mlym" typeface="Kartika"/>
+        <a:font script="Laoo" typeface="DokChampa"/>
+        <a:font script="Sinh" typeface="Iskoola Pota"/>
+        <a:font script="Mong" typeface="Mongolian Baiti"/>
+        <a:font script="Viet" typeface="Arial"/>
+        <a:font script="Uigh" typeface="Microsoft Uighur"/>
+        <a:font script="Geor" typeface="Sylfaen"/>
+        <a:font script="Armn" typeface="Arial"/>
+        <a:font script="Bugi" typeface="Leelawadee UI"/>
+        <a:font script="Bopo" typeface="Microsoft JhengHei"/>
+        <a:font script="Java" typeface="Javanese Text"/>
+        <a:font script="Lisu" typeface="Segoe UI"/>
+        <a:font script="Mymr" typeface="Myanmar Text"/>
+        <a:font script="Nkoo" typeface="Ebrima"/>
+        <a:font script="Olck" typeface="Nirmala UI"/>
+        <a:font script="Osma" typeface="Ebrima"/>
+        <a:font script="Phag" typeface="Phagspa"/>
+        <a:font script="Syrn" typeface="Estrangelo Edessa"/>
+        <a:font script="Syrj" typeface="Estrangelo Edessa"/>
+        <a:font script="Syre" typeface="Estrangelo Edessa"/>
+        <a:font script="Sora" typeface="Nirmala UI"/>
+        <a:font script="Tale" typeface="Microsoft Tai Le"/>
+        <a:font script="Talu" typeface="Microsoft New Tai Lue"/>
+        <a:font script="Tfng" typeface="Ebrima"/>
+      </a:minorFont>
+    </a:fontScheme>
+    <a:fmtScheme name="Office">
+      <a:fillStyleLst>
+        <a:solidFill>
+          <a:schemeClr val="phClr"/>
+        </a:solidFill>
+        <a:gradFill rotWithShape="1">
+          <a:gsLst>
+            <a:gs pos="0">
+              <a:schemeClr val="phClr">
+                <a:lumMod val="110000"/>
+                <a:satMod val="105000"/>
+                <a:tint val="67000"/>
+              </a:schemeClr>
+            </a:gs>
+            <a:gs pos="50000">
+              <a:schemeClr val="phClr">
+                <a:lumMod val="105000"/>
+                <a:satMod val="103000"/>
+                <a:tint val="73000"/>
+              </a:schemeClr>
+            </a:gs>
+            <a:gs pos="100000">
+              <a:schemeClr val="phClr">
+                <a:lumMod val="105000"/>
+                <a:satMod val="109000"/>
+                <a:tint val="81000"/>
+              </a:schemeClr>
+            </a:gs>
+          </a:gsLst>
+          <a:lin ang="5400000" scaled="0"/>
+        </a:gradFill>
+        <a:gradFill rotWithShape="1">
+          <a:gsLst>
+            <a:gs pos="0">
+              <a:schemeClr val="phClr">
+                <a:satMod val="103000"/>
+                <a:lumMod val="102000"/>
+                <a:tint val="94000"/>
+              </a:schemeClr>
+            </a:gs>
+            <a:gs pos="50000">
+              <a:schemeClr val="phClr">
+                <a:satMod val="110000"/>
+                <a:lumMod val="100000"/>
+                <a:shade val="100000"/>
+              </a:schemeClr>
+            </a:gs>
+            <a:gs pos="100000">
+              <a:schemeClr val="phClr">
+                <a:lumMod val="99000"/>
+                <a:satMod val="120000"/>
+                <a:shade val="78000"/>
+              </a:schemeClr>
+            </a:gs>
+          </a:gsLst>
+          <a:lin ang="5400000" scaled="0"/>
+        </a:gradFill>
+      </a:fillStyleLst>
+      <a:lnStyleLst>
+        <a:ln w="6350" cap="flat" cmpd="sng" algn="ctr">
+          <a:solidFill>
+            <a:schemeClr val="phClr"/>
+          </a:solidFill>
+          <a:prstDash val="solid"/>
+          <a:miter lim="800000"/>
+        </a:ln>
+        <a:ln w="12700" cap="flat" cmpd="sng" algn="ctr">
+          <a:solidFill>
+            <a:schemeClr val="phClr"/>
+          </a:solidFill>
+          <a:prstDash val="solid"/>
+          <a:miter lim="800000"/>
+        </a:ln>
+        <a:ln w="19050" cap="flat" cmpd="sng" algn="ctr">
+          <a:solidFill>
+            <a:schemeClr val="phClr"/>
+          </a:solidFill>
+          <a:prstDash val="solid"/>
+          <a:miter lim="800000"/>
+        </a:ln>
+      </a:lnStyleLst>
+      <a:effectStyleLst>
+        <a:effectStyle>
+          <a:effectLst/>
+        </a:effectStyle>
+        <a:effectStyle>
+          <a:effectLst/>
+        </a:effectStyle>
+        <a:effectStyle>
+          <a:effectLst>
+            <a:outerShdw blurRad="57150" dist="19050" dir="5400000" algn="ctr" rotWithShape="0">
+              <a:srgbClr val="000000">
+                <a:alpha val="63000"/>
+              </a:srgbClr>
+            </a:outerShdw>
+          </a:effectLst>
+        </a:effectStyle>
+      </a:effectStyleLst>
+      <a:bgFillStyleLst>
+        <a:solidFill>
+          <a:schemeClr val="phClr"/>
+        </a:solidFill>
+        <a:solidFill>
+          <a:schemeClr val="phClr">
+            <a:tint val="95000"/>
+            <a:satMod val="170000"/>
+          </a:schemeClr>
+        </a:solidFill>
+        <a:gradFill rotWithShape="1">
+          <a:gsLst>
+            <a:gs pos="0">
+              <a:schemeClr val="phClr">
+                <a:tint val="93000"/>
+                <a:satMod val="150000"/>
+                <a:shade val="98000"/>
+                <a:lumMod val="102000"/>
+              </a:schemeClr>
+            </a:gs>
+            <a:gs pos="50000">
+              <a:schemeClr val="phClr">
+                <a:tint val="98000"/>
+                <a:satMod val="130000"/>
+                <a:shade val="90000"/>
+                <a:lumMod val="103000"/>
+              </a:schemeClr>
+            </a:gs>
+            <a:gs pos="100000">
+              <a:schemeClr val="phClr">
+                <a:shade val="63000"/>
+                <a:satMod val="120000"/>
+              </a:schemeClr>
+            </a:gs>
+          </a:gsLst>
+          <a:lin ang="5400000" scaled="0"/>
+        </a:gradFill>
+      </a:bgFillStyleLst>
+    </a:fmtScheme>
+  </a:themeElements>
+  <a:objectDefaults/>
+  <a:extraClrSchemeLst/>
+  <a:extLst>
+    <a:ext uri="{05A4C25C-085E-4340-85A3-A5531E510DB2}">
+      <thm15:themeFamily xmlns:thm15="http://schemas.microsoft.com/office/thememl/2012/main" name="Office Theme" id="{62F939B6-93AF-4DB8-9C6B-D6C7DFDC589F}" vid="{4A3C46E8-61CC-4603-A589-7422A47A8E4A}"/>
+    </a:ext>
+  </a:extLst>
+</a:theme>
 </file>
--- a/k8s practice.pptx
+++ b/k8s practice.pptx
@@ -209,7 +209,7 @@
           <a:p>
             <a:fld id="{AAC35182-80B8-4A55-8227-A83156A249BB}" type="datetimeFigureOut">
               <a:rPr lang="ko-KR" altLang="en-US" smtClean="0"/>
-              <a:t>2022-08-02</a:t>
+              <a:t>2022-08-03</a:t>
             </a:fld>
             <a:endParaRPr lang="ko-KR" altLang="en-US"/>
           </a:p>
@@ -607,7 +607,7 @@
           <a:p>
             <a:fld id="{4FB3F101-53C3-4B54-BD28-30F7B7E72CB2}" type="datetime1">
               <a:rPr lang="ko-KR" altLang="en-US" smtClean="0"/>
-              <a:t>2022-08-02</a:t>
+              <a:t>2022-08-03</a:t>
             </a:fld>
             <a:endParaRPr lang="ko-KR" altLang="en-US"/>
           </a:p>
@@ -791,7 +791,7 @@
           <a:p>
             <a:fld id="{27E8263C-5973-4535-B0CA-9585BFF56192}" type="datetime1">
               <a:rPr lang="ko-KR" altLang="en-US" smtClean="0"/>
-              <a:t>2022-08-02</a:t>
+              <a:t>2022-08-03</a:t>
             </a:fld>
             <a:endParaRPr lang="ko-KR" altLang="en-US"/>
           </a:p>
@@ -971,7 +971,7 @@
           <a:p>
             <a:fld id="{AA51E4E3-75D9-4B98-AE41-882A49AFE0F5}" type="datetime1">
               <a:rPr lang="ko-KR" altLang="en-US" smtClean="0"/>
-              <a:t>2022-08-02</a:t>
+              <a:t>2022-08-03</a:t>
             </a:fld>
             <a:endParaRPr lang="ko-KR" altLang="en-US"/>
           </a:p>
@@ -1141,7 +1141,7 @@
           <a:p>
             <a:fld id="{4049B1A8-07DC-47FB-AE48-657BFD66889D}" type="datetime1">
               <a:rPr lang="ko-KR" altLang="en-US" smtClean="0"/>
-              <a:t>2022-08-02</a:t>
+              <a:t>2022-08-03</a:t>
             </a:fld>
             <a:endParaRPr lang="ko-KR" altLang="en-US"/>
           </a:p>
@@ -1385,7 +1385,7 @@
           <a:p>
             <a:fld id="{71D54BA1-A9BA-4F9A-8277-7BFEBA3925B3}" type="datetime1">
               <a:rPr lang="ko-KR" altLang="en-US" smtClean="0"/>
-              <a:t>2022-08-02</a:t>
+              <a:t>2022-08-03</a:t>
             </a:fld>
             <a:endParaRPr lang="ko-KR" altLang="en-US"/>
           </a:p>
@@ -1617,7 +1617,7 @@
           <a:p>
             <a:fld id="{476A90ED-5C57-48D8-AA4A-D1D0CF037C43}" type="datetime1">
               <a:rPr lang="ko-KR" altLang="en-US" smtClean="0"/>
-              <a:t>2022-08-02</a:t>
+              <a:t>2022-08-03</a:t>
             </a:fld>
             <a:endParaRPr lang="ko-KR" altLang="en-US"/>
           </a:p>
@@ -1984,7 +1984,7 @@
           <a:p>
             <a:fld id="{629BD04B-A934-4F94-ABBE-E9DBCBE4745D}" type="datetime1">
               <a:rPr lang="ko-KR" altLang="en-US" smtClean="0"/>
-              <a:t>2022-08-02</a:t>
+              <a:t>2022-08-03</a:t>
             </a:fld>
             <a:endParaRPr lang="ko-KR" altLang="en-US"/>
           </a:p>
@@ -2102,7 +2102,7 @@
           <a:p>
             <a:fld id="{B5376FE3-B12B-4494-9FB0-20B759B39233}" type="datetime1">
               <a:rPr lang="ko-KR" altLang="en-US" smtClean="0"/>
-              <a:t>2022-08-02</a:t>
+              <a:t>2022-08-03</a:t>
             </a:fld>
             <a:endParaRPr lang="ko-KR" altLang="en-US"/>
           </a:p>
@@ -2461,7 +2461,7 @@
           <a:p>
             <a:fld id="{8D3A43ED-BE87-4156-93B6-1AA6F8EE87EA}" type="datetime1">
               <a:rPr lang="ko-KR" altLang="en-US" smtClean="0"/>
-              <a:t>2022-08-02</a:t>
+              <a:t>2022-08-03</a:t>
             </a:fld>
             <a:endParaRPr lang="ko-KR" altLang="en-US"/>
           </a:p>
@@ -2718,7 +2718,7 @@
           <a:p>
             <a:fld id="{553E934C-D1CE-402C-B70A-6CDDE585F508}" type="datetime1">
               <a:rPr lang="ko-KR" altLang="en-US" smtClean="0"/>
-              <a:t>2022-08-02</a:t>
+              <a:t>2022-08-03</a:t>
             </a:fld>
             <a:endParaRPr lang="ko-KR" altLang="en-US"/>
           </a:p>
@@ -2931,7 +2931,7 @@
           <a:p>
             <a:fld id="{09E5A2A5-F2A5-43D6-9171-C9945D8C3B6F}" type="datetime1">
               <a:rPr lang="ko-KR" altLang="en-US" smtClean="0"/>
-              <a:t>2022-08-02</a:t>
+              <a:t>2022-08-03</a:t>
             </a:fld>
             <a:endParaRPr lang="ko-KR" altLang="en-US"/>
           </a:p>
@@ -4636,12 +4636,12 @@
               </a:lnSpc>
             </a:pPr>
             <a:r>
-              <a:rPr lang="ko-KR" altLang="en-US" sz="1400" b="1">
+              <a:rPr lang="ko-KR" altLang="en-US" sz="1400" b="1" dirty="0">
                 <a:latin typeface="맑은 고딕" panose="02000403000000020004" pitchFamily="50" charset="-127"/>
               </a:rPr>
               <a:t>📣 유의 사항</a:t>
             </a:r>
-            <a:endParaRPr lang="ko-KR" altLang="en-US" sz="1200">
+            <a:endParaRPr lang="ko-KR" altLang="en-US" sz="1200" dirty="0">
               <a:latin typeface="맑은 고딕" panose="02000403000000020004" pitchFamily="50" charset="-127"/>
               <a:ea typeface="맑은 고딕" panose="02000403000000020004" pitchFamily="50" charset="-127"/>
             </a:endParaRPr>
@@ -5873,144 +5873,6 @@
                   <a:lumOff val="25000"/>
                 </a:schemeClr>
               </a:solidFill>
-              <a:latin typeface="맑은 고딕" panose="02000403000000020004" pitchFamily="50" charset="-127"/>
-              <a:ea typeface="맑은 고딕" panose="02000403000000020004" pitchFamily="50" charset="-127"/>
-            </a:endParaRPr>
-          </a:p>
-        </p:txBody>
-      </p:sp>
-      <p:sp>
-        <p:nvSpPr>
-          <p:cNvPr id="92" name="TextBox 91">
-            <a:extLst>
-              <a:ext uri="{FF2B5EF4-FFF2-40B4-BE49-F238E27FC236}">
-                <a16:creationId xmlns:a16="http://schemas.microsoft.com/office/drawing/2014/main" id="{9AF04E99-66E1-46C0-BDAB-B1657264E3BC}"/>
-              </a:ext>
-            </a:extLst>
-          </p:cNvPr>
-          <p:cNvSpPr txBox="1"/>
-          <p:nvPr/>
-        </p:nvSpPr>
-        <p:spPr>
-          <a:xfrm>
-            <a:off x="583058" y="5309878"/>
-            <a:ext cx="1180131" cy="246221"/>
-          </a:xfrm>
-          <a:prstGeom prst="rect">
-            <a:avLst/>
-          </a:prstGeom>
-          <a:noFill/>
-        </p:spPr>
-        <p:txBody>
-          <a:bodyPr wrap="none" rtlCol="0">
-            <a:spAutoFit/>
-          </a:bodyPr>
-          <a:lstStyle/>
-          <a:p>
-            <a:pPr marL="108000" indent="-108000">
-              <a:buFont typeface="Arial" panose="020B0604020202020204" pitchFamily="34" charset="0"/>
-              <a:buChar char="•"/>
-            </a:pPr>
-            <a:r>
-              <a:rPr lang="en-US" altLang="ko-KR" sz="1000">
-                <a:latin typeface="맑은 고딕" panose="02000403000000020004" pitchFamily="50" charset="-127"/>
-                <a:ea typeface="맑은 고딕" panose="02000403000000020004" pitchFamily="50" charset="-127"/>
-              </a:rPr>
-              <a:t>IP: 192.168.0.10</a:t>
-            </a:r>
-            <a:endParaRPr lang="ko-KR" altLang="en-US" sz="1000">
-              <a:latin typeface="맑은 고딕" panose="02000403000000020004" pitchFamily="50" charset="-127"/>
-              <a:ea typeface="맑은 고딕" panose="02000403000000020004" pitchFamily="50" charset="-127"/>
-            </a:endParaRPr>
-          </a:p>
-        </p:txBody>
-      </p:sp>
-      <p:sp>
-        <p:nvSpPr>
-          <p:cNvPr id="93" name="TextBox 92">
-            <a:extLst>
-              <a:ext uri="{FF2B5EF4-FFF2-40B4-BE49-F238E27FC236}">
-                <a16:creationId xmlns:a16="http://schemas.microsoft.com/office/drawing/2014/main" id="{D331C745-D3FB-4741-9121-636A7026BBE7}"/>
-              </a:ext>
-            </a:extLst>
-          </p:cNvPr>
-          <p:cNvSpPr txBox="1"/>
-          <p:nvPr/>
-        </p:nvSpPr>
-        <p:spPr>
-          <a:xfrm>
-            <a:off x="2081060" y="5309878"/>
-            <a:ext cx="1200970" cy="246221"/>
-          </a:xfrm>
-          <a:prstGeom prst="rect">
-            <a:avLst/>
-          </a:prstGeom>
-          <a:noFill/>
-        </p:spPr>
-        <p:txBody>
-          <a:bodyPr wrap="none" rtlCol="0">
-            <a:spAutoFit/>
-          </a:bodyPr>
-          <a:lstStyle/>
-          <a:p>
-            <a:pPr marL="108000" indent="-108000">
-              <a:buFont typeface="Arial" panose="020B0604020202020204" pitchFamily="34" charset="0"/>
-              <a:buChar char="•"/>
-            </a:pPr>
-            <a:r>
-              <a:rPr lang="en-US" altLang="ko-KR" sz="1000">
-                <a:latin typeface="맑은 고딕" panose="02000403000000020004" pitchFamily="50" charset="-127"/>
-                <a:ea typeface="맑은 고딕" panose="02000403000000020004" pitchFamily="50" charset="-127"/>
-              </a:rPr>
-              <a:t>IP: 192.168.0.20</a:t>
-            </a:r>
-            <a:endParaRPr lang="ko-KR" altLang="en-US" sz="1000">
-              <a:latin typeface="맑은 고딕" panose="02000403000000020004" pitchFamily="50" charset="-127"/>
-              <a:ea typeface="맑은 고딕" panose="02000403000000020004" pitchFamily="50" charset="-127"/>
-            </a:endParaRPr>
-          </a:p>
-        </p:txBody>
-      </p:sp>
-      <p:sp>
-        <p:nvSpPr>
-          <p:cNvPr id="94" name="TextBox 93">
-            <a:extLst>
-              <a:ext uri="{FF2B5EF4-FFF2-40B4-BE49-F238E27FC236}">
-                <a16:creationId xmlns:a16="http://schemas.microsoft.com/office/drawing/2014/main" id="{E36575C3-DF4E-47E6-90FE-71CD50B4D1E3}"/>
-              </a:ext>
-            </a:extLst>
-          </p:cNvPr>
-          <p:cNvSpPr txBox="1"/>
-          <p:nvPr/>
-        </p:nvSpPr>
-        <p:spPr>
-          <a:xfrm>
-            <a:off x="3605949" y="5309878"/>
-            <a:ext cx="1204176" cy="246221"/>
-          </a:xfrm>
-          <a:prstGeom prst="rect">
-            <a:avLst/>
-          </a:prstGeom>
-          <a:noFill/>
-        </p:spPr>
-        <p:txBody>
-          <a:bodyPr wrap="none" rtlCol="0">
-            <a:spAutoFit/>
-          </a:bodyPr>
-          <a:lstStyle/>
-          <a:p>
-            <a:pPr marL="108000" indent="-108000">
-              <a:buFont typeface="Arial" panose="020B0604020202020204" pitchFamily="34" charset="0"/>
-              <a:buChar char="•"/>
-            </a:pPr>
-            <a:r>
-              <a:rPr lang="en-US" altLang="ko-KR" sz="1000">
-                <a:latin typeface="맑은 고딕" panose="02000403000000020004" pitchFamily="50" charset="-127"/>
-                <a:ea typeface="맑은 고딕" panose="02000403000000020004" pitchFamily="50" charset="-127"/>
-              </a:rPr>
-              <a:t>IP: 192.168.0.30</a:t>
-            </a:r>
-            <a:endParaRPr lang="ko-KR" altLang="en-US" sz="1000">
               <a:latin typeface="맑은 고딕" panose="02000403000000020004" pitchFamily="50" charset="-127"/>
               <a:ea typeface="맑은 고딕" panose="02000403000000020004" pitchFamily="50" charset="-127"/>
             </a:endParaRPr>
@@ -6188,48 +6050,55 @@
               </a:lnSpc>
             </a:pPr>
             <a:r>
-              <a:rPr lang="ko-KR" altLang="en-US" sz="1200">
-                <a:latin typeface="맑은 고딕" panose="02000403000000020004" pitchFamily="50" charset="-127"/>
-                <a:ea typeface="맑은 고딕" panose="02000403000000020004" pitchFamily="50" charset="-127"/>
-              </a:rPr>
-              <a:t>조금더 복잡한 구조의 서비스인 </a:t>
-            </a:r>
-            <a:r>
-              <a:rPr lang="en-US" altLang="ko-KR" sz="1200">
+              <a:rPr lang="ko-KR" altLang="en-US" sz="1200" dirty="0" err="1">
+                <a:latin typeface="맑은 고딕" panose="02000403000000020004" pitchFamily="50" charset="-127"/>
+                <a:ea typeface="맑은 고딕" panose="02000403000000020004" pitchFamily="50" charset="-127"/>
+              </a:rPr>
+              <a:t>조금더</a:t>
+            </a:r>
+            <a:r>
+              <a:rPr lang="ko-KR" altLang="en-US" sz="1200" dirty="0">
+                <a:latin typeface="맑은 고딕" panose="02000403000000020004" pitchFamily="50" charset="-127"/>
+                <a:ea typeface="맑은 고딕" panose="02000403000000020004" pitchFamily="50" charset="-127"/>
+              </a:rPr>
+              <a:t> 복잡한 구조의 서비스인 </a:t>
+            </a:r>
+            <a:r>
+              <a:rPr lang="en-US" altLang="ko-KR" sz="1200" dirty="0" err="1">
                 <a:latin typeface="맑은 고딕" panose="02000403000000020004" pitchFamily="50" charset="-127"/>
                 <a:ea typeface="맑은 고딕" panose="02000403000000020004" pitchFamily="50" charset="-127"/>
               </a:rPr>
               <a:t>todo</a:t>
             </a:r>
             <a:r>
-              <a:rPr lang="ko-KR" altLang="en-US" sz="1200">
+              <a:rPr lang="ko-KR" altLang="en-US" sz="1200" dirty="0">
                 <a:latin typeface="맑은 고딕" panose="02000403000000020004" pitchFamily="50" charset="-127"/>
                 <a:ea typeface="맑은 고딕" panose="02000403000000020004" pitchFamily="50" charset="-127"/>
               </a:rPr>
               <a:t>앱을 배포하고 </a:t>
             </a:r>
             <a:r>
-              <a:rPr lang="en-US" altLang="ko-KR" sz="1200">
+              <a:rPr lang="en-US" altLang="ko-KR" sz="1200" dirty="0">
                 <a:latin typeface="맑은 고딕" panose="02000403000000020004" pitchFamily="50" charset="-127"/>
                 <a:ea typeface="맑은 고딕" panose="02000403000000020004" pitchFamily="50" charset="-127"/>
               </a:rPr>
               <a:t>Ingress</a:t>
             </a:r>
             <a:r>
-              <a:rPr lang="ko-KR" altLang="en-US" sz="1200">
+              <a:rPr lang="ko-KR" altLang="en-US" sz="1200" dirty="0">
                 <a:latin typeface="맑은 고딕" panose="02000403000000020004" pitchFamily="50" charset="-127"/>
                 <a:ea typeface="맑은 고딕" panose="02000403000000020004" pitchFamily="50" charset="-127"/>
               </a:rPr>
               <a:t>와 연결해본다</a:t>
             </a:r>
             <a:r>
-              <a:rPr lang="en-US" altLang="ko-KR" sz="1200">
+              <a:rPr lang="en-US" altLang="ko-KR" sz="1200" dirty="0">
                 <a:latin typeface="맑은 고딕" panose="02000403000000020004" pitchFamily="50" charset="-127"/>
                 <a:ea typeface="맑은 고딕" panose="02000403000000020004" pitchFamily="50" charset="-127"/>
               </a:rPr>
               <a:t>.</a:t>
             </a:r>
-            <a:endParaRPr lang="ko-KR" altLang="en-US" sz="1200">
+            <a:endParaRPr lang="ko-KR" altLang="en-US" sz="1200" dirty="0">
               <a:latin typeface="맑은 고딕" panose="02000403000000020004" pitchFamily="50" charset="-127"/>
               <a:ea typeface="맑은 고딕" panose="02000403000000020004" pitchFamily="50" charset="-127"/>
             </a:endParaRPr>
@@ -8213,10 +8082,10 @@
       </p:sp>
       <p:sp>
         <p:nvSpPr>
-          <p:cNvPr id="81" name="TextBox 80">
-            <a:extLst>
-              <a:ext uri="{FF2B5EF4-FFF2-40B4-BE49-F238E27FC236}">
-                <a16:creationId xmlns:a16="http://schemas.microsoft.com/office/drawing/2014/main" id="{28BFF54E-BDA3-4695-BF83-AEC31EEE6072}"/>
+          <p:cNvPr id="42" name="TextBox 41">
+            <a:extLst>
+              <a:ext uri="{FF2B5EF4-FFF2-40B4-BE49-F238E27FC236}">
+                <a16:creationId xmlns:a16="http://schemas.microsoft.com/office/drawing/2014/main" id="{00BE1D2C-AB87-43EC-ADA2-11FA6D237F86}"/>
               </a:ext>
             </a:extLst>
           </p:cNvPr>
@@ -8225,8 +8094,79 @@
         </p:nvSpPr>
         <p:spPr>
           <a:xfrm>
-            <a:off x="583058" y="5179016"/>
-            <a:ext cx="1180131" cy="246221"/>
+            <a:off x="6400981" y="4771870"/>
+            <a:ext cx="2580072" cy="610616"/>
+          </a:xfrm>
+          <a:prstGeom prst="rect">
+            <a:avLst/>
+          </a:prstGeom>
+          <a:noFill/>
+        </p:spPr>
+        <p:txBody>
+          <a:bodyPr wrap="square" rtlCol="0">
+            <a:spAutoFit/>
+          </a:bodyPr>
+          <a:lstStyle/>
+          <a:p>
+            <a:pPr>
+              <a:lnSpc>
+                <a:spcPct val="150000"/>
+              </a:lnSpc>
+            </a:pPr>
+            <a:r>
+              <a:rPr lang="en-US" altLang="ko-KR" sz="1200" dirty="0">
+                <a:latin typeface="맑은 고딕" panose="02000403000000020004" pitchFamily="50" charset="-127"/>
+                <a:ea typeface="맑은 고딕" panose="02000403000000020004" pitchFamily="50" charset="-127"/>
+              </a:rPr>
+              <a:t>Service</a:t>
+            </a:r>
+            <a:r>
+              <a:rPr lang="ko-KR" altLang="en-US" sz="1200" dirty="0">
+                <a:latin typeface="맑은 고딕" panose="02000403000000020004" pitchFamily="50" charset="-127"/>
+                <a:ea typeface="맑은 고딕" panose="02000403000000020004" pitchFamily="50" charset="-127"/>
+              </a:rPr>
+              <a:t>의 </a:t>
+            </a:r>
+            <a:r>
+              <a:rPr lang="en-US" altLang="ko-KR" sz="1200" dirty="0">
+                <a:latin typeface="맑은 고딕" panose="02000403000000020004" pitchFamily="50" charset="-127"/>
+                <a:ea typeface="맑은 고딕" panose="02000403000000020004" pitchFamily="50" charset="-127"/>
+              </a:rPr>
+              <a:t>selector</a:t>
+            </a:r>
+            <a:r>
+              <a:rPr lang="ko-KR" altLang="en-US" sz="1200" dirty="0">
+                <a:latin typeface="맑은 고딕" panose="02000403000000020004" pitchFamily="50" charset="-127"/>
+                <a:ea typeface="맑은 고딕" panose="02000403000000020004" pitchFamily="50" charset="-127"/>
+              </a:rPr>
+              <a:t>에 오타를 수정해야 정상 접속 가능하다</a:t>
+            </a:r>
+            <a:r>
+              <a:rPr lang="en-US" altLang="ko-KR" sz="1200" dirty="0">
+                <a:latin typeface="맑은 고딕" panose="02000403000000020004" pitchFamily="50" charset="-127"/>
+                <a:ea typeface="맑은 고딕" panose="02000403000000020004" pitchFamily="50" charset="-127"/>
+              </a:rPr>
+              <a:t>.</a:t>
+            </a:r>
+          </a:p>
+        </p:txBody>
+      </p:sp>
+      <p:sp>
+        <p:nvSpPr>
+          <p:cNvPr id="54" name="TextBox 53">
+            <a:extLst>
+              <a:ext uri="{FF2B5EF4-FFF2-40B4-BE49-F238E27FC236}">
+                <a16:creationId xmlns:a16="http://schemas.microsoft.com/office/drawing/2014/main" id="{C6F2D623-9E91-4B4F-80E8-6C71AB33384B}"/>
+              </a:ext>
+            </a:extLst>
+          </p:cNvPr>
+          <p:cNvSpPr txBox="1"/>
+          <p:nvPr/>
+        </p:nvSpPr>
+        <p:spPr>
+          <a:xfrm>
+            <a:off x="6400981" y="4394138"/>
+            <a:ext cx="1156086" cy="377732"/>
           </a:xfrm>
           <a:prstGeom prst="rect">
             <a:avLst/>
@@ -8239,110 +8179,18 @@
           </a:bodyPr>
           <a:lstStyle/>
           <a:p>
-            <a:pPr marL="108000" indent="-108000">
-              <a:buFont typeface="Arial" panose="020B0604020202020204" pitchFamily="34" charset="0"/>
-              <a:buChar char="•"/>
+            <a:pPr>
+              <a:lnSpc>
+                <a:spcPct val="150000"/>
+              </a:lnSpc>
             </a:pPr>
             <a:r>
-              <a:rPr lang="en-US" altLang="ko-KR" sz="1000">
-                <a:latin typeface="맑은 고딕" panose="02000403000000020004" pitchFamily="50" charset="-127"/>
-                <a:ea typeface="맑은 고딕" panose="02000403000000020004" pitchFamily="50" charset="-127"/>
-              </a:rPr>
-              <a:t>IP: 192.168.0.10</a:t>
-            </a:r>
-            <a:endParaRPr lang="ko-KR" altLang="en-US" sz="1000">
-              <a:latin typeface="맑은 고딕" panose="02000403000000020004" pitchFamily="50" charset="-127"/>
-              <a:ea typeface="맑은 고딕" panose="02000403000000020004" pitchFamily="50" charset="-127"/>
-            </a:endParaRPr>
-          </a:p>
-        </p:txBody>
-      </p:sp>
-      <p:sp>
-        <p:nvSpPr>
-          <p:cNvPr id="82" name="TextBox 81">
-            <a:extLst>
-              <a:ext uri="{FF2B5EF4-FFF2-40B4-BE49-F238E27FC236}">
-                <a16:creationId xmlns:a16="http://schemas.microsoft.com/office/drawing/2014/main" id="{76CACA48-94BC-41FD-B00D-F26F1D22A6CD}"/>
-              </a:ext>
-            </a:extLst>
-          </p:cNvPr>
-          <p:cNvSpPr txBox="1"/>
-          <p:nvPr/>
-        </p:nvSpPr>
-        <p:spPr>
-          <a:xfrm>
-            <a:off x="2081060" y="5179016"/>
-            <a:ext cx="1200970" cy="246221"/>
-          </a:xfrm>
-          <a:prstGeom prst="rect">
-            <a:avLst/>
-          </a:prstGeom>
-          <a:noFill/>
-        </p:spPr>
-        <p:txBody>
-          <a:bodyPr wrap="none" rtlCol="0">
-            <a:spAutoFit/>
-          </a:bodyPr>
-          <a:lstStyle/>
-          <a:p>
-            <a:pPr marL="108000" indent="-108000">
-              <a:buFont typeface="Arial" panose="020B0604020202020204" pitchFamily="34" charset="0"/>
-              <a:buChar char="•"/>
-            </a:pPr>
-            <a:r>
-              <a:rPr lang="en-US" altLang="ko-KR" sz="1000">
-                <a:latin typeface="맑은 고딕" panose="02000403000000020004" pitchFamily="50" charset="-127"/>
-                <a:ea typeface="맑은 고딕" panose="02000403000000020004" pitchFamily="50" charset="-127"/>
-              </a:rPr>
-              <a:t>IP: 192.168.0.20</a:t>
-            </a:r>
-            <a:endParaRPr lang="ko-KR" altLang="en-US" sz="1000">
-              <a:latin typeface="맑은 고딕" panose="02000403000000020004" pitchFamily="50" charset="-127"/>
-              <a:ea typeface="맑은 고딕" panose="02000403000000020004" pitchFamily="50" charset="-127"/>
-            </a:endParaRPr>
-          </a:p>
-        </p:txBody>
-      </p:sp>
-      <p:sp>
-        <p:nvSpPr>
-          <p:cNvPr id="83" name="TextBox 82">
-            <a:extLst>
-              <a:ext uri="{FF2B5EF4-FFF2-40B4-BE49-F238E27FC236}">
-                <a16:creationId xmlns:a16="http://schemas.microsoft.com/office/drawing/2014/main" id="{56B91BD1-86FA-47E2-B2FE-3FE3A77406F7}"/>
-              </a:ext>
-            </a:extLst>
-          </p:cNvPr>
-          <p:cNvSpPr txBox="1"/>
-          <p:nvPr/>
-        </p:nvSpPr>
-        <p:spPr>
-          <a:xfrm>
-            <a:off x="3605949" y="5179016"/>
-            <a:ext cx="1204176" cy="246221"/>
-          </a:xfrm>
-          <a:prstGeom prst="rect">
-            <a:avLst/>
-          </a:prstGeom>
-          <a:noFill/>
-        </p:spPr>
-        <p:txBody>
-          <a:bodyPr wrap="none" rtlCol="0">
-            <a:spAutoFit/>
-          </a:bodyPr>
-          <a:lstStyle/>
-          <a:p>
-            <a:pPr marL="108000" indent="-108000">
-              <a:buFont typeface="Arial" panose="020B0604020202020204" pitchFamily="34" charset="0"/>
-              <a:buChar char="•"/>
-            </a:pPr>
-            <a:r>
-              <a:rPr lang="en-US" altLang="ko-KR" sz="1000">
-                <a:latin typeface="맑은 고딕" panose="02000403000000020004" pitchFamily="50" charset="-127"/>
-                <a:ea typeface="맑은 고딕" panose="02000403000000020004" pitchFamily="50" charset="-127"/>
-              </a:rPr>
-              <a:t>IP: 192.168.0.30</a:t>
-            </a:r>
-            <a:endParaRPr lang="ko-KR" altLang="en-US" sz="1000">
+              <a:rPr lang="ko-KR" altLang="en-US" sz="1400" b="1" dirty="0">
+                <a:latin typeface="맑은 고딕" panose="02000403000000020004" pitchFamily="50" charset="-127"/>
+              </a:rPr>
+              <a:t>📣 유의 사항</a:t>
+            </a:r>
+            <a:endParaRPr lang="ko-KR" altLang="en-US" sz="1200" dirty="0">
               <a:latin typeface="맑은 고딕" panose="02000403000000020004" pitchFamily="50" charset="-127"/>
               <a:ea typeface="맑은 고딕" panose="02000403000000020004" pitchFamily="50" charset="-127"/>
             </a:endParaRPr>
@@ -9440,144 +9288,6 @@
           </a:p>
         </p:txBody>
       </p:sp>
-      <p:sp>
-        <p:nvSpPr>
-          <p:cNvPr id="73" name="TextBox 72">
-            <a:extLst>
-              <a:ext uri="{FF2B5EF4-FFF2-40B4-BE49-F238E27FC236}">
-                <a16:creationId xmlns:a16="http://schemas.microsoft.com/office/drawing/2014/main" id="{5A13110E-5F11-4FBE-9E3F-4C3EEAD591AD}"/>
-              </a:ext>
-            </a:extLst>
-          </p:cNvPr>
-          <p:cNvSpPr txBox="1"/>
-          <p:nvPr/>
-        </p:nvSpPr>
-        <p:spPr>
-          <a:xfrm>
-            <a:off x="652044" y="5185694"/>
-            <a:ext cx="1180131" cy="246221"/>
-          </a:xfrm>
-          <a:prstGeom prst="rect">
-            <a:avLst/>
-          </a:prstGeom>
-          <a:noFill/>
-        </p:spPr>
-        <p:txBody>
-          <a:bodyPr wrap="none" rtlCol="0">
-            <a:spAutoFit/>
-          </a:bodyPr>
-          <a:lstStyle/>
-          <a:p>
-            <a:pPr marL="108000" indent="-108000">
-              <a:buFont typeface="Arial" panose="020B0604020202020204" pitchFamily="34" charset="0"/>
-              <a:buChar char="•"/>
-            </a:pPr>
-            <a:r>
-              <a:rPr lang="en-US" altLang="ko-KR" sz="1000">
-                <a:latin typeface="맑은 고딕" panose="02000403000000020004" pitchFamily="50" charset="-127"/>
-                <a:ea typeface="맑은 고딕" panose="02000403000000020004" pitchFamily="50" charset="-127"/>
-              </a:rPr>
-              <a:t>IP: 192.168.0.10</a:t>
-            </a:r>
-            <a:endParaRPr lang="ko-KR" altLang="en-US" sz="1000">
-              <a:latin typeface="맑은 고딕" panose="02000403000000020004" pitchFamily="50" charset="-127"/>
-              <a:ea typeface="맑은 고딕" panose="02000403000000020004" pitchFamily="50" charset="-127"/>
-            </a:endParaRPr>
-          </a:p>
-        </p:txBody>
-      </p:sp>
-      <p:sp>
-        <p:nvSpPr>
-          <p:cNvPr id="74" name="TextBox 73">
-            <a:extLst>
-              <a:ext uri="{FF2B5EF4-FFF2-40B4-BE49-F238E27FC236}">
-                <a16:creationId xmlns:a16="http://schemas.microsoft.com/office/drawing/2014/main" id="{8A925724-406A-4BE3-AC10-26FAA9D7DD8E}"/>
-              </a:ext>
-            </a:extLst>
-          </p:cNvPr>
-          <p:cNvSpPr txBox="1"/>
-          <p:nvPr/>
-        </p:nvSpPr>
-        <p:spPr>
-          <a:xfrm>
-            <a:off x="2150046" y="5185694"/>
-            <a:ext cx="1200970" cy="246221"/>
-          </a:xfrm>
-          <a:prstGeom prst="rect">
-            <a:avLst/>
-          </a:prstGeom>
-          <a:noFill/>
-        </p:spPr>
-        <p:txBody>
-          <a:bodyPr wrap="none" rtlCol="0">
-            <a:spAutoFit/>
-          </a:bodyPr>
-          <a:lstStyle/>
-          <a:p>
-            <a:pPr marL="108000" indent="-108000">
-              <a:buFont typeface="Arial" panose="020B0604020202020204" pitchFamily="34" charset="0"/>
-              <a:buChar char="•"/>
-            </a:pPr>
-            <a:r>
-              <a:rPr lang="en-US" altLang="ko-KR" sz="1000">
-                <a:latin typeface="맑은 고딕" panose="02000403000000020004" pitchFamily="50" charset="-127"/>
-                <a:ea typeface="맑은 고딕" panose="02000403000000020004" pitchFamily="50" charset="-127"/>
-              </a:rPr>
-              <a:t>IP: 192.168.0.20</a:t>
-            </a:r>
-            <a:endParaRPr lang="ko-KR" altLang="en-US" sz="1000">
-              <a:latin typeface="맑은 고딕" panose="02000403000000020004" pitchFamily="50" charset="-127"/>
-              <a:ea typeface="맑은 고딕" panose="02000403000000020004" pitchFamily="50" charset="-127"/>
-            </a:endParaRPr>
-          </a:p>
-        </p:txBody>
-      </p:sp>
-      <p:sp>
-        <p:nvSpPr>
-          <p:cNvPr id="75" name="TextBox 74">
-            <a:extLst>
-              <a:ext uri="{FF2B5EF4-FFF2-40B4-BE49-F238E27FC236}">
-                <a16:creationId xmlns:a16="http://schemas.microsoft.com/office/drawing/2014/main" id="{B9EB4CE9-B6F2-4884-8AAD-B8DE5F1C11EC}"/>
-              </a:ext>
-            </a:extLst>
-          </p:cNvPr>
-          <p:cNvSpPr txBox="1"/>
-          <p:nvPr/>
-        </p:nvSpPr>
-        <p:spPr>
-          <a:xfrm>
-            <a:off x="3655159" y="5185694"/>
-            <a:ext cx="1204176" cy="246221"/>
-          </a:xfrm>
-          <a:prstGeom prst="rect">
-            <a:avLst/>
-          </a:prstGeom>
-          <a:noFill/>
-        </p:spPr>
-        <p:txBody>
-          <a:bodyPr wrap="none" rtlCol="0">
-            <a:spAutoFit/>
-          </a:bodyPr>
-          <a:lstStyle/>
-          <a:p>
-            <a:pPr marL="108000" indent="-108000">
-              <a:buFont typeface="Arial" panose="020B0604020202020204" pitchFamily="34" charset="0"/>
-              <a:buChar char="•"/>
-            </a:pPr>
-            <a:r>
-              <a:rPr lang="en-US" altLang="ko-KR" sz="1000">
-                <a:latin typeface="맑은 고딕" panose="02000403000000020004" pitchFamily="50" charset="-127"/>
-                <a:ea typeface="맑은 고딕" panose="02000403000000020004" pitchFamily="50" charset="-127"/>
-              </a:rPr>
-              <a:t>IP: 192.168.0.30</a:t>
-            </a:r>
-            <a:endParaRPr lang="ko-KR" altLang="en-US" sz="1000">
-              <a:latin typeface="맑은 고딕" panose="02000403000000020004" pitchFamily="50" charset="-127"/>
-              <a:ea typeface="맑은 고딕" panose="02000403000000020004" pitchFamily="50" charset="-127"/>
-            </a:endParaRPr>
-          </a:p>
-        </p:txBody>
-      </p:sp>
       <p:pic>
         <p:nvPicPr>
           <p:cNvPr id="40" name="Picture 4" descr="pod1">
@@ -9941,52 +9651,6 @@
               <a:t>192.168.0.40</a:t>
             </a:r>
             <a:endParaRPr lang="ko-KR" altLang="en-US" sz="1000" dirty="0">
-              <a:latin typeface="맑은 고딕" panose="02000403000000020004" pitchFamily="50" charset="-127"/>
-              <a:ea typeface="맑은 고딕" panose="02000403000000020004" pitchFamily="50" charset="-127"/>
-            </a:endParaRPr>
-          </a:p>
-        </p:txBody>
-      </p:sp>
-      <p:sp>
-        <p:nvSpPr>
-          <p:cNvPr id="57" name="TextBox 56">
-            <a:extLst>
-              <a:ext uri="{FF2B5EF4-FFF2-40B4-BE49-F238E27FC236}">
-                <a16:creationId xmlns:a16="http://schemas.microsoft.com/office/drawing/2014/main" id="{061BE4F7-E51E-4D51-97B9-71DC809068DF}"/>
-              </a:ext>
-            </a:extLst>
-          </p:cNvPr>
-          <p:cNvSpPr txBox="1"/>
-          <p:nvPr/>
-        </p:nvSpPr>
-        <p:spPr>
-          <a:xfrm>
-            <a:off x="5211964" y="5185694"/>
-            <a:ext cx="1204176" cy="246221"/>
-          </a:xfrm>
-          <a:prstGeom prst="rect">
-            <a:avLst/>
-          </a:prstGeom>
-          <a:noFill/>
-        </p:spPr>
-        <p:txBody>
-          <a:bodyPr wrap="none" rtlCol="0">
-            <a:spAutoFit/>
-          </a:bodyPr>
-          <a:lstStyle/>
-          <a:p>
-            <a:pPr marL="108000" indent="-108000">
-              <a:buFont typeface="Arial" panose="020B0604020202020204" pitchFamily="34" charset="0"/>
-              <a:buChar char="•"/>
-            </a:pPr>
-            <a:r>
-              <a:rPr lang="en-US" altLang="ko-KR" sz="1000">
-                <a:latin typeface="맑은 고딕" panose="02000403000000020004" pitchFamily="50" charset="-127"/>
-                <a:ea typeface="맑은 고딕" panose="02000403000000020004" pitchFamily="50" charset="-127"/>
-              </a:rPr>
-              <a:t>IP: 192.168.0.40</a:t>
-            </a:r>
-            <a:endParaRPr lang="ko-KR" altLang="en-US" sz="1000">
               <a:latin typeface="맑은 고딕" panose="02000403000000020004" pitchFamily="50" charset="-127"/>
               <a:ea typeface="맑은 고딕" panose="02000403000000020004" pitchFamily="50" charset="-127"/>
             </a:endParaRPr>
@@ -27452,7 +27116,7 @@
         </p:nvSpPr>
         <p:spPr>
           <a:xfrm>
-            <a:off x="652044" y="4957832"/>
+            <a:off x="652044" y="5041816"/>
             <a:ext cx="4158081" cy="167968"/>
           </a:xfrm>
           <a:prstGeom prst="rect">
@@ -27485,12 +27149,9 @@
           <a:p>
             <a:pPr algn="ctr"/>
             <a:r>
-              <a:rPr lang="en-US" altLang="ko-KR" sz="1000">
+              <a:rPr lang="en-US" altLang="ko-KR" sz="1000" dirty="0">
                 <a:solidFill>
-                  <a:schemeClr val="tx1">
-                    <a:lumMod val="75000"/>
-                    <a:lumOff val="25000"/>
-                  </a:schemeClr>
+                  <a:schemeClr val="bg1"/>
                 </a:solidFill>
                 <a:latin typeface="맑은 고딕" panose="02000403000000020004" pitchFamily="50" charset="-127"/>
                 <a:ea typeface="맑은 고딕" panose="02000403000000020004" pitchFamily="50" charset="-127"/>
@@ -27498,47 +27159,62 @@
               <a:t>Service  </a:t>
             </a:r>
             <a:r>
-              <a:rPr lang="en-US" altLang="ko-KR" sz="800">
+              <a:rPr lang="en-US" altLang="ko-KR" sz="800" dirty="0">
                 <a:solidFill>
-                  <a:schemeClr val="tx1">
-                    <a:lumMod val="75000"/>
-                    <a:lumOff val="25000"/>
-                  </a:schemeClr>
+                  <a:schemeClr val="bg1"/>
                 </a:solidFill>
                 <a:latin typeface="맑은 고딕" panose="02000403000000020004" pitchFamily="50" charset="-127"/>
               </a:rPr>
-              <a:t>service/imaginary-np   NodePort   x.x.x.x</a:t>
-            </a:r>
-            <a:r>
-              <a:rPr lang="ko-KR" altLang="en-US" sz="800">
+              <a:t>service/imaginary-np   </a:t>
+            </a:r>
+            <a:r>
+              <a:rPr lang="en-US" altLang="ko-KR" sz="800" dirty="0" err="1">
                 <a:solidFill>
-                  <a:schemeClr val="tx1">
-                    <a:lumMod val="75000"/>
-                    <a:lumOff val="25000"/>
-                  </a:schemeClr>
+                  <a:schemeClr val="bg1"/>
                 </a:solidFill>
                 <a:latin typeface="맑은 고딕" panose="02000403000000020004" pitchFamily="50" charset="-127"/>
               </a:rPr>
+              <a:t>NodePort</a:t>
+            </a:r>
+            <a:r>
+              <a:rPr lang="en-US" altLang="ko-KR" sz="800" dirty="0">
+                <a:solidFill>
+                  <a:schemeClr val="bg1"/>
+                </a:solidFill>
+                <a:latin typeface="맑은 고딕" panose="02000403000000020004" pitchFamily="50" charset="-127"/>
+              </a:rPr>
+              <a:t>   </a:t>
+            </a:r>
+            <a:r>
+              <a:rPr lang="en-US" altLang="ko-KR" sz="800" dirty="0" err="1">
+                <a:solidFill>
+                  <a:schemeClr val="bg1"/>
+                </a:solidFill>
+                <a:latin typeface="맑은 고딕" panose="02000403000000020004" pitchFamily="50" charset="-127"/>
+              </a:rPr>
+              <a:t>x.x.x.x</a:t>
+            </a:r>
+            <a:r>
+              <a:rPr lang="ko-KR" altLang="en-US" sz="800" dirty="0">
+                <a:solidFill>
+                  <a:schemeClr val="bg1"/>
+                </a:solidFill>
+                <a:latin typeface="맑은 고딕" panose="02000403000000020004" pitchFamily="50" charset="-127"/>
+              </a:rPr>
               <a:t> </a:t>
             </a:r>
             <a:r>
-              <a:rPr lang="en-US" altLang="ko-KR" sz="800">
+              <a:rPr lang="en-US" altLang="ko-KR" sz="800" dirty="0">
                 <a:solidFill>
-                  <a:schemeClr val="tx1">
-                    <a:lumMod val="75000"/>
-                    <a:lumOff val="25000"/>
-                  </a:schemeClr>
+                  <a:schemeClr val="bg1"/>
                 </a:solidFill>
                 <a:latin typeface="맑은 고딕" panose="02000403000000020004" pitchFamily="50" charset="-127"/>
               </a:rPr>
               <a:t>  9000:30000/TCP</a:t>
             </a:r>
-            <a:endParaRPr lang="ko-KR" altLang="en-US" sz="1000">
+            <a:endParaRPr lang="ko-KR" altLang="en-US" sz="1000" dirty="0">
               <a:solidFill>
-                <a:schemeClr val="tx1">
-                  <a:lumMod val="75000"/>
-                  <a:lumOff val="25000"/>
-                </a:schemeClr>
+                <a:schemeClr val="bg1"/>
               </a:solidFill>
               <a:latin typeface="맑은 고딕" panose="02000403000000020004" pitchFamily="50" charset="-127"/>
               <a:ea typeface="맑은 고딕" panose="02000403000000020004" pitchFamily="50" charset="-127"/>
@@ -27725,7 +27401,7 @@
         </p:nvSpPr>
         <p:spPr>
           <a:xfrm>
-            <a:off x="652044" y="4717873"/>
+            <a:off x="652044" y="4801857"/>
             <a:ext cx="4158081" cy="167968"/>
           </a:xfrm>
           <a:prstGeom prst="rect">
@@ -27758,7 +27434,7 @@
           <a:p>
             <a:pPr algn="ctr"/>
             <a:r>
-              <a:rPr lang="en-US" altLang="ko-KR" sz="1000">
+              <a:rPr lang="en-US" altLang="ko-KR" sz="1000" dirty="0">
                 <a:solidFill>
                   <a:schemeClr val="tx1">
                     <a:lumMod val="75000"/>
@@ -27771,7 +27447,7 @@
               <a:t>HPA  </a:t>
             </a:r>
             <a:r>
-              <a:rPr lang="en-US" altLang="ko-KR" sz="800">
+              <a:rPr lang="en-US" altLang="ko-KR" sz="800" dirty="0">
                 <a:solidFill>
                   <a:schemeClr val="tx1">
                     <a:lumMod val="75000"/>
@@ -27783,7 +27459,7 @@
               <a:t>CPU &gt;= 80%, 1~10</a:t>
             </a:r>
             <a:r>
-              <a:rPr lang="ko-KR" altLang="en-US" sz="800">
+              <a:rPr lang="ko-KR" altLang="en-US" sz="800" dirty="0">
                 <a:solidFill>
                   <a:schemeClr val="tx1">
                     <a:lumMod val="75000"/>
@@ -27794,7 +27470,7 @@
               </a:rPr>
               <a:t>개</a:t>
             </a:r>
-            <a:endParaRPr lang="ko-KR" altLang="en-US" sz="1000">
+            <a:endParaRPr lang="ko-KR" altLang="en-US" sz="1000" dirty="0">
               <a:solidFill>
                 <a:schemeClr val="tx1">
                   <a:lumMod val="75000"/>
@@ -28375,144 +28051,6 @@
               <a:t>📣 유의 사항</a:t>
             </a:r>
             <a:endParaRPr lang="ko-KR" altLang="en-US" sz="1200">
-              <a:latin typeface="맑은 고딕" panose="02000403000000020004" pitchFamily="50" charset="-127"/>
-              <a:ea typeface="맑은 고딕" panose="02000403000000020004" pitchFamily="50" charset="-127"/>
-            </a:endParaRPr>
-          </a:p>
-        </p:txBody>
-      </p:sp>
-      <p:sp>
-        <p:nvSpPr>
-          <p:cNvPr id="67" name="TextBox 66">
-            <a:extLst>
-              <a:ext uri="{FF2B5EF4-FFF2-40B4-BE49-F238E27FC236}">
-                <a16:creationId xmlns:a16="http://schemas.microsoft.com/office/drawing/2014/main" id="{EBF22143-293A-484D-930C-E4AE2B573742}"/>
-              </a:ext>
-            </a:extLst>
-          </p:cNvPr>
-          <p:cNvSpPr txBox="1"/>
-          <p:nvPr/>
-        </p:nvSpPr>
-        <p:spPr>
-          <a:xfrm>
-            <a:off x="583058" y="5248918"/>
-            <a:ext cx="1180131" cy="246221"/>
-          </a:xfrm>
-          <a:prstGeom prst="rect">
-            <a:avLst/>
-          </a:prstGeom>
-          <a:noFill/>
-        </p:spPr>
-        <p:txBody>
-          <a:bodyPr wrap="none" rtlCol="0">
-            <a:spAutoFit/>
-          </a:bodyPr>
-          <a:lstStyle/>
-          <a:p>
-            <a:pPr marL="108000" indent="-108000">
-              <a:buFont typeface="Arial" panose="020B0604020202020204" pitchFamily="34" charset="0"/>
-              <a:buChar char="•"/>
-            </a:pPr>
-            <a:r>
-              <a:rPr lang="en-US" altLang="ko-KR" sz="1000">
-                <a:latin typeface="맑은 고딕" panose="02000403000000020004" pitchFamily="50" charset="-127"/>
-                <a:ea typeface="맑은 고딕" panose="02000403000000020004" pitchFamily="50" charset="-127"/>
-              </a:rPr>
-              <a:t>IP: 192.168.0.10</a:t>
-            </a:r>
-            <a:endParaRPr lang="ko-KR" altLang="en-US" sz="1000">
-              <a:latin typeface="맑은 고딕" panose="02000403000000020004" pitchFamily="50" charset="-127"/>
-              <a:ea typeface="맑은 고딕" panose="02000403000000020004" pitchFamily="50" charset="-127"/>
-            </a:endParaRPr>
-          </a:p>
-        </p:txBody>
-      </p:sp>
-      <p:sp>
-        <p:nvSpPr>
-          <p:cNvPr id="68" name="TextBox 67">
-            <a:extLst>
-              <a:ext uri="{FF2B5EF4-FFF2-40B4-BE49-F238E27FC236}">
-                <a16:creationId xmlns:a16="http://schemas.microsoft.com/office/drawing/2014/main" id="{F44F3804-6163-474D-A622-449BCC76CC92}"/>
-              </a:ext>
-            </a:extLst>
-          </p:cNvPr>
-          <p:cNvSpPr txBox="1"/>
-          <p:nvPr/>
-        </p:nvSpPr>
-        <p:spPr>
-          <a:xfrm>
-            <a:off x="2081060" y="5248918"/>
-            <a:ext cx="1200970" cy="246221"/>
-          </a:xfrm>
-          <a:prstGeom prst="rect">
-            <a:avLst/>
-          </a:prstGeom>
-          <a:noFill/>
-        </p:spPr>
-        <p:txBody>
-          <a:bodyPr wrap="none" rtlCol="0">
-            <a:spAutoFit/>
-          </a:bodyPr>
-          <a:lstStyle/>
-          <a:p>
-            <a:pPr marL="108000" indent="-108000">
-              <a:buFont typeface="Arial" panose="020B0604020202020204" pitchFamily="34" charset="0"/>
-              <a:buChar char="•"/>
-            </a:pPr>
-            <a:r>
-              <a:rPr lang="en-US" altLang="ko-KR" sz="1000">
-                <a:latin typeface="맑은 고딕" panose="02000403000000020004" pitchFamily="50" charset="-127"/>
-                <a:ea typeface="맑은 고딕" panose="02000403000000020004" pitchFamily="50" charset="-127"/>
-              </a:rPr>
-              <a:t>IP: 192.168.0.20</a:t>
-            </a:r>
-            <a:endParaRPr lang="ko-KR" altLang="en-US" sz="1000">
-              <a:latin typeface="맑은 고딕" panose="02000403000000020004" pitchFamily="50" charset="-127"/>
-              <a:ea typeface="맑은 고딕" panose="02000403000000020004" pitchFamily="50" charset="-127"/>
-            </a:endParaRPr>
-          </a:p>
-        </p:txBody>
-      </p:sp>
-      <p:sp>
-        <p:nvSpPr>
-          <p:cNvPr id="70" name="TextBox 69">
-            <a:extLst>
-              <a:ext uri="{FF2B5EF4-FFF2-40B4-BE49-F238E27FC236}">
-                <a16:creationId xmlns:a16="http://schemas.microsoft.com/office/drawing/2014/main" id="{DB61B547-7ED8-44C2-8EAE-7F385C9FF523}"/>
-              </a:ext>
-            </a:extLst>
-          </p:cNvPr>
-          <p:cNvSpPr txBox="1"/>
-          <p:nvPr/>
-        </p:nvSpPr>
-        <p:spPr>
-          <a:xfrm>
-            <a:off x="3605949" y="5248918"/>
-            <a:ext cx="1204176" cy="246221"/>
-          </a:xfrm>
-          <a:prstGeom prst="rect">
-            <a:avLst/>
-          </a:prstGeom>
-          <a:noFill/>
-        </p:spPr>
-        <p:txBody>
-          <a:bodyPr wrap="none" rtlCol="0">
-            <a:spAutoFit/>
-          </a:bodyPr>
-          <a:lstStyle/>
-          <a:p>
-            <a:pPr marL="108000" indent="-108000">
-              <a:buFont typeface="Arial" panose="020B0604020202020204" pitchFamily="34" charset="0"/>
-              <a:buChar char="•"/>
-            </a:pPr>
-            <a:r>
-              <a:rPr lang="en-US" altLang="ko-KR" sz="1000">
-                <a:latin typeface="맑은 고딕" panose="02000403000000020004" pitchFamily="50" charset="-127"/>
-                <a:ea typeface="맑은 고딕" panose="02000403000000020004" pitchFamily="50" charset="-127"/>
-              </a:rPr>
-              <a:t>IP: 192.168.0.30</a:t>
-            </a:r>
-            <a:endParaRPr lang="ko-KR" altLang="en-US" sz="1000">
               <a:latin typeface="맑은 고딕" panose="02000403000000020004" pitchFamily="50" charset="-127"/>
               <a:ea typeface="맑은 고딕" panose="02000403000000020004" pitchFamily="50" charset="-127"/>
             </a:endParaRPr>

--- a/k8s practice.pptx
+++ b/k8s practice.pptx
@@ -209,7 +209,7 @@
           <a:p>
             <a:fld id="{AAC35182-80B8-4A55-8227-A83156A249BB}" type="datetimeFigureOut">
               <a:rPr lang="ko-KR" altLang="en-US" smtClean="0"/>
-              <a:t>2022-08-03</a:t>
+              <a:t>2022-08-04</a:t>
             </a:fld>
             <a:endParaRPr lang="ko-KR" altLang="en-US"/>
           </a:p>
@@ -607,7 +607,7 @@
           <a:p>
             <a:fld id="{4FB3F101-53C3-4B54-BD28-30F7B7E72CB2}" type="datetime1">
               <a:rPr lang="ko-KR" altLang="en-US" smtClean="0"/>
-              <a:t>2022-08-03</a:t>
+              <a:t>2022-08-04</a:t>
             </a:fld>
             <a:endParaRPr lang="ko-KR" altLang="en-US"/>
           </a:p>
@@ -791,7 +791,7 @@
           <a:p>
             <a:fld id="{27E8263C-5973-4535-B0CA-9585BFF56192}" type="datetime1">
               <a:rPr lang="ko-KR" altLang="en-US" smtClean="0"/>
-              <a:t>2022-08-03</a:t>
+              <a:t>2022-08-04</a:t>
             </a:fld>
             <a:endParaRPr lang="ko-KR" altLang="en-US"/>
           </a:p>
@@ -971,7 +971,7 @@
           <a:p>
             <a:fld id="{AA51E4E3-75D9-4B98-AE41-882A49AFE0F5}" type="datetime1">
               <a:rPr lang="ko-KR" altLang="en-US" smtClean="0"/>
-              <a:t>2022-08-03</a:t>
+              <a:t>2022-08-04</a:t>
             </a:fld>
             <a:endParaRPr lang="ko-KR" altLang="en-US"/>
           </a:p>
@@ -1141,7 +1141,7 @@
           <a:p>
             <a:fld id="{4049B1A8-07DC-47FB-AE48-657BFD66889D}" type="datetime1">
               <a:rPr lang="ko-KR" altLang="en-US" smtClean="0"/>
-              <a:t>2022-08-03</a:t>
+              <a:t>2022-08-04</a:t>
             </a:fld>
             <a:endParaRPr lang="ko-KR" altLang="en-US"/>
           </a:p>
@@ -1385,7 +1385,7 @@
           <a:p>
             <a:fld id="{71D54BA1-A9BA-4F9A-8277-7BFEBA3925B3}" type="datetime1">
               <a:rPr lang="ko-KR" altLang="en-US" smtClean="0"/>
-              <a:t>2022-08-03</a:t>
+              <a:t>2022-08-04</a:t>
             </a:fld>
             <a:endParaRPr lang="ko-KR" altLang="en-US"/>
           </a:p>
@@ -1617,7 +1617,7 @@
           <a:p>
             <a:fld id="{476A90ED-5C57-48D8-AA4A-D1D0CF037C43}" type="datetime1">
               <a:rPr lang="ko-KR" altLang="en-US" smtClean="0"/>
-              <a:t>2022-08-03</a:t>
+              <a:t>2022-08-04</a:t>
             </a:fld>
             <a:endParaRPr lang="ko-KR" altLang="en-US"/>
           </a:p>
@@ -1984,7 +1984,7 @@
           <a:p>
             <a:fld id="{629BD04B-A934-4F94-ABBE-E9DBCBE4745D}" type="datetime1">
               <a:rPr lang="ko-KR" altLang="en-US" smtClean="0"/>
-              <a:t>2022-08-03</a:t>
+              <a:t>2022-08-04</a:t>
             </a:fld>
             <a:endParaRPr lang="ko-KR" altLang="en-US"/>
           </a:p>
@@ -2102,7 +2102,7 @@
           <a:p>
             <a:fld id="{B5376FE3-B12B-4494-9FB0-20B759B39233}" type="datetime1">
               <a:rPr lang="ko-KR" altLang="en-US" smtClean="0"/>
-              <a:t>2022-08-03</a:t>
+              <a:t>2022-08-04</a:t>
             </a:fld>
             <a:endParaRPr lang="ko-KR" altLang="en-US"/>
           </a:p>
@@ -2461,7 +2461,7 @@
           <a:p>
             <a:fld id="{8D3A43ED-BE87-4156-93B6-1AA6F8EE87EA}" type="datetime1">
               <a:rPr lang="ko-KR" altLang="en-US" smtClean="0"/>
-              <a:t>2022-08-03</a:t>
+              <a:t>2022-08-04</a:t>
             </a:fld>
             <a:endParaRPr lang="ko-KR" altLang="en-US"/>
           </a:p>
@@ -2718,7 +2718,7 @@
           <a:p>
             <a:fld id="{553E934C-D1CE-402C-B70A-6CDDE585F508}" type="datetime1">
               <a:rPr lang="ko-KR" altLang="en-US" smtClean="0"/>
-              <a:t>2022-08-03</a:t>
+              <a:t>2022-08-04</a:t>
             </a:fld>
             <a:endParaRPr lang="ko-KR" altLang="en-US"/>
           </a:p>
@@ -2931,7 +2931,7 @@
           <a:p>
             <a:fld id="{09E5A2A5-F2A5-43D6-9171-C9945D8C3B6F}" type="datetime1">
               <a:rPr lang="ko-KR" altLang="en-US" smtClean="0"/>
-              <a:t>2022-08-03</a:t>
+              <a:t>2022-08-04</a:t>
             </a:fld>
             <a:endParaRPr lang="ko-KR" altLang="en-US"/>
           </a:p>
@@ -10582,7 +10582,7 @@
         <p:spPr>
           <a:xfrm>
             <a:off x="243281" y="268448"/>
-            <a:ext cx="3273653" cy="307777"/>
+            <a:ext cx="7325919" cy="307777"/>
           </a:xfrm>
           <a:prstGeom prst="rect">
             <a:avLst/>
@@ -10590,7 +10590,7 @@
           <a:noFill/>
         </p:spPr>
         <p:txBody>
-          <a:bodyPr wrap="none" rtlCol="0">
+          <a:bodyPr wrap="square" rtlCol="0">
             <a:spAutoFit/>
           </a:bodyPr>
           <a:lstStyle/>
@@ -10617,9 +10617,21 @@
               <a:rPr lang="ko-KR" altLang="en-US" sz="1400" b="1" dirty="0">
                 <a:latin typeface="맑은 고딕" panose="02000403000000020004" pitchFamily="50" charset="-127"/>
               </a:rPr>
-              <a:t>서비스 구성해보기</a:t>
+              <a:t>서비스 구성해보기 </a:t>
+            </a:r>
+            <a:r>
+              <a:rPr lang="en-US" altLang="ko-KR" sz="1400" b="1" dirty="0">
+                <a:solidFill>
+                  <a:schemeClr val="accent5"/>
+                </a:solidFill>
+                <a:latin typeface="맑은 고딕" panose="02000403000000020004" pitchFamily="50" charset="-127"/>
+              </a:rPr>
+              <a:t>http://wikijs.192.168.0.100.sslip.io</a:t>
             </a:r>
             <a:endParaRPr lang="ko-KR" altLang="en-US" sz="1400" b="1" dirty="0">
+              <a:solidFill>
+                <a:schemeClr val="accent5"/>
+              </a:solidFill>
               <a:latin typeface="맑은 고딕" panose="02000403000000020004" pitchFamily="50" charset="-127"/>
               <a:ea typeface="맑은 고딕" panose="02000403000000020004" pitchFamily="50" charset="-127"/>
             </a:endParaRPr>

--- a/k8s practice.pptx
+++ b/k8s practice.pptx
@@ -209,7 +209,7 @@
           <a:p>
             <a:fld id="{AAC35182-80B8-4A55-8227-A83156A249BB}" type="datetimeFigureOut">
               <a:rPr lang="ko-KR" altLang="en-US" smtClean="0"/>
-              <a:t>2022-08-04</a:t>
+              <a:t>2024-02-19</a:t>
             </a:fld>
             <a:endParaRPr lang="ko-KR" altLang="en-US"/>
           </a:p>
@@ -607,7 +607,7 @@
           <a:p>
             <a:fld id="{4FB3F101-53C3-4B54-BD28-30F7B7E72CB2}" type="datetime1">
               <a:rPr lang="ko-KR" altLang="en-US" smtClean="0"/>
-              <a:t>2022-08-04</a:t>
+              <a:t>2024-02-19</a:t>
             </a:fld>
             <a:endParaRPr lang="ko-KR" altLang="en-US"/>
           </a:p>
@@ -791,7 +791,7 @@
           <a:p>
             <a:fld id="{27E8263C-5973-4535-B0CA-9585BFF56192}" type="datetime1">
               <a:rPr lang="ko-KR" altLang="en-US" smtClean="0"/>
-              <a:t>2022-08-04</a:t>
+              <a:t>2024-02-19</a:t>
             </a:fld>
             <a:endParaRPr lang="ko-KR" altLang="en-US"/>
           </a:p>
@@ -971,7 +971,7 @@
           <a:p>
             <a:fld id="{AA51E4E3-75D9-4B98-AE41-882A49AFE0F5}" type="datetime1">
               <a:rPr lang="ko-KR" altLang="en-US" smtClean="0"/>
-              <a:t>2022-08-04</a:t>
+              <a:t>2024-02-19</a:t>
             </a:fld>
             <a:endParaRPr lang="ko-KR" altLang="en-US"/>
           </a:p>
@@ -1141,7 +1141,7 @@
           <a:p>
             <a:fld id="{4049B1A8-07DC-47FB-AE48-657BFD66889D}" type="datetime1">
               <a:rPr lang="ko-KR" altLang="en-US" smtClean="0"/>
-              <a:t>2022-08-04</a:t>
+              <a:t>2024-02-19</a:t>
             </a:fld>
             <a:endParaRPr lang="ko-KR" altLang="en-US"/>
           </a:p>
@@ -1385,7 +1385,7 @@
           <a:p>
             <a:fld id="{71D54BA1-A9BA-4F9A-8277-7BFEBA3925B3}" type="datetime1">
               <a:rPr lang="ko-KR" altLang="en-US" smtClean="0"/>
-              <a:t>2022-08-04</a:t>
+              <a:t>2024-02-19</a:t>
             </a:fld>
             <a:endParaRPr lang="ko-KR" altLang="en-US"/>
           </a:p>
@@ -1617,7 +1617,7 @@
           <a:p>
             <a:fld id="{476A90ED-5C57-48D8-AA4A-D1D0CF037C43}" type="datetime1">
               <a:rPr lang="ko-KR" altLang="en-US" smtClean="0"/>
-              <a:t>2022-08-04</a:t>
+              <a:t>2024-02-19</a:t>
             </a:fld>
             <a:endParaRPr lang="ko-KR" altLang="en-US"/>
           </a:p>
@@ -1984,7 +1984,7 @@
           <a:p>
             <a:fld id="{629BD04B-A934-4F94-ABBE-E9DBCBE4745D}" type="datetime1">
               <a:rPr lang="ko-KR" altLang="en-US" smtClean="0"/>
-              <a:t>2022-08-04</a:t>
+              <a:t>2024-02-19</a:t>
             </a:fld>
             <a:endParaRPr lang="ko-KR" altLang="en-US"/>
           </a:p>
@@ -2102,7 +2102,7 @@
           <a:p>
             <a:fld id="{B5376FE3-B12B-4494-9FB0-20B759B39233}" type="datetime1">
               <a:rPr lang="ko-KR" altLang="en-US" smtClean="0"/>
-              <a:t>2022-08-04</a:t>
+              <a:t>2024-02-19</a:t>
             </a:fld>
             <a:endParaRPr lang="ko-KR" altLang="en-US"/>
           </a:p>
@@ -2461,7 +2461,7 @@
           <a:p>
             <a:fld id="{8D3A43ED-BE87-4156-93B6-1AA6F8EE87EA}" type="datetime1">
               <a:rPr lang="ko-KR" altLang="en-US" smtClean="0"/>
-              <a:t>2022-08-04</a:t>
+              <a:t>2024-02-19</a:t>
             </a:fld>
             <a:endParaRPr lang="ko-KR" altLang="en-US"/>
           </a:p>
@@ -2718,7 +2718,7 @@
           <a:p>
             <a:fld id="{553E934C-D1CE-402C-B70A-6CDDE585F508}" type="datetime1">
               <a:rPr lang="ko-KR" altLang="en-US" smtClean="0"/>
-              <a:t>2022-08-04</a:t>
+              <a:t>2024-02-19</a:t>
             </a:fld>
             <a:endParaRPr lang="ko-KR" altLang="en-US"/>
           </a:p>
@@ -2931,7 +2931,7 @@
           <a:p>
             <a:fld id="{09E5A2A5-F2A5-43D6-9171-C9945D8C3B6F}" type="datetime1">
               <a:rPr lang="ko-KR" altLang="en-US" smtClean="0"/>
-              <a:t>2022-08-04</a:t>
+              <a:t>2024-02-19</a:t>
             </a:fld>
             <a:endParaRPr lang="ko-KR" altLang="en-US"/>
           </a:p>
@@ -3426,7 +3426,21 @@
                 <a:latin typeface="맑은 고딕" panose="02000403000000020004" pitchFamily="50" charset="-127"/>
                 <a:ea typeface="맑은 고딕" panose="02000403000000020004" pitchFamily="50" charset="-127"/>
               </a:rPr>
-              <a:t>할 수 있다는 도전의식을 높인다</a:t>
+              <a:t>할 수 </a:t>
+            </a:r>
+            <a:r>
+              <a:rPr lang="ko-KR" altLang="en-US" sz="1200">
+                <a:latin typeface="맑은 고딕" panose="02000403000000020004" pitchFamily="50" charset="-127"/>
+                <a:ea typeface="맑은 고딕" panose="02000403000000020004" pitchFamily="50" charset="-127"/>
+              </a:rPr>
+              <a:t>있다는 자신감을 </a:t>
+            </a:r>
+            <a:r>
+              <a:rPr lang="ko-KR" altLang="en-US" sz="1200" dirty="0">
+                <a:latin typeface="맑은 고딕" panose="02000403000000020004" pitchFamily="50" charset="-127"/>
+                <a:ea typeface="맑은 고딕" panose="02000403000000020004" pitchFamily="50" charset="-127"/>
+              </a:rPr>
+              <a:t>높인다</a:t>
             </a:r>
             <a:r>
               <a:rPr lang="en-US" altLang="ko-KR" sz="1200" dirty="0">
@@ -3479,7 +3493,7 @@
         <p:spPr>
           <a:xfrm>
             <a:off x="243281" y="1660887"/>
-            <a:ext cx="4281941" cy="3430106"/>
+            <a:ext cx="4850430" cy="3426772"/>
           </a:xfrm>
           <a:prstGeom prst="rect">
             <a:avLst/>
@@ -3799,7 +3813,14 @@
                 <a:latin typeface="맑은 고딕" panose="02000403000000020004" pitchFamily="50" charset="-127"/>
                 <a:ea typeface="맑은 고딕" panose="02000403000000020004" pitchFamily="50" charset="-127"/>
               </a:rPr>
-              <a:t>이미지 변환 오픈소스 제품 </a:t>
+              <a:t>이미지 변환 </a:t>
+            </a:r>
+            <a:r>
+              <a:rPr lang="ko-KR" altLang="en-US" sz="1200">
+                <a:latin typeface="맑은 고딕" panose="02000403000000020004" pitchFamily="50" charset="-127"/>
+                <a:ea typeface="맑은 고딕" panose="02000403000000020004" pitchFamily="50" charset="-127"/>
+              </a:rPr>
+              <a:t>오픈소스 패키지 </a:t>
             </a:r>
             <a:r>
               <a:rPr lang="en-US" altLang="ko-KR" sz="1200" dirty="0">

--- a/k8s practice.pptx
+++ b/k8s practice.pptx
@@ -209,7 +209,7 @@
           <a:p>
             <a:fld id="{AAC35182-80B8-4A55-8227-A83156A249BB}" type="datetimeFigureOut">
               <a:rPr lang="ko-KR" altLang="en-US" smtClean="0"/>
-              <a:t>2024-02-19</a:t>
+              <a:t>2024-03-05</a:t>
             </a:fld>
             <a:endParaRPr lang="ko-KR" altLang="en-US"/>
           </a:p>
@@ -607,7 +607,7 @@
           <a:p>
             <a:fld id="{4FB3F101-53C3-4B54-BD28-30F7B7E72CB2}" type="datetime1">
               <a:rPr lang="ko-KR" altLang="en-US" smtClean="0"/>
-              <a:t>2024-02-19</a:t>
+              <a:t>2024-03-05</a:t>
             </a:fld>
             <a:endParaRPr lang="ko-KR" altLang="en-US"/>
           </a:p>
@@ -791,7 +791,7 @@
           <a:p>
             <a:fld id="{27E8263C-5973-4535-B0CA-9585BFF56192}" type="datetime1">
               <a:rPr lang="ko-KR" altLang="en-US" smtClean="0"/>
-              <a:t>2024-02-19</a:t>
+              <a:t>2024-03-05</a:t>
             </a:fld>
             <a:endParaRPr lang="ko-KR" altLang="en-US"/>
           </a:p>
@@ -971,7 +971,7 @@
           <a:p>
             <a:fld id="{AA51E4E3-75D9-4B98-AE41-882A49AFE0F5}" type="datetime1">
               <a:rPr lang="ko-KR" altLang="en-US" smtClean="0"/>
-              <a:t>2024-02-19</a:t>
+              <a:t>2024-03-05</a:t>
             </a:fld>
             <a:endParaRPr lang="ko-KR" altLang="en-US"/>
           </a:p>
@@ -1141,7 +1141,7 @@
           <a:p>
             <a:fld id="{4049B1A8-07DC-47FB-AE48-657BFD66889D}" type="datetime1">
               <a:rPr lang="ko-KR" altLang="en-US" smtClean="0"/>
-              <a:t>2024-02-19</a:t>
+              <a:t>2024-03-05</a:t>
             </a:fld>
             <a:endParaRPr lang="ko-KR" altLang="en-US"/>
           </a:p>
@@ -1385,7 +1385,7 @@
           <a:p>
             <a:fld id="{71D54BA1-A9BA-4F9A-8277-7BFEBA3925B3}" type="datetime1">
               <a:rPr lang="ko-KR" altLang="en-US" smtClean="0"/>
-              <a:t>2024-02-19</a:t>
+              <a:t>2024-03-05</a:t>
             </a:fld>
             <a:endParaRPr lang="ko-KR" altLang="en-US"/>
           </a:p>
@@ -1617,7 +1617,7 @@
           <a:p>
             <a:fld id="{476A90ED-5C57-48D8-AA4A-D1D0CF037C43}" type="datetime1">
               <a:rPr lang="ko-KR" altLang="en-US" smtClean="0"/>
-              <a:t>2024-02-19</a:t>
+              <a:t>2024-03-05</a:t>
             </a:fld>
             <a:endParaRPr lang="ko-KR" altLang="en-US"/>
           </a:p>
@@ -1984,7 +1984,7 @@
           <a:p>
             <a:fld id="{629BD04B-A934-4F94-ABBE-E9DBCBE4745D}" type="datetime1">
               <a:rPr lang="ko-KR" altLang="en-US" smtClean="0"/>
-              <a:t>2024-02-19</a:t>
+              <a:t>2024-03-05</a:t>
             </a:fld>
             <a:endParaRPr lang="ko-KR" altLang="en-US"/>
           </a:p>
@@ -2102,7 +2102,7 @@
           <a:p>
             <a:fld id="{B5376FE3-B12B-4494-9FB0-20B759B39233}" type="datetime1">
               <a:rPr lang="ko-KR" altLang="en-US" smtClean="0"/>
-              <a:t>2024-02-19</a:t>
+              <a:t>2024-03-05</a:t>
             </a:fld>
             <a:endParaRPr lang="ko-KR" altLang="en-US"/>
           </a:p>
@@ -2461,7 +2461,7 @@
           <a:p>
             <a:fld id="{8D3A43ED-BE87-4156-93B6-1AA6F8EE87EA}" type="datetime1">
               <a:rPr lang="ko-KR" altLang="en-US" smtClean="0"/>
-              <a:t>2024-02-19</a:t>
+              <a:t>2024-03-05</a:t>
             </a:fld>
             <a:endParaRPr lang="ko-KR" altLang="en-US"/>
           </a:p>
@@ -2718,7 +2718,7 @@
           <a:p>
             <a:fld id="{553E934C-D1CE-402C-B70A-6CDDE585F508}" type="datetime1">
               <a:rPr lang="ko-KR" altLang="en-US" smtClean="0"/>
-              <a:t>2024-02-19</a:t>
+              <a:t>2024-03-05</a:t>
             </a:fld>
             <a:endParaRPr lang="ko-KR" altLang="en-US"/>
           </a:p>
@@ -2931,7 +2931,7 @@
           <a:p>
             <a:fld id="{09E5A2A5-F2A5-43D6-9171-C9945D8C3B6F}" type="datetime1">
               <a:rPr lang="ko-KR" altLang="en-US" smtClean="0"/>
-              <a:t>2024-02-19</a:t>
+              <a:t>2024-03-05</a:t>
             </a:fld>
             <a:endParaRPr lang="ko-KR" altLang="en-US"/>
           </a:p>
@@ -4531,90 +4531,83 @@
               </a:lnSpc>
             </a:pPr>
             <a:r>
-              <a:rPr lang="ko-KR" altLang="en-US" sz="1200">
-                <a:latin typeface="맑은 고딕" panose="02000403000000020004" pitchFamily="50" charset="-127"/>
-                <a:ea typeface="맑은 고딕" panose="02000403000000020004" pitchFamily="50" charset="-127"/>
-              </a:rPr>
-              <a:t>노트북의 </a:t>
-            </a:r>
-            <a:r>
-              <a:rPr lang="en-US" altLang="ko-KR" sz="1200">
+              <a:rPr lang="en-US" altLang="ko-KR" sz="1200" dirty="0" err="1">
                 <a:latin typeface="맑은 고딕" panose="02000403000000020004" pitchFamily="50" charset="-127"/>
                 <a:ea typeface="맑은 고딕" panose="02000403000000020004" pitchFamily="50" charset="-127"/>
               </a:rPr>
               <a:t>Virtualbox</a:t>
             </a:r>
             <a:r>
-              <a:rPr lang="ko-KR" altLang="en-US" sz="1200">
+              <a:rPr lang="ko-KR" altLang="en-US" sz="1200" dirty="0">
                 <a:latin typeface="맑은 고딕" panose="02000403000000020004" pitchFamily="50" charset="-127"/>
                 <a:ea typeface="맑은 고딕" panose="02000403000000020004" pitchFamily="50" charset="-127"/>
               </a:rPr>
               <a:t>에 </a:t>
             </a:r>
             <a:r>
-              <a:rPr lang="en-US" altLang="ko-KR" sz="1200">
+              <a:rPr lang="en-US" altLang="ko-KR" sz="1200" dirty="0">
                 <a:latin typeface="맑은 고딕" panose="02000403000000020004" pitchFamily="50" charset="-127"/>
                 <a:ea typeface="맑은 고딕" panose="02000403000000020004" pitchFamily="50" charset="-127"/>
               </a:rPr>
               <a:t>VM</a:t>
             </a:r>
             <a:r>
-              <a:rPr lang="ko-KR" altLang="en-US" sz="1200">
+              <a:rPr lang="ko-KR" altLang="en-US" sz="1200" dirty="0">
                 <a:latin typeface="맑은 고딕" panose="02000403000000020004" pitchFamily="50" charset="-127"/>
                 <a:ea typeface="맑은 고딕" panose="02000403000000020004" pitchFamily="50" charset="-127"/>
               </a:rPr>
               <a:t>을 설치한 환경에서는 </a:t>
             </a:r>
             <a:r>
-              <a:rPr lang="en-US" altLang="ko-KR" sz="1200">
+              <a:rPr lang="en-US" altLang="ko-KR" sz="1200" dirty="0">
                 <a:latin typeface="맑은 고딕" panose="02000403000000020004" pitchFamily="50" charset="-127"/>
                 <a:ea typeface="맑은 고딕" panose="02000403000000020004" pitchFamily="50" charset="-127"/>
               </a:rPr>
               <a:t>Load Balancer</a:t>
             </a:r>
             <a:r>
-              <a:rPr lang="ko-KR" altLang="en-US" sz="1200">
+              <a:rPr lang="ko-KR" altLang="en-US" sz="1200" dirty="0">
                 <a:latin typeface="맑은 고딕" panose="02000403000000020004" pitchFamily="50" charset="-127"/>
                 <a:ea typeface="맑은 고딕" panose="02000403000000020004" pitchFamily="50" charset="-127"/>
               </a:rPr>
               <a:t>가 없기 때문에 </a:t>
             </a:r>
             <a:r>
-              <a:rPr lang="en-US" altLang="ko-KR" sz="1200">
+              <a:rPr lang="en-US" altLang="ko-KR" sz="1200" dirty="0">
                 <a:latin typeface="맑은 고딕" panose="02000403000000020004" pitchFamily="50" charset="-127"/>
                 <a:ea typeface="맑은 고딕" panose="02000403000000020004" pitchFamily="50" charset="-127"/>
               </a:rPr>
               <a:t>S/W </a:t>
             </a:r>
             <a:r>
-              <a:rPr lang="ko-KR" altLang="en-US" sz="1200">
+              <a:rPr lang="ko-KR" altLang="en-US" sz="1200" dirty="0">
                 <a:latin typeface="맑은 고딕" panose="02000403000000020004" pitchFamily="50" charset="-127"/>
                 <a:ea typeface="맑은 고딕" panose="02000403000000020004" pitchFamily="50" charset="-127"/>
               </a:rPr>
               <a:t>방식인</a:t>
             </a:r>
             <a:br>
-              <a:rPr lang="en-US" altLang="ko-KR" sz="1200">
+              <a:rPr lang="en-US" altLang="ko-KR" sz="1200" dirty="0">
                 <a:latin typeface="맑은 고딕" panose="02000403000000020004" pitchFamily="50" charset="-127"/>
                 <a:ea typeface="맑은 고딕" panose="02000403000000020004" pitchFamily="50" charset="-127"/>
               </a:rPr>
             </a:br>
             <a:r>
-              <a:rPr lang="en-US" altLang="ko-KR" sz="1200">
+              <a:rPr lang="en-US" altLang="ko-KR" sz="1200" dirty="0" err="1">
                 <a:latin typeface="맑은 고딕" panose="02000403000000020004" pitchFamily="50" charset="-127"/>
                 <a:ea typeface="맑은 고딕" panose="02000403000000020004" pitchFamily="50" charset="-127"/>
               </a:rPr>
               <a:t>MetalLB</a:t>
             </a:r>
             <a:r>
-              <a:rPr lang="ko-KR" altLang="en-US" sz="1200">
+              <a:rPr lang="ko-KR" altLang="en-US" sz="1200" dirty="0">
                 <a:latin typeface="맑은 고딕" panose="02000403000000020004" pitchFamily="50" charset="-127"/>
                 <a:ea typeface="맑은 고딕" panose="02000403000000020004" pitchFamily="50" charset="-127"/>
               </a:rPr>
               <a:t>를 설치하여 구성하였다</a:t>
             </a:r>
             <a:r>
-              <a:rPr lang="en-US" altLang="ko-KR" sz="1200">
+              <a:rPr lang="en-US" altLang="ko-KR" sz="1200" dirty="0">
                 <a:latin typeface="맑은 고딕" panose="02000403000000020004" pitchFamily="50" charset="-127"/>
                 <a:ea typeface="맑은 고딕" panose="02000403000000020004" pitchFamily="50" charset="-127"/>
               </a:rPr>
@@ -14458,8 +14451,8 @@
         </p:nvSpPr>
         <p:spPr>
           <a:xfrm>
-            <a:off x="7564880" y="2303146"/>
-            <a:ext cx="511679" cy="276999"/>
+            <a:off x="7532939" y="2303146"/>
+            <a:ext cx="880369" cy="276999"/>
           </a:xfrm>
           <a:prstGeom prst="rect">
             <a:avLst/>
@@ -14474,13 +14467,13 @@
           <a:p>
             <a:pPr algn="ctr"/>
             <a:r>
-              <a:rPr lang="en-US" altLang="ko-KR" sz="1200">
-                <a:latin typeface="맑은 고딕" panose="02000403000000020004" pitchFamily="50" charset="-127"/>
-                <a:ea typeface="맑은 고딕" panose="02000403000000020004" pitchFamily="50" charset="-127"/>
-              </a:rPr>
-              <a:t>Lens</a:t>
-            </a:r>
-            <a:endParaRPr lang="ko-KR" altLang="en-US" sz="1200">
+              <a:rPr lang="en-US" altLang="ko-KR" sz="1200" dirty="0" err="1">
+                <a:latin typeface="맑은 고딕" panose="02000403000000020004" pitchFamily="50" charset="-127"/>
+                <a:ea typeface="맑은 고딕" panose="02000403000000020004" pitchFamily="50" charset="-127"/>
+              </a:rPr>
+              <a:t>OpenLens</a:t>
+            </a:r>
+            <a:endParaRPr lang="ko-KR" altLang="en-US" sz="1200" dirty="0">
               <a:latin typeface="맑은 고딕" panose="02000403000000020004" pitchFamily="50" charset="-127"/>
               <a:ea typeface="맑은 고딕" panose="02000403000000020004" pitchFamily="50" charset="-127"/>
             </a:endParaRPr>
@@ -16191,14 +16184,14 @@
           <p:nvPr>
             <p:extLst>
               <p:ext uri="{D42A27DB-BD31-4B8C-83A1-F6EECF244321}">
-                <p14:modId xmlns:p14="http://schemas.microsoft.com/office/powerpoint/2010/main" val="2693671771"/>
+                <p14:modId xmlns:p14="http://schemas.microsoft.com/office/powerpoint/2010/main" val="3652190714"/>
               </p:ext>
             </p:extLst>
           </p:nvPr>
         </p:nvGraphicFramePr>
         <p:xfrm>
           <a:off x="377503" y="2396528"/>
-          <a:ext cx="8061822" cy="3608832"/>
+          <a:ext cx="8061822" cy="4094142"/>
         </p:xfrm>
         <a:graphic>
           <a:graphicData uri="http://schemas.openxmlformats.org/drawingml/2006/table">
@@ -16229,7 +16222,7 @@
                   </a:extLst>
                 </a:gridCol>
               </a:tblGrid>
-              <a:tr h="451104">
+              <a:tr h="404782">
                 <a:tc>
                   <a:txBody>
                     <a:bodyPr/>
@@ -16410,7 +16403,7 @@
                   </a:ext>
                 </a:extLst>
               </a:tr>
-              <a:tr h="451104">
+              <a:tr h="404782">
                 <a:tc>
                   <a:txBody>
                     <a:bodyPr/>
@@ -16624,7 +16617,7 @@
                   </a:ext>
                 </a:extLst>
               </a:tr>
-              <a:tr h="451104">
+              <a:tr h="404782">
                 <a:tc>
                   <a:txBody>
                     <a:bodyPr/>
@@ -16861,7 +16854,7 @@
                   </a:ext>
                 </a:extLst>
               </a:tr>
-              <a:tr h="451104">
+              <a:tr h="404782">
                 <a:tc>
                   <a:txBody>
                     <a:bodyPr/>
@@ -17157,7 +17150,7 @@
                   </a:ext>
                 </a:extLst>
               </a:tr>
-              <a:tr h="451104">
+              <a:tr h="404782">
                 <a:tc>
                   <a:txBody>
                     <a:bodyPr/>
@@ -17382,7 +17375,7 @@
                   </a:ext>
                 </a:extLst>
               </a:tr>
-              <a:tr h="451104">
+              <a:tr h="404782">
                 <a:tc>
                   <a:txBody>
                     <a:bodyPr/>
@@ -17618,7 +17611,7 @@
                   </a:ext>
                 </a:extLst>
               </a:tr>
-              <a:tr h="451104">
+              <a:tr h="404782">
                 <a:tc>
                   <a:txBody>
                     <a:bodyPr/>
@@ -17834,7 +17827,7 @@
                   </a:ext>
                 </a:extLst>
               </a:tr>
-              <a:tr h="451104">
+              <a:tr h="404782">
                 <a:tc>
                   <a:txBody>
                     <a:bodyPr/>
@@ -17852,16 +17845,458 @@
                         </a:spcAft>
                       </a:pPr>
                       <a:r>
-                        <a:rPr lang="en-US" altLang="ko-KR" sz="1000" b="0" i="0" u="none">
+                        <a:rPr lang="en-US" altLang="ko-KR" sz="1000" b="0" i="0" u="none" dirty="0" err="1">
                           <a:solidFill>
                             <a:srgbClr val="000000"/>
                           </a:solidFill>
                           <a:latin typeface="맑은 고딕" panose="02000403000000020004" pitchFamily="50" charset="-127"/>
                           <a:ea typeface="맑은 고딕" panose="02000403000000020004" pitchFamily="50" charset="-127"/>
                         </a:rPr>
-                        <a:t>Lens</a:t>
+                        <a:t>OpenLens</a:t>
                       </a:r>
-                      <a:endParaRPr lang="ko-KR" altLang="en-US" sz="1000" b="0" i="0" u="none">
+                      <a:endParaRPr lang="ko-KR" altLang="en-US" sz="1000" b="0" i="0" u="none" dirty="0">
+                        <a:solidFill>
+                          <a:srgbClr val="000000"/>
+                        </a:solidFill>
+                        <a:latin typeface="맑은 고딕" panose="02000403000000020004" pitchFamily="50" charset="-127"/>
+                        <a:ea typeface="맑은 고딕" panose="02000403000000020004" pitchFamily="50" charset="-127"/>
+                      </a:endParaRPr>
+                    </a:p>
+                  </a:txBody>
+                  <a:tcPr marL="73152" marR="73152" marT="73152" marB="73152" anchor="ctr">
+                    <a:lnL w="6350" cmpd="sng">
+                      <a:solidFill>
+                        <a:srgbClr val="7F7F7F"/>
+                      </a:solidFill>
+                      <a:prstDash val="solid"/>
+                    </a:lnL>
+                    <a:lnR w="6350" cap="flat" cmpd="sng" algn="ctr">
+                      <a:solidFill>
+                        <a:srgbClr val="7F7F7F"/>
+                      </a:solidFill>
+                      <a:prstDash val="solid"/>
+                      <a:round/>
+                      <a:headEnd type="none" w="med" len="med"/>
+                      <a:tailEnd type="none" w="med" len="med"/>
+                    </a:lnR>
+                    <a:lnT w="6350" cmpd="sng">
+                      <a:solidFill>
+                        <a:srgbClr val="7F7F7F"/>
+                      </a:solidFill>
+                      <a:prstDash val="solid"/>
+                    </a:lnT>
+                    <a:lnB w="6350" cap="flat" cmpd="sng" algn="ctr">
+                      <a:solidFill>
+                        <a:srgbClr val="7F7F7F"/>
+                      </a:solidFill>
+                      <a:prstDash val="solid"/>
+                      <a:round/>
+                      <a:headEnd type="none" w="med" len="med"/>
+                      <a:tailEnd type="none" w="med" len="med"/>
+                    </a:lnB>
+                    <a:solidFill>
+                      <a:srgbClr val="FFFFFF"/>
+                    </a:solidFill>
+                  </a:tcPr>
+                </a:tc>
+                <a:tc>
+                  <a:txBody>
+                    <a:bodyPr/>
+                    <a:lstStyle/>
+                    <a:p>
+                      <a:pPr algn="l" latinLnBrk="1">
+                        <a:lnSpc>
+                          <a:spcPct val="100000"/>
+                        </a:lnSpc>
+                        <a:spcBef>
+                          <a:spcPts val="0"/>
+                        </a:spcBef>
+                        <a:spcAft>
+                          <a:spcPts val="0"/>
+                        </a:spcAft>
+                      </a:pPr>
+                      <a:r>
+                        <a:rPr lang="ko-KR" altLang="en-US" sz="1000" b="0" i="0" u="none" dirty="0" err="1">
+                          <a:solidFill>
+                            <a:srgbClr val="000000"/>
+                          </a:solidFill>
+                          <a:latin typeface="맑은 고딕" panose="02000403000000020004" pitchFamily="50" charset="-127"/>
+                          <a:ea typeface="맑은 고딕" panose="02000403000000020004" pitchFamily="50" charset="-127"/>
+                        </a:rPr>
+                        <a:t>쿠버네티스</a:t>
+                      </a:r>
+                      <a:r>
+                        <a:rPr lang="ko-KR" altLang="en-US" sz="1000" b="0" i="0" u="none" dirty="0">
+                          <a:solidFill>
+                            <a:srgbClr val="000000"/>
+                          </a:solidFill>
+                          <a:latin typeface="맑은 고딕" panose="02000403000000020004" pitchFamily="50" charset="-127"/>
+                          <a:ea typeface="맑은 고딕" panose="02000403000000020004" pitchFamily="50" charset="-127"/>
+                        </a:rPr>
+                        <a:t> 관리자용 대시보드 프로그램</a:t>
+                      </a:r>
+                    </a:p>
+                  </a:txBody>
+                  <a:tcPr marL="73152" marR="73152" marT="73152" marB="73152" anchor="ctr">
+                    <a:lnL w="6350" cap="flat" cmpd="sng" algn="ctr">
+                      <a:solidFill>
+                        <a:srgbClr val="7F7F7F"/>
+                      </a:solidFill>
+                      <a:prstDash val="solid"/>
+                      <a:round/>
+                      <a:headEnd type="none" w="med" len="med"/>
+                      <a:tailEnd type="none" w="med" len="med"/>
+                    </a:lnL>
+                    <a:lnR w="6350" cap="flat" cmpd="sng" algn="ctr">
+                      <a:solidFill>
+                        <a:srgbClr val="7F7F7F"/>
+                      </a:solidFill>
+                      <a:prstDash val="solid"/>
+                      <a:round/>
+                      <a:headEnd type="none" w="med" len="med"/>
+                      <a:tailEnd type="none" w="med" len="med"/>
+                    </a:lnR>
+                    <a:lnT w="6350" cmpd="sng">
+                      <a:solidFill>
+                        <a:srgbClr val="7F7F7F"/>
+                      </a:solidFill>
+                      <a:prstDash val="solid"/>
+                    </a:lnT>
+                    <a:lnB w="6350" cap="flat" cmpd="sng" algn="ctr">
+                      <a:solidFill>
+                        <a:srgbClr val="7F7F7F"/>
+                      </a:solidFill>
+                      <a:prstDash val="solid"/>
+                      <a:round/>
+                      <a:headEnd type="none" w="med" len="med"/>
+                      <a:tailEnd type="none" w="med" len="med"/>
+                    </a:lnB>
+                    <a:solidFill>
+                      <a:srgbClr val="FFFFFF"/>
+                    </a:solidFill>
+                  </a:tcPr>
+                </a:tc>
+                <a:tc>
+                  <a:txBody>
+                    <a:bodyPr/>
+                    <a:lstStyle/>
+                    <a:p>
+                      <a:pPr algn="l" latinLnBrk="1">
+                        <a:lnSpc>
+                          <a:spcPct val="100000"/>
+                        </a:lnSpc>
+                        <a:spcBef>
+                          <a:spcPts val="0"/>
+                        </a:spcBef>
+                        <a:spcAft>
+                          <a:spcPts val="0"/>
+                        </a:spcAft>
+                      </a:pPr>
+                      <a:endParaRPr lang="ko-KR" altLang="en-US" sz="1000" b="0" i="0" u="none" dirty="0">
+                        <a:solidFill>
+                          <a:srgbClr val="000000"/>
+                        </a:solidFill>
+                        <a:latin typeface="맑은 고딕" panose="02000403000000020004" pitchFamily="50" charset="-127"/>
+                        <a:ea typeface="맑은 고딕" panose="02000403000000020004" pitchFamily="50" charset="-127"/>
+                      </a:endParaRPr>
+                    </a:p>
+                  </a:txBody>
+                  <a:tcPr marL="73152" marR="73152" marT="73152" marB="73152" anchor="ctr">
+                    <a:lnL w="6350" cap="flat" cmpd="sng" algn="ctr">
+                      <a:solidFill>
+                        <a:srgbClr val="7F7F7F"/>
+                      </a:solidFill>
+                      <a:prstDash val="solid"/>
+                      <a:round/>
+                      <a:headEnd type="none" w="med" len="med"/>
+                      <a:tailEnd type="none" w="med" len="med"/>
+                    </a:lnL>
+                    <a:lnR w="6350" cmpd="sng">
+                      <a:solidFill>
+                        <a:srgbClr val="7F7F7F"/>
+                      </a:solidFill>
+                      <a:prstDash val="solid"/>
+                    </a:lnR>
+                    <a:lnT w="6350" cmpd="sng">
+                      <a:solidFill>
+                        <a:srgbClr val="7F7F7F"/>
+                      </a:solidFill>
+                      <a:prstDash val="solid"/>
+                    </a:lnT>
+                    <a:lnB w="6350" cap="flat" cmpd="sng" algn="ctr">
+                      <a:solidFill>
+                        <a:srgbClr val="7F7F7F"/>
+                      </a:solidFill>
+                      <a:prstDash val="solid"/>
+                      <a:round/>
+                      <a:headEnd type="none" w="med" len="med"/>
+                      <a:tailEnd type="none" w="med" len="med"/>
+                    </a:lnB>
+                    <a:solidFill>
+                      <a:srgbClr val="FFFFFF"/>
+                    </a:solidFill>
+                  </a:tcPr>
+                </a:tc>
+                <a:extLst>
+                  <a:ext uri="{0D108BD9-81ED-4DB2-BD59-A6C34878D82A}">
+                    <a16:rowId xmlns:a16="http://schemas.microsoft.com/office/drawing/2014/main" val="1832707228"/>
+                  </a:ext>
+                </a:extLst>
+              </a:tr>
+              <a:tr h="404782">
+                <a:tc>
+                  <a:txBody>
+                    <a:bodyPr/>
+                    <a:lstStyle/>
+                    <a:p>
+                      <a:pPr algn="ctr" latinLnBrk="1">
+                        <a:lnSpc>
+                          <a:spcPct val="100000"/>
+                        </a:lnSpc>
+                        <a:spcBef>
+                          <a:spcPts val="0"/>
+                        </a:spcBef>
+                        <a:spcAft>
+                          <a:spcPts val="0"/>
+                        </a:spcAft>
+                      </a:pPr>
+                      <a:r>
+                        <a:rPr lang="en-US" altLang="ko-KR" sz="1000" b="0" i="0" u="none" dirty="0">
+                          <a:solidFill>
+                            <a:srgbClr val="000000"/>
+                          </a:solidFill>
+                          <a:latin typeface="맑은 고딕" panose="02000403000000020004" pitchFamily="50" charset="-127"/>
+                          <a:ea typeface="맑은 고딕" panose="02000403000000020004" pitchFamily="50" charset="-127"/>
+                        </a:rPr>
+                        <a:t>Git</a:t>
+                      </a:r>
+                      <a:endParaRPr lang="ko-KR" altLang="en-US" sz="1000" b="0" i="0" u="none" dirty="0">
+                        <a:solidFill>
+                          <a:srgbClr val="000000"/>
+                        </a:solidFill>
+                        <a:latin typeface="맑은 고딕" panose="02000403000000020004" pitchFamily="50" charset="-127"/>
+                        <a:ea typeface="맑은 고딕" panose="02000403000000020004" pitchFamily="50" charset="-127"/>
+                      </a:endParaRPr>
+                    </a:p>
+                  </a:txBody>
+                  <a:tcPr marL="73152" marR="73152" marT="73152" marB="73152" anchor="ctr">
+                    <a:lnL w="6350" cmpd="sng">
+                      <a:solidFill>
+                        <a:srgbClr val="7F7F7F"/>
+                      </a:solidFill>
+                      <a:prstDash val="solid"/>
+                    </a:lnL>
+                    <a:lnR w="6350" cap="flat" cmpd="sng" algn="ctr">
+                      <a:solidFill>
+                        <a:srgbClr val="7F7F7F"/>
+                      </a:solidFill>
+                      <a:prstDash val="solid"/>
+                      <a:round/>
+                      <a:headEnd type="none" w="med" len="med"/>
+                      <a:tailEnd type="none" w="med" len="med"/>
+                    </a:lnR>
+                    <a:lnT w="6350" cmpd="sng">
+                      <a:solidFill>
+                        <a:srgbClr val="7F7F7F"/>
+                      </a:solidFill>
+                      <a:prstDash val="solid"/>
+                    </a:lnT>
+                    <a:lnB w="6350" cap="flat" cmpd="sng" algn="ctr">
+                      <a:solidFill>
+                        <a:srgbClr val="7F7F7F"/>
+                      </a:solidFill>
+                      <a:prstDash val="solid"/>
+                      <a:round/>
+                      <a:headEnd type="none" w="med" len="med"/>
+                      <a:tailEnd type="none" w="med" len="med"/>
+                    </a:lnB>
+                    <a:solidFill>
+                      <a:srgbClr val="FFFFFF"/>
+                    </a:solidFill>
+                  </a:tcPr>
+                </a:tc>
+                <a:tc>
+                  <a:txBody>
+                    <a:bodyPr/>
+                    <a:lstStyle/>
+                    <a:p>
+                      <a:pPr algn="l" latinLnBrk="1">
+                        <a:lnSpc>
+                          <a:spcPct val="100000"/>
+                        </a:lnSpc>
+                        <a:spcBef>
+                          <a:spcPts val="0"/>
+                        </a:spcBef>
+                        <a:spcAft>
+                          <a:spcPts val="0"/>
+                        </a:spcAft>
+                      </a:pPr>
+                      <a:r>
+                        <a:rPr lang="en-US" altLang="ko-KR" sz="1000" b="0" i="0" u="none" dirty="0">
+                          <a:solidFill>
+                            <a:srgbClr val="000000"/>
+                          </a:solidFill>
+                          <a:latin typeface="맑은 고딕" panose="02000403000000020004" pitchFamily="50" charset="-127"/>
+                          <a:ea typeface="맑은 고딕" panose="02000403000000020004" pitchFamily="50" charset="-127"/>
+                        </a:rPr>
+                        <a:t>k8s-practice </a:t>
+                      </a:r>
+                      <a:r>
+                        <a:rPr lang="ko-KR" altLang="en-US" sz="1000" b="0" i="0" u="none" dirty="0" err="1">
+                          <a:solidFill>
+                            <a:srgbClr val="000000"/>
+                          </a:solidFill>
+                          <a:latin typeface="맑은 고딕" panose="02000403000000020004" pitchFamily="50" charset="-127"/>
+                          <a:ea typeface="맑은 고딕" panose="02000403000000020004" pitchFamily="50" charset="-127"/>
+                        </a:rPr>
+                        <a:t>레파지토리</a:t>
+                      </a:r>
+                      <a:r>
+                        <a:rPr lang="ko-KR" altLang="en-US" sz="1000" b="0" i="0" u="none" dirty="0">
+                          <a:solidFill>
+                            <a:srgbClr val="000000"/>
+                          </a:solidFill>
+                          <a:latin typeface="맑은 고딕" panose="02000403000000020004" pitchFamily="50" charset="-127"/>
+                          <a:ea typeface="맑은 고딕" panose="02000403000000020004" pitchFamily="50" charset="-127"/>
+                        </a:rPr>
+                        <a:t> 최신 업데이트</a:t>
+                      </a:r>
+                    </a:p>
+                  </a:txBody>
+                  <a:tcPr marL="73152" marR="73152" marT="73152" marB="73152" anchor="ctr">
+                    <a:lnL w="6350" cap="flat" cmpd="sng" algn="ctr">
+                      <a:solidFill>
+                        <a:srgbClr val="7F7F7F"/>
+                      </a:solidFill>
+                      <a:prstDash val="solid"/>
+                      <a:round/>
+                      <a:headEnd type="none" w="med" len="med"/>
+                      <a:tailEnd type="none" w="med" len="med"/>
+                    </a:lnL>
+                    <a:lnR w="6350" cap="flat" cmpd="sng" algn="ctr">
+                      <a:solidFill>
+                        <a:srgbClr val="7F7F7F"/>
+                      </a:solidFill>
+                      <a:prstDash val="solid"/>
+                      <a:round/>
+                      <a:headEnd type="none" w="med" len="med"/>
+                      <a:tailEnd type="none" w="med" len="med"/>
+                    </a:lnR>
+                    <a:lnT w="6350" cmpd="sng">
+                      <a:solidFill>
+                        <a:srgbClr val="7F7F7F"/>
+                      </a:solidFill>
+                      <a:prstDash val="solid"/>
+                    </a:lnT>
+                    <a:lnB w="6350" cap="flat" cmpd="sng" algn="ctr">
+                      <a:solidFill>
+                        <a:srgbClr val="7F7F7F"/>
+                      </a:solidFill>
+                      <a:prstDash val="solid"/>
+                      <a:round/>
+                      <a:headEnd type="none" w="med" len="med"/>
+                      <a:tailEnd type="none" w="med" len="med"/>
+                    </a:lnB>
+                    <a:solidFill>
+                      <a:srgbClr val="FFFFFF"/>
+                    </a:solidFill>
+                  </a:tcPr>
+                </a:tc>
+                <a:tc>
+                  <a:txBody>
+                    <a:bodyPr/>
+                    <a:lstStyle/>
+                    <a:p>
+                      <a:pPr algn="l" latinLnBrk="1">
+                        <a:lnSpc>
+                          <a:spcPct val="100000"/>
+                        </a:lnSpc>
+                        <a:spcBef>
+                          <a:spcPts val="0"/>
+                        </a:spcBef>
+                        <a:spcAft>
+                          <a:spcPts val="0"/>
+                        </a:spcAft>
+                      </a:pPr>
+                      <a:endParaRPr lang="ko-KR" altLang="en-US" sz="1000" b="0" i="0" u="none" dirty="0">
+                        <a:solidFill>
+                          <a:srgbClr val="000000"/>
+                        </a:solidFill>
+                        <a:latin typeface="맑은 고딕" panose="02000403000000020004" pitchFamily="50" charset="-127"/>
+                        <a:ea typeface="맑은 고딕" panose="02000403000000020004" pitchFamily="50" charset="-127"/>
+                      </a:endParaRPr>
+                    </a:p>
+                  </a:txBody>
+                  <a:tcPr marL="73152" marR="73152" marT="73152" marB="73152" anchor="ctr">
+                    <a:lnL w="6350" cap="flat" cmpd="sng" algn="ctr">
+                      <a:solidFill>
+                        <a:srgbClr val="7F7F7F"/>
+                      </a:solidFill>
+                      <a:prstDash val="solid"/>
+                      <a:round/>
+                      <a:headEnd type="none" w="med" len="med"/>
+                      <a:tailEnd type="none" w="med" len="med"/>
+                    </a:lnL>
+                    <a:lnR w="6350" cmpd="sng">
+                      <a:solidFill>
+                        <a:srgbClr val="7F7F7F"/>
+                      </a:solidFill>
+                      <a:prstDash val="solid"/>
+                    </a:lnR>
+                    <a:lnT w="6350" cmpd="sng">
+                      <a:solidFill>
+                        <a:srgbClr val="7F7F7F"/>
+                      </a:solidFill>
+                      <a:prstDash val="solid"/>
+                    </a:lnT>
+                    <a:lnB w="6350" cap="flat" cmpd="sng" algn="ctr">
+                      <a:solidFill>
+                        <a:srgbClr val="7F7F7F"/>
+                      </a:solidFill>
+                      <a:prstDash val="solid"/>
+                      <a:round/>
+                      <a:headEnd type="none" w="med" len="med"/>
+                      <a:tailEnd type="none" w="med" len="med"/>
+                    </a:lnB>
+                    <a:solidFill>
+                      <a:srgbClr val="FFFFFF"/>
+                    </a:solidFill>
+                  </a:tcPr>
+                </a:tc>
+                <a:extLst>
+                  <a:ext uri="{0D108BD9-81ED-4DB2-BD59-A6C34878D82A}">
+                    <a16:rowId xmlns:a16="http://schemas.microsoft.com/office/drawing/2014/main" val="3826376998"/>
+                  </a:ext>
+                </a:extLst>
+              </a:tr>
+              <a:tr h="404782">
+                <a:tc>
+                  <a:txBody>
+                    <a:bodyPr/>
+                    <a:lstStyle/>
+                    <a:p>
+                      <a:pPr algn="ctr" latinLnBrk="1">
+                        <a:lnSpc>
+                          <a:spcPct val="100000"/>
+                        </a:lnSpc>
+                        <a:spcBef>
+                          <a:spcPts val="0"/>
+                        </a:spcBef>
+                        <a:spcAft>
+                          <a:spcPts val="0"/>
+                        </a:spcAft>
+                      </a:pPr>
+                      <a:r>
+                        <a:rPr lang="en-US" altLang="ko-KR" sz="1000" b="0" i="0" u="none" dirty="0" err="1">
+                          <a:solidFill>
+                            <a:srgbClr val="000000"/>
+                          </a:solidFill>
+                          <a:latin typeface="맑은 고딕" panose="02000403000000020004" pitchFamily="50" charset="-127"/>
+                          <a:ea typeface="맑은 고딕" panose="02000403000000020004" pitchFamily="50" charset="-127"/>
+                        </a:rPr>
+                        <a:t>VSCode</a:t>
+                      </a:r>
+                      <a:endParaRPr lang="ko-KR" altLang="en-US" sz="1000" b="0" i="0" u="none" dirty="0">
                         <a:solidFill>
                           <a:srgbClr val="000000"/>
                         </a:solidFill>
@@ -17920,14 +18355,14 @@
                         </a:spcAft>
                       </a:pPr>
                       <a:r>
-                        <a:rPr lang="ko-KR" altLang="en-US" sz="1000" b="0" i="0" u="none" dirty="0" err="1">
+                        <a:rPr lang="en-US" altLang="ko-KR" sz="1000" b="0" i="0" u="none" dirty="0">
                           <a:solidFill>
                             <a:srgbClr val="000000"/>
                           </a:solidFill>
                           <a:latin typeface="맑은 고딕" panose="02000403000000020004" pitchFamily="50" charset="-127"/>
                           <a:ea typeface="맑은 고딕" panose="02000403000000020004" pitchFamily="50" charset="-127"/>
                         </a:rPr>
-                        <a:t>쿠버네티스</a:t>
+                        <a:t>k8s-practice </a:t>
                       </a:r>
                       <a:r>
                         <a:rPr lang="ko-KR" altLang="en-US" sz="1000" b="0" i="0" u="none" dirty="0">
@@ -17937,7 +18372,7 @@
                           <a:latin typeface="맑은 고딕" panose="02000403000000020004" pitchFamily="50" charset="-127"/>
                           <a:ea typeface="맑은 고딕" panose="02000403000000020004" pitchFamily="50" charset="-127"/>
                         </a:rPr>
-                        <a:t> 관리자용 대시보드 프로그램</a:t>
+                        <a:t>코드 파일 리뷰</a:t>
                       </a:r>
                     </a:p>
                   </a:txBody>
@@ -18037,7 +18472,7 @@
                 </a:tc>
                 <a:extLst>
                   <a:ext uri="{0D108BD9-81ED-4DB2-BD59-A6C34878D82A}">
-                    <a16:rowId xmlns:a16="http://schemas.microsoft.com/office/drawing/2014/main" val="1832707228"/>
+                    <a16:rowId xmlns:a16="http://schemas.microsoft.com/office/drawing/2014/main" val="3002334253"/>
                   </a:ext>
                 </a:extLst>
               </a:tr>
@@ -20767,8 +21202,8 @@
         </p:nvSpPr>
         <p:spPr>
           <a:xfrm>
-            <a:off x="5333255" y="3429329"/>
-            <a:ext cx="3587842" cy="333617"/>
+            <a:off x="6155871" y="3429329"/>
+            <a:ext cx="2084615" cy="2272610"/>
           </a:xfrm>
           <a:prstGeom prst="rect">
             <a:avLst/>
@@ -20776,43 +21211,195 @@
           <a:noFill/>
         </p:spPr>
         <p:txBody>
-          <a:bodyPr wrap="none" rtlCol="0">
+          <a:bodyPr wrap="square" rtlCol="0">
             <a:spAutoFit/>
           </a:bodyPr>
           <a:lstStyle/>
+          <a:p>
+            <a:pPr>
+              <a:lnSpc>
+                <a:spcPct val="150000"/>
+              </a:lnSpc>
+            </a:pPr>
+            <a:r>
+              <a:rPr lang="ko-KR" altLang="en-US" sz="1200" b="1" dirty="0">
+                <a:latin typeface="맑은 고딕" panose="02000403000000020004" pitchFamily="50" charset="-127"/>
+                <a:ea typeface="맑은 고딕" panose="02000403000000020004" pitchFamily="50" charset="-127"/>
+              </a:rPr>
+              <a:t>설치하는 패키지</a:t>
+            </a:r>
+            <a:endParaRPr lang="en-US" altLang="ko-KR" sz="1200" b="1" dirty="0">
+              <a:latin typeface="맑은 고딕" panose="02000403000000020004" pitchFamily="50" charset="-127"/>
+              <a:ea typeface="맑은 고딕" panose="02000403000000020004" pitchFamily="50" charset="-127"/>
+            </a:endParaRPr>
+          </a:p>
           <a:p>
             <a:pPr marL="171450" indent="-171450">
               <a:lnSpc>
                 <a:spcPct val="150000"/>
               </a:lnSpc>
-              <a:buFont typeface="Arial" panose="020B0604020202020204" pitchFamily="34" charset="0"/>
-              <a:buChar char="•"/>
+              <a:buFont typeface="Wingdings" panose="05000000000000000000" pitchFamily="2" charset="2"/>
+              <a:buChar char="ü"/>
             </a:pPr>
             <a:r>
-              <a:rPr lang="ko-KR" altLang="en-US" sz="1200" dirty="0">
-                <a:latin typeface="맑은 고딕" panose="02000403000000020004" pitchFamily="50" charset="-127"/>
-                <a:ea typeface="맑은 고딕" panose="02000403000000020004" pitchFamily="50" charset="-127"/>
-              </a:rPr>
-              <a:t>클러스터 내부 네트워크는 </a:t>
-            </a:r>
-            <a:r>
               <a:rPr lang="en-US" altLang="ko-KR" sz="1200" dirty="0">
                 <a:latin typeface="맑은 고딕" panose="02000403000000020004" pitchFamily="50" charset="-127"/>
                 <a:ea typeface="맑은 고딕" panose="02000403000000020004" pitchFamily="50" charset="-127"/>
               </a:rPr>
-              <a:t>192.168.0.0/24 </a:t>
-            </a:r>
-            <a:r>
-              <a:rPr lang="ko-KR" altLang="en-US" sz="1200" dirty="0">
-                <a:latin typeface="맑은 고딕" panose="02000403000000020004" pitchFamily="50" charset="-127"/>
-                <a:ea typeface="맑은 고딕" panose="02000403000000020004" pitchFamily="50" charset="-127"/>
-              </a:rPr>
-              <a:t>사용</a:t>
-            </a:r>
-            <a:endParaRPr lang="en-US" altLang="ko-KR" sz="1200" dirty="0">
-              <a:latin typeface="맑은 고딕" panose="02000403000000020004" pitchFamily="50" charset="-127"/>
-              <a:ea typeface="맑은 고딕" panose="02000403000000020004" pitchFamily="50" charset="-127"/>
-            </a:endParaRPr>
+              <a:t>docker-</a:t>
+            </a:r>
+            <a:r>
+              <a:rPr lang="en-US" altLang="ko-KR" sz="1200" dirty="0" err="1">
+                <a:latin typeface="맑은 고딕" panose="02000403000000020004" pitchFamily="50" charset="-127"/>
+                <a:ea typeface="맑은 고딕" panose="02000403000000020004" pitchFamily="50" charset="-127"/>
+              </a:rPr>
+              <a:t>ce</a:t>
+            </a:r>
+            <a:r>
+              <a:rPr lang="en-US" altLang="ko-KR" sz="1200" dirty="0">
+                <a:latin typeface="맑은 고딕" panose="02000403000000020004" pitchFamily="50" charset="-127"/>
+                <a:ea typeface="맑은 고딕" panose="02000403000000020004" pitchFamily="50" charset="-127"/>
+              </a:rPr>
+              <a:t> 25.0.3</a:t>
+            </a:r>
+          </a:p>
+          <a:p>
+            <a:pPr marL="171450" indent="-171450">
+              <a:lnSpc>
+                <a:spcPct val="150000"/>
+              </a:lnSpc>
+              <a:buFont typeface="Wingdings" panose="05000000000000000000" pitchFamily="2" charset="2"/>
+              <a:buChar char="ü"/>
+            </a:pPr>
+            <a:r>
+              <a:rPr lang="en-US" altLang="ko-KR" sz="1200" dirty="0" err="1">
+                <a:latin typeface="맑은 고딕" panose="02000403000000020004" pitchFamily="50" charset="-127"/>
+                <a:ea typeface="맑은 고딕" panose="02000403000000020004" pitchFamily="50" charset="-127"/>
+              </a:rPr>
+              <a:t>containerd</a:t>
+            </a:r>
+            <a:r>
+              <a:rPr lang="en-US" altLang="ko-KR" sz="1200" dirty="0">
+                <a:latin typeface="맑은 고딕" panose="02000403000000020004" pitchFamily="50" charset="-127"/>
+                <a:ea typeface="맑은 고딕" panose="02000403000000020004" pitchFamily="50" charset="-127"/>
+              </a:rPr>
+              <a:t> 1.6.28</a:t>
+            </a:r>
+          </a:p>
+          <a:p>
+            <a:pPr marL="171450" indent="-171450">
+              <a:lnSpc>
+                <a:spcPct val="150000"/>
+              </a:lnSpc>
+              <a:buFont typeface="Wingdings" panose="05000000000000000000" pitchFamily="2" charset="2"/>
+              <a:buChar char="ü"/>
+            </a:pPr>
+            <a:r>
+              <a:rPr lang="en-US" altLang="ko-KR" sz="1200" dirty="0" err="1">
+                <a:latin typeface="맑은 고딕" panose="02000403000000020004" pitchFamily="50" charset="-127"/>
+                <a:ea typeface="맑은 고딕" panose="02000403000000020004" pitchFamily="50" charset="-127"/>
+              </a:rPr>
+              <a:t>kubeadm</a:t>
+            </a:r>
+            <a:r>
+              <a:rPr lang="en-US" altLang="ko-KR" sz="1200" dirty="0">
+                <a:latin typeface="맑은 고딕" panose="02000403000000020004" pitchFamily="50" charset="-127"/>
+                <a:ea typeface="맑은 고딕" panose="02000403000000020004" pitchFamily="50" charset="-127"/>
+              </a:rPr>
+              <a:t> 1.28.7</a:t>
+            </a:r>
+          </a:p>
+          <a:p>
+            <a:pPr marL="171450" indent="-171450">
+              <a:lnSpc>
+                <a:spcPct val="150000"/>
+              </a:lnSpc>
+              <a:buFont typeface="Wingdings" panose="05000000000000000000" pitchFamily="2" charset="2"/>
+              <a:buChar char="ü"/>
+            </a:pPr>
+            <a:r>
+              <a:rPr lang="en-US" altLang="ko-KR" sz="1200" dirty="0" err="1">
+                <a:latin typeface="맑은 고딕" panose="02000403000000020004" pitchFamily="50" charset="-127"/>
+                <a:ea typeface="맑은 고딕" panose="02000403000000020004" pitchFamily="50" charset="-127"/>
+              </a:rPr>
+              <a:t>kubectl</a:t>
+            </a:r>
+            <a:r>
+              <a:rPr lang="en-US" altLang="ko-KR" sz="1200" dirty="0">
+                <a:latin typeface="맑은 고딕" panose="02000403000000020004" pitchFamily="50" charset="-127"/>
+                <a:ea typeface="맑은 고딕" panose="02000403000000020004" pitchFamily="50" charset="-127"/>
+              </a:rPr>
+              <a:t> 1.28.7</a:t>
+            </a:r>
+          </a:p>
+          <a:p>
+            <a:pPr marL="171450" indent="-171450">
+              <a:lnSpc>
+                <a:spcPct val="150000"/>
+              </a:lnSpc>
+              <a:buFont typeface="Wingdings" panose="05000000000000000000" pitchFamily="2" charset="2"/>
+              <a:buChar char="ü"/>
+            </a:pPr>
+            <a:r>
+              <a:rPr lang="en-US" altLang="ko-KR" sz="1200" dirty="0" err="1">
+                <a:latin typeface="맑은 고딕" panose="02000403000000020004" pitchFamily="50" charset="-127"/>
+                <a:ea typeface="맑은 고딕" panose="02000403000000020004" pitchFamily="50" charset="-127"/>
+              </a:rPr>
+              <a:t>kubelet</a:t>
+            </a:r>
+            <a:r>
+              <a:rPr lang="en-US" altLang="ko-KR" sz="1200" dirty="0">
+                <a:latin typeface="맑은 고딕" panose="02000403000000020004" pitchFamily="50" charset="-127"/>
+                <a:ea typeface="맑은 고딕" panose="02000403000000020004" pitchFamily="50" charset="-127"/>
+              </a:rPr>
+              <a:t> 1.28.7</a:t>
+            </a:r>
+          </a:p>
+          <a:p>
+            <a:pPr marL="171450" indent="-171450">
+              <a:lnSpc>
+                <a:spcPct val="150000"/>
+              </a:lnSpc>
+              <a:buFont typeface="Wingdings" panose="05000000000000000000" pitchFamily="2" charset="2"/>
+              <a:buChar char="ü"/>
+            </a:pPr>
+            <a:r>
+              <a:rPr lang="en-US" altLang="ko-KR" sz="1200" dirty="0">
+                <a:latin typeface="맑은 고딕" panose="02000403000000020004" pitchFamily="50" charset="-127"/>
+                <a:ea typeface="맑은 고딕" panose="02000403000000020004" pitchFamily="50" charset="-127"/>
+              </a:rPr>
+              <a:t>Kubernetes-</a:t>
+            </a:r>
+            <a:r>
+              <a:rPr lang="en-US" altLang="ko-KR" sz="1200" dirty="0" err="1">
+                <a:latin typeface="맑은 고딕" panose="02000403000000020004" pitchFamily="50" charset="-127"/>
+                <a:ea typeface="맑은 고딕" panose="02000403000000020004" pitchFamily="50" charset="-127"/>
+              </a:rPr>
+              <a:t>cni</a:t>
+            </a:r>
+            <a:r>
+              <a:rPr lang="en-US" altLang="ko-KR" sz="1200" dirty="0">
+                <a:latin typeface="맑은 고딕" panose="02000403000000020004" pitchFamily="50" charset="-127"/>
+                <a:ea typeface="맑은 고딕" panose="02000403000000020004" pitchFamily="50" charset="-127"/>
+              </a:rPr>
+              <a:t> 1.2.0</a:t>
+            </a:r>
+          </a:p>
+          <a:p>
+            <a:pPr marL="171450" indent="-171450">
+              <a:lnSpc>
+                <a:spcPct val="150000"/>
+              </a:lnSpc>
+              <a:buFont typeface="Wingdings" panose="05000000000000000000" pitchFamily="2" charset="2"/>
+              <a:buChar char="ü"/>
+            </a:pPr>
+            <a:r>
+              <a:rPr lang="en-US" altLang="ko-KR" sz="1200" dirty="0">
+                <a:latin typeface="맑은 고딕" panose="02000403000000020004" pitchFamily="50" charset="-127"/>
+                <a:ea typeface="맑은 고딕" panose="02000403000000020004" pitchFamily="50" charset="-127"/>
+              </a:rPr>
+              <a:t>weave 2.8.1</a:t>
+            </a:r>
           </a:p>
         </p:txBody>
       </p:sp>
@@ -20831,7 +21418,7 @@
         <p:spPr>
           <a:xfrm>
             <a:off x="364586" y="3429000"/>
-            <a:ext cx="4723001" cy="3038912"/>
+            <a:ext cx="5421171" cy="3038912"/>
           </a:xfrm>
           <a:prstGeom prst="rect">
             <a:avLst/>
@@ -20885,7 +21472,7 @@
         </p:nvSpPr>
         <p:spPr>
           <a:xfrm>
-            <a:off x="3727271" y="6140579"/>
+            <a:off x="4282442" y="6140579"/>
             <a:ext cx="1324402" cy="276999"/>
           </a:xfrm>
           <a:prstGeom prst="rect">
@@ -20943,7 +21530,7 @@
         </p:blipFill>
         <p:spPr bwMode="auto">
           <a:xfrm>
-            <a:off x="3571260" y="6177067"/>
+            <a:off x="4126431" y="6177067"/>
             <a:ext cx="245047" cy="234350"/>
           </a:xfrm>
           <a:prstGeom prst="rect">
@@ -20975,8 +21562,8 @@
         </p:nvSpPr>
         <p:spPr>
           <a:xfrm>
-            <a:off x="2085044" y="3528315"/>
-            <a:ext cx="1266738" cy="1832250"/>
+            <a:off x="2299915" y="3593631"/>
+            <a:ext cx="1485734" cy="2061498"/>
           </a:xfrm>
           <a:prstGeom prst="rect">
             <a:avLst/>
@@ -21038,8 +21625,8 @@
         </p:nvSpPr>
         <p:spPr>
           <a:xfrm>
-            <a:off x="2085044" y="5360565"/>
-            <a:ext cx="1266738" cy="699017"/>
+            <a:off x="2299915" y="5655130"/>
+            <a:ext cx="1485734" cy="469768"/>
           </a:xfrm>
           <a:prstGeom prst="rect">
             <a:avLst/>
@@ -21075,19 +21662,12 @@
           <a:p>
             <a:pPr algn="ctr"/>
             <a:r>
-              <a:rPr lang="en-US" altLang="ko-KR" sz="1000" dirty="0">
+              <a:rPr lang="en-US" altLang="ko-KR" sz="1000" b="1" dirty="0">
                 <a:latin typeface="맑은 고딕" panose="02000403000000020004" pitchFamily="50" charset="-127"/>
                 <a:ea typeface="맑은 고딕" panose="02000403000000020004" pitchFamily="50" charset="-127"/>
               </a:rPr>
               <a:t>Ubuntu 20.04</a:t>
             </a:r>
-          </a:p>
-          <a:p>
-            <a:pPr algn="ctr"/>
-            <a:endParaRPr lang="en-US" altLang="ko-KR" sz="1000" dirty="0">
-              <a:latin typeface="맑은 고딕" panose="02000403000000020004" pitchFamily="50" charset="-127"/>
-              <a:ea typeface="맑은 고딕" panose="02000403000000020004" pitchFamily="50" charset="-127"/>
-            </a:endParaRPr>
           </a:p>
           <a:p>
             <a:pPr algn="ctr"/>
@@ -21119,8 +21699,8 @@
         </p:nvSpPr>
         <p:spPr>
           <a:xfrm>
-            <a:off x="591210" y="3528315"/>
-            <a:ext cx="1266738" cy="1832250"/>
+            <a:off x="591210" y="3593631"/>
+            <a:ext cx="1485734" cy="2061498"/>
           </a:xfrm>
           <a:prstGeom prst="rect">
             <a:avLst/>
@@ -21182,8 +21762,8 @@
         </p:nvSpPr>
         <p:spPr>
           <a:xfrm>
-            <a:off x="591210" y="5360565"/>
-            <a:ext cx="1266738" cy="699018"/>
+            <a:off x="591210" y="5655129"/>
+            <a:ext cx="1485734" cy="469769"/>
           </a:xfrm>
           <a:prstGeom prst="rect">
             <a:avLst/>
@@ -21219,19 +21799,12 @@
           <a:p>
             <a:pPr algn="ctr"/>
             <a:r>
-              <a:rPr lang="en-US" altLang="ko-KR" sz="1000" dirty="0">
+              <a:rPr lang="en-US" altLang="ko-KR" sz="1000" b="1" dirty="0">
                 <a:latin typeface="맑은 고딕" panose="02000403000000020004" pitchFamily="50" charset="-127"/>
                 <a:ea typeface="맑은 고딕" panose="02000403000000020004" pitchFamily="50" charset="-127"/>
               </a:rPr>
               <a:t>Ubuntu 20.04</a:t>
             </a:r>
-          </a:p>
-          <a:p>
-            <a:pPr algn="ctr"/>
-            <a:endParaRPr lang="en-US" altLang="ko-KR" sz="1000" dirty="0">
-              <a:latin typeface="맑은 고딕" panose="02000403000000020004" pitchFamily="50" charset="-127"/>
-              <a:ea typeface="맑은 고딕" panose="02000403000000020004" pitchFamily="50" charset="-127"/>
-            </a:endParaRPr>
           </a:p>
           <a:p>
             <a:pPr algn="ctr"/>
@@ -21263,8 +21836,8 @@
         </p:nvSpPr>
         <p:spPr>
           <a:xfrm>
-            <a:off x="3601436" y="3528315"/>
-            <a:ext cx="1266738" cy="1832250"/>
+            <a:off x="4008620" y="3593631"/>
+            <a:ext cx="1485734" cy="2061498"/>
           </a:xfrm>
           <a:prstGeom prst="rect">
             <a:avLst/>
@@ -21326,8 +21899,8 @@
         </p:nvSpPr>
         <p:spPr>
           <a:xfrm>
-            <a:off x="3601436" y="5360565"/>
-            <a:ext cx="1266738" cy="699017"/>
+            <a:off x="4008620" y="5655130"/>
+            <a:ext cx="1485734" cy="469768"/>
           </a:xfrm>
           <a:prstGeom prst="rect">
             <a:avLst/>
@@ -21363,19 +21936,12 @@
           <a:p>
             <a:pPr algn="ctr"/>
             <a:r>
-              <a:rPr lang="en-US" altLang="ko-KR" sz="1000" dirty="0">
+              <a:rPr lang="en-US" altLang="ko-KR" sz="1000" b="1" dirty="0">
                 <a:latin typeface="맑은 고딕" panose="02000403000000020004" pitchFamily="50" charset="-127"/>
                 <a:ea typeface="맑은 고딕" panose="02000403000000020004" pitchFamily="50" charset="-127"/>
               </a:rPr>
               <a:t>Ubuntu 20.04</a:t>
             </a:r>
-          </a:p>
-          <a:p>
-            <a:pPr algn="ctr"/>
-            <a:endParaRPr lang="en-US" altLang="ko-KR" sz="1000" dirty="0">
-              <a:latin typeface="맑은 고딕" panose="02000403000000020004" pitchFamily="50" charset="-127"/>
-              <a:ea typeface="맑은 고딕" panose="02000403000000020004" pitchFamily="50" charset="-127"/>
-            </a:endParaRPr>
           </a:p>
           <a:p>
             <a:pPr algn="ctr"/>
@@ -21422,7 +21988,7 @@
         </p:blipFill>
         <p:spPr bwMode="auto">
           <a:xfrm>
-            <a:off x="696113" y="4008534"/>
+            <a:off x="773623" y="3900561"/>
             <a:ext cx="1048529" cy="699019"/>
           </a:xfrm>
           <a:prstGeom prst="rect">
@@ -21454,8 +22020,8 @@
         </p:nvSpPr>
         <p:spPr>
           <a:xfrm>
-            <a:off x="690619" y="3530024"/>
-            <a:ext cx="1067920" cy="461665"/>
+            <a:off x="828082" y="3595340"/>
+            <a:ext cx="948016" cy="276999"/>
           </a:xfrm>
           <a:prstGeom prst="rect">
             <a:avLst/>
@@ -21470,23 +22036,13 @@
           <a:p>
             <a:pPr algn="ctr"/>
             <a:r>
-              <a:rPr lang="en-US" altLang="ko-KR" sz="1200">
-                <a:latin typeface="맑은 고딕" panose="02000403000000020004" pitchFamily="50" charset="-127"/>
-                <a:ea typeface="맑은 고딕" panose="02000403000000020004" pitchFamily="50" charset="-127"/>
-              </a:rPr>
-              <a:t>K8S</a:t>
-            </a:r>
-          </a:p>
-          <a:p>
-            <a:pPr algn="ctr"/>
-            <a:r>
-              <a:rPr lang="en-US" altLang="ko-KR" sz="1200">
-                <a:latin typeface="맑은 고딕" panose="02000403000000020004" pitchFamily="50" charset="-127"/>
-                <a:ea typeface="맑은 고딕" panose="02000403000000020004" pitchFamily="50" charset="-127"/>
-              </a:rPr>
-              <a:t>Master Node</a:t>
-            </a:r>
-            <a:endParaRPr lang="ko-KR" altLang="en-US" sz="1200">
+              <a:rPr lang="en-US" altLang="ko-KR" sz="1200" dirty="0">
+                <a:latin typeface="맑은 고딕" panose="02000403000000020004" pitchFamily="50" charset="-127"/>
+                <a:ea typeface="맑은 고딕" panose="02000403000000020004" pitchFamily="50" charset="-127"/>
+              </a:rPr>
+              <a:t>k8s-master</a:t>
+            </a:r>
+            <a:endParaRPr lang="ko-KR" altLang="en-US" sz="1200" dirty="0">
               <a:latin typeface="맑은 고딕" panose="02000403000000020004" pitchFamily="50" charset="-127"/>
               <a:ea typeface="맑은 고딕" panose="02000403000000020004" pitchFamily="50" charset="-127"/>
             </a:endParaRPr>
@@ -21507,8 +22063,8 @@
         </p:nvSpPr>
         <p:spPr>
           <a:xfrm>
-            <a:off x="2081060" y="3530024"/>
-            <a:ext cx="1274708" cy="461665"/>
+            <a:off x="2295931" y="3595340"/>
+            <a:ext cx="1471878" cy="276999"/>
           </a:xfrm>
           <a:prstGeom prst="rect">
             <a:avLst/>
@@ -21516,30 +22072,20 @@
           <a:noFill/>
         </p:spPr>
         <p:txBody>
-          <a:bodyPr wrap="none" rtlCol="0">
+          <a:bodyPr wrap="square" rtlCol="0">
             <a:spAutoFit/>
           </a:bodyPr>
           <a:lstStyle/>
           <a:p>
             <a:pPr algn="ctr"/>
             <a:r>
-              <a:rPr lang="en-US" altLang="ko-KR" sz="1200">
-                <a:latin typeface="맑은 고딕" panose="02000403000000020004" pitchFamily="50" charset="-127"/>
-                <a:ea typeface="맑은 고딕" panose="02000403000000020004" pitchFamily="50" charset="-127"/>
-              </a:rPr>
-              <a:t>K8S</a:t>
-            </a:r>
-          </a:p>
-          <a:p>
-            <a:pPr algn="ctr"/>
-            <a:r>
-              <a:rPr lang="en-US" altLang="ko-KR" sz="1200">
-                <a:latin typeface="맑은 고딕" panose="02000403000000020004" pitchFamily="50" charset="-127"/>
-                <a:ea typeface="맑은 고딕" panose="02000403000000020004" pitchFamily="50" charset="-127"/>
-              </a:rPr>
-              <a:t>Worker Node #1</a:t>
-            </a:r>
-            <a:endParaRPr lang="ko-KR" altLang="en-US" sz="1200">
+              <a:rPr lang="en-US" altLang="ko-KR" sz="1200" dirty="0">
+                <a:latin typeface="맑은 고딕" panose="02000403000000020004" pitchFamily="50" charset="-127"/>
+                <a:ea typeface="맑은 고딕" panose="02000403000000020004" pitchFamily="50" charset="-127"/>
+              </a:rPr>
+              <a:t>k8s-node1</a:t>
+            </a:r>
+            <a:endParaRPr lang="ko-KR" altLang="en-US" sz="1200" dirty="0">
               <a:latin typeface="맑은 고딕" panose="02000403000000020004" pitchFamily="50" charset="-127"/>
               <a:ea typeface="맑은 고딕" panose="02000403000000020004" pitchFamily="50" charset="-127"/>
             </a:endParaRPr>
@@ -21560,8 +22106,8 @@
         </p:nvSpPr>
         <p:spPr>
           <a:xfrm>
-            <a:off x="3583826" y="3530024"/>
-            <a:ext cx="1301959" cy="461665"/>
+            <a:off x="3991010" y="3595340"/>
+            <a:ext cx="1503344" cy="276999"/>
           </a:xfrm>
           <a:prstGeom prst="rect">
             <a:avLst/>
@@ -21569,30 +22115,20 @@
           <a:noFill/>
         </p:spPr>
         <p:txBody>
-          <a:bodyPr wrap="none" rtlCol="0">
+          <a:bodyPr wrap="square" rtlCol="0">
             <a:spAutoFit/>
           </a:bodyPr>
           <a:lstStyle/>
           <a:p>
             <a:pPr algn="ctr"/>
             <a:r>
-              <a:rPr lang="en-US" altLang="ko-KR" sz="1200">
-                <a:latin typeface="맑은 고딕" panose="02000403000000020004" pitchFamily="50" charset="-127"/>
-                <a:ea typeface="맑은 고딕" panose="02000403000000020004" pitchFamily="50" charset="-127"/>
-              </a:rPr>
-              <a:t>K8S</a:t>
-            </a:r>
-          </a:p>
-          <a:p>
-            <a:pPr algn="ctr"/>
-            <a:r>
-              <a:rPr lang="en-US" altLang="ko-KR" sz="1200">
-                <a:latin typeface="맑은 고딕" panose="02000403000000020004" pitchFamily="50" charset="-127"/>
-                <a:ea typeface="맑은 고딕" panose="02000403000000020004" pitchFamily="50" charset="-127"/>
-              </a:rPr>
-              <a:t>Worker Node #2</a:t>
-            </a:r>
-            <a:endParaRPr lang="ko-KR" altLang="en-US" sz="1200">
+              <a:rPr lang="en-US" altLang="ko-KR" sz="1200" dirty="0">
+                <a:latin typeface="맑은 고딕" panose="02000403000000020004" pitchFamily="50" charset="-127"/>
+                <a:ea typeface="맑은 고딕" panose="02000403000000020004" pitchFamily="50" charset="-127"/>
+              </a:rPr>
+              <a:t>k8s-node2</a:t>
+            </a:r>
+            <a:endParaRPr lang="ko-KR" altLang="en-US" sz="1200" dirty="0">
               <a:latin typeface="맑은 고딕" panose="02000403000000020004" pitchFamily="50" charset="-127"/>
               <a:ea typeface="맑은 고딕" panose="02000403000000020004" pitchFamily="50" charset="-127"/>
             </a:endParaRPr>
@@ -21613,8 +22149,8 @@
         </p:nvSpPr>
         <p:spPr>
           <a:xfrm>
-            <a:off x="652044" y="4665940"/>
-            <a:ext cx="998991" cy="400110"/>
+            <a:off x="591210" y="4731256"/>
+            <a:ext cx="1489718" cy="707886"/>
           </a:xfrm>
           <a:prstGeom prst="rect">
             <a:avLst/>
@@ -21622,7 +22158,7 @@
           <a:noFill/>
         </p:spPr>
         <p:txBody>
-          <a:bodyPr wrap="none" rtlCol="0">
+          <a:bodyPr wrap="square" rtlCol="0">
             <a:spAutoFit/>
           </a:bodyPr>
           <a:lstStyle/>
@@ -21645,6 +22181,36 @@
               <a:buChar char="•"/>
             </a:pPr>
             <a:r>
+              <a:rPr lang="en-US" altLang="ko-KR" sz="1000" dirty="0" err="1">
+                <a:latin typeface="맑은 고딕" panose="02000403000000020004" pitchFamily="50" charset="-127"/>
+                <a:ea typeface="맑은 고딕" panose="02000403000000020004" pitchFamily="50" charset="-127"/>
+              </a:rPr>
+              <a:t>Containerd</a:t>
+            </a:r>
+            <a:endParaRPr lang="en-US" altLang="ko-KR" sz="1000" dirty="0">
+              <a:latin typeface="맑은 고딕" panose="02000403000000020004" pitchFamily="50" charset="-127"/>
+              <a:ea typeface="맑은 고딕" panose="02000403000000020004" pitchFamily="50" charset="-127"/>
+            </a:endParaRPr>
+          </a:p>
+          <a:p>
+            <a:pPr marL="108000" indent="-108000">
+              <a:buFont typeface="Arial" panose="020B0604020202020204" pitchFamily="34" charset="0"/>
+              <a:buChar char="•"/>
+            </a:pPr>
+            <a:r>
+              <a:rPr lang="en-US" altLang="ko-KR" sz="1000" dirty="0">
+                <a:latin typeface="맑은 고딕" panose="02000403000000020004" pitchFamily="50" charset="-127"/>
+                <a:ea typeface="맑은 고딕" panose="02000403000000020004" pitchFamily="50" charset="-127"/>
+              </a:rPr>
+              <a:t>k8s</a:t>
+            </a:r>
+          </a:p>
+          <a:p>
+            <a:pPr marL="108000" indent="-108000">
+              <a:buFont typeface="Arial" panose="020B0604020202020204" pitchFamily="34" charset="0"/>
+              <a:buChar char="•"/>
+            </a:pPr>
+            <a:r>
               <a:rPr lang="en-US" altLang="ko-KR" sz="1000" dirty="0">
                 <a:latin typeface="맑은 고딕" panose="02000403000000020004" pitchFamily="50" charset="-127"/>
                 <a:ea typeface="맑은 고딕" panose="02000403000000020004" pitchFamily="50" charset="-127"/>
@@ -21660,10 +22226,10 @@
       </p:sp>
       <p:sp>
         <p:nvSpPr>
-          <p:cNvPr id="65" name="TextBox 64">
-            <a:extLst>
-              <a:ext uri="{FF2B5EF4-FFF2-40B4-BE49-F238E27FC236}">
-                <a16:creationId xmlns:a16="http://schemas.microsoft.com/office/drawing/2014/main" id="{813EFB23-865E-4EF6-90DB-0086407C8344}"/>
+          <p:cNvPr id="7" name="TextBox 6">
+            <a:extLst>
+              <a:ext uri="{FF2B5EF4-FFF2-40B4-BE49-F238E27FC236}">
+                <a16:creationId xmlns:a16="http://schemas.microsoft.com/office/drawing/2014/main" id="{66199A79-2EDF-A5D0-4280-A2BBE28F8165}"/>
               </a:ext>
             </a:extLst>
           </p:cNvPr>
@@ -21672,8 +22238,8 @@
         </p:nvSpPr>
         <p:spPr>
           <a:xfrm>
-            <a:off x="2150046" y="4665940"/>
-            <a:ext cx="700833" cy="246221"/>
+            <a:off x="2303568" y="4731256"/>
+            <a:ext cx="1489718" cy="707886"/>
           </a:xfrm>
           <a:prstGeom prst="rect">
             <a:avLst/>
@@ -21681,7 +22247,7 @@
           <a:noFill/>
         </p:spPr>
         <p:txBody>
-          <a:bodyPr wrap="none" rtlCol="0">
+          <a:bodyPr wrap="square" rtlCol="0">
             <a:spAutoFit/>
           </a:bodyPr>
           <a:lstStyle/>
@@ -21697,6 +22263,49 @@
               </a:rPr>
               <a:t>Docker</a:t>
             </a:r>
+          </a:p>
+          <a:p>
+            <a:pPr marL="108000" indent="-108000">
+              <a:buFont typeface="Arial" panose="020B0604020202020204" pitchFamily="34" charset="0"/>
+              <a:buChar char="•"/>
+            </a:pPr>
+            <a:r>
+              <a:rPr lang="en-US" altLang="ko-KR" sz="1000" dirty="0" err="1">
+                <a:latin typeface="맑은 고딕" panose="02000403000000020004" pitchFamily="50" charset="-127"/>
+                <a:ea typeface="맑은 고딕" panose="02000403000000020004" pitchFamily="50" charset="-127"/>
+              </a:rPr>
+              <a:t>Containerd</a:t>
+            </a:r>
+            <a:endParaRPr lang="en-US" altLang="ko-KR" sz="1000" dirty="0">
+              <a:latin typeface="맑은 고딕" panose="02000403000000020004" pitchFamily="50" charset="-127"/>
+              <a:ea typeface="맑은 고딕" panose="02000403000000020004" pitchFamily="50" charset="-127"/>
+            </a:endParaRPr>
+          </a:p>
+          <a:p>
+            <a:pPr marL="108000" indent="-108000">
+              <a:buFont typeface="Arial" panose="020B0604020202020204" pitchFamily="34" charset="0"/>
+              <a:buChar char="•"/>
+            </a:pPr>
+            <a:r>
+              <a:rPr lang="en-US" altLang="ko-KR" sz="1000" dirty="0">
+                <a:latin typeface="맑은 고딕" panose="02000403000000020004" pitchFamily="50" charset="-127"/>
+                <a:ea typeface="맑은 고딕" panose="02000403000000020004" pitchFamily="50" charset="-127"/>
+              </a:rPr>
+              <a:t>k8s</a:t>
+            </a:r>
+          </a:p>
+          <a:p>
+            <a:pPr marL="108000" indent="-108000">
+              <a:buFont typeface="Arial" panose="020B0604020202020204" pitchFamily="34" charset="0"/>
+              <a:buChar char="•"/>
+            </a:pPr>
+            <a:r>
+              <a:rPr lang="en-US" altLang="ko-KR" sz="1000" dirty="0">
+                <a:latin typeface="맑은 고딕" panose="02000403000000020004" pitchFamily="50" charset="-127"/>
+                <a:ea typeface="맑은 고딕" panose="02000403000000020004" pitchFamily="50" charset="-127"/>
+              </a:rPr>
+              <a:t>Weave N/W</a:t>
+            </a:r>
             <a:endParaRPr lang="ko-KR" altLang="en-US" sz="1000" dirty="0">
               <a:latin typeface="맑은 고딕" panose="02000403000000020004" pitchFamily="50" charset="-127"/>
               <a:ea typeface="맑은 고딕" panose="02000403000000020004" pitchFamily="50" charset="-127"/>
@@ -21706,10 +22315,10 @@
       </p:sp>
       <p:sp>
         <p:nvSpPr>
-          <p:cNvPr id="66" name="TextBox 65">
-            <a:extLst>
-              <a:ext uri="{FF2B5EF4-FFF2-40B4-BE49-F238E27FC236}">
-                <a16:creationId xmlns:a16="http://schemas.microsoft.com/office/drawing/2014/main" id="{BD3C8DC8-D1BB-4039-A7B2-72E179589C00}"/>
+          <p:cNvPr id="8" name="TextBox 7">
+            <a:extLst>
+              <a:ext uri="{FF2B5EF4-FFF2-40B4-BE49-F238E27FC236}">
+                <a16:creationId xmlns:a16="http://schemas.microsoft.com/office/drawing/2014/main" id="{5D32964A-2A39-1B46-6B4A-6AE817A6F4E5}"/>
               </a:ext>
             </a:extLst>
           </p:cNvPr>
@@ -21718,8 +22327,8 @@
         </p:nvSpPr>
         <p:spPr>
           <a:xfrm>
-            <a:off x="3655159" y="4665940"/>
-            <a:ext cx="700833" cy="246221"/>
+            <a:off x="4016257" y="4731256"/>
+            <a:ext cx="1489718" cy="707886"/>
           </a:xfrm>
           <a:prstGeom prst="rect">
             <a:avLst/>
@@ -21727,7 +22336,7 @@
           <a:noFill/>
         </p:spPr>
         <p:txBody>
-          <a:bodyPr wrap="none" rtlCol="0">
+          <a:bodyPr wrap="square" rtlCol="0">
             <a:spAutoFit/>
           </a:bodyPr>
           <a:lstStyle/>
@@ -21742,6 +22351,49 @@
                 <a:ea typeface="맑은 고딕" panose="02000403000000020004" pitchFamily="50" charset="-127"/>
               </a:rPr>
               <a:t>Docker</a:t>
+            </a:r>
+          </a:p>
+          <a:p>
+            <a:pPr marL="108000" indent="-108000">
+              <a:buFont typeface="Arial" panose="020B0604020202020204" pitchFamily="34" charset="0"/>
+              <a:buChar char="•"/>
+            </a:pPr>
+            <a:r>
+              <a:rPr lang="en-US" altLang="ko-KR" sz="1000" dirty="0" err="1">
+                <a:latin typeface="맑은 고딕" panose="02000403000000020004" pitchFamily="50" charset="-127"/>
+                <a:ea typeface="맑은 고딕" panose="02000403000000020004" pitchFamily="50" charset="-127"/>
+              </a:rPr>
+              <a:t>Containerd</a:t>
+            </a:r>
+            <a:endParaRPr lang="en-US" altLang="ko-KR" sz="1000" dirty="0">
+              <a:latin typeface="맑은 고딕" panose="02000403000000020004" pitchFamily="50" charset="-127"/>
+              <a:ea typeface="맑은 고딕" panose="02000403000000020004" pitchFamily="50" charset="-127"/>
+            </a:endParaRPr>
+          </a:p>
+          <a:p>
+            <a:pPr marL="108000" indent="-108000">
+              <a:buFont typeface="Arial" panose="020B0604020202020204" pitchFamily="34" charset="0"/>
+              <a:buChar char="•"/>
+            </a:pPr>
+            <a:r>
+              <a:rPr lang="en-US" altLang="ko-KR" sz="1000" dirty="0">
+                <a:latin typeface="맑은 고딕" panose="02000403000000020004" pitchFamily="50" charset="-127"/>
+                <a:ea typeface="맑은 고딕" panose="02000403000000020004" pitchFamily="50" charset="-127"/>
+              </a:rPr>
+              <a:t>k8s</a:t>
+            </a:r>
+          </a:p>
+          <a:p>
+            <a:pPr marL="108000" indent="-108000">
+              <a:buFont typeface="Arial" panose="020B0604020202020204" pitchFamily="34" charset="0"/>
+              <a:buChar char="•"/>
+            </a:pPr>
+            <a:r>
+              <a:rPr lang="en-US" altLang="ko-KR" sz="1000" dirty="0">
+                <a:latin typeface="맑은 고딕" panose="02000403000000020004" pitchFamily="50" charset="-127"/>
+                <a:ea typeface="맑은 고딕" panose="02000403000000020004" pitchFamily="50" charset="-127"/>
+              </a:rPr>
+              <a:t>Weave N/W</a:t>
             </a:r>
             <a:endParaRPr lang="ko-KR" altLang="en-US" sz="1000" dirty="0">
               <a:latin typeface="맑은 고딕" panose="02000403000000020004" pitchFamily="50" charset="-127"/>
@@ -22232,7 +22884,7 @@
         <p:spPr>
           <a:xfrm>
             <a:off x="243281" y="2763899"/>
-            <a:ext cx="920445" cy="377732"/>
+            <a:ext cx="1449436" cy="373885"/>
           </a:xfrm>
           <a:prstGeom prst="rect">
             <a:avLst/>
@@ -22258,11 +22910,15 @@
           </a:lstStyle>
           <a:p>
             <a:r>
-              <a:rPr lang="en-US" altLang="ko-KR"/>
-              <a:t>Lens </a:t>
-            </a:r>
-            <a:r>
-              <a:rPr lang="ko-KR" altLang="en-US"/>
+              <a:rPr lang="en-US" altLang="ko-KR" dirty="0" err="1"/>
+              <a:t>OpenLens</a:t>
+            </a:r>
+            <a:r>
+              <a:rPr lang="en-US" altLang="ko-KR" dirty="0"/>
+              <a:t> </a:t>
+            </a:r>
+            <a:r>
+              <a:rPr lang="ko-KR" altLang="en-US" dirty="0"/>
               <a:t>접속</a:t>
             </a:r>
           </a:p>
@@ -22386,6 +23042,134 @@
           </a:prstGeom>
         </p:spPr>
       </p:pic>
+      <p:sp>
+        <p:nvSpPr>
+          <p:cNvPr id="3" name="TextBox 2">
+            <a:extLst>
+              <a:ext uri="{FF2B5EF4-FFF2-40B4-BE49-F238E27FC236}">
+                <a16:creationId xmlns:a16="http://schemas.microsoft.com/office/drawing/2014/main" id="{CD1A2F47-659E-C343-F85E-359F767B14B9}"/>
+              </a:ext>
+            </a:extLst>
+          </p:cNvPr>
+          <p:cNvSpPr txBox="1"/>
+          <p:nvPr/>
+        </p:nvSpPr>
+        <p:spPr>
+          <a:xfrm>
+            <a:off x="3175179" y="2230862"/>
+            <a:ext cx="5482591" cy="333617"/>
+          </a:xfrm>
+          <a:prstGeom prst="rect">
+            <a:avLst/>
+          </a:prstGeom>
+          <a:noFill/>
+        </p:spPr>
+        <p:txBody>
+          <a:bodyPr wrap="none" rtlCol="0">
+            <a:spAutoFit/>
+          </a:bodyPr>
+          <a:lstStyle/>
+          <a:p>
+            <a:pPr>
+              <a:lnSpc>
+                <a:spcPct val="150000"/>
+              </a:lnSpc>
+            </a:pPr>
+            <a:r>
+              <a:rPr lang="en-US" altLang="ko-KR" sz="1200" dirty="0">
+                <a:latin typeface="맑은 고딕" panose="02000403000000020004" pitchFamily="50" charset="-127"/>
+                <a:ea typeface="맑은 고딕" panose="02000403000000020004" pitchFamily="50" charset="-127"/>
+              </a:rPr>
+              <a:t>SSL</a:t>
+            </a:r>
+            <a:r>
+              <a:rPr lang="ko-KR" altLang="en-US" sz="1200" dirty="0">
+                <a:latin typeface="맑은 고딕" panose="02000403000000020004" pitchFamily="50" charset="-127"/>
+                <a:ea typeface="맑은 고딕" panose="02000403000000020004" pitchFamily="50" charset="-127"/>
+              </a:rPr>
+              <a:t> 인증서 문제로 접속이 차단된다</a:t>
+            </a:r>
+            <a:r>
+              <a:rPr lang="en-US" altLang="ko-KR" sz="1200" dirty="0">
+                <a:latin typeface="맑은 고딕" panose="02000403000000020004" pitchFamily="50" charset="-127"/>
+                <a:ea typeface="맑은 고딕" panose="02000403000000020004" pitchFamily="50" charset="-127"/>
+              </a:rPr>
+              <a:t>. </a:t>
+            </a:r>
+            <a:r>
+              <a:rPr lang="en-US" altLang="ko-KR" sz="1200" dirty="0" err="1">
+                <a:latin typeface="맑은 고딕" panose="02000403000000020004" pitchFamily="50" charset="-127"/>
+                <a:ea typeface="맑은 고딕" panose="02000403000000020004" pitchFamily="50" charset="-127"/>
+              </a:rPr>
+              <a:t>thisisunsafe</a:t>
+            </a:r>
+            <a:r>
+              <a:rPr lang="ko-KR" altLang="en-US" sz="1200" dirty="0">
+                <a:latin typeface="맑은 고딕" panose="02000403000000020004" pitchFamily="50" charset="-127"/>
+                <a:ea typeface="맑은 고딕" panose="02000403000000020004" pitchFamily="50" charset="-127"/>
+              </a:rPr>
+              <a:t>를 입력하면 접속할 수 있다</a:t>
+            </a:r>
+            <a:r>
+              <a:rPr lang="en-US" altLang="ko-KR" sz="1200" dirty="0">
+                <a:latin typeface="맑은 고딕" panose="02000403000000020004" pitchFamily="50" charset="-127"/>
+                <a:ea typeface="맑은 고딕" panose="02000403000000020004" pitchFamily="50" charset="-127"/>
+              </a:rPr>
+              <a:t>.</a:t>
+            </a:r>
+            <a:endParaRPr lang="ko-KR" altLang="en-US" sz="1200" dirty="0">
+              <a:latin typeface="맑은 고딕" panose="02000403000000020004" pitchFamily="50" charset="-127"/>
+              <a:ea typeface="맑은 고딕" panose="02000403000000020004" pitchFamily="50" charset="-127"/>
+            </a:endParaRPr>
+          </a:p>
+        </p:txBody>
+      </p:sp>
+      <p:sp>
+        <p:nvSpPr>
+          <p:cNvPr id="5" name="TextBox 4">
+            <a:extLst>
+              <a:ext uri="{FF2B5EF4-FFF2-40B4-BE49-F238E27FC236}">
+                <a16:creationId xmlns:a16="http://schemas.microsoft.com/office/drawing/2014/main" id="{B147DA3E-73D0-A7C1-CB8A-1CFBDCF5B2D9}"/>
+              </a:ext>
+            </a:extLst>
+          </p:cNvPr>
+          <p:cNvSpPr txBox="1"/>
+          <p:nvPr/>
+        </p:nvSpPr>
+        <p:spPr>
+          <a:xfrm>
+            <a:off x="3175179" y="1853130"/>
+            <a:ext cx="1156086" cy="377732"/>
+          </a:xfrm>
+          <a:prstGeom prst="rect">
+            <a:avLst/>
+          </a:prstGeom>
+          <a:noFill/>
+        </p:spPr>
+        <p:txBody>
+          <a:bodyPr wrap="none" rtlCol="0">
+            <a:spAutoFit/>
+          </a:bodyPr>
+          <a:lstStyle/>
+          <a:p>
+            <a:pPr>
+              <a:lnSpc>
+                <a:spcPct val="150000"/>
+              </a:lnSpc>
+            </a:pPr>
+            <a:r>
+              <a:rPr lang="ko-KR" altLang="en-US" sz="1400" b="1" dirty="0">
+                <a:latin typeface="맑은 고딕" panose="02000403000000020004" pitchFamily="50" charset="-127"/>
+              </a:rPr>
+              <a:t>📣 유의 사항</a:t>
+            </a:r>
+            <a:endParaRPr lang="ko-KR" altLang="en-US" sz="1200" dirty="0">
+              <a:latin typeface="맑은 고딕" panose="02000403000000020004" pitchFamily="50" charset="-127"/>
+              <a:ea typeface="맑은 고딕" panose="02000403000000020004" pitchFamily="50" charset="-127"/>
+            </a:endParaRPr>
+          </a:p>
+        </p:txBody>
+      </p:sp>
     </p:spTree>
     <p:extLst>
       <p:ext uri="{BB962C8B-B14F-4D97-AF65-F5344CB8AC3E}">
@@ -28078,12 +28862,12 @@
               </a:lnSpc>
             </a:pPr>
             <a:r>
-              <a:rPr lang="ko-KR" altLang="en-US" sz="1400" b="1">
+              <a:rPr lang="ko-KR" altLang="en-US" sz="1400" b="1" dirty="0">
                 <a:latin typeface="맑은 고딕" panose="02000403000000020004" pitchFamily="50" charset="-127"/>
               </a:rPr>
               <a:t>📣 유의 사항</a:t>
             </a:r>
-            <a:endParaRPr lang="ko-KR" altLang="en-US" sz="1200">
+            <a:endParaRPr lang="ko-KR" altLang="en-US" sz="1200" dirty="0">
               <a:latin typeface="맑은 고딕" panose="02000403000000020004" pitchFamily="50" charset="-127"/>
               <a:ea typeface="맑은 고딕" panose="02000403000000020004" pitchFamily="50" charset="-127"/>
             </a:endParaRPr>

--- a/k8s practice.pptx
+++ b/k8s practice.pptx
@@ -209,7 +209,7 @@
           <a:p>
             <a:fld id="{AAC35182-80B8-4A55-8227-A83156A249BB}" type="datetimeFigureOut">
               <a:rPr lang="ko-KR" altLang="en-US" smtClean="0"/>
-              <a:t>2024-03-05</a:t>
+              <a:t>2024-03-10</a:t>
             </a:fld>
             <a:endParaRPr lang="ko-KR" altLang="en-US"/>
           </a:p>
@@ -607,7 +607,7 @@
           <a:p>
             <a:fld id="{4FB3F101-53C3-4B54-BD28-30F7B7E72CB2}" type="datetime1">
               <a:rPr lang="ko-KR" altLang="en-US" smtClean="0"/>
-              <a:t>2024-03-05</a:t>
+              <a:t>2024-03-10</a:t>
             </a:fld>
             <a:endParaRPr lang="ko-KR" altLang="en-US"/>
           </a:p>
@@ -791,7 +791,7 @@
           <a:p>
             <a:fld id="{27E8263C-5973-4535-B0CA-9585BFF56192}" type="datetime1">
               <a:rPr lang="ko-KR" altLang="en-US" smtClean="0"/>
-              <a:t>2024-03-05</a:t>
+              <a:t>2024-03-10</a:t>
             </a:fld>
             <a:endParaRPr lang="ko-KR" altLang="en-US"/>
           </a:p>
@@ -971,7 +971,7 @@
           <a:p>
             <a:fld id="{AA51E4E3-75D9-4B98-AE41-882A49AFE0F5}" type="datetime1">
               <a:rPr lang="ko-KR" altLang="en-US" smtClean="0"/>
-              <a:t>2024-03-05</a:t>
+              <a:t>2024-03-10</a:t>
             </a:fld>
             <a:endParaRPr lang="ko-KR" altLang="en-US"/>
           </a:p>
@@ -1141,7 +1141,7 @@
           <a:p>
             <a:fld id="{4049B1A8-07DC-47FB-AE48-657BFD66889D}" type="datetime1">
               <a:rPr lang="ko-KR" altLang="en-US" smtClean="0"/>
-              <a:t>2024-03-05</a:t>
+              <a:t>2024-03-10</a:t>
             </a:fld>
             <a:endParaRPr lang="ko-KR" altLang="en-US"/>
           </a:p>
@@ -1385,7 +1385,7 @@
           <a:p>
             <a:fld id="{71D54BA1-A9BA-4F9A-8277-7BFEBA3925B3}" type="datetime1">
               <a:rPr lang="ko-KR" altLang="en-US" smtClean="0"/>
-              <a:t>2024-03-05</a:t>
+              <a:t>2024-03-10</a:t>
             </a:fld>
             <a:endParaRPr lang="ko-KR" altLang="en-US"/>
           </a:p>
@@ -1617,7 +1617,7 @@
           <a:p>
             <a:fld id="{476A90ED-5C57-48D8-AA4A-D1D0CF037C43}" type="datetime1">
               <a:rPr lang="ko-KR" altLang="en-US" smtClean="0"/>
-              <a:t>2024-03-05</a:t>
+              <a:t>2024-03-10</a:t>
             </a:fld>
             <a:endParaRPr lang="ko-KR" altLang="en-US"/>
           </a:p>
@@ -1984,7 +1984,7 @@
           <a:p>
             <a:fld id="{629BD04B-A934-4F94-ABBE-E9DBCBE4745D}" type="datetime1">
               <a:rPr lang="ko-KR" altLang="en-US" smtClean="0"/>
-              <a:t>2024-03-05</a:t>
+              <a:t>2024-03-10</a:t>
             </a:fld>
             <a:endParaRPr lang="ko-KR" altLang="en-US"/>
           </a:p>
@@ -2102,7 +2102,7 @@
           <a:p>
             <a:fld id="{B5376FE3-B12B-4494-9FB0-20B759B39233}" type="datetime1">
               <a:rPr lang="ko-KR" altLang="en-US" smtClean="0"/>
-              <a:t>2024-03-05</a:t>
+              <a:t>2024-03-10</a:t>
             </a:fld>
             <a:endParaRPr lang="ko-KR" altLang="en-US"/>
           </a:p>
@@ -2461,7 +2461,7 @@
           <a:p>
             <a:fld id="{8D3A43ED-BE87-4156-93B6-1AA6F8EE87EA}" type="datetime1">
               <a:rPr lang="ko-KR" altLang="en-US" smtClean="0"/>
-              <a:t>2024-03-05</a:t>
+              <a:t>2024-03-10</a:t>
             </a:fld>
             <a:endParaRPr lang="ko-KR" altLang="en-US"/>
           </a:p>
@@ -2718,7 +2718,7 @@
           <a:p>
             <a:fld id="{553E934C-D1CE-402C-B70A-6CDDE585F508}" type="datetime1">
               <a:rPr lang="ko-KR" altLang="en-US" smtClean="0"/>
-              <a:t>2024-03-05</a:t>
+              <a:t>2024-03-10</a:t>
             </a:fld>
             <a:endParaRPr lang="ko-KR" altLang="en-US"/>
           </a:p>
@@ -2931,7 +2931,7 @@
           <a:p>
             <a:fld id="{09E5A2A5-F2A5-43D6-9171-C9945D8C3B6F}" type="datetime1">
               <a:rPr lang="ko-KR" altLang="en-US" smtClean="0"/>
-              <a:t>2024-03-05</a:t>
+              <a:t>2024-03-10</a:t>
             </a:fld>
             <a:endParaRPr lang="ko-KR" altLang="en-US"/>
           </a:p>
@@ -14066,8 +14066,8 @@
         </p:nvSpPr>
         <p:spPr>
           <a:xfrm>
-            <a:off x="5539375" y="4413870"/>
-            <a:ext cx="1324402" cy="276999"/>
+            <a:off x="5523570" y="4413870"/>
+            <a:ext cx="1356012" cy="276999"/>
           </a:xfrm>
           <a:prstGeom prst="rect">
             <a:avLst/>
@@ -14082,13 +14082,13 @@
           <a:p>
             <a:pPr algn="ctr"/>
             <a:r>
-              <a:rPr lang="en-US" altLang="ko-KR" sz="1200">
-                <a:latin typeface="맑은 고딕" panose="02000403000000020004" pitchFamily="50" charset="-127"/>
-                <a:ea typeface="맑은 고딕" panose="02000403000000020004" pitchFamily="50" charset="-127"/>
-              </a:rPr>
-              <a:t>VirtualBox 6.1.30</a:t>
-            </a:r>
-            <a:endParaRPr lang="ko-KR" altLang="en-US" sz="1200">
+              <a:rPr lang="en-US" altLang="ko-KR" sz="1200" dirty="0">
+                <a:latin typeface="맑은 고딕" panose="02000403000000020004" pitchFamily="50" charset="-127"/>
+                <a:ea typeface="맑은 고딕" panose="02000403000000020004" pitchFamily="50" charset="-127"/>
+              </a:rPr>
+              <a:t>VirtualBox 7.0.14</a:t>
+            </a:r>
+            <a:endParaRPr lang="ko-KR" altLang="en-US" sz="1200" dirty="0">
               <a:latin typeface="맑은 고딕" panose="02000403000000020004" pitchFamily="50" charset="-127"/>
               <a:ea typeface="맑은 고딕" panose="02000403000000020004" pitchFamily="50" charset="-127"/>
             </a:endParaRPr>
@@ -16784,7 +16784,7 @@
                         </a:spcAft>
                       </a:pPr>
                       <a:r>
-                        <a:rPr lang="ko-KR" altLang="en-US" sz="1000" b="0" i="0" u="none">
+                        <a:rPr lang="ko-KR" altLang="en-US" sz="1000" b="0" i="0" u="none" dirty="0">
                           <a:solidFill>
                             <a:srgbClr val="000000"/>
                           </a:solidFill>
@@ -16794,17 +16794,17 @@
                         <a:t>버전 </a:t>
                       </a:r>
                       <a:r>
-                        <a:rPr lang="en-US" altLang="ko-KR" sz="1000" b="0" i="0" u="none">
+                        <a:rPr lang="en-US" altLang="ko-KR" sz="1000" b="0" i="0" u="none" dirty="0">
                           <a:solidFill>
                             <a:srgbClr val="000000"/>
                           </a:solidFill>
                           <a:latin typeface="맑은 고딕" panose="02000403000000020004" pitchFamily="50" charset="-127"/>
                           <a:ea typeface="맑은 고딕" panose="02000403000000020004" pitchFamily="50" charset="-127"/>
                         </a:rPr>
-                        <a:t>6.1.30 </a:t>
+                        <a:t>7.0.14 </a:t>
                       </a:r>
                       <a:r>
-                        <a:rPr lang="ko-KR" altLang="en-US" sz="1000" b="0" i="0" u="none">
+                        <a:rPr lang="ko-KR" altLang="en-US" sz="1000" b="0" i="0" u="none" dirty="0">
                           <a:solidFill>
                             <a:srgbClr val="000000"/>
                           </a:solidFill>
@@ -21472,8 +21472,8 @@
         </p:nvSpPr>
         <p:spPr>
           <a:xfrm>
-            <a:off x="4282442" y="6140579"/>
-            <a:ext cx="1324402" cy="276999"/>
+            <a:off x="4266637" y="6140579"/>
+            <a:ext cx="1356012" cy="276999"/>
           </a:xfrm>
           <a:prstGeom prst="rect">
             <a:avLst/>
@@ -21488,13 +21488,13 @@
           <a:p>
             <a:pPr algn="ctr"/>
             <a:r>
-              <a:rPr lang="en-US" altLang="ko-KR" sz="1200">
-                <a:latin typeface="맑은 고딕" panose="02000403000000020004" pitchFamily="50" charset="-127"/>
-                <a:ea typeface="맑은 고딕" panose="02000403000000020004" pitchFamily="50" charset="-127"/>
-              </a:rPr>
-              <a:t>VirtualBox 6.1.30</a:t>
-            </a:r>
-            <a:endParaRPr lang="ko-KR" altLang="en-US" sz="1200">
+              <a:rPr lang="en-US" altLang="ko-KR" sz="1200" dirty="0">
+                <a:latin typeface="맑은 고딕" panose="02000403000000020004" pitchFamily="50" charset="-127"/>
+                <a:ea typeface="맑은 고딕" panose="02000403000000020004" pitchFamily="50" charset="-127"/>
+              </a:rPr>
+              <a:t>VirtualBox 7.0.14</a:t>
+            </a:r>
+            <a:endParaRPr lang="ko-KR" altLang="en-US" sz="1200" dirty="0">
               <a:latin typeface="맑은 고딕" panose="02000403000000020004" pitchFamily="50" charset="-127"/>
               <a:ea typeface="맑은 고딕" panose="02000403000000020004" pitchFamily="50" charset="-127"/>
             </a:endParaRPr>
@@ -23320,7 +23320,7 @@
         <p:spPr>
           <a:xfrm>
             <a:off x="243281" y="576225"/>
-            <a:ext cx="4326826" cy="336952"/>
+            <a:ext cx="5061257" cy="333617"/>
           </a:xfrm>
           <a:prstGeom prst="rect">
             <a:avLst/>
@@ -23339,48 +23339,48 @@
               </a:lnSpc>
             </a:pPr>
             <a:r>
+              <a:rPr lang="ko-KR" altLang="en-US" sz="1200" dirty="0">
+                <a:latin typeface="맑은 고딕" panose="02000403000000020004" pitchFamily="50" charset="-127"/>
+                <a:ea typeface="맑은 고딕" panose="02000403000000020004" pitchFamily="50" charset="-127"/>
+              </a:rPr>
+              <a:t>이미지 변환 오픈소스 솔루션인 </a:t>
+            </a:r>
+            <a:r>
+              <a:rPr lang="en-US" altLang="ko-KR" sz="1200">
+                <a:latin typeface="맑은 고딕" panose="02000403000000020004" pitchFamily="50" charset="-127"/>
+                <a:ea typeface="맑은 고딕" panose="02000403000000020004" pitchFamily="50" charset="-127"/>
+              </a:rPr>
+              <a:t>imaginary</a:t>
+            </a:r>
+            <a:r>
               <a:rPr lang="ko-KR" altLang="en-US" sz="1200">
                 <a:latin typeface="맑은 고딕" panose="02000403000000020004" pitchFamily="50" charset="-127"/>
                 <a:ea typeface="맑은 고딕" panose="02000403000000020004" pitchFamily="50" charset="-127"/>
               </a:rPr>
-              <a:t>이미지 변환 오픈소스 솔루션인 </a:t>
-            </a:r>
-            <a:r>
-              <a:rPr lang="en-US" altLang="ko-KR" sz="1200">
-                <a:latin typeface="맑은 고딕" panose="02000403000000020004" pitchFamily="50" charset="-127"/>
-                <a:ea typeface="맑은 고딕" panose="02000403000000020004" pitchFamily="50" charset="-127"/>
-              </a:rPr>
-              <a:t>imaginar</a:t>
-            </a:r>
-            <a:r>
-              <a:rPr lang="ko-KR" altLang="en-US" sz="1200">
-                <a:latin typeface="맑은 고딕" panose="02000403000000020004" pitchFamily="50" charset="-127"/>
-                <a:ea typeface="맑은 고딕" panose="02000403000000020004" pitchFamily="50" charset="-127"/>
-              </a:rPr>
               <a:t>를 </a:t>
             </a:r>
             <a:r>
-              <a:rPr lang="en-US" altLang="ko-KR" sz="1200">
+              <a:rPr lang="en-US" altLang="ko-KR" sz="1200" dirty="0">
                 <a:latin typeface="맑은 고딕" panose="02000403000000020004" pitchFamily="50" charset="-127"/>
                 <a:ea typeface="맑은 고딕" panose="02000403000000020004" pitchFamily="50" charset="-127"/>
               </a:rPr>
               <a:t>k8s </a:t>
             </a:r>
             <a:r>
-              <a:rPr lang="ko-KR" altLang="en-US" sz="1200">
+              <a:rPr lang="ko-KR" altLang="en-US" sz="1200" dirty="0">
                 <a:latin typeface="맑은 고딕" panose="02000403000000020004" pitchFamily="50" charset="-127"/>
                 <a:ea typeface="맑은 고딕" panose="02000403000000020004" pitchFamily="50" charset="-127"/>
               </a:rPr>
               <a:t>클러스터에 배포한다</a:t>
             </a:r>
             <a:r>
-              <a:rPr lang="en-US" altLang="ko-KR" sz="1200">
+              <a:rPr lang="en-US" altLang="ko-KR" sz="1200" dirty="0">
                 <a:latin typeface="맑은 고딕" panose="02000403000000020004" pitchFamily="50" charset="-127"/>
                 <a:ea typeface="맑은 고딕" panose="02000403000000020004" pitchFamily="50" charset="-127"/>
               </a:rPr>
               <a:t>.</a:t>
             </a:r>
-            <a:endParaRPr lang="ko-KR" altLang="en-US" sz="1200">
+            <a:endParaRPr lang="ko-KR" altLang="en-US" sz="1200" dirty="0">
               <a:latin typeface="맑은 고딕" panose="02000403000000020004" pitchFamily="50" charset="-127"/>
               <a:ea typeface="맑은 고딕" panose="02000403000000020004" pitchFamily="50" charset="-127"/>
             </a:endParaRPr>
@@ -23787,8 +23787,8 @@
         </p:nvSpPr>
         <p:spPr>
           <a:xfrm>
-            <a:off x="5117828" y="5545440"/>
-            <a:ext cx="1324402" cy="276999"/>
+            <a:off x="5102023" y="5545440"/>
+            <a:ext cx="1356012" cy="276999"/>
           </a:xfrm>
           <a:prstGeom prst="rect">
             <a:avLst/>
@@ -23803,13 +23803,13 @@
           <a:p>
             <a:pPr algn="ctr"/>
             <a:r>
-              <a:rPr lang="en-US" altLang="ko-KR" sz="1200">
-                <a:latin typeface="맑은 고딕" panose="02000403000000020004" pitchFamily="50" charset="-127"/>
-                <a:ea typeface="맑은 고딕" panose="02000403000000020004" pitchFamily="50" charset="-127"/>
-              </a:rPr>
-              <a:t>VirtualBox 6.1.30</a:t>
-            </a:r>
-            <a:endParaRPr lang="ko-KR" altLang="en-US" sz="1200">
+              <a:rPr lang="en-US" altLang="ko-KR" sz="1200" dirty="0">
+                <a:latin typeface="맑은 고딕" panose="02000403000000020004" pitchFamily="50" charset="-127"/>
+                <a:ea typeface="맑은 고딕" panose="02000403000000020004" pitchFamily="50" charset="-127"/>
+              </a:rPr>
+              <a:t>VirtualBox 7.0.14</a:t>
+            </a:r>
+            <a:endParaRPr lang="ko-KR" altLang="en-US" sz="1200" dirty="0">
               <a:latin typeface="맑은 고딕" panose="02000403000000020004" pitchFamily="50" charset="-127"/>
               <a:ea typeface="맑은 고딕" panose="02000403000000020004" pitchFamily="50" charset="-127"/>
             </a:endParaRPr>
